--- a/vortraege/Präsentation_01.pptx
+++ b/vortraege/Präsentation_01.pptx
@@ -5,16 +5,22 @@
     <p:sldMasterId id="2147483648" r:id="rId1"/>
   </p:sldMasterIdLst>
   <p:sldIdLst>
-    <p:sldId id="257" r:id="rId2"/>
-    <p:sldId id="261" r:id="rId3"/>
-    <p:sldId id="262" r:id="rId4"/>
-    <p:sldId id="263" r:id="rId5"/>
-    <p:sldId id="265" r:id="rId6"/>
-    <p:sldId id="264" r:id="rId7"/>
-    <p:sldId id="267" r:id="rId8"/>
-    <p:sldId id="268" r:id="rId9"/>
-    <p:sldId id="269" r:id="rId10"/>
-    <p:sldId id="270" r:id="rId11"/>
+    <p:sldId id="271" r:id="rId2"/>
+    <p:sldId id="273" r:id="rId3"/>
+    <p:sldId id="275" r:id="rId4"/>
+    <p:sldId id="276" r:id="rId5"/>
+    <p:sldId id="274" r:id="rId6"/>
+    <p:sldId id="272" r:id="rId7"/>
+    <p:sldId id="257" r:id="rId8"/>
+    <p:sldId id="261" r:id="rId9"/>
+    <p:sldId id="262" r:id="rId10"/>
+    <p:sldId id="263" r:id="rId11"/>
+    <p:sldId id="265" r:id="rId12"/>
+    <p:sldId id="264" r:id="rId13"/>
+    <p:sldId id="267" r:id="rId14"/>
+    <p:sldId id="268" r:id="rId15"/>
+    <p:sldId id="269" r:id="rId16"/>
+    <p:sldId id="270" r:id="rId17"/>
   </p:sldIdLst>
   <p:sldSz cx="9144000" cy="6858000" type="screen4x3"/>
   <p:notesSz cx="6858000" cy="9144000"/>
@@ -297,6 +303,7 @@
           <a:p>
             <a:fld id="{0E23E8DD-58EA-4E50-B3CC-91C405509316}" type="datetimeFigureOut">
               <a:rPr lang="de-DE" smtClean="0"/>
+              <a:pPr/>
               <a:t>26.09.2012</a:t>
             </a:fld>
             <a:endParaRPr lang="de-DE"/>
@@ -339,6 +346,7 @@
           <a:p>
             <a:fld id="{BDC9D0C4-40AE-44FD-BDCC-9CED80B1E4F6}" type="slidenum">
               <a:rPr lang="de-DE" smtClean="0"/>
+              <a:pPr/>
               <a:t>‹Nr.›</a:t>
             </a:fld>
             <a:endParaRPr lang="de-DE"/>
@@ -462,6 +470,7 @@
           <a:p>
             <a:fld id="{0E23E8DD-58EA-4E50-B3CC-91C405509316}" type="datetimeFigureOut">
               <a:rPr lang="de-DE" smtClean="0"/>
+              <a:pPr/>
               <a:t>26.09.2012</a:t>
             </a:fld>
             <a:endParaRPr lang="de-DE"/>
@@ -504,6 +513,7 @@
           <a:p>
             <a:fld id="{BDC9D0C4-40AE-44FD-BDCC-9CED80B1E4F6}" type="slidenum">
               <a:rPr lang="de-DE" smtClean="0"/>
+              <a:pPr/>
               <a:t>‹Nr.›</a:t>
             </a:fld>
             <a:endParaRPr lang="de-DE"/>
@@ -637,6 +647,7 @@
           <a:p>
             <a:fld id="{0E23E8DD-58EA-4E50-B3CC-91C405509316}" type="datetimeFigureOut">
               <a:rPr lang="de-DE" smtClean="0"/>
+              <a:pPr/>
               <a:t>26.09.2012</a:t>
             </a:fld>
             <a:endParaRPr lang="de-DE"/>
@@ -679,6 +690,7 @@
           <a:p>
             <a:fld id="{BDC9D0C4-40AE-44FD-BDCC-9CED80B1E4F6}" type="slidenum">
               <a:rPr lang="de-DE" smtClean="0"/>
+              <a:pPr/>
               <a:t>‹Nr.›</a:t>
             </a:fld>
             <a:endParaRPr lang="de-DE"/>
@@ -802,6 +814,7 @@
           <a:p>
             <a:fld id="{0E23E8DD-58EA-4E50-B3CC-91C405509316}" type="datetimeFigureOut">
               <a:rPr lang="de-DE" smtClean="0"/>
+              <a:pPr/>
               <a:t>26.09.2012</a:t>
             </a:fld>
             <a:endParaRPr lang="de-DE"/>
@@ -844,6 +857,7 @@
           <a:p>
             <a:fld id="{BDC9D0C4-40AE-44FD-BDCC-9CED80B1E4F6}" type="slidenum">
               <a:rPr lang="de-DE" smtClean="0"/>
+              <a:pPr/>
               <a:t>‹Nr.›</a:t>
             </a:fld>
             <a:endParaRPr lang="de-DE"/>
@@ -1043,6 +1057,7 @@
           <a:p>
             <a:fld id="{0E23E8DD-58EA-4E50-B3CC-91C405509316}" type="datetimeFigureOut">
               <a:rPr lang="de-DE" smtClean="0"/>
+              <a:pPr/>
               <a:t>26.09.2012</a:t>
             </a:fld>
             <a:endParaRPr lang="de-DE"/>
@@ -1085,6 +1100,7 @@
           <a:p>
             <a:fld id="{BDC9D0C4-40AE-44FD-BDCC-9CED80B1E4F6}" type="slidenum">
               <a:rPr lang="de-DE" smtClean="0"/>
+              <a:pPr/>
               <a:t>‹Nr.›</a:t>
             </a:fld>
             <a:endParaRPr lang="de-DE"/>
@@ -1326,6 +1342,7 @@
           <a:p>
             <a:fld id="{0E23E8DD-58EA-4E50-B3CC-91C405509316}" type="datetimeFigureOut">
               <a:rPr lang="de-DE" smtClean="0"/>
+              <a:pPr/>
               <a:t>26.09.2012</a:t>
             </a:fld>
             <a:endParaRPr lang="de-DE"/>
@@ -1368,6 +1385,7 @@
           <a:p>
             <a:fld id="{BDC9D0C4-40AE-44FD-BDCC-9CED80B1E4F6}" type="slidenum">
               <a:rPr lang="de-DE" smtClean="0"/>
+              <a:pPr/>
               <a:t>‹Nr.›</a:t>
             </a:fld>
             <a:endParaRPr lang="de-DE"/>
@@ -1743,6 +1761,7 @@
           <a:p>
             <a:fld id="{0E23E8DD-58EA-4E50-B3CC-91C405509316}" type="datetimeFigureOut">
               <a:rPr lang="de-DE" smtClean="0"/>
+              <a:pPr/>
               <a:t>26.09.2012</a:t>
             </a:fld>
             <a:endParaRPr lang="de-DE"/>
@@ -1785,6 +1804,7 @@
           <a:p>
             <a:fld id="{BDC9D0C4-40AE-44FD-BDCC-9CED80B1E4F6}" type="slidenum">
               <a:rPr lang="de-DE" smtClean="0"/>
+              <a:pPr/>
               <a:t>‹Nr.›</a:t>
             </a:fld>
             <a:endParaRPr lang="de-DE"/>
@@ -1856,6 +1876,7 @@
           <a:p>
             <a:fld id="{0E23E8DD-58EA-4E50-B3CC-91C405509316}" type="datetimeFigureOut">
               <a:rPr lang="de-DE" smtClean="0"/>
+              <a:pPr/>
               <a:t>26.09.2012</a:t>
             </a:fld>
             <a:endParaRPr lang="de-DE"/>
@@ -1898,6 +1919,7 @@
           <a:p>
             <a:fld id="{BDC9D0C4-40AE-44FD-BDCC-9CED80B1E4F6}" type="slidenum">
               <a:rPr lang="de-DE" smtClean="0"/>
+              <a:pPr/>
               <a:t>‹Nr.›</a:t>
             </a:fld>
             <a:endParaRPr lang="de-DE"/>
@@ -1946,6 +1968,7 @@
           <a:p>
             <a:fld id="{0E23E8DD-58EA-4E50-B3CC-91C405509316}" type="datetimeFigureOut">
               <a:rPr lang="de-DE" smtClean="0"/>
+              <a:pPr/>
               <a:t>26.09.2012</a:t>
             </a:fld>
             <a:endParaRPr lang="de-DE"/>
@@ -1988,6 +2011,7 @@
           <a:p>
             <a:fld id="{BDC9D0C4-40AE-44FD-BDCC-9CED80B1E4F6}" type="slidenum">
               <a:rPr lang="de-DE" smtClean="0"/>
+              <a:pPr/>
               <a:t>‹Nr.›</a:t>
             </a:fld>
             <a:endParaRPr lang="de-DE"/>
@@ -2218,6 +2242,7 @@
           <a:p>
             <a:fld id="{0E23E8DD-58EA-4E50-B3CC-91C405509316}" type="datetimeFigureOut">
               <a:rPr lang="de-DE" smtClean="0"/>
+              <a:pPr/>
               <a:t>26.09.2012</a:t>
             </a:fld>
             <a:endParaRPr lang="de-DE"/>
@@ -2260,6 +2285,7 @@
           <a:p>
             <a:fld id="{BDC9D0C4-40AE-44FD-BDCC-9CED80B1E4F6}" type="slidenum">
               <a:rPr lang="de-DE" smtClean="0"/>
+              <a:pPr/>
               <a:t>‹Nr.›</a:t>
             </a:fld>
             <a:endParaRPr lang="de-DE"/>
@@ -2466,6 +2492,7 @@
           <a:p>
             <a:fld id="{0E23E8DD-58EA-4E50-B3CC-91C405509316}" type="datetimeFigureOut">
               <a:rPr lang="de-DE" smtClean="0"/>
+              <a:pPr/>
               <a:t>26.09.2012</a:t>
             </a:fld>
             <a:endParaRPr lang="de-DE"/>
@@ -2508,6 +2535,7 @@
           <a:p>
             <a:fld id="{BDC9D0C4-40AE-44FD-BDCC-9CED80B1E4F6}" type="slidenum">
               <a:rPr lang="de-DE" smtClean="0"/>
+              <a:pPr/>
               <a:t>‹Nr.›</a:t>
             </a:fld>
             <a:endParaRPr lang="de-DE"/>
@@ -2674,6 +2702,7 @@
           <a:p>
             <a:fld id="{0E23E8DD-58EA-4E50-B3CC-91C405509316}" type="datetimeFigureOut">
               <a:rPr lang="de-DE" smtClean="0"/>
+              <a:pPr/>
               <a:t>26.09.2012</a:t>
             </a:fld>
             <a:endParaRPr lang="de-DE"/>
@@ -2752,6 +2781,7 @@
           <a:p>
             <a:fld id="{BDC9D0C4-40AE-44FD-BDCC-9CED80B1E4F6}" type="slidenum">
               <a:rPr lang="de-DE" smtClean="0"/>
+              <a:pPr/>
               <a:t>‹Nr.›</a:t>
             </a:fld>
             <a:endParaRPr lang="de-DE"/>
@@ -3046,7 +3076,7 @@
       </p:grpSpPr>
       <p:sp>
         <p:nvSpPr>
-          <p:cNvPr id="9" name="Titel 8"/>
+          <p:cNvPr id="2" name="Titel 1"/>
           <p:cNvSpPr>
             <a:spLocks noGrp="1"/>
           </p:cNvSpPr>
@@ -3056,184 +3086,36 @@
         </p:nvSpPr>
         <p:spPr>
           <a:xfrm>
-            <a:off x="457200" y="274638"/>
-            <a:ext cx="4114800" cy="1143000"/>
+            <a:off x="539552" y="2924944"/>
+            <a:ext cx="8229600" cy="1143000"/>
           </a:xfrm>
         </p:spPr>
         <p:txBody>
           <a:bodyPr>
-            <a:normAutofit/>
+            <a:noAutofit/>
           </a:bodyPr>
           <a:lstStyle/>
           <a:p>
-            <a:pPr algn="l"/>
-            <a:r>
-              <a:rPr lang="de-DE" dirty="0" smtClean="0"/>
-              <a:t>Donnerstag 1</a:t>
-            </a:r>
-            <a:endParaRPr lang="de-DE" dirty="0"/>
-          </a:p>
-        </p:txBody>
-      </p:sp>
-      <p:sp>
-        <p:nvSpPr>
-          <p:cNvPr id="10" name="Inhaltsplatzhalter 9"/>
-          <p:cNvSpPr>
-            <a:spLocks noGrp="1"/>
-          </p:cNvSpPr>
-          <p:nvPr>
-            <p:ph sz="half" idx="1"/>
-          </p:nvPr>
-        </p:nvSpPr>
-        <p:spPr>
-          <a:xfrm>
-            <a:off x="457200" y="2276872"/>
-            <a:ext cx="8363272" cy="3849291"/>
-          </a:xfrm>
-        </p:spPr>
-        <p:txBody>
-          <a:bodyPr/>
-          <a:lstStyle/>
-          <a:p>
-            <a:r>
-              <a:rPr lang="de-DE" dirty="0" err="1" smtClean="0"/>
-              <a:t>Eclipse</a:t>
-            </a:r>
-            <a:r>
-              <a:rPr lang="de-DE" dirty="0" smtClean="0"/>
-              <a:t> einrichten</a:t>
-            </a:r>
-          </a:p>
-          <a:p>
-            <a:pPr lvl="1"/>
-            <a:r>
-              <a:rPr lang="de-DE" dirty="0" smtClean="0"/>
-              <a:t>Templates und </a:t>
-            </a:r>
-            <a:r>
-              <a:rPr lang="de-DE" dirty="0" err="1" smtClean="0"/>
-              <a:t>Codeformatter</a:t>
-            </a:r>
-            <a:r>
-              <a:rPr lang="de-DE" dirty="0" smtClean="0"/>
-              <a:t> leicht verändert aus SE2</a:t>
-            </a:r>
-          </a:p>
-          <a:p>
-            <a:r>
-              <a:rPr lang="de-DE" dirty="0" err="1" smtClean="0"/>
+            <a:r>
+              <a:rPr lang="de-DE" sz="5400" dirty="0" smtClean="0"/>
+              <a:t>SEP 2012 Gruppe Normal 2</a:t>
+            </a:r>
+            <a:br>
+              <a:rPr lang="de-DE" sz="5400" dirty="0" smtClean="0"/>
+            </a:br>
+            <a:r>
+              <a:rPr lang="de-DE" sz="5400" dirty="0" smtClean="0"/>
+              <a:t>(die wo </a:t>
+            </a:r>
+            <a:r>
+              <a:rPr lang="de-DE" sz="5400" dirty="0" err="1" smtClean="0"/>
               <a:t>Git</a:t>
             </a:r>
             <a:r>
-              <a:rPr lang="de-DE" dirty="0" smtClean="0"/>
-              <a:t> Repository </a:t>
-            </a:r>
-            <a:r>
-              <a:rPr lang="en-US" dirty="0" err="1" smtClean="0"/>
-              <a:t>einrichten</a:t>
-            </a:r>
-            <a:endParaRPr lang="de-DE" dirty="0" smtClean="0"/>
-          </a:p>
-          <a:p>
-            <a:endParaRPr lang="de-DE" dirty="0" smtClean="0"/>
-          </a:p>
-        </p:txBody>
-      </p:sp>
-      <p:sp>
-        <p:nvSpPr>
-          <p:cNvPr id="12" name="Textfeld 11"/>
-          <p:cNvSpPr txBox="1"/>
-          <p:nvPr/>
-        </p:nvSpPr>
-        <p:spPr>
-          <a:xfrm>
-            <a:off x="457200" y="1628800"/>
-            <a:ext cx="8229600" cy="523220"/>
-          </a:xfrm>
-          <a:prstGeom prst="rect">
-            <a:avLst/>
-          </a:prstGeom>
-          <a:noFill/>
-        </p:spPr>
-        <p:txBody>
-          <a:bodyPr wrap="square" rtlCol="0">
-            <a:spAutoFit/>
-          </a:bodyPr>
-          <a:lstStyle/>
-          <a:p>
-            <a:r>
-              <a:rPr lang="de-DE" sz="2800" i="1" dirty="0" smtClean="0"/>
-              <a:t>Vortrag: </a:t>
-            </a:r>
-            <a:r>
-              <a:rPr lang="de-DE" sz="2800" i="1" dirty="0" err="1" smtClean="0"/>
-              <a:t>Git</a:t>
-            </a:r>
-            <a:r>
-              <a:rPr lang="de-DE" sz="2800" i="1" dirty="0" smtClean="0"/>
-              <a:t> [0graeff, 1wiedema]</a:t>
-            </a:r>
-            <a:endParaRPr lang="de-DE" sz="2800" i="1" dirty="0"/>
-          </a:p>
-        </p:txBody>
-      </p:sp>
-      <p:sp>
-        <p:nvSpPr>
-          <p:cNvPr id="13" name="Titel 8"/>
-          <p:cNvSpPr txBox="1">
-            <a:spLocks/>
-          </p:cNvSpPr>
-          <p:nvPr/>
-        </p:nvSpPr>
-        <p:spPr>
-          <a:xfrm>
-            <a:off x="4716016" y="273600"/>
-            <a:ext cx="4123184" cy="1143000"/>
-          </a:xfrm>
-          <a:prstGeom prst="rect">
-            <a:avLst/>
-          </a:prstGeom>
-        </p:spPr>
-        <p:txBody>
-          <a:bodyPr vert="horz" lIns="91440" tIns="45720" rIns="91440" bIns="45720" rtlCol="0" anchor="ctr">
-            <a:normAutofit/>
-          </a:bodyPr>
-          <a:lstStyle/>
-          <a:p>
-            <a:pPr marL="0" marR="0" lvl="0" indent="0" algn="r" defTabSz="914400" rtl="0" eaLnBrk="1" fontAlgn="auto" latinLnBrk="0" hangingPunct="1">
-              <a:lnSpc>
-                <a:spcPct val="100000"/>
-              </a:lnSpc>
-              <a:spcBef>
-                <a:spcPct val="0"/>
-              </a:spcBef>
-              <a:spcAft>
-                <a:spcPts val="0"/>
-              </a:spcAft>
-              <a:buClrTx/>
-              <a:buSzTx/>
-              <a:buFontTx/>
-              <a:buNone/>
-              <a:tabLst/>
-              <a:defRPr/>
-            </a:pPr>
-            <a:r>
-              <a:rPr kumimoji="0" lang="de-DE" sz="4400" b="0" i="0" u="none" strike="noStrike" kern="1200" cap="none" spc="0" normalizeH="0" baseline="0" noProof="0" dirty="0" smtClean="0">
-                <a:ln>
-                  <a:noFill/>
-                </a:ln>
-                <a:solidFill>
-                  <a:schemeClr val="tx1"/>
-                </a:solidFill>
-                <a:effectLst/>
-                <a:uLnTx/>
-                <a:uFillTx/>
-                <a:latin typeface="+mj-lt"/>
-                <a:ea typeface="+mj-ea"/>
-                <a:cs typeface="+mj-cs"/>
-              </a:rPr>
-              <a:t>[1jost]</a:t>
-            </a:r>
+              <a:rPr lang="de-DE" sz="5400" dirty="0" smtClean="0"/>
+              <a:t>)</a:t>
+            </a:r>
+            <a:endParaRPr lang="de-DE" sz="5400" dirty="0"/>
           </a:p>
         </p:txBody>
       </p:sp>
@@ -3287,9 +3169,176 @@
             <a:pPr algn="l"/>
             <a:r>
               <a:rPr lang="de-DE" dirty="0" smtClean="0"/>
-              <a:t>Mittwoch 2</a:t>
+              <a:t>Dienstag 1</a:t>
             </a:r>
             <a:endParaRPr lang="de-DE" dirty="0"/>
+          </a:p>
+        </p:txBody>
+      </p:sp>
+      <p:sp>
+        <p:nvSpPr>
+          <p:cNvPr id="10" name="Inhaltsplatzhalter 9"/>
+          <p:cNvSpPr>
+            <a:spLocks noGrp="1"/>
+          </p:cNvSpPr>
+          <p:nvPr>
+            <p:ph sz="half" idx="1"/>
+          </p:nvPr>
+        </p:nvSpPr>
+        <p:spPr>
+          <a:xfrm>
+            <a:off x="457200" y="2276872"/>
+            <a:ext cx="4038600" cy="3849291"/>
+          </a:xfrm>
+        </p:spPr>
+        <p:txBody>
+          <a:bodyPr>
+            <a:normAutofit lnSpcReduction="10000"/>
+          </a:bodyPr>
+          <a:lstStyle/>
+          <a:p>
+            <a:pPr>
+              <a:buNone/>
+            </a:pPr>
+            <a:r>
+              <a:rPr lang="de-DE" u="sng" dirty="0" smtClean="0"/>
+              <a:t>Features</a:t>
+            </a:r>
+          </a:p>
+          <a:p>
+            <a:r>
+              <a:rPr lang="de-DE" dirty="0" err="1" smtClean="0"/>
+              <a:t>Leveleditor</a:t>
+            </a:r>
+            <a:r>
+              <a:rPr lang="de-DE" dirty="0" smtClean="0"/>
+              <a:t> </a:t>
+            </a:r>
+            <a:r>
+              <a:rPr lang="de-DE" dirty="0" smtClean="0"/>
+              <a:t>Alpha</a:t>
+            </a:r>
+            <a:endParaRPr lang="de-DE" dirty="0" smtClean="0"/>
+          </a:p>
+          <a:p>
+            <a:r>
+              <a:rPr lang="de-DE" dirty="0" smtClean="0"/>
+              <a:t>Level laden und speichern</a:t>
+            </a:r>
+            <a:endParaRPr lang="de-DE" dirty="0" smtClean="0"/>
+          </a:p>
+          <a:p>
+            <a:r>
+              <a:rPr lang="de-DE" dirty="0" smtClean="0"/>
+              <a:t>Zufällige Maus-Position</a:t>
+            </a:r>
+          </a:p>
+          <a:p>
+            <a:pPr lvl="1"/>
+            <a:r>
+              <a:rPr lang="de-DE" dirty="0" smtClean="0"/>
+              <a:t>Path </a:t>
+            </a:r>
+            <a:r>
+              <a:rPr lang="de-DE" dirty="0" err="1" smtClean="0"/>
+              <a:t>Finding</a:t>
+            </a:r>
+            <a:endParaRPr lang="de-DE" dirty="0" smtClean="0"/>
+          </a:p>
+          <a:p>
+            <a:r>
+              <a:rPr lang="de-DE" dirty="0" smtClean="0"/>
+              <a:t>Raumanzeige</a:t>
+            </a:r>
+          </a:p>
+          <a:p>
+            <a:r>
+              <a:rPr lang="de-DE" dirty="0" smtClean="0"/>
+              <a:t>Labor</a:t>
+            </a:r>
+            <a:endParaRPr lang="de-DE" dirty="0" smtClean="0"/>
+          </a:p>
+        </p:txBody>
+      </p:sp>
+      <p:sp>
+        <p:nvSpPr>
+          <p:cNvPr id="11" name="Inhaltsplatzhalter 10"/>
+          <p:cNvSpPr>
+            <a:spLocks noGrp="1"/>
+          </p:cNvSpPr>
+          <p:nvPr>
+            <p:ph sz="half" idx="2"/>
+          </p:nvPr>
+        </p:nvSpPr>
+        <p:spPr>
+          <a:xfrm>
+            <a:off x="4648200" y="2276872"/>
+            <a:ext cx="4038600" cy="3849291"/>
+          </a:xfrm>
+        </p:spPr>
+        <p:txBody>
+          <a:bodyPr>
+            <a:normAutofit lnSpcReduction="10000"/>
+          </a:bodyPr>
+          <a:lstStyle/>
+          <a:p>
+            <a:pPr>
+              <a:buNone/>
+            </a:pPr>
+            <a:r>
+              <a:rPr lang="de-DE" u="sng" dirty="0" smtClean="0"/>
+              <a:t>Refactoring</a:t>
+            </a:r>
+          </a:p>
+          <a:p>
+            <a:r>
+              <a:rPr lang="de-DE" dirty="0" smtClean="0"/>
+              <a:t>Dies und </a:t>
+            </a:r>
+            <a:r>
+              <a:rPr lang="de-DE" dirty="0" smtClean="0"/>
+              <a:t>das</a:t>
+            </a:r>
+          </a:p>
+          <a:p>
+            <a:r>
+              <a:rPr lang="de-DE" smtClean="0"/>
+              <a:t>XML für Level</a:t>
+            </a:r>
+            <a:endParaRPr lang="de-DE" dirty="0" smtClean="0"/>
+          </a:p>
+          <a:p>
+            <a:endParaRPr lang="de-DE" dirty="0"/>
+          </a:p>
+        </p:txBody>
+      </p:sp>
+      <p:sp>
+        <p:nvSpPr>
+          <p:cNvPr id="12" name="Textfeld 11"/>
+          <p:cNvSpPr txBox="1"/>
+          <p:nvPr/>
+        </p:nvSpPr>
+        <p:spPr>
+          <a:xfrm>
+            <a:off x="457200" y="1628800"/>
+            <a:ext cx="8229600" cy="523220"/>
+          </a:xfrm>
+          <a:prstGeom prst="rect">
+            <a:avLst/>
+          </a:prstGeom>
+          <a:noFill/>
+        </p:spPr>
+        <p:txBody>
+          <a:bodyPr wrap="square" rtlCol="0">
+            <a:spAutoFit/>
+          </a:bodyPr>
+          <a:lstStyle/>
+          <a:p>
+            <a:r>
+              <a:rPr lang="de-DE" sz="2800" i="1" dirty="0" smtClean="0"/>
+              <a:t>Vortrag: File-IO und XML [1fechner, 1jost] </a:t>
+            </a:r>
+            <a:endParaRPr lang="de-DE" sz="2800" i="1" dirty="0"/>
           </a:p>
         </p:txBody>
       </p:sp>
@@ -3312,25 +3361,30 @@
         </p:spPr>
         <p:txBody>
           <a:bodyPr vert="horz" lIns="91440" tIns="45720" rIns="91440" bIns="45720" rtlCol="0" anchor="ctr">
-            <a:normAutofit/>
+            <a:normAutofit fontScale="92500" lnSpcReduction="20000"/>
           </a:bodyPr>
           <a:lstStyle/>
           <a:p>
-            <a:pPr marL="0" marR="0" lvl="0" indent="0" algn="r" defTabSz="914400" rtl="0" eaLnBrk="1" fontAlgn="auto" latinLnBrk="0" hangingPunct="1">
-              <a:lnSpc>
-                <a:spcPct val="100000"/>
-              </a:lnSpc>
+            <a:pPr lvl="0" algn="r">
               <a:spcBef>
                 <a:spcPct val="0"/>
               </a:spcBef>
-              <a:spcAft>
-                <a:spcPts val="0"/>
-              </a:spcAft>
-              <a:buClrTx/>
-              <a:buSzTx/>
-              <a:buFontTx/>
-              <a:buNone/>
-              <a:tabLst/>
+              <a:defRPr/>
+            </a:pPr>
+            <a:r>
+              <a:rPr lang="de-DE" sz="4400" dirty="0" smtClean="0"/>
+              <a:t>Gruppenleiter</a:t>
+            </a:r>
+            <a:r>
+              <a:rPr lang="de-DE" sz="4400" dirty="0" smtClean="0"/>
+              <a:t>:</a:t>
+            </a:r>
+          </a:p>
+          <a:p>
+            <a:pPr lvl="0" algn="r">
+              <a:spcBef>
+                <a:spcPct val="0"/>
+              </a:spcBef>
               <a:defRPr/>
             </a:pPr>
             <a:r>
@@ -3348,21 +3402,199 @@
                 <a:ea typeface="+mj-ea"/>
                 <a:cs typeface="+mj-cs"/>
               </a:rPr>
-              <a:t>[0graeff]</a:t>
-            </a:r>
-          </a:p>
-        </p:txBody>
-      </p:sp>
-      <p:sp>
-        <p:nvSpPr>
-          <p:cNvPr id="8" name="Textfeld 7"/>
+              <a:t>[</a:t>
+            </a:r>
+            <a:r>
+              <a:rPr kumimoji="0" lang="de-DE" sz="4400" b="0" i="0" u="none" strike="noStrike" kern="1200" cap="none" spc="0" normalizeH="0" baseline="0" noProof="0" dirty="0" smtClean="0">
+                <a:ln>
+                  <a:noFill/>
+                </a:ln>
+                <a:solidFill>
+                  <a:schemeClr val="tx1"/>
+                </a:solidFill>
+                <a:effectLst/>
+                <a:uLnTx/>
+                <a:uFillTx/>
+                <a:latin typeface="+mj-lt"/>
+                <a:ea typeface="+mj-ea"/>
+                <a:cs typeface="+mj-cs"/>
+              </a:rPr>
+              <a:t>1griese]</a:t>
+            </a:r>
+          </a:p>
+        </p:txBody>
+      </p:sp>
+    </p:spTree>
+  </p:cSld>
+  <p:clrMapOvr>
+    <a:masterClrMapping/>
+  </p:clrMapOvr>
+</p:sld>
+</file>
+
+<file path=ppt/slides/slide11.xml><?xml version="1.0" encoding="utf-8"?>
+<p:sld xmlns:a="http://schemas.openxmlformats.org/drawingml/2006/main" xmlns:r="http://schemas.openxmlformats.org/officeDocument/2006/relationships" xmlns:p="http://schemas.openxmlformats.org/presentationml/2006/main">
+  <p:cSld>
+    <p:spTree>
+      <p:nvGrpSpPr>
+        <p:cNvPr id="1" name=""/>
+        <p:cNvGrpSpPr/>
+        <p:nvPr/>
+      </p:nvGrpSpPr>
+      <p:grpSpPr>
+        <a:xfrm>
+          <a:off x="0" y="0"/>
+          <a:ext cx="0" cy="0"/>
+          <a:chOff x="0" y="0"/>
+          <a:chExt cx="0" cy="0"/>
+        </a:xfrm>
+      </p:grpSpPr>
+      <p:sp>
+        <p:nvSpPr>
+          <p:cNvPr id="9" name="Titel 8"/>
+          <p:cNvSpPr>
+            <a:spLocks noGrp="1"/>
+          </p:cNvSpPr>
+          <p:nvPr>
+            <p:ph type="title"/>
+          </p:nvPr>
+        </p:nvSpPr>
+        <p:spPr>
+          <a:xfrm>
+            <a:off x="457200" y="274638"/>
+            <a:ext cx="4114800" cy="1143000"/>
+          </a:xfrm>
+        </p:spPr>
+        <p:txBody>
+          <a:bodyPr>
+            <a:normAutofit/>
+          </a:bodyPr>
+          <a:lstStyle/>
+          <a:p>
+            <a:pPr algn="l"/>
+            <a:r>
+              <a:rPr lang="de-DE" dirty="0" smtClean="0"/>
+              <a:t>Mittwoch 1</a:t>
+            </a:r>
+            <a:endParaRPr lang="de-DE" dirty="0"/>
+          </a:p>
+        </p:txBody>
+      </p:sp>
+      <p:sp>
+        <p:nvSpPr>
+          <p:cNvPr id="10" name="Inhaltsplatzhalter 9"/>
+          <p:cNvSpPr>
+            <a:spLocks noGrp="1"/>
+          </p:cNvSpPr>
+          <p:nvPr>
+            <p:ph sz="half" idx="1"/>
+          </p:nvPr>
+        </p:nvSpPr>
+        <p:spPr>
+          <a:xfrm>
+            <a:off x="457200" y="2276872"/>
+            <a:ext cx="4038600" cy="3849291"/>
+          </a:xfrm>
+        </p:spPr>
+        <p:txBody>
+          <a:bodyPr/>
+          <a:lstStyle/>
+          <a:p>
+            <a:pPr>
+              <a:buNone/>
+            </a:pPr>
+            <a:r>
+              <a:rPr lang="de-DE" u="sng" dirty="0" smtClean="0"/>
+              <a:t>Features</a:t>
+            </a:r>
+          </a:p>
+          <a:p>
+            <a:r>
+              <a:rPr lang="de-DE" dirty="0" smtClean="0"/>
+              <a:t>GUI überarbeitet</a:t>
+            </a:r>
+          </a:p>
+          <a:p>
+            <a:pPr lvl="1"/>
+            <a:r>
+              <a:rPr lang="de-DE" dirty="0" smtClean="0"/>
+              <a:t>Raumansicht</a:t>
+            </a:r>
+          </a:p>
+          <a:p>
+            <a:r>
+              <a:rPr lang="de-DE" dirty="0" err="1" smtClean="0"/>
+              <a:t>FileChooser</a:t>
+            </a:r>
+            <a:endParaRPr lang="de-DE" dirty="0" smtClean="0"/>
+          </a:p>
+          <a:p>
+            <a:r>
+              <a:rPr lang="de-DE" dirty="0" smtClean="0"/>
+              <a:t>Mehrere Mäuse</a:t>
+            </a:r>
+          </a:p>
+          <a:p>
+            <a:r>
+              <a:rPr lang="de-DE" dirty="0" smtClean="0"/>
+              <a:t>Katze</a:t>
+            </a:r>
+          </a:p>
+          <a:p>
+            <a:r>
+              <a:rPr lang="de-DE" dirty="0" smtClean="0"/>
+              <a:t>Hilfe verbessert</a:t>
+            </a:r>
+          </a:p>
+        </p:txBody>
+      </p:sp>
+      <p:sp>
+        <p:nvSpPr>
+          <p:cNvPr id="11" name="Inhaltsplatzhalter 10"/>
+          <p:cNvSpPr>
+            <a:spLocks noGrp="1"/>
+          </p:cNvSpPr>
+          <p:nvPr>
+            <p:ph sz="half" idx="2"/>
+          </p:nvPr>
+        </p:nvSpPr>
+        <p:spPr>
+          <a:xfrm>
+            <a:off x="4648200" y="2276872"/>
+            <a:ext cx="4038600" cy="3849291"/>
+          </a:xfrm>
+        </p:spPr>
+        <p:txBody>
+          <a:bodyPr/>
+          <a:lstStyle/>
+          <a:p>
+            <a:pPr>
+              <a:buNone/>
+            </a:pPr>
+            <a:r>
+              <a:rPr lang="de-DE" u="sng" dirty="0" smtClean="0"/>
+              <a:t>Refactoring</a:t>
+            </a:r>
+          </a:p>
+          <a:p>
+            <a:r>
+              <a:rPr lang="de-DE" dirty="0" smtClean="0"/>
+              <a:t>SpielKontext aufgeteilt</a:t>
+            </a:r>
+            <a:endParaRPr lang="de-DE" dirty="0"/>
+          </a:p>
+        </p:txBody>
+      </p:sp>
+      <p:sp>
+        <p:nvSpPr>
+          <p:cNvPr id="12" name="Textfeld 11"/>
           <p:cNvSpPr txBox="1"/>
           <p:nvPr/>
         </p:nvSpPr>
         <p:spPr>
-          <a:xfrm rot="20421405">
-            <a:off x="2368093" y="2701740"/>
-            <a:ext cx="4035529" cy="2123658"/>
+          <a:xfrm>
+            <a:off x="457200" y="1628800"/>
+            <a:ext cx="8229600" cy="523220"/>
           </a:xfrm>
           <a:prstGeom prst="rect">
             <a:avLst/>
@@ -3375,17 +3607,1266 @@
           </a:bodyPr>
           <a:lstStyle/>
           <a:p>
+            <a:r>
+              <a:rPr lang="de-DE" sz="2800" i="1" dirty="0" smtClean="0"/>
+              <a:t>Vortrag: RMI [0ortmann, 0klein] </a:t>
+            </a:r>
+            <a:endParaRPr lang="de-DE" sz="2800" i="1" dirty="0"/>
+          </a:p>
+        </p:txBody>
+      </p:sp>
+      <p:sp>
+        <p:nvSpPr>
+          <p:cNvPr id="13" name="Titel 8"/>
+          <p:cNvSpPr txBox="1">
+            <a:spLocks/>
+          </p:cNvSpPr>
+          <p:nvPr/>
+        </p:nvSpPr>
+        <p:spPr>
+          <a:xfrm>
+            <a:off x="4716016" y="273600"/>
+            <a:ext cx="4123184" cy="1143000"/>
+          </a:xfrm>
+          <a:prstGeom prst="rect">
+            <a:avLst/>
+          </a:prstGeom>
+        </p:spPr>
+        <p:txBody>
+          <a:bodyPr vert="horz" lIns="91440" tIns="45720" rIns="91440" bIns="45720" rtlCol="0" anchor="ctr">
+            <a:normAutofit fontScale="92500" lnSpcReduction="20000"/>
+          </a:bodyPr>
+          <a:lstStyle/>
+          <a:p>
+            <a:pPr lvl="0" algn="r">
+              <a:spcBef>
+                <a:spcPct val="0"/>
+              </a:spcBef>
+              <a:defRPr/>
+            </a:pPr>
+            <a:r>
+              <a:rPr lang="de-DE" sz="4400" dirty="0" smtClean="0"/>
+              <a:t>Gruppenleiter</a:t>
+            </a:r>
+            <a:r>
+              <a:rPr lang="de-DE" sz="4400" dirty="0" smtClean="0"/>
+              <a:t>:</a:t>
+            </a:r>
+          </a:p>
+          <a:p>
+            <a:pPr lvl="0" algn="r">
+              <a:spcBef>
+                <a:spcPct val="0"/>
+              </a:spcBef>
+              <a:defRPr/>
+            </a:pPr>
+            <a:r>
+              <a:rPr kumimoji="0" lang="de-DE" sz="4400" b="0" i="0" u="none" strike="noStrike" kern="1200" cap="none" spc="0" normalizeH="0" baseline="0" noProof="0" dirty="0" smtClean="0">
+                <a:ln>
+                  <a:noFill/>
+                </a:ln>
+                <a:solidFill>
+                  <a:schemeClr val="tx1"/>
+                </a:solidFill>
+                <a:effectLst/>
+                <a:uLnTx/>
+                <a:uFillTx/>
+                <a:latin typeface="+mj-lt"/>
+                <a:ea typeface="+mj-ea"/>
+                <a:cs typeface="+mj-cs"/>
+              </a:rPr>
+              <a:t>[</a:t>
+            </a:r>
+            <a:r>
+              <a:rPr kumimoji="0" lang="de-DE" sz="4400" b="0" i="0" u="none" strike="noStrike" kern="1200" cap="none" spc="0" normalizeH="0" baseline="0" noProof="0" dirty="0" smtClean="0">
+                <a:ln>
+                  <a:noFill/>
+                </a:ln>
+                <a:solidFill>
+                  <a:schemeClr val="tx1"/>
+                </a:solidFill>
+                <a:effectLst/>
+                <a:uLnTx/>
+                <a:uFillTx/>
+                <a:latin typeface="+mj-lt"/>
+                <a:ea typeface="+mj-ea"/>
+                <a:cs typeface="+mj-cs"/>
+              </a:rPr>
+              <a:t>0schlund]</a:t>
+            </a:r>
+          </a:p>
+        </p:txBody>
+      </p:sp>
+    </p:spTree>
+  </p:cSld>
+  <p:clrMapOvr>
+    <a:masterClrMapping/>
+  </p:clrMapOvr>
+</p:sld>
+</file>
+
+<file path=ppt/slides/slide12.xml><?xml version="1.0" encoding="utf-8"?>
+<p:sld xmlns:a="http://schemas.openxmlformats.org/drawingml/2006/main" xmlns:r="http://schemas.openxmlformats.org/officeDocument/2006/relationships" xmlns:p="http://schemas.openxmlformats.org/presentationml/2006/main">
+  <p:cSld>
+    <p:spTree>
+      <p:nvGrpSpPr>
+        <p:cNvPr id="1" name=""/>
+        <p:cNvGrpSpPr/>
+        <p:nvPr/>
+      </p:nvGrpSpPr>
+      <p:grpSpPr>
+        <a:xfrm>
+          <a:off x="0" y="0"/>
+          <a:ext cx="0" cy="0"/>
+          <a:chOff x="0" y="0"/>
+          <a:chExt cx="0" cy="0"/>
+        </a:xfrm>
+      </p:grpSpPr>
+      <p:sp>
+        <p:nvSpPr>
+          <p:cNvPr id="9" name="Titel 8"/>
+          <p:cNvSpPr>
+            <a:spLocks noGrp="1"/>
+          </p:cNvSpPr>
+          <p:nvPr>
+            <p:ph type="title"/>
+          </p:nvPr>
+        </p:nvSpPr>
+        <p:spPr>
+          <a:xfrm>
+            <a:off x="457200" y="274638"/>
+            <a:ext cx="4114800" cy="1143000"/>
+          </a:xfrm>
+        </p:spPr>
+        <p:txBody>
+          <a:bodyPr>
+            <a:normAutofit/>
+          </a:bodyPr>
+          <a:lstStyle/>
+          <a:p>
+            <a:pPr algn="l"/>
+            <a:r>
+              <a:rPr lang="de-DE" dirty="0" smtClean="0"/>
+              <a:t>Donnerstag 2</a:t>
+            </a:r>
+            <a:endParaRPr lang="de-DE" dirty="0"/>
+          </a:p>
+        </p:txBody>
+      </p:sp>
+      <p:sp>
+        <p:nvSpPr>
+          <p:cNvPr id="10" name="Inhaltsplatzhalter 9"/>
+          <p:cNvSpPr>
+            <a:spLocks noGrp="1"/>
+          </p:cNvSpPr>
+          <p:nvPr>
+            <p:ph sz="half" idx="1"/>
+          </p:nvPr>
+        </p:nvSpPr>
+        <p:spPr>
+          <a:xfrm>
+            <a:off x="457200" y="1484784"/>
+            <a:ext cx="4038600" cy="4641379"/>
+          </a:xfrm>
+        </p:spPr>
+        <p:txBody>
+          <a:bodyPr/>
+          <a:lstStyle/>
+          <a:p>
+            <a:pPr>
+              <a:buNone/>
+            </a:pPr>
+            <a:r>
+              <a:rPr lang="de-DE" u="sng" dirty="0" smtClean="0"/>
+              <a:t>Features</a:t>
+            </a:r>
+          </a:p>
+          <a:p>
+            <a:r>
+              <a:rPr lang="de-DE" dirty="0" smtClean="0"/>
+              <a:t>Editor Beta</a:t>
+            </a:r>
+          </a:p>
+          <a:p>
+            <a:pPr lvl="1"/>
+            <a:r>
+              <a:rPr lang="de-DE" dirty="0" smtClean="0"/>
+              <a:t>Inkl. Laden &amp; Speichern</a:t>
+            </a:r>
+          </a:p>
+          <a:p>
+            <a:r>
+              <a:rPr lang="de-DE" dirty="0" smtClean="0"/>
+              <a:t>Netzwerk </a:t>
+            </a:r>
+            <a:r>
+              <a:rPr lang="de-DE" dirty="0" err="1" smtClean="0"/>
+              <a:t>PreAlpha</a:t>
+            </a:r>
+            <a:endParaRPr lang="de-DE" dirty="0" smtClean="0"/>
+          </a:p>
+          <a:p>
+            <a:pPr lvl="1"/>
+            <a:r>
+              <a:rPr lang="de-DE" dirty="0" smtClean="0"/>
+              <a:t>Architektur </a:t>
+            </a:r>
+            <a:r>
+              <a:rPr lang="de-DE" dirty="0" smtClean="0"/>
+              <a:t>ersonnen</a:t>
+            </a:r>
+          </a:p>
+          <a:p>
+            <a:r>
+              <a:rPr lang="de-DE" dirty="0" err="1" smtClean="0"/>
+              <a:t>Redesign</a:t>
+            </a:r>
+            <a:endParaRPr lang="de-DE" dirty="0" smtClean="0"/>
+          </a:p>
+          <a:p>
+            <a:r>
+              <a:rPr lang="de-DE" dirty="0" smtClean="0"/>
+              <a:t>Schauen-Befehl</a:t>
+            </a:r>
+            <a:endParaRPr lang="de-DE" dirty="0" smtClean="0"/>
+          </a:p>
+          <a:p>
+            <a:endParaRPr lang="de-DE" dirty="0" smtClean="0"/>
+          </a:p>
+          <a:p>
+            <a:pPr lvl="1"/>
+            <a:endParaRPr lang="de-DE" dirty="0"/>
+          </a:p>
+        </p:txBody>
+      </p:sp>
+      <p:sp>
+        <p:nvSpPr>
+          <p:cNvPr id="13" name="Titel 8"/>
+          <p:cNvSpPr txBox="1">
+            <a:spLocks/>
+          </p:cNvSpPr>
+          <p:nvPr/>
+        </p:nvSpPr>
+        <p:spPr>
+          <a:xfrm>
+            <a:off x="4716016" y="273600"/>
+            <a:ext cx="4123184" cy="1143000"/>
+          </a:xfrm>
+          <a:prstGeom prst="rect">
+            <a:avLst/>
+          </a:prstGeom>
+        </p:spPr>
+        <p:txBody>
+          <a:bodyPr vert="horz" lIns="91440" tIns="45720" rIns="91440" bIns="45720" rtlCol="0" anchor="ctr">
+            <a:normAutofit fontScale="92500" lnSpcReduction="20000"/>
+          </a:bodyPr>
+          <a:lstStyle/>
+          <a:p>
+            <a:pPr lvl="0" algn="r">
+              <a:spcBef>
+                <a:spcPct val="0"/>
+              </a:spcBef>
+              <a:defRPr/>
+            </a:pPr>
+            <a:r>
+              <a:rPr lang="de-DE" sz="4400" dirty="0" smtClean="0"/>
+              <a:t>Gruppenleiter</a:t>
+            </a:r>
+            <a:r>
+              <a:rPr lang="de-DE" sz="4400" dirty="0" smtClean="0"/>
+              <a:t>:</a:t>
+            </a:r>
+          </a:p>
+          <a:p>
+            <a:pPr lvl="0" algn="r">
+              <a:spcBef>
+                <a:spcPct val="0"/>
+              </a:spcBef>
+              <a:defRPr/>
+            </a:pPr>
+            <a:r>
+              <a:rPr kumimoji="0" lang="de-DE" sz="4400" b="0" i="0" u="none" strike="noStrike" kern="1200" cap="none" spc="0" normalizeH="0" baseline="0" noProof="0" dirty="0" smtClean="0">
+                <a:ln>
+                  <a:noFill/>
+                </a:ln>
+                <a:solidFill>
+                  <a:schemeClr val="tx1"/>
+                </a:solidFill>
+                <a:effectLst/>
+                <a:uLnTx/>
+                <a:uFillTx/>
+                <a:latin typeface="+mj-lt"/>
+                <a:ea typeface="+mj-ea"/>
+                <a:cs typeface="+mj-cs"/>
+              </a:rPr>
+              <a:t>[</a:t>
+            </a:r>
+            <a:r>
+              <a:rPr kumimoji="0" lang="de-DE" sz="4400" b="0" i="0" u="none" strike="noStrike" kern="1200" cap="none" spc="0" normalizeH="0" baseline="0" noProof="0" dirty="0" smtClean="0">
+                <a:ln>
+                  <a:noFill/>
+                </a:ln>
+                <a:solidFill>
+                  <a:schemeClr val="tx1"/>
+                </a:solidFill>
+                <a:effectLst/>
+                <a:uLnTx/>
+                <a:uFillTx/>
+                <a:latin typeface="+mj-lt"/>
+                <a:ea typeface="+mj-ea"/>
+                <a:cs typeface="+mj-cs"/>
+              </a:rPr>
+              <a:t>0ortmann]</a:t>
+            </a:r>
+          </a:p>
+        </p:txBody>
+      </p:sp>
+      <p:sp>
+        <p:nvSpPr>
+          <p:cNvPr id="6" name="Inhaltsplatzhalter 5"/>
+          <p:cNvSpPr>
+            <a:spLocks noGrp="1"/>
+          </p:cNvSpPr>
+          <p:nvPr>
+            <p:ph sz="half" idx="2"/>
+          </p:nvPr>
+        </p:nvSpPr>
+        <p:spPr/>
+        <p:txBody>
+          <a:bodyPr/>
+          <a:lstStyle/>
+          <a:p>
+            <a:endParaRPr lang="de-DE"/>
+          </a:p>
+        </p:txBody>
+      </p:sp>
+    </p:spTree>
+  </p:cSld>
+  <p:clrMapOvr>
+    <a:masterClrMapping/>
+  </p:clrMapOvr>
+</p:sld>
+</file>
+
+<file path=ppt/slides/slide13.xml><?xml version="1.0" encoding="utf-8"?>
+<p:sld xmlns:a="http://schemas.openxmlformats.org/drawingml/2006/main" xmlns:r="http://schemas.openxmlformats.org/officeDocument/2006/relationships" xmlns:p="http://schemas.openxmlformats.org/presentationml/2006/main">
+  <p:cSld>
+    <p:spTree>
+      <p:nvGrpSpPr>
+        <p:cNvPr id="1" name=""/>
+        <p:cNvGrpSpPr/>
+        <p:nvPr/>
+      </p:nvGrpSpPr>
+      <p:grpSpPr>
+        <a:xfrm>
+          <a:off x="0" y="0"/>
+          <a:ext cx="0" cy="0"/>
+          <a:chOff x="0" y="0"/>
+          <a:chExt cx="0" cy="0"/>
+        </a:xfrm>
+      </p:grpSpPr>
+      <p:sp>
+        <p:nvSpPr>
+          <p:cNvPr id="9" name="Titel 8"/>
+          <p:cNvSpPr>
+            <a:spLocks noGrp="1"/>
+          </p:cNvSpPr>
+          <p:nvPr>
+            <p:ph type="title"/>
+          </p:nvPr>
+        </p:nvSpPr>
+        <p:spPr>
+          <a:xfrm>
+            <a:off x="457200" y="274638"/>
+            <a:ext cx="4114800" cy="1143000"/>
+          </a:xfrm>
+        </p:spPr>
+        <p:txBody>
+          <a:bodyPr>
+            <a:normAutofit/>
+          </a:bodyPr>
+          <a:lstStyle/>
+          <a:p>
+            <a:pPr algn="l"/>
+            <a:r>
+              <a:rPr lang="de-DE" dirty="0" smtClean="0"/>
+              <a:t>Freitag 2</a:t>
+            </a:r>
+            <a:endParaRPr lang="de-DE" dirty="0"/>
+          </a:p>
+        </p:txBody>
+      </p:sp>
+      <p:sp>
+        <p:nvSpPr>
+          <p:cNvPr id="10" name="Inhaltsplatzhalter 9"/>
+          <p:cNvSpPr>
+            <a:spLocks noGrp="1"/>
+          </p:cNvSpPr>
+          <p:nvPr>
+            <p:ph sz="half" idx="1"/>
+          </p:nvPr>
+        </p:nvSpPr>
+        <p:spPr>
+          <a:xfrm>
+            <a:off x="457200" y="1484784"/>
+            <a:ext cx="4038600" cy="4641379"/>
+          </a:xfrm>
+        </p:spPr>
+        <p:txBody>
+          <a:bodyPr/>
+          <a:lstStyle/>
+          <a:p>
+            <a:pPr>
+              <a:buNone/>
+            </a:pPr>
+            <a:r>
+              <a:rPr lang="de-DE" u="sng" dirty="0" smtClean="0"/>
+              <a:t>Features</a:t>
+            </a:r>
+          </a:p>
+          <a:p>
+            <a:r>
+              <a:rPr lang="de-DE" dirty="0" smtClean="0"/>
+              <a:t>Netzwerk Alpha</a:t>
+            </a:r>
+          </a:p>
+          <a:p>
+            <a:pPr lvl="1"/>
+            <a:r>
+              <a:rPr lang="de-DE" dirty="0" smtClean="0"/>
+              <a:t>Verbindungen möglich</a:t>
+            </a:r>
+          </a:p>
+          <a:p>
+            <a:r>
+              <a:rPr lang="de-DE" dirty="0" smtClean="0"/>
+              <a:t>GUI skalierbar</a:t>
+            </a:r>
+          </a:p>
+          <a:p>
+            <a:r>
+              <a:rPr lang="de-DE" dirty="0" smtClean="0"/>
+              <a:t>Hübsche Bilder</a:t>
+            </a:r>
+          </a:p>
+          <a:p>
+            <a:endParaRPr lang="de-DE" dirty="0" smtClean="0"/>
+          </a:p>
+        </p:txBody>
+      </p:sp>
+      <p:sp>
+        <p:nvSpPr>
+          <p:cNvPr id="11" name="Inhaltsplatzhalter 10"/>
+          <p:cNvSpPr>
+            <a:spLocks noGrp="1"/>
+          </p:cNvSpPr>
+          <p:nvPr>
+            <p:ph sz="half" idx="2"/>
+          </p:nvPr>
+        </p:nvSpPr>
+        <p:spPr>
+          <a:xfrm>
+            <a:off x="4648200" y="1484784"/>
+            <a:ext cx="4038600" cy="4641379"/>
+          </a:xfrm>
+        </p:spPr>
+        <p:txBody>
+          <a:bodyPr/>
+          <a:lstStyle/>
+          <a:p>
+            <a:pPr>
+              <a:buNone/>
+            </a:pPr>
+            <a:r>
+              <a:rPr lang="de-DE" u="sng" dirty="0" smtClean="0"/>
+              <a:t>Refactoring</a:t>
+            </a:r>
+          </a:p>
+          <a:p>
+            <a:r>
+              <a:rPr lang="de-DE" dirty="0" smtClean="0"/>
+              <a:t>Auf Netzwerk angepasst</a:t>
+            </a:r>
+          </a:p>
+          <a:p>
+            <a:r>
+              <a:rPr lang="de-DE" dirty="0" smtClean="0"/>
+              <a:t>Raumbilddarstellung</a:t>
+            </a:r>
+            <a:endParaRPr lang="de-DE" dirty="0"/>
+          </a:p>
+        </p:txBody>
+      </p:sp>
+      <p:sp>
+        <p:nvSpPr>
+          <p:cNvPr id="13" name="Titel 8"/>
+          <p:cNvSpPr txBox="1">
+            <a:spLocks/>
+          </p:cNvSpPr>
+          <p:nvPr/>
+        </p:nvSpPr>
+        <p:spPr>
+          <a:xfrm>
+            <a:off x="4716016" y="273600"/>
+            <a:ext cx="4123184" cy="1143000"/>
+          </a:xfrm>
+          <a:prstGeom prst="rect">
+            <a:avLst/>
+          </a:prstGeom>
+        </p:spPr>
+        <p:txBody>
+          <a:bodyPr vert="horz" lIns="91440" tIns="45720" rIns="91440" bIns="45720" rtlCol="0" anchor="ctr">
+            <a:normAutofit fontScale="92500" lnSpcReduction="20000"/>
+          </a:bodyPr>
+          <a:lstStyle/>
+          <a:p>
+            <a:pPr lvl="0" algn="r">
+              <a:spcBef>
+                <a:spcPct val="0"/>
+              </a:spcBef>
+              <a:defRPr/>
+            </a:pPr>
+            <a:r>
+              <a:rPr lang="de-DE" sz="4400" dirty="0" smtClean="0"/>
+              <a:t>Gruppenleiter</a:t>
+            </a:r>
+            <a:r>
+              <a:rPr lang="de-DE" sz="4400" dirty="0" smtClean="0"/>
+              <a:t>:</a:t>
+            </a:r>
+          </a:p>
+          <a:p>
+            <a:pPr lvl="0" algn="r">
+              <a:spcBef>
+                <a:spcPct val="0"/>
+              </a:spcBef>
+              <a:defRPr/>
+            </a:pPr>
+            <a:r>
+              <a:rPr kumimoji="0" lang="de-DE" sz="4400" b="0" i="0" u="none" strike="noStrike" kern="1200" cap="none" spc="0" normalizeH="0" baseline="0" noProof="0" dirty="0" smtClean="0">
+                <a:ln>
+                  <a:noFill/>
+                </a:ln>
+                <a:solidFill>
+                  <a:schemeClr val="tx1"/>
+                </a:solidFill>
+                <a:effectLst/>
+                <a:uLnTx/>
+                <a:uFillTx/>
+                <a:latin typeface="+mj-lt"/>
+                <a:ea typeface="+mj-ea"/>
+                <a:cs typeface="+mj-cs"/>
+              </a:rPr>
+              <a:t>[</a:t>
+            </a:r>
+            <a:r>
+              <a:rPr kumimoji="0" lang="de-DE" sz="4400" b="0" i="0" u="none" strike="noStrike" kern="1200" cap="none" spc="0" normalizeH="0" baseline="0" noProof="0" dirty="0" smtClean="0">
+                <a:ln>
+                  <a:noFill/>
+                </a:ln>
+                <a:solidFill>
+                  <a:schemeClr val="tx1"/>
+                </a:solidFill>
+                <a:effectLst/>
+                <a:uLnTx/>
+                <a:uFillTx/>
+                <a:latin typeface="+mj-lt"/>
+                <a:ea typeface="+mj-ea"/>
+                <a:cs typeface="+mj-cs"/>
+              </a:rPr>
+              <a:t>0klein]</a:t>
+            </a:r>
+          </a:p>
+        </p:txBody>
+      </p:sp>
+    </p:spTree>
+  </p:cSld>
+  <p:clrMapOvr>
+    <a:masterClrMapping/>
+  </p:clrMapOvr>
+</p:sld>
+</file>
+
+<file path=ppt/slides/slide14.xml><?xml version="1.0" encoding="utf-8"?>
+<p:sld xmlns:a="http://schemas.openxmlformats.org/drawingml/2006/main" xmlns:r="http://schemas.openxmlformats.org/officeDocument/2006/relationships" xmlns:p="http://schemas.openxmlformats.org/presentationml/2006/main">
+  <p:cSld>
+    <p:spTree>
+      <p:nvGrpSpPr>
+        <p:cNvPr id="1" name=""/>
+        <p:cNvGrpSpPr/>
+        <p:nvPr/>
+      </p:nvGrpSpPr>
+      <p:grpSpPr>
+        <a:xfrm>
+          <a:off x="0" y="0"/>
+          <a:ext cx="0" cy="0"/>
+          <a:chOff x="0" y="0"/>
+          <a:chExt cx="0" cy="0"/>
+        </a:xfrm>
+      </p:grpSpPr>
+      <p:sp>
+        <p:nvSpPr>
+          <p:cNvPr id="9" name="Titel 8"/>
+          <p:cNvSpPr>
+            <a:spLocks noGrp="1"/>
+          </p:cNvSpPr>
+          <p:nvPr>
+            <p:ph type="title"/>
+          </p:nvPr>
+        </p:nvSpPr>
+        <p:spPr>
+          <a:xfrm>
+            <a:off x="457200" y="274638"/>
+            <a:ext cx="4114800" cy="1143000"/>
+          </a:xfrm>
+        </p:spPr>
+        <p:txBody>
+          <a:bodyPr>
+            <a:normAutofit/>
+          </a:bodyPr>
+          <a:lstStyle/>
+          <a:p>
+            <a:pPr algn="l"/>
+            <a:r>
+              <a:rPr lang="de-DE" dirty="0" smtClean="0"/>
+              <a:t>Montag 2</a:t>
+            </a:r>
+            <a:endParaRPr lang="de-DE" dirty="0"/>
+          </a:p>
+        </p:txBody>
+      </p:sp>
+      <p:sp>
+        <p:nvSpPr>
+          <p:cNvPr id="10" name="Inhaltsplatzhalter 9"/>
+          <p:cNvSpPr>
+            <a:spLocks noGrp="1"/>
+          </p:cNvSpPr>
+          <p:nvPr>
+            <p:ph sz="half" idx="1"/>
+          </p:nvPr>
+        </p:nvSpPr>
+        <p:spPr>
+          <a:xfrm>
+            <a:off x="457200" y="1484784"/>
+            <a:ext cx="4038600" cy="4641379"/>
+          </a:xfrm>
+        </p:spPr>
+        <p:txBody>
+          <a:bodyPr/>
+          <a:lstStyle/>
+          <a:p>
+            <a:pPr>
+              <a:buNone/>
+            </a:pPr>
+            <a:r>
+              <a:rPr lang="de-DE" u="sng" dirty="0" smtClean="0"/>
+              <a:t>Features</a:t>
+            </a:r>
+          </a:p>
+          <a:p>
+            <a:r>
+              <a:rPr lang="de-DE" dirty="0" smtClean="0"/>
+              <a:t>Netzwerk Beta</a:t>
+            </a:r>
+          </a:p>
+          <a:p>
+            <a:r>
+              <a:rPr lang="de-DE" dirty="0" smtClean="0"/>
+              <a:t>Editor erweitert</a:t>
+            </a:r>
+          </a:p>
+          <a:p>
+            <a:pPr lvl="1"/>
+            <a:r>
+              <a:rPr lang="de-DE" dirty="0" smtClean="0"/>
+              <a:t>Räume verschieben</a:t>
+            </a:r>
+          </a:p>
+          <a:p>
+            <a:r>
+              <a:rPr lang="de-DE" dirty="0" smtClean="0"/>
+              <a:t>Neue Grafiken</a:t>
+            </a:r>
+          </a:p>
+          <a:p>
+            <a:r>
+              <a:rPr lang="de-DE" dirty="0" smtClean="0"/>
+              <a:t>Raumanzeige im MP</a:t>
+            </a:r>
+          </a:p>
+          <a:p>
+            <a:r>
+              <a:rPr lang="de-DE" dirty="0" err="1" smtClean="0"/>
+              <a:t>Bugfixes</a:t>
+            </a:r>
+            <a:r>
+              <a:rPr lang="de-DE" dirty="0" smtClean="0"/>
+              <a:t> ohne Ende</a:t>
+            </a:r>
+          </a:p>
+        </p:txBody>
+      </p:sp>
+      <p:sp>
+        <p:nvSpPr>
+          <p:cNvPr id="11" name="Inhaltsplatzhalter 10"/>
+          <p:cNvSpPr>
+            <a:spLocks noGrp="1"/>
+          </p:cNvSpPr>
+          <p:nvPr>
+            <p:ph sz="half" idx="2"/>
+          </p:nvPr>
+        </p:nvSpPr>
+        <p:spPr>
+          <a:xfrm>
+            <a:off x="4648200" y="1484784"/>
+            <a:ext cx="4038600" cy="4641379"/>
+          </a:xfrm>
+        </p:spPr>
+        <p:txBody>
+          <a:bodyPr/>
+          <a:lstStyle/>
+          <a:p>
+            <a:pPr>
+              <a:buNone/>
+            </a:pPr>
+            <a:r>
+              <a:rPr lang="de-DE" u="sng" dirty="0" smtClean="0"/>
+              <a:t>Refactoring</a:t>
+            </a:r>
+          </a:p>
+          <a:p>
+            <a:r>
+              <a:rPr lang="de-DE" dirty="0" smtClean="0"/>
+              <a:t>Neue Befehlsstruktur</a:t>
+            </a:r>
+            <a:endParaRPr lang="de-DE" dirty="0"/>
+          </a:p>
+        </p:txBody>
+      </p:sp>
+      <p:sp>
+        <p:nvSpPr>
+          <p:cNvPr id="13" name="Titel 8"/>
+          <p:cNvSpPr txBox="1">
+            <a:spLocks/>
+          </p:cNvSpPr>
+          <p:nvPr/>
+        </p:nvSpPr>
+        <p:spPr>
+          <a:xfrm>
+            <a:off x="4716016" y="273600"/>
+            <a:ext cx="4123184" cy="1143000"/>
+          </a:xfrm>
+          <a:prstGeom prst="rect">
+            <a:avLst/>
+          </a:prstGeom>
+        </p:spPr>
+        <p:txBody>
+          <a:bodyPr vert="horz" lIns="91440" tIns="45720" rIns="91440" bIns="45720" rtlCol="0" anchor="ctr">
+            <a:normAutofit fontScale="92500" lnSpcReduction="20000"/>
+          </a:bodyPr>
+          <a:lstStyle/>
+          <a:p>
+            <a:pPr lvl="0" algn="r">
+              <a:spcBef>
+                <a:spcPct val="0"/>
+              </a:spcBef>
+              <a:defRPr/>
+            </a:pPr>
+            <a:r>
+              <a:rPr lang="de-DE" sz="4400" dirty="0" smtClean="0"/>
+              <a:t>Gruppenleiter</a:t>
+            </a:r>
+            <a:r>
+              <a:rPr lang="de-DE" sz="4400" dirty="0" smtClean="0"/>
+              <a:t>:</a:t>
+            </a:r>
+          </a:p>
+          <a:p>
+            <a:pPr lvl="0" algn="r">
+              <a:spcBef>
+                <a:spcPct val="0"/>
+              </a:spcBef>
+              <a:defRPr/>
+            </a:pPr>
+            <a:r>
+              <a:rPr kumimoji="0" lang="de-DE" sz="4400" b="0" i="0" u="none" strike="noStrike" kern="1200" cap="none" spc="0" normalizeH="0" baseline="0" noProof="0" dirty="0" smtClean="0">
+                <a:ln>
+                  <a:noFill/>
+                </a:ln>
+                <a:solidFill>
+                  <a:schemeClr val="tx1"/>
+                </a:solidFill>
+                <a:effectLst/>
+                <a:uLnTx/>
+                <a:uFillTx/>
+                <a:latin typeface="+mj-lt"/>
+                <a:ea typeface="+mj-ea"/>
+                <a:cs typeface="+mj-cs"/>
+              </a:rPr>
+              <a:t>[</a:t>
+            </a:r>
+            <a:r>
+              <a:rPr kumimoji="0" lang="de-DE" sz="4400" b="0" i="0" u="none" strike="noStrike" kern="1200" cap="none" spc="0" normalizeH="0" baseline="0" noProof="0" dirty="0" smtClean="0">
+                <a:ln>
+                  <a:noFill/>
+                </a:ln>
+                <a:solidFill>
+                  <a:schemeClr val="tx1"/>
+                </a:solidFill>
+                <a:effectLst/>
+                <a:uLnTx/>
+                <a:uFillTx/>
+                <a:latin typeface="+mj-lt"/>
+                <a:ea typeface="+mj-ea"/>
+                <a:cs typeface="+mj-cs"/>
+              </a:rPr>
+              <a:t>1wiedema]</a:t>
+            </a:r>
+          </a:p>
+        </p:txBody>
+      </p:sp>
+    </p:spTree>
+  </p:cSld>
+  <p:clrMapOvr>
+    <a:masterClrMapping/>
+  </p:clrMapOvr>
+</p:sld>
+</file>
+
+<file path=ppt/slides/slide15.xml><?xml version="1.0" encoding="utf-8"?>
+<p:sld xmlns:a="http://schemas.openxmlformats.org/drawingml/2006/main" xmlns:r="http://schemas.openxmlformats.org/officeDocument/2006/relationships" xmlns:p="http://schemas.openxmlformats.org/presentationml/2006/main">
+  <p:cSld>
+    <p:spTree>
+      <p:nvGrpSpPr>
+        <p:cNvPr id="1" name=""/>
+        <p:cNvGrpSpPr/>
+        <p:nvPr/>
+      </p:nvGrpSpPr>
+      <p:grpSpPr>
+        <a:xfrm>
+          <a:off x="0" y="0"/>
+          <a:ext cx="0" cy="0"/>
+          <a:chOff x="0" y="0"/>
+          <a:chExt cx="0" cy="0"/>
+        </a:xfrm>
+      </p:grpSpPr>
+      <p:sp>
+        <p:nvSpPr>
+          <p:cNvPr id="9" name="Titel 8"/>
+          <p:cNvSpPr>
+            <a:spLocks noGrp="1"/>
+          </p:cNvSpPr>
+          <p:nvPr>
+            <p:ph type="title"/>
+          </p:nvPr>
+        </p:nvSpPr>
+        <p:spPr>
+          <a:xfrm>
+            <a:off x="457200" y="274638"/>
+            <a:ext cx="4114800" cy="1143000"/>
+          </a:xfrm>
+        </p:spPr>
+        <p:txBody>
+          <a:bodyPr>
+            <a:normAutofit/>
+          </a:bodyPr>
+          <a:lstStyle/>
+          <a:p>
+            <a:pPr algn="l"/>
+            <a:r>
+              <a:rPr lang="de-DE" dirty="0" smtClean="0"/>
+              <a:t>Dienstag 2</a:t>
+            </a:r>
+            <a:endParaRPr lang="de-DE" dirty="0"/>
+          </a:p>
+        </p:txBody>
+      </p:sp>
+      <p:sp>
+        <p:nvSpPr>
+          <p:cNvPr id="10" name="Inhaltsplatzhalter 9"/>
+          <p:cNvSpPr>
+            <a:spLocks noGrp="1"/>
+          </p:cNvSpPr>
+          <p:nvPr>
+            <p:ph sz="half" idx="1"/>
+          </p:nvPr>
+        </p:nvSpPr>
+        <p:spPr>
+          <a:xfrm>
+            <a:off x="457200" y="1484784"/>
+            <a:ext cx="4038600" cy="4641379"/>
+          </a:xfrm>
+        </p:spPr>
+        <p:txBody>
+          <a:bodyPr>
+            <a:normAutofit/>
+          </a:bodyPr>
+          <a:lstStyle/>
+          <a:p>
+            <a:pPr>
+              <a:buNone/>
+            </a:pPr>
+            <a:r>
+              <a:rPr lang="de-DE" u="sng" dirty="0" smtClean="0"/>
+              <a:t>Features</a:t>
+            </a:r>
+          </a:p>
+          <a:p>
+            <a:r>
+              <a:rPr lang="de-DE" dirty="0" smtClean="0"/>
+              <a:t>Netzwerk </a:t>
+            </a:r>
+            <a:r>
+              <a:rPr lang="de-DE" dirty="0" err="1" smtClean="0"/>
+              <a:t>PreRelease</a:t>
+            </a:r>
+            <a:endParaRPr lang="de-DE" dirty="0" smtClean="0"/>
+          </a:p>
+          <a:p>
+            <a:r>
+              <a:rPr lang="de-DE" dirty="0" smtClean="0"/>
+              <a:t>Editor</a:t>
+            </a:r>
+            <a:endParaRPr lang="de-DE" dirty="0" smtClean="0"/>
+          </a:p>
+          <a:p>
+            <a:pPr lvl="1"/>
+            <a:r>
+              <a:rPr lang="de-DE" dirty="0" smtClean="0"/>
+              <a:t>Drag &amp; Drop</a:t>
+            </a:r>
+          </a:p>
+          <a:p>
+            <a:r>
+              <a:rPr lang="de-DE" dirty="0" smtClean="0"/>
+              <a:t>Tastatursteuerung</a:t>
+            </a:r>
+            <a:endParaRPr lang="de-DE" dirty="0" smtClean="0"/>
+          </a:p>
+          <a:p>
+            <a:r>
+              <a:rPr lang="de-DE" dirty="0" smtClean="0"/>
+              <a:t>Bilddarstellung </a:t>
+            </a:r>
+            <a:r>
+              <a:rPr lang="de-DE" dirty="0" smtClean="0"/>
+              <a:t>um Items erweitert</a:t>
+            </a:r>
+            <a:endParaRPr lang="de-DE" dirty="0" smtClean="0"/>
+          </a:p>
+          <a:p>
+            <a:r>
+              <a:rPr lang="de-DE" dirty="0" smtClean="0"/>
+              <a:t>Beinstellen</a:t>
+            </a:r>
+          </a:p>
+          <a:p>
+            <a:r>
+              <a:rPr lang="de-DE" dirty="0" smtClean="0"/>
+              <a:t>BUGFIXES</a:t>
+            </a:r>
+            <a:endParaRPr lang="de-DE" dirty="0"/>
+          </a:p>
+        </p:txBody>
+      </p:sp>
+      <p:sp>
+        <p:nvSpPr>
+          <p:cNvPr id="11" name="Inhaltsplatzhalter 10"/>
+          <p:cNvSpPr>
+            <a:spLocks noGrp="1"/>
+          </p:cNvSpPr>
+          <p:nvPr>
+            <p:ph sz="half" idx="2"/>
+          </p:nvPr>
+        </p:nvSpPr>
+        <p:spPr>
+          <a:xfrm>
+            <a:off x="4648200" y="1484784"/>
+            <a:ext cx="4038600" cy="4641379"/>
+          </a:xfrm>
+        </p:spPr>
+        <p:txBody>
+          <a:bodyPr>
+            <a:normAutofit/>
+          </a:bodyPr>
+          <a:lstStyle/>
+          <a:p>
+            <a:pPr>
+              <a:buNone/>
+            </a:pPr>
+            <a:r>
+              <a:rPr lang="de-DE" u="sng" dirty="0" smtClean="0"/>
+              <a:t>Refactoring</a:t>
+            </a:r>
+          </a:p>
+          <a:p>
+            <a:r>
+              <a:rPr lang="de-DE" dirty="0" smtClean="0"/>
+              <a:t>Testklassen</a:t>
+            </a:r>
+          </a:p>
+          <a:p>
+            <a:endParaRPr lang="de-DE" dirty="0"/>
+          </a:p>
+        </p:txBody>
+      </p:sp>
+      <p:sp>
+        <p:nvSpPr>
+          <p:cNvPr id="13" name="Titel 8"/>
+          <p:cNvSpPr txBox="1">
+            <a:spLocks/>
+          </p:cNvSpPr>
+          <p:nvPr/>
+        </p:nvSpPr>
+        <p:spPr>
+          <a:xfrm>
+            <a:off x="4355976" y="273600"/>
+            <a:ext cx="4483224" cy="1143000"/>
+          </a:xfrm>
+          <a:prstGeom prst="rect">
+            <a:avLst/>
+          </a:prstGeom>
+        </p:spPr>
+        <p:txBody>
+          <a:bodyPr vert="horz" lIns="91440" tIns="45720" rIns="91440" bIns="45720" rtlCol="0" anchor="ctr">
+            <a:normAutofit fontScale="92500" lnSpcReduction="20000"/>
+          </a:bodyPr>
+          <a:lstStyle/>
+          <a:p>
+            <a:pPr lvl="0" algn="r">
+              <a:spcBef>
+                <a:spcPct val="0"/>
+              </a:spcBef>
+              <a:defRPr/>
+            </a:pPr>
+            <a:r>
+              <a:rPr lang="de-DE" sz="4400" dirty="0" smtClean="0"/>
+              <a:t>Gruppenleiter:</a:t>
+            </a:r>
+          </a:p>
+          <a:p>
+            <a:pPr lvl="0" algn="r">
+              <a:spcBef>
+                <a:spcPct val="0"/>
+              </a:spcBef>
+              <a:defRPr/>
+            </a:pPr>
+            <a:r>
+              <a:rPr kumimoji="0" lang="de-DE" sz="4400" b="0" i="0" u="none" strike="noStrike" kern="1200" cap="none" spc="0" normalizeH="0" baseline="0" noProof="0" dirty="0" smtClean="0">
+                <a:ln>
+                  <a:noFill/>
+                </a:ln>
+                <a:solidFill>
+                  <a:schemeClr val="tx1"/>
+                </a:solidFill>
+                <a:effectLst/>
+                <a:uLnTx/>
+                <a:uFillTx/>
+                <a:latin typeface="+mj-lt"/>
+                <a:ea typeface="+mj-ea"/>
+                <a:cs typeface="+mj-cs"/>
+              </a:rPr>
+              <a:t>[</a:t>
+            </a:r>
+            <a:r>
+              <a:rPr kumimoji="0" lang="de-DE" sz="4400" b="0" i="0" u="none" strike="noStrike" kern="1200" cap="none" spc="0" normalizeH="0" baseline="0" noProof="0" dirty="0" smtClean="0">
+                <a:ln>
+                  <a:noFill/>
+                </a:ln>
+                <a:solidFill>
+                  <a:schemeClr val="tx1"/>
+                </a:solidFill>
+                <a:effectLst/>
+                <a:uLnTx/>
+                <a:uFillTx/>
+                <a:latin typeface="+mj-lt"/>
+                <a:ea typeface="+mj-ea"/>
+                <a:cs typeface="+mj-cs"/>
+              </a:rPr>
+              <a:t>1wiedema/1roebe]</a:t>
+            </a:r>
+          </a:p>
+        </p:txBody>
+      </p:sp>
+    </p:spTree>
+  </p:cSld>
+  <p:clrMapOvr>
+    <a:masterClrMapping/>
+  </p:clrMapOvr>
+</p:sld>
+</file>
+
+<file path=ppt/slides/slide16.xml><?xml version="1.0" encoding="utf-8"?>
+<p:sld xmlns:a="http://schemas.openxmlformats.org/drawingml/2006/main" xmlns:r="http://schemas.openxmlformats.org/officeDocument/2006/relationships" xmlns:p="http://schemas.openxmlformats.org/presentationml/2006/main">
+  <p:cSld>
+    <p:spTree>
+      <p:nvGrpSpPr>
+        <p:cNvPr id="1" name=""/>
+        <p:cNvGrpSpPr/>
+        <p:nvPr/>
+      </p:nvGrpSpPr>
+      <p:grpSpPr>
+        <a:xfrm>
+          <a:off x="0" y="0"/>
+          <a:ext cx="0" cy="0"/>
+          <a:chOff x="0" y="0"/>
+          <a:chExt cx="0" cy="0"/>
+        </a:xfrm>
+      </p:grpSpPr>
+      <p:sp>
+        <p:nvSpPr>
+          <p:cNvPr id="9" name="Titel 8"/>
+          <p:cNvSpPr>
+            <a:spLocks noGrp="1"/>
+          </p:cNvSpPr>
+          <p:nvPr>
+            <p:ph type="title"/>
+          </p:nvPr>
+        </p:nvSpPr>
+        <p:spPr>
+          <a:xfrm>
+            <a:off x="457200" y="274638"/>
+            <a:ext cx="4114800" cy="1143000"/>
+          </a:xfrm>
+        </p:spPr>
+        <p:txBody>
+          <a:bodyPr>
+            <a:normAutofit/>
+          </a:bodyPr>
+          <a:lstStyle/>
+          <a:p>
+            <a:pPr algn="l"/>
+            <a:r>
+              <a:rPr lang="de-DE" dirty="0" smtClean="0"/>
+              <a:t>Mittwoch 2</a:t>
+            </a:r>
+            <a:endParaRPr lang="de-DE" dirty="0"/>
+          </a:p>
+        </p:txBody>
+      </p:sp>
+      <p:sp>
+        <p:nvSpPr>
+          <p:cNvPr id="13" name="Titel 8"/>
+          <p:cNvSpPr txBox="1">
+            <a:spLocks/>
+          </p:cNvSpPr>
+          <p:nvPr/>
+        </p:nvSpPr>
+        <p:spPr>
+          <a:xfrm>
+            <a:off x="4716016" y="273600"/>
+            <a:ext cx="4123184" cy="1143000"/>
+          </a:xfrm>
+          <a:prstGeom prst="rect">
+            <a:avLst/>
+          </a:prstGeom>
+        </p:spPr>
+        <p:txBody>
+          <a:bodyPr vert="horz" lIns="91440" tIns="45720" rIns="91440" bIns="45720" rtlCol="0" anchor="ctr">
+            <a:normAutofit fontScale="92500" lnSpcReduction="20000"/>
+          </a:bodyPr>
+          <a:lstStyle/>
+          <a:p>
+            <a:pPr lvl="0" algn="r">
+              <a:spcBef>
+                <a:spcPct val="0"/>
+              </a:spcBef>
+              <a:defRPr/>
+            </a:pPr>
+            <a:r>
+              <a:rPr lang="de-DE" sz="4400" dirty="0" smtClean="0"/>
+              <a:t>Gruppenleiter</a:t>
+            </a:r>
+            <a:r>
+              <a:rPr lang="de-DE" sz="4400" dirty="0" smtClean="0"/>
+              <a:t>:</a:t>
+            </a:r>
+          </a:p>
+          <a:p>
+            <a:pPr lvl="0" algn="r">
+              <a:spcBef>
+                <a:spcPct val="0"/>
+              </a:spcBef>
+              <a:defRPr/>
+            </a:pPr>
+            <a:r>
+              <a:rPr kumimoji="0" lang="de-DE" sz="4400" b="0" i="0" u="none" strike="noStrike" kern="1200" cap="none" spc="0" normalizeH="0" baseline="0" noProof="0" dirty="0" smtClean="0">
+                <a:ln>
+                  <a:noFill/>
+                </a:ln>
+                <a:solidFill>
+                  <a:schemeClr val="tx1"/>
+                </a:solidFill>
+                <a:effectLst/>
+                <a:uLnTx/>
+                <a:uFillTx/>
+                <a:latin typeface="+mj-lt"/>
+                <a:ea typeface="+mj-ea"/>
+                <a:cs typeface="+mj-cs"/>
+              </a:rPr>
+              <a:t>[0graeff</a:t>
+            </a:r>
+            <a:r>
+              <a:rPr kumimoji="0" lang="de-DE" sz="4400" b="0" i="0" u="none" strike="noStrike" kern="1200" cap="none" spc="0" normalizeH="0" baseline="0" noProof="0" dirty="0" smtClean="0">
+                <a:ln>
+                  <a:noFill/>
+                </a:ln>
+                <a:solidFill>
+                  <a:schemeClr val="tx1"/>
+                </a:solidFill>
+                <a:effectLst/>
+                <a:uLnTx/>
+                <a:uFillTx/>
+                <a:latin typeface="+mj-lt"/>
+                <a:ea typeface="+mj-ea"/>
+                <a:cs typeface="+mj-cs"/>
+              </a:rPr>
+              <a:t>]</a:t>
+            </a:r>
+          </a:p>
+        </p:txBody>
+      </p:sp>
+      <p:sp>
+        <p:nvSpPr>
+          <p:cNvPr id="8" name="Textfeld 7"/>
+          <p:cNvSpPr txBox="1"/>
+          <p:nvPr/>
+        </p:nvSpPr>
+        <p:spPr>
+          <a:xfrm rot="21418250">
+            <a:off x="2368093" y="2363186"/>
+            <a:ext cx="4035529" cy="2800767"/>
+          </a:xfrm>
+          <a:prstGeom prst="rect">
+            <a:avLst/>
+          </a:prstGeom>
+          <a:noFill/>
+        </p:spPr>
+        <p:txBody>
+          <a:bodyPr wrap="square" rtlCol="0">
+            <a:spAutoFit/>
+          </a:bodyPr>
+          <a:lstStyle/>
+          <a:p>
             <a:pPr algn="ctr"/>
             <a:r>
               <a:rPr lang="de-DE" sz="4400" dirty="0" smtClean="0"/>
-              <a:t>BUGFIXES und </a:t>
+              <a:t>BUGFIXES, Testklassen </a:t>
+            </a:r>
+            <a:r>
+              <a:rPr lang="de-DE" sz="4400" dirty="0" smtClean="0"/>
+              <a:t>und </a:t>
             </a:r>
           </a:p>
           <a:p>
             <a:pPr algn="ctr"/>
             <a:r>
               <a:rPr lang="de-DE" sz="4400" dirty="0" smtClean="0"/>
-              <a:t>Vorbereitung der Präsentation</a:t>
+              <a:t>Vorbereitung der </a:t>
+            </a:r>
+            <a:r>
+              <a:rPr lang="de-DE" sz="4400" dirty="0" smtClean="0"/>
+              <a:t>Präsentation</a:t>
             </a:r>
             <a:endParaRPr lang="de-DE" sz="4400" dirty="0"/>
           </a:p>
@@ -3418,7 +4899,7 @@
       </p:grpSpPr>
       <p:sp>
         <p:nvSpPr>
-          <p:cNvPr id="9" name="Titel 8"/>
+          <p:cNvPr id="2" name="Titel 1"/>
           <p:cNvSpPr>
             <a:spLocks noGrp="1"/>
           </p:cNvSpPr>
@@ -3426,255 +4907,201 @@
             <p:ph type="title"/>
           </p:nvPr>
         </p:nvSpPr>
-        <p:spPr>
-          <a:xfrm>
-            <a:off x="457200" y="274638"/>
-            <a:ext cx="4114800" cy="1143000"/>
+        <p:spPr/>
+        <p:txBody>
+          <a:bodyPr/>
+          <a:lstStyle/>
+          <a:p>
+            <a:r>
+              <a:rPr lang="de-DE" dirty="0" smtClean="0"/>
+              <a:t>Benutzte Technik</a:t>
+            </a:r>
+            <a:endParaRPr lang="de-DE" dirty="0"/>
+          </a:p>
+        </p:txBody>
+      </p:sp>
+      <p:sp>
+        <p:nvSpPr>
+          <p:cNvPr id="3" name="Inhaltsplatzhalter 2"/>
+          <p:cNvSpPr>
+            <a:spLocks noGrp="1"/>
+          </p:cNvSpPr>
+          <p:nvPr>
+            <p:ph sz="half" idx="1"/>
+          </p:nvPr>
+        </p:nvSpPr>
+        <p:spPr>
+          <a:xfrm>
+            <a:off x="457200" y="1268760"/>
+            <a:ext cx="4038600" cy="4857403"/>
           </a:xfrm>
         </p:spPr>
         <p:txBody>
           <a:bodyPr>
-            <a:normAutofit/>
+            <a:normAutofit fontScale="92500" lnSpcReduction="10000"/>
           </a:bodyPr>
           <a:lstStyle/>
           <a:p>
-            <a:pPr algn="l"/>
-            <a:r>
-              <a:rPr lang="de-DE" dirty="0" smtClean="0"/>
-              <a:t>Freitag 1</a:t>
-            </a:r>
-            <a:endParaRPr lang="de-DE" dirty="0"/>
-          </a:p>
-        </p:txBody>
-      </p:sp>
-      <p:sp>
-        <p:nvSpPr>
-          <p:cNvPr id="10" name="Inhaltsplatzhalter 9"/>
-          <p:cNvSpPr>
-            <a:spLocks noGrp="1"/>
-          </p:cNvSpPr>
-          <p:nvPr>
-            <p:ph sz="half" idx="1"/>
-          </p:nvPr>
-        </p:nvSpPr>
-        <p:spPr>
-          <a:xfrm>
-            <a:off x="457200" y="2276872"/>
-            <a:ext cx="4038600" cy="3849291"/>
+            <a:r>
+              <a:rPr lang="de-DE" dirty="0" smtClean="0"/>
+              <a:t>Java 7</a:t>
+            </a:r>
+          </a:p>
+          <a:p>
+            <a:pPr lvl="1"/>
+            <a:r>
+              <a:rPr lang="de-DE" dirty="0" smtClean="0"/>
+              <a:t>RMI</a:t>
+            </a:r>
+          </a:p>
+          <a:p>
+            <a:pPr lvl="1"/>
+            <a:r>
+              <a:rPr lang="de-DE" dirty="0" err="1" smtClean="0"/>
+              <a:t>JUnit</a:t>
+            </a:r>
+            <a:endParaRPr lang="de-DE" dirty="0" smtClean="0"/>
+          </a:p>
+          <a:p>
+            <a:pPr lvl="1"/>
+            <a:r>
+              <a:rPr lang="de-DE" dirty="0" smtClean="0"/>
+              <a:t>JAXB</a:t>
+            </a:r>
+          </a:p>
+          <a:p>
+            <a:pPr lvl="1"/>
+            <a:r>
+              <a:rPr lang="de-DE" dirty="0" err="1" smtClean="0"/>
+              <a:t>Mockito</a:t>
+            </a:r>
+            <a:endParaRPr lang="de-DE" dirty="0" smtClean="0"/>
+          </a:p>
+          <a:p>
+            <a:r>
+              <a:rPr lang="de-DE" dirty="0" err="1" smtClean="0"/>
+              <a:t>Git</a:t>
+            </a:r>
+            <a:endParaRPr lang="de-DE" dirty="0" smtClean="0"/>
+          </a:p>
+          <a:p>
+            <a:pPr lvl="1"/>
+            <a:r>
+              <a:rPr lang="de-DE" dirty="0" err="1" smtClean="0"/>
+              <a:t>GitHub</a:t>
+            </a:r>
+            <a:endParaRPr lang="de-DE" dirty="0" smtClean="0"/>
+          </a:p>
+          <a:p>
+            <a:pPr lvl="1"/>
+            <a:r>
+              <a:rPr lang="de-DE" dirty="0" err="1" smtClean="0"/>
+              <a:t>Git</a:t>
+            </a:r>
+            <a:r>
+              <a:rPr lang="de-DE" dirty="0" smtClean="0"/>
+              <a:t> </a:t>
+            </a:r>
+            <a:r>
+              <a:rPr lang="de-DE" dirty="0" err="1" smtClean="0"/>
+              <a:t>Bash</a:t>
+            </a:r>
+            <a:endParaRPr lang="de-DE" dirty="0" smtClean="0"/>
+          </a:p>
+          <a:p>
+            <a:r>
+              <a:rPr lang="de-DE" dirty="0" err="1" smtClean="0"/>
+              <a:t>Eclipse</a:t>
+            </a:r>
+            <a:r>
+              <a:rPr lang="de-DE" dirty="0" smtClean="0"/>
+              <a:t> (Indigo / Juno)</a:t>
+            </a:r>
+          </a:p>
+          <a:p>
+            <a:pPr lvl="1"/>
+            <a:r>
+              <a:rPr lang="de-DE" dirty="0" err="1" smtClean="0"/>
+              <a:t>EclEmma</a:t>
+            </a:r>
+            <a:endParaRPr lang="de-DE" dirty="0" smtClean="0"/>
+          </a:p>
+          <a:p>
+            <a:pPr lvl="1"/>
+            <a:r>
+              <a:rPr lang="de-DE" dirty="0" err="1" smtClean="0"/>
+              <a:t>eGit</a:t>
+            </a:r>
+            <a:endParaRPr lang="de-DE" dirty="0" smtClean="0"/>
+          </a:p>
+          <a:p>
+            <a:pPr lvl="1"/>
+            <a:r>
+              <a:rPr lang="de-DE" dirty="0" err="1" smtClean="0"/>
+              <a:t>FindBugs</a:t>
+            </a:r>
+            <a:endParaRPr lang="de-DE" dirty="0" smtClean="0"/>
+          </a:p>
+        </p:txBody>
+      </p:sp>
+      <p:sp>
+        <p:nvSpPr>
+          <p:cNvPr id="4" name="Inhaltsplatzhalter 3"/>
+          <p:cNvSpPr>
+            <a:spLocks noGrp="1"/>
+          </p:cNvSpPr>
+          <p:nvPr>
+            <p:ph sz="half" idx="2"/>
+          </p:nvPr>
+        </p:nvSpPr>
+        <p:spPr>
+          <a:xfrm>
+            <a:off x="4648200" y="1628800"/>
+            <a:ext cx="4038600" cy="4497363"/>
           </a:xfrm>
         </p:spPr>
         <p:txBody>
           <a:bodyPr>
-            <a:normAutofit lnSpcReduction="10000"/>
+            <a:normAutofit fontScale="92500" lnSpcReduction="10000"/>
           </a:bodyPr>
           <a:lstStyle/>
           <a:p>
-            <a:pPr>
-              <a:buNone/>
-            </a:pPr>
-            <a:r>
-              <a:rPr lang="de-DE" u="sng" dirty="0" smtClean="0"/>
-              <a:t>Features</a:t>
-            </a:r>
-          </a:p>
-          <a:p>
-            <a:r>
-              <a:rPr lang="de-DE" dirty="0" smtClean="0"/>
-              <a:t>GUI</a:t>
-            </a:r>
+            <a:r>
+              <a:rPr lang="de-DE" dirty="0" err="1" smtClean="0"/>
+              <a:t>Gimp</a:t>
+            </a:r>
+            <a:r>
+              <a:rPr lang="de-DE" dirty="0" smtClean="0"/>
+              <a:t>, MS Paint</a:t>
+            </a:r>
+          </a:p>
+          <a:p>
+            <a:r>
+              <a:rPr lang="de-DE" dirty="0" err="1" smtClean="0"/>
+              <a:t>Violet</a:t>
+            </a:r>
+            <a:endParaRPr lang="de-DE" dirty="0" smtClean="0"/>
+          </a:p>
+          <a:p>
+            <a:r>
+              <a:rPr lang="de-DE" dirty="0" err="1" smtClean="0"/>
+              <a:t>KanbanBoard</a:t>
+            </a:r>
+            <a:endParaRPr lang="de-DE" dirty="0" smtClean="0"/>
           </a:p>
           <a:p>
             <a:pPr lvl="1"/>
             <a:r>
-              <a:rPr lang="de-DE" dirty="0" smtClean="0"/>
-              <a:t>Konsole + Buttons</a:t>
-            </a:r>
-          </a:p>
-          <a:p>
-            <a:r>
-              <a:rPr lang="de-DE" dirty="0" smtClean="0"/>
-              <a:t>Items als </a:t>
-            </a:r>
-            <a:r>
               <a:rPr lang="de-DE" dirty="0" err="1" smtClean="0"/>
-              <a:t>Enum</a:t>
+              <a:t>Storykarten</a:t>
             </a:r>
             <a:endParaRPr lang="de-DE" dirty="0" smtClean="0"/>
           </a:p>
           <a:p>
-            <a:r>
-              <a:rPr lang="de-DE" dirty="0" smtClean="0"/>
-              <a:t>Lebensenergie</a:t>
-            </a:r>
-          </a:p>
-          <a:p>
             <a:pPr lvl="1"/>
             <a:r>
               <a:rPr lang="de-DE" dirty="0" smtClean="0"/>
-              <a:t>Gewinnen &amp; Verlieren</a:t>
-            </a:r>
-          </a:p>
-          <a:p>
-            <a:r>
-              <a:rPr lang="de-DE" dirty="0" smtClean="0"/>
-              <a:t>Neues Level konstruiert</a:t>
-            </a:r>
-          </a:p>
-          <a:p>
-            <a:r>
-              <a:rPr lang="de-DE" dirty="0" smtClean="0"/>
-              <a:t>Deutsche Inhalte</a:t>
-            </a:r>
-            <a:endParaRPr lang="de-DE" dirty="0"/>
-          </a:p>
-        </p:txBody>
-      </p:sp>
-      <p:sp>
-        <p:nvSpPr>
-          <p:cNvPr id="11" name="Inhaltsplatzhalter 10"/>
-          <p:cNvSpPr>
-            <a:spLocks noGrp="1"/>
-          </p:cNvSpPr>
-          <p:nvPr>
-            <p:ph sz="half" idx="2"/>
-          </p:nvPr>
-        </p:nvSpPr>
-        <p:spPr>
-          <a:xfrm>
-            <a:off x="4648200" y="2276872"/>
-            <a:ext cx="4038600" cy="3849291"/>
-          </a:xfrm>
-        </p:spPr>
-        <p:txBody>
-          <a:bodyPr>
-            <a:normAutofit lnSpcReduction="10000"/>
-          </a:bodyPr>
-          <a:lstStyle/>
-          <a:p>
-            <a:pPr>
-              <a:buNone/>
-            </a:pPr>
-            <a:r>
-              <a:rPr lang="de-DE" u="sng" dirty="0" smtClean="0"/>
-              <a:t>Refactoring</a:t>
-            </a:r>
-          </a:p>
-          <a:p>
-            <a:r>
-              <a:rPr lang="de-DE" dirty="0" smtClean="0"/>
-              <a:t>Polymorphe Befehlsstruktur</a:t>
-            </a:r>
-          </a:p>
-          <a:p>
-            <a:r>
-              <a:rPr lang="de-DE" dirty="0" smtClean="0"/>
-              <a:t>TextVerwalter</a:t>
-            </a:r>
-          </a:p>
-          <a:p>
-            <a:r>
-              <a:rPr lang="de-DE" dirty="0" smtClean="0"/>
-              <a:t>Konventionen</a:t>
-            </a:r>
-          </a:p>
-          <a:p>
-            <a:pPr lvl="1"/>
-            <a:r>
-              <a:rPr lang="de-DE" dirty="0" smtClean="0"/>
-              <a:t>Getter und Setter</a:t>
-            </a:r>
-          </a:p>
-          <a:p>
-            <a:endParaRPr lang="de-DE" dirty="0"/>
-          </a:p>
-        </p:txBody>
-      </p:sp>
-      <p:sp>
-        <p:nvSpPr>
-          <p:cNvPr id="12" name="Textfeld 11"/>
-          <p:cNvSpPr txBox="1"/>
-          <p:nvPr/>
-        </p:nvSpPr>
-        <p:spPr>
-          <a:xfrm>
-            <a:off x="457200" y="1628800"/>
-            <a:ext cx="8229600" cy="523220"/>
-          </a:xfrm>
-          <a:prstGeom prst="rect">
-            <a:avLst/>
-          </a:prstGeom>
-          <a:noFill/>
-        </p:spPr>
-        <p:txBody>
-          <a:bodyPr wrap="square" rtlCol="0">
-            <a:spAutoFit/>
-          </a:bodyPr>
-          <a:lstStyle/>
-          <a:p>
-            <a:r>
-              <a:rPr lang="de-DE" sz="2800" i="1" dirty="0" smtClean="0"/>
-              <a:t>Vortrag: Swing [0gayh, 0schlund]</a:t>
-            </a:r>
-            <a:endParaRPr lang="de-DE" sz="2800" i="1" dirty="0"/>
-          </a:p>
-        </p:txBody>
-      </p:sp>
-      <p:sp>
-        <p:nvSpPr>
-          <p:cNvPr id="13" name="Titel 8"/>
-          <p:cNvSpPr txBox="1">
-            <a:spLocks/>
-          </p:cNvSpPr>
-          <p:nvPr/>
-        </p:nvSpPr>
-        <p:spPr>
-          <a:xfrm>
-            <a:off x="4716016" y="273600"/>
-            <a:ext cx="4123184" cy="1143000"/>
-          </a:xfrm>
-          <a:prstGeom prst="rect">
-            <a:avLst/>
-          </a:prstGeom>
-        </p:spPr>
-        <p:txBody>
-          <a:bodyPr vert="horz" lIns="91440" tIns="45720" rIns="91440" bIns="45720" rtlCol="0" anchor="ctr">
-            <a:normAutofit/>
-          </a:bodyPr>
-          <a:lstStyle/>
-          <a:p>
-            <a:pPr marL="0" marR="0" lvl="0" indent="0" algn="r" defTabSz="914400" rtl="0" eaLnBrk="1" fontAlgn="auto" latinLnBrk="0" hangingPunct="1">
-              <a:lnSpc>
-                <a:spcPct val="100000"/>
-              </a:lnSpc>
-              <a:spcBef>
-                <a:spcPct val="0"/>
-              </a:spcBef>
-              <a:spcAft>
-                <a:spcPts val="0"/>
-              </a:spcAft>
-              <a:buClrTx/>
-              <a:buSzTx/>
-              <a:buFontTx/>
-              <a:buNone/>
-              <a:tabLst/>
-              <a:defRPr/>
-            </a:pPr>
-            <a:r>
-              <a:rPr kumimoji="0" lang="de-DE" sz="4400" b="0" i="0" u="none" strike="noStrike" kern="1200" cap="none" spc="0" normalizeH="0" baseline="0" noProof="0" dirty="0" smtClean="0">
-                <a:ln>
-                  <a:noFill/>
-                </a:ln>
-                <a:solidFill>
-                  <a:schemeClr val="tx1"/>
-                </a:solidFill>
-                <a:effectLst/>
-                <a:uLnTx/>
-                <a:uFillTx/>
-                <a:latin typeface="+mj-lt"/>
-                <a:ea typeface="+mj-ea"/>
-                <a:cs typeface="+mj-cs"/>
-              </a:rPr>
-              <a:t>[1jost]</a:t>
+              <a:t>Taskkarten</a:t>
             </a:r>
           </a:p>
         </p:txBody>
@@ -3706,7 +5133,7 @@
       </p:grpSpPr>
       <p:sp>
         <p:nvSpPr>
-          <p:cNvPr id="9" name="Titel 8"/>
+          <p:cNvPr id="2" name="Titel 1"/>
           <p:cNvSpPr>
             <a:spLocks noGrp="1"/>
           </p:cNvSpPr>
@@ -3714,22 +5141,14 @@
             <p:ph type="title"/>
           </p:nvPr>
         </p:nvSpPr>
-        <p:spPr>
-          <a:xfrm>
-            <a:off x="457200" y="274638"/>
-            <a:ext cx="4114800" cy="1143000"/>
-          </a:xfrm>
-        </p:spPr>
-        <p:txBody>
-          <a:bodyPr>
-            <a:normAutofit/>
-          </a:bodyPr>
-          <a:lstStyle/>
-          <a:p>
-            <a:pPr algn="l"/>
-            <a:r>
-              <a:rPr lang="de-DE" dirty="0" smtClean="0"/>
-              <a:t>Montag 1</a:t>
+        <p:spPr/>
+        <p:txBody>
+          <a:bodyPr/>
+          <a:lstStyle/>
+          <a:p>
+            <a:r>
+              <a:rPr lang="de-DE" dirty="0" smtClean="0"/>
+              <a:t>Unsere Architektur</a:t>
             </a:r>
             <a:endParaRPr lang="de-DE" dirty="0"/>
           </a:p>
@@ -3737,7 +5156,7 @@
       </p:sp>
       <p:sp>
         <p:nvSpPr>
-          <p:cNvPr id="10" name="Inhaltsplatzhalter 9"/>
+          <p:cNvPr id="3" name="Inhaltsplatzhalter 2"/>
           <p:cNvSpPr>
             <a:spLocks noGrp="1"/>
           </p:cNvSpPr>
@@ -3747,8 +5166,8 @@
         </p:nvSpPr>
         <p:spPr>
           <a:xfrm>
-            <a:off x="457200" y="2276872"/>
-            <a:ext cx="4038600" cy="3849291"/>
+            <a:off x="457200" y="1600200"/>
+            <a:ext cx="8219256" cy="4525963"/>
           </a:xfrm>
         </p:spPr>
         <p:txBody>
@@ -3756,219 +5175,48 @@
           <a:lstStyle/>
           <a:p>
             <a:pPr>
-              <a:buNone/>
+              <a:lnSpc>
+                <a:spcPct val="150000"/>
+              </a:lnSpc>
             </a:pPr>
             <a:r>
-              <a:rPr lang="de-DE" u="sng" dirty="0" smtClean="0"/>
-              <a:t>Features</a:t>
-            </a:r>
-          </a:p>
-          <a:p>
-            <a:r>
-              <a:rPr lang="de-DE" dirty="0" smtClean="0"/>
-              <a:t>Neue Befehle</a:t>
-            </a:r>
-          </a:p>
-          <a:p>
-            <a:pPr lvl="1"/>
-            <a:r>
-              <a:rPr lang="de-DE" dirty="0" smtClean="0"/>
-              <a:t>Nehmen</a:t>
-            </a:r>
-          </a:p>
-          <a:p>
-            <a:pPr lvl="1"/>
-            <a:r>
-              <a:rPr lang="de-DE" dirty="0" smtClean="0"/>
-              <a:t>Essen</a:t>
-            </a:r>
-          </a:p>
-          <a:p>
-            <a:r>
-              <a:rPr lang="de-DE" dirty="0" smtClean="0"/>
-              <a:t>Maus in Räumen</a:t>
-            </a:r>
-          </a:p>
-          <a:p>
-            <a:r>
-              <a:rPr lang="de-DE" dirty="0" smtClean="0"/>
-              <a:t>Giftkrümel</a:t>
-            </a:r>
-          </a:p>
-          <a:p>
-            <a:r>
-              <a:rPr lang="de-DE" dirty="0" smtClean="0"/>
-              <a:t>Tests mit </a:t>
-            </a:r>
+              <a:rPr lang="de-DE" dirty="0" smtClean="0"/>
+              <a:t>Client-Server</a:t>
+            </a:r>
+          </a:p>
+          <a:p>
+            <a:pPr>
+              <a:lnSpc>
+                <a:spcPct val="150000"/>
+              </a:lnSpc>
+            </a:pPr>
+            <a:r>
+              <a:rPr lang="de-DE" dirty="0" smtClean="0"/>
+              <a:t>Werkzeug und Werkzeug-UI</a:t>
+            </a:r>
+          </a:p>
+          <a:p>
+            <a:pPr>
+              <a:lnSpc>
+                <a:spcPct val="150000"/>
+              </a:lnSpc>
+            </a:pPr>
             <a:r>
               <a:rPr lang="de-DE" dirty="0" err="1" smtClean="0"/>
-              <a:t>EclEmma</a:t>
+              <a:t>Package</a:t>
+            </a:r>
+            <a:r>
+              <a:rPr lang="de-DE" dirty="0" smtClean="0"/>
+              <a:t>-Struktur: </a:t>
+            </a:r>
+            <a:r>
+              <a:rPr lang="de-DE" dirty="0" err="1" smtClean="0"/>
+              <a:t>Plugin</a:t>
             </a:r>
             <a:endParaRPr lang="de-DE" dirty="0" smtClean="0"/>
           </a:p>
-        </p:txBody>
-      </p:sp>
-      <p:sp>
-        <p:nvSpPr>
-          <p:cNvPr id="11" name="Inhaltsplatzhalter 10"/>
-          <p:cNvSpPr>
-            <a:spLocks noGrp="1"/>
-          </p:cNvSpPr>
-          <p:nvPr>
-            <p:ph sz="half" idx="2"/>
-          </p:nvPr>
-        </p:nvSpPr>
-        <p:spPr>
-          <a:xfrm>
-            <a:off x="4648200" y="2276872"/>
-            <a:ext cx="4038600" cy="3849291"/>
-          </a:xfrm>
-        </p:spPr>
-        <p:txBody>
-          <a:bodyPr/>
-          <a:lstStyle/>
-          <a:p>
-            <a:pPr>
-              <a:buNone/>
-            </a:pPr>
-            <a:r>
-              <a:rPr lang="de-DE" u="sng" dirty="0" smtClean="0"/>
-              <a:t>Refactoring</a:t>
-            </a:r>
-          </a:p>
-          <a:p>
-            <a:r>
-              <a:rPr lang="de-DE" dirty="0" err="1" smtClean="0"/>
-              <a:t>Packages</a:t>
-            </a:r>
-            <a:endParaRPr lang="de-DE" dirty="0" smtClean="0"/>
-          </a:p>
-          <a:p>
-            <a:r>
-              <a:rPr lang="de-DE" dirty="0" smtClean="0"/>
-              <a:t>Kuchen </a:t>
-            </a:r>
-            <a:r>
-              <a:rPr lang="de-DE" sz="2000" dirty="0" smtClean="0">
-                <a:sym typeface="Wingdings" pitchFamily="2" charset="2"/>
-              </a:rPr>
-              <a:t></a:t>
-            </a:r>
-            <a:r>
-              <a:rPr lang="de-DE" dirty="0" smtClean="0"/>
-              <a:t> Krümel</a:t>
-            </a:r>
-          </a:p>
-          <a:p>
-            <a:r>
-              <a:rPr lang="de-DE" dirty="0" smtClean="0"/>
-              <a:t>Trennen von UI &amp; Logik</a:t>
-            </a:r>
-          </a:p>
           <a:p>
             <a:endParaRPr lang="de-DE" dirty="0"/>
-          </a:p>
-        </p:txBody>
-      </p:sp>
-      <p:sp>
-        <p:nvSpPr>
-          <p:cNvPr id="12" name="Textfeld 11"/>
-          <p:cNvSpPr txBox="1"/>
-          <p:nvPr/>
-        </p:nvSpPr>
-        <p:spPr>
-          <a:xfrm>
-            <a:off x="457200" y="1628800"/>
-            <a:ext cx="8229600" cy="523220"/>
-          </a:xfrm>
-          <a:prstGeom prst="rect">
-            <a:avLst/>
-          </a:prstGeom>
-          <a:noFill/>
-        </p:spPr>
-        <p:txBody>
-          <a:bodyPr wrap="square" rtlCol="0">
-            <a:spAutoFit/>
-          </a:bodyPr>
-          <a:lstStyle/>
-          <a:p>
-            <a:r>
-              <a:rPr lang="de-DE" sz="2800" i="1" dirty="0" smtClean="0"/>
-              <a:t>Vortrag: </a:t>
-            </a:r>
-            <a:r>
-              <a:rPr lang="de-DE" sz="2800" i="1" dirty="0" err="1" smtClean="0"/>
-              <a:t>EclEmma</a:t>
-            </a:r>
-            <a:r>
-              <a:rPr lang="de-DE" sz="2800" i="1" dirty="0"/>
-              <a:t> </a:t>
-            </a:r>
-            <a:r>
-              <a:rPr lang="de-DE" sz="2800" i="1" dirty="0" smtClean="0"/>
-              <a:t>[1roebe, 1griese]</a:t>
-            </a:r>
-            <a:endParaRPr lang="de-DE" sz="2800" i="1" dirty="0"/>
-          </a:p>
-        </p:txBody>
-      </p:sp>
-      <p:sp>
-        <p:nvSpPr>
-          <p:cNvPr id="13" name="Titel 8"/>
-          <p:cNvSpPr txBox="1">
-            <a:spLocks/>
-          </p:cNvSpPr>
-          <p:nvPr/>
-        </p:nvSpPr>
-        <p:spPr>
-          <a:xfrm>
-            <a:off x="4716016" y="273600"/>
-            <a:ext cx="4123184" cy="1143000"/>
-          </a:xfrm>
-          <a:prstGeom prst="rect">
-            <a:avLst/>
-          </a:prstGeom>
-        </p:spPr>
-        <p:txBody>
-          <a:bodyPr vert="horz" lIns="91440" tIns="45720" rIns="91440" bIns="45720" rtlCol="0" anchor="ctr">
-            <a:normAutofit/>
-          </a:bodyPr>
-          <a:lstStyle/>
-          <a:p>
-            <a:pPr marL="0" marR="0" lvl="0" indent="0" algn="r" defTabSz="914400" rtl="0" eaLnBrk="1" fontAlgn="auto" latinLnBrk="0" hangingPunct="1">
-              <a:lnSpc>
-                <a:spcPct val="100000"/>
-              </a:lnSpc>
-              <a:spcBef>
-                <a:spcPct val="0"/>
-              </a:spcBef>
-              <a:spcAft>
-                <a:spcPts val="0"/>
-              </a:spcAft>
-              <a:buClrTx/>
-              <a:buSzTx/>
-              <a:buFontTx/>
-              <a:buNone/>
-              <a:tabLst/>
-              <a:defRPr/>
-            </a:pPr>
-            <a:r>
-              <a:rPr kumimoji="0" lang="de-DE" sz="4400" b="0" i="0" u="none" strike="noStrike" kern="1200" cap="none" spc="0" normalizeH="0" baseline="0" noProof="0" dirty="0" smtClean="0">
-                <a:ln>
-                  <a:noFill/>
-                </a:ln>
-                <a:solidFill>
-                  <a:schemeClr val="tx1"/>
-                </a:solidFill>
-                <a:effectLst/>
-                <a:uLnTx/>
-                <a:uFillTx/>
-                <a:latin typeface="+mj-lt"/>
-                <a:ea typeface="+mj-ea"/>
-                <a:cs typeface="+mj-cs"/>
-              </a:rPr>
-              <a:t>[1fechner]</a:t>
-            </a:r>
           </a:p>
         </p:txBody>
       </p:sp>
@@ -3999,7 +5247,7 @@
       </p:grpSpPr>
       <p:sp>
         <p:nvSpPr>
-          <p:cNvPr id="9" name="Titel 8"/>
+          <p:cNvPr id="2" name="Titel 1"/>
           <p:cNvSpPr>
             <a:spLocks noGrp="1"/>
           </p:cNvSpPr>
@@ -4007,22 +5255,14 @@
             <p:ph type="title"/>
           </p:nvPr>
         </p:nvSpPr>
-        <p:spPr>
-          <a:xfrm>
-            <a:off x="457200" y="274638"/>
-            <a:ext cx="4114800" cy="1143000"/>
-          </a:xfrm>
-        </p:spPr>
-        <p:txBody>
-          <a:bodyPr>
-            <a:normAutofit/>
-          </a:bodyPr>
-          <a:lstStyle/>
-          <a:p>
-            <a:pPr algn="l"/>
-            <a:r>
-              <a:rPr lang="de-DE" dirty="0" smtClean="0"/>
-              <a:t>Dienstag 1</a:t>
+        <p:spPr/>
+        <p:txBody>
+          <a:bodyPr/>
+          <a:lstStyle/>
+          <a:p>
+            <a:r>
+              <a:rPr lang="de-DE" dirty="0" smtClean="0"/>
+              <a:t>Überblick über das System</a:t>
             </a:r>
             <a:endParaRPr lang="de-DE" dirty="0"/>
           </a:p>
@@ -4030,89 +5270,7 @@
       </p:sp>
       <p:sp>
         <p:nvSpPr>
-          <p:cNvPr id="10" name="Inhaltsplatzhalter 9"/>
-          <p:cNvSpPr>
-            <a:spLocks noGrp="1"/>
-          </p:cNvSpPr>
-          <p:nvPr>
-            <p:ph sz="half" idx="1"/>
-          </p:nvPr>
-        </p:nvSpPr>
-        <p:spPr>
-          <a:xfrm>
-            <a:off x="457200" y="2276872"/>
-            <a:ext cx="4038600" cy="3849291"/>
-          </a:xfrm>
-        </p:spPr>
-        <p:txBody>
-          <a:bodyPr>
-            <a:normAutofit lnSpcReduction="10000"/>
-          </a:bodyPr>
-          <a:lstStyle/>
-          <a:p>
-            <a:pPr>
-              <a:buNone/>
-            </a:pPr>
-            <a:r>
-              <a:rPr lang="de-DE" u="sng" dirty="0" smtClean="0"/>
-              <a:t>Features</a:t>
-            </a:r>
-          </a:p>
-          <a:p>
-            <a:r>
-              <a:rPr lang="de-DE" dirty="0" smtClean="0"/>
-              <a:t>XML-Raumstruktur</a:t>
-            </a:r>
-          </a:p>
-          <a:p>
-            <a:pPr lvl="1"/>
-            <a:r>
-              <a:rPr lang="de-DE" dirty="0" smtClean="0"/>
-              <a:t>Raumsammlung + Level</a:t>
-            </a:r>
-          </a:p>
-          <a:p>
-            <a:r>
-              <a:rPr lang="de-DE" dirty="0" smtClean="0"/>
-              <a:t>Zufällige Maus-Position</a:t>
-            </a:r>
-          </a:p>
-          <a:p>
-            <a:pPr lvl="1"/>
-            <a:r>
-              <a:rPr lang="de-DE" dirty="0" smtClean="0"/>
-              <a:t>Path </a:t>
-            </a:r>
-            <a:r>
-              <a:rPr lang="de-DE" dirty="0" err="1" smtClean="0"/>
-              <a:t>Finding</a:t>
-            </a:r>
-            <a:endParaRPr lang="de-DE" dirty="0" smtClean="0"/>
-          </a:p>
-          <a:p>
-            <a:r>
-              <a:rPr lang="de-DE" dirty="0" smtClean="0"/>
-              <a:t>Raumanzeige</a:t>
-            </a:r>
-          </a:p>
-          <a:p>
-            <a:r>
-              <a:rPr lang="de-DE" dirty="0" smtClean="0"/>
-              <a:t>Labor</a:t>
-            </a:r>
-          </a:p>
-          <a:p>
-            <a:r>
-              <a:rPr lang="de-DE" dirty="0" smtClean="0"/>
-              <a:t>Editor Alpha</a:t>
-            </a:r>
-            <a:endParaRPr lang="de-DE" dirty="0"/>
-          </a:p>
-        </p:txBody>
-      </p:sp>
-      <p:sp>
-        <p:nvSpPr>
-          <p:cNvPr id="11" name="Inhaltsplatzhalter 10"/>
+          <p:cNvPr id="4" name="Inhaltsplatzhalter 3"/>
           <p:cNvSpPr>
             <a:spLocks noGrp="1"/>
           </p:cNvSpPr>
@@ -4120,124 +5278,60 @@
             <p:ph sz="half" idx="2"/>
           </p:nvPr>
         </p:nvSpPr>
-        <p:spPr>
-          <a:xfrm>
-            <a:off x="4648200" y="2276872"/>
-            <a:ext cx="4038600" cy="3849291"/>
-          </a:xfrm>
-        </p:spPr>
-        <p:txBody>
-          <a:bodyPr>
-            <a:normAutofit lnSpcReduction="10000"/>
-          </a:bodyPr>
-          <a:lstStyle/>
-          <a:p>
-            <a:pPr>
-              <a:buNone/>
-            </a:pPr>
-            <a:r>
-              <a:rPr lang="de-DE" u="sng" dirty="0" smtClean="0"/>
-              <a:t>Refactoring</a:t>
-            </a:r>
-          </a:p>
-          <a:p>
-            <a:r>
-              <a:rPr lang="de-DE" dirty="0" smtClean="0"/>
-              <a:t>Dies und das</a:t>
-            </a:r>
-          </a:p>
-          <a:p>
-            <a:endParaRPr lang="de-DE" dirty="0"/>
-          </a:p>
-        </p:txBody>
-      </p:sp>
-      <p:sp>
-        <p:nvSpPr>
-          <p:cNvPr id="12" name="Textfeld 11"/>
-          <p:cNvSpPr txBox="1"/>
+        <p:spPr/>
+        <p:txBody>
+          <a:bodyPr/>
+          <a:lstStyle/>
+          <a:p>
+            <a:endParaRPr lang="de-DE"/>
+          </a:p>
+        </p:txBody>
+      </p:sp>
+      <p:sp>
+        <p:nvSpPr>
+          <p:cNvPr id="5" name="Ungleich 4"/>
+          <p:cNvSpPr/>
           <p:nvPr/>
         </p:nvSpPr>
         <p:spPr>
           <a:xfrm>
-            <a:off x="457200" y="1628800"/>
-            <a:ext cx="8229600" cy="523220"/>
-          </a:xfrm>
-          <a:prstGeom prst="rect">
-            <a:avLst/>
+            <a:off x="755576" y="1916832"/>
+            <a:ext cx="3456384" cy="2592288"/>
+          </a:xfrm>
+          <a:prstGeom prst="mathNotEqual">
+            <a:avLst>
+              <a:gd name="adj1" fmla="val 23520"/>
+              <a:gd name="adj2" fmla="val 6332024"/>
+              <a:gd name="adj3" fmla="val 15618"/>
+            </a:avLst>
           </a:prstGeom>
-          <a:noFill/>
-        </p:spPr>
-        <p:txBody>
-          <a:bodyPr wrap="square" rtlCol="0">
-            <a:spAutoFit/>
-          </a:bodyPr>
-          <a:lstStyle/>
-          <a:p>
-            <a:r>
-              <a:rPr lang="de-DE" sz="2800" i="1" dirty="0" smtClean="0"/>
-              <a:t>Vortrag: File-IO und XML [1fechner, 1jost] </a:t>
-            </a:r>
-            <a:endParaRPr lang="de-DE" sz="2800" i="1" dirty="0"/>
-          </a:p>
-        </p:txBody>
-      </p:sp>
-      <p:sp>
-        <p:nvSpPr>
-          <p:cNvPr id="13" name="Titel 8"/>
-          <p:cNvSpPr txBox="1">
-            <a:spLocks/>
-          </p:cNvSpPr>
-          <p:nvPr/>
-        </p:nvSpPr>
-        <p:spPr>
-          <a:xfrm>
-            <a:off x="4716016" y="273600"/>
-            <a:ext cx="4123184" cy="1143000"/>
-          </a:xfrm>
-          <a:prstGeom prst="rect">
-            <a:avLst/>
-          </a:prstGeom>
-        </p:spPr>
-        <p:txBody>
-          <a:bodyPr vert="horz" lIns="91440" tIns="45720" rIns="91440" bIns="45720" rtlCol="0" anchor="ctr">
-            <a:normAutofit/>
-          </a:bodyPr>
-          <a:lstStyle/>
-          <a:p>
-            <a:pPr marL="0" marR="0" lvl="0" indent="0" algn="r" defTabSz="914400" rtl="0" eaLnBrk="1" fontAlgn="auto" latinLnBrk="0" hangingPunct="1">
-              <a:lnSpc>
-                <a:spcPct val="100000"/>
-              </a:lnSpc>
-              <a:spcBef>
-                <a:spcPct val="0"/>
-              </a:spcBef>
-              <a:spcAft>
-                <a:spcPts val="0"/>
-              </a:spcAft>
-              <a:buClrTx/>
-              <a:buSzTx/>
-              <a:buFontTx/>
-              <a:buNone/>
-              <a:tabLst/>
-              <a:defRPr/>
-            </a:pPr>
-            <a:r>
-              <a:rPr kumimoji="0" lang="de-DE" sz="4400" b="0" i="0" u="none" strike="noStrike" kern="1200" cap="none" spc="0" normalizeH="0" baseline="0" noProof="0" dirty="0" smtClean="0">
-                <a:ln>
-                  <a:noFill/>
-                </a:ln>
-                <a:solidFill>
-                  <a:schemeClr val="tx1"/>
-                </a:solidFill>
-                <a:effectLst/>
-                <a:uLnTx/>
-                <a:uFillTx/>
-                <a:latin typeface="+mj-lt"/>
-                <a:ea typeface="+mj-ea"/>
-                <a:cs typeface="+mj-cs"/>
-              </a:rPr>
-              <a:t>[1griese]</a:t>
-            </a:r>
+        </p:spPr>
+        <p:style>
+          <a:lnRef idx="2">
+            <a:schemeClr val="accent1">
+              <a:shade val="50000"/>
+            </a:schemeClr>
+          </a:lnRef>
+          <a:fillRef idx="1">
+            <a:schemeClr val="accent1"/>
+          </a:fillRef>
+          <a:effectRef idx="0">
+            <a:schemeClr val="accent1"/>
+          </a:effectRef>
+          <a:fontRef idx="minor">
+            <a:schemeClr val="lt1"/>
+          </a:fontRef>
+        </p:style>
+        <p:txBody>
+          <a:bodyPr rtlCol="0" anchor="ctr"/>
+          <a:lstStyle/>
+          <a:p>
+            <a:pPr algn="ctr"/>
+            <a:endParaRPr lang="de-DE">
+              <a:solidFill>
+                <a:schemeClr val="tx1"/>
+              </a:solidFill>
+            </a:endParaRPr>
           </a:p>
         </p:txBody>
       </p:sp>
@@ -4268,7 +5362,7 @@
       </p:grpSpPr>
       <p:sp>
         <p:nvSpPr>
-          <p:cNvPr id="9" name="Titel 8"/>
+          <p:cNvPr id="2" name="Titel 1"/>
           <p:cNvSpPr>
             <a:spLocks noGrp="1"/>
           </p:cNvSpPr>
@@ -4276,220 +5370,126 @@
             <p:ph type="title"/>
           </p:nvPr>
         </p:nvSpPr>
-        <p:spPr>
-          <a:xfrm>
-            <a:off x="457200" y="274638"/>
-            <a:ext cx="4114800" cy="1143000"/>
+        <p:spPr/>
+        <p:txBody>
+          <a:bodyPr/>
+          <a:lstStyle/>
+          <a:p>
+            <a:r>
+              <a:rPr lang="de-DE" dirty="0" smtClean="0"/>
+              <a:t>Tagesplan</a:t>
+            </a:r>
+            <a:endParaRPr lang="de-DE" dirty="0"/>
+          </a:p>
+        </p:txBody>
+      </p:sp>
+      <p:sp>
+        <p:nvSpPr>
+          <p:cNvPr id="3" name="Inhaltsplatzhalter 2"/>
+          <p:cNvSpPr>
+            <a:spLocks noGrp="1"/>
+          </p:cNvSpPr>
+          <p:nvPr>
+            <p:ph sz="half" idx="1"/>
+          </p:nvPr>
+        </p:nvSpPr>
+        <p:spPr>
+          <a:xfrm>
+            <a:off x="467544" y="1484784"/>
+            <a:ext cx="6059016" cy="4525963"/>
           </a:xfrm>
         </p:spPr>
         <p:txBody>
           <a:bodyPr>
-            <a:normAutofit/>
+            <a:normAutofit fontScale="92500" lnSpcReduction="10000"/>
           </a:bodyPr>
           <a:lstStyle/>
           <a:p>
-            <a:pPr algn="l"/>
-            <a:r>
-              <a:rPr lang="de-DE" dirty="0" smtClean="0"/>
-              <a:t>Mittwoch 1</a:t>
-            </a:r>
+            <a:pPr>
+              <a:lnSpc>
+                <a:spcPct val="150000"/>
+              </a:lnSpc>
+            </a:pPr>
+            <a:r>
+              <a:rPr lang="de-DE" dirty="0" smtClean="0"/>
+              <a:t>[Vortrag]</a:t>
+            </a:r>
+          </a:p>
+          <a:p>
+            <a:pPr>
+              <a:lnSpc>
+                <a:spcPct val="150000"/>
+              </a:lnSpc>
+            </a:pPr>
+            <a:r>
+              <a:rPr lang="de-DE" dirty="0" err="1" smtClean="0"/>
+              <a:t>Standup</a:t>
+            </a:r>
+            <a:r>
+              <a:rPr lang="de-DE" dirty="0" smtClean="0"/>
+              <a:t>-Meeting (10-30 min)</a:t>
+            </a:r>
+          </a:p>
+          <a:p>
+            <a:pPr>
+              <a:lnSpc>
+                <a:spcPct val="150000"/>
+              </a:lnSpc>
+            </a:pPr>
+            <a:r>
+              <a:rPr lang="de-DE" dirty="0" smtClean="0"/>
+              <a:t>Arbeiten</a:t>
+            </a:r>
+          </a:p>
+          <a:p>
+            <a:pPr>
+              <a:lnSpc>
+                <a:spcPct val="150000"/>
+              </a:lnSpc>
+            </a:pPr>
+            <a:r>
+              <a:rPr lang="de-DE" dirty="0" smtClean="0"/>
+              <a:t>Mittag</a:t>
+            </a:r>
+          </a:p>
+          <a:p>
+            <a:pPr>
+              <a:lnSpc>
+                <a:spcPct val="150000"/>
+              </a:lnSpc>
+            </a:pPr>
+            <a:r>
+              <a:rPr lang="de-DE" dirty="0" smtClean="0"/>
+              <a:t>Mehr arbeiten</a:t>
+            </a:r>
+          </a:p>
+          <a:p>
+            <a:pPr>
+              <a:lnSpc>
+                <a:spcPct val="150000"/>
+              </a:lnSpc>
+            </a:pPr>
+            <a:r>
+              <a:rPr lang="de-DE" dirty="0" smtClean="0"/>
+              <a:t>[Code Review]</a:t>
+            </a:r>
+          </a:p>
+          <a:p>
+            <a:pPr>
+              <a:lnSpc>
+                <a:spcPct val="150000"/>
+              </a:lnSpc>
+            </a:pPr>
+            <a:r>
+              <a:rPr lang="de-DE" dirty="0" smtClean="0"/>
+              <a:t>Kundenpräsentation</a:t>
+            </a:r>
+          </a:p>
+          <a:p>
+            <a:endParaRPr lang="de-DE" dirty="0" smtClean="0"/>
+          </a:p>
+          <a:p>
             <a:endParaRPr lang="de-DE" dirty="0"/>
-          </a:p>
-        </p:txBody>
-      </p:sp>
-      <p:sp>
-        <p:nvSpPr>
-          <p:cNvPr id="10" name="Inhaltsplatzhalter 9"/>
-          <p:cNvSpPr>
-            <a:spLocks noGrp="1"/>
-          </p:cNvSpPr>
-          <p:nvPr>
-            <p:ph sz="half" idx="1"/>
-          </p:nvPr>
-        </p:nvSpPr>
-        <p:spPr>
-          <a:xfrm>
-            <a:off x="457200" y="2276872"/>
-            <a:ext cx="4038600" cy="3849291"/>
-          </a:xfrm>
-        </p:spPr>
-        <p:txBody>
-          <a:bodyPr/>
-          <a:lstStyle/>
-          <a:p>
-            <a:pPr>
-              <a:buNone/>
-            </a:pPr>
-            <a:r>
-              <a:rPr lang="de-DE" u="sng" dirty="0" smtClean="0"/>
-              <a:t>Features</a:t>
-            </a:r>
-          </a:p>
-          <a:p>
-            <a:r>
-              <a:rPr lang="de-DE" dirty="0" smtClean="0"/>
-              <a:t>GUI überarbeitet</a:t>
-            </a:r>
-            <a:endParaRPr lang="de-DE" dirty="0" smtClean="0"/>
-          </a:p>
-          <a:p>
-            <a:pPr lvl="1"/>
-            <a:r>
-              <a:rPr lang="de-DE" dirty="0" smtClean="0"/>
-              <a:t>Raumansicht</a:t>
-            </a:r>
-          </a:p>
-          <a:p>
-            <a:r>
-              <a:rPr lang="de-DE" dirty="0" err="1" smtClean="0"/>
-              <a:t>FileChooser</a:t>
-            </a:r>
-            <a:endParaRPr lang="de-DE" dirty="0" smtClean="0"/>
-          </a:p>
-          <a:p>
-            <a:r>
-              <a:rPr lang="de-DE" dirty="0" smtClean="0"/>
-              <a:t>Mehrere Mäuse</a:t>
-            </a:r>
-          </a:p>
-          <a:p>
-            <a:r>
-              <a:rPr lang="de-DE" dirty="0" smtClean="0"/>
-              <a:t>Katze</a:t>
-            </a:r>
-          </a:p>
-          <a:p>
-            <a:r>
-              <a:rPr lang="de-DE" dirty="0" smtClean="0"/>
-              <a:t>Hilfe verbessert</a:t>
-            </a:r>
-          </a:p>
-        </p:txBody>
-      </p:sp>
-      <p:sp>
-        <p:nvSpPr>
-          <p:cNvPr id="11" name="Inhaltsplatzhalter 10"/>
-          <p:cNvSpPr>
-            <a:spLocks noGrp="1"/>
-          </p:cNvSpPr>
-          <p:nvPr>
-            <p:ph sz="half" idx="2"/>
-          </p:nvPr>
-        </p:nvSpPr>
-        <p:spPr>
-          <a:xfrm>
-            <a:off x="4648200" y="2276872"/>
-            <a:ext cx="4038600" cy="3849291"/>
-          </a:xfrm>
-        </p:spPr>
-        <p:txBody>
-          <a:bodyPr/>
-          <a:lstStyle/>
-          <a:p>
-            <a:pPr>
-              <a:buNone/>
-            </a:pPr>
-            <a:r>
-              <a:rPr lang="de-DE" u="sng" dirty="0" smtClean="0"/>
-              <a:t>Refactoring</a:t>
-            </a:r>
-          </a:p>
-          <a:p>
-            <a:r>
-              <a:rPr lang="de-DE" dirty="0" smtClean="0"/>
-              <a:t>SpielKontext aufgeteilt</a:t>
-            </a:r>
-            <a:endParaRPr lang="de-DE" dirty="0"/>
-          </a:p>
-        </p:txBody>
-      </p:sp>
-      <p:sp>
-        <p:nvSpPr>
-          <p:cNvPr id="12" name="Textfeld 11"/>
-          <p:cNvSpPr txBox="1"/>
-          <p:nvPr/>
-        </p:nvSpPr>
-        <p:spPr>
-          <a:xfrm>
-            <a:off x="457200" y="1628800"/>
-            <a:ext cx="8229600" cy="523220"/>
-          </a:xfrm>
-          <a:prstGeom prst="rect">
-            <a:avLst/>
-          </a:prstGeom>
-          <a:noFill/>
-        </p:spPr>
-        <p:txBody>
-          <a:bodyPr wrap="square" rtlCol="0">
-            <a:spAutoFit/>
-          </a:bodyPr>
-          <a:lstStyle/>
-          <a:p>
-            <a:r>
-              <a:rPr lang="de-DE" sz="2800" i="1" dirty="0" smtClean="0"/>
-              <a:t>Vortrag: RMI [0ortmann, 0klein] </a:t>
-            </a:r>
-            <a:endParaRPr lang="de-DE" sz="2800" i="1" dirty="0"/>
-          </a:p>
-        </p:txBody>
-      </p:sp>
-      <p:sp>
-        <p:nvSpPr>
-          <p:cNvPr id="13" name="Titel 8"/>
-          <p:cNvSpPr txBox="1">
-            <a:spLocks/>
-          </p:cNvSpPr>
-          <p:nvPr/>
-        </p:nvSpPr>
-        <p:spPr>
-          <a:xfrm>
-            <a:off x="4716016" y="273600"/>
-            <a:ext cx="4123184" cy="1143000"/>
-          </a:xfrm>
-          <a:prstGeom prst="rect">
-            <a:avLst/>
-          </a:prstGeom>
-        </p:spPr>
-        <p:txBody>
-          <a:bodyPr vert="horz" lIns="91440" tIns="45720" rIns="91440" bIns="45720" rtlCol="0" anchor="ctr">
-            <a:normAutofit/>
-          </a:bodyPr>
-          <a:lstStyle/>
-          <a:p>
-            <a:pPr marL="0" marR="0" lvl="0" indent="0" algn="r" defTabSz="914400" rtl="0" eaLnBrk="1" fontAlgn="auto" latinLnBrk="0" hangingPunct="1">
-              <a:lnSpc>
-                <a:spcPct val="100000"/>
-              </a:lnSpc>
-              <a:spcBef>
-                <a:spcPct val="0"/>
-              </a:spcBef>
-              <a:spcAft>
-                <a:spcPts val="0"/>
-              </a:spcAft>
-              <a:buClrTx/>
-              <a:buSzTx/>
-              <a:buFontTx/>
-              <a:buNone/>
-              <a:tabLst/>
-              <a:defRPr/>
-            </a:pPr>
-            <a:r>
-              <a:rPr kumimoji="0" lang="de-DE" sz="4400" b="0" i="0" u="none" strike="noStrike" kern="1200" cap="none" spc="0" normalizeH="0" baseline="0" noProof="0" dirty="0" smtClean="0">
-                <a:ln>
-                  <a:noFill/>
-                </a:ln>
-                <a:solidFill>
-                  <a:schemeClr val="tx1"/>
-                </a:solidFill>
-                <a:effectLst/>
-                <a:uLnTx/>
-                <a:uFillTx/>
-                <a:latin typeface="+mj-lt"/>
-                <a:ea typeface="+mj-ea"/>
-                <a:cs typeface="+mj-cs"/>
-              </a:rPr>
-              <a:t>[0schlund]</a:t>
-            </a:r>
           </a:p>
         </p:txBody>
       </p:sp>
@@ -4520,7 +5520,7 @@
       </p:grpSpPr>
       <p:sp>
         <p:nvSpPr>
-          <p:cNvPr id="9" name="Titel 8"/>
+          <p:cNvPr id="2" name="Titel 1"/>
           <p:cNvSpPr>
             <a:spLocks noGrp="1"/>
           </p:cNvSpPr>
@@ -4528,188 +5528,115 @@
             <p:ph type="title"/>
           </p:nvPr>
         </p:nvSpPr>
-        <p:spPr>
-          <a:xfrm>
-            <a:off x="457200" y="274638"/>
-            <a:ext cx="4114800" cy="1143000"/>
+        <p:spPr/>
+        <p:txBody>
+          <a:bodyPr/>
+          <a:lstStyle/>
+          <a:p>
+            <a:r>
+              <a:rPr lang="de-DE" dirty="0" smtClean="0"/>
+              <a:t>Unser Spiel</a:t>
+            </a:r>
+            <a:endParaRPr lang="de-DE" dirty="0"/>
+          </a:p>
+        </p:txBody>
+      </p:sp>
+      <p:sp>
+        <p:nvSpPr>
+          <p:cNvPr id="3" name="Inhaltsplatzhalter 2"/>
+          <p:cNvSpPr>
+            <a:spLocks noGrp="1"/>
+          </p:cNvSpPr>
+          <p:nvPr>
+            <p:ph sz="half" idx="1"/>
+          </p:nvPr>
+        </p:nvSpPr>
+        <p:spPr>
+          <a:xfrm>
+            <a:off x="457200" y="1340768"/>
+            <a:ext cx="8219256" cy="4785395"/>
           </a:xfrm>
         </p:spPr>
         <p:txBody>
           <a:bodyPr>
-            <a:normAutofit/>
+            <a:normAutofit lnSpcReduction="10000"/>
           </a:bodyPr>
           <a:lstStyle/>
           <a:p>
-            <a:pPr algn="l"/>
-            <a:r>
-              <a:rPr lang="de-DE" dirty="0" smtClean="0"/>
-              <a:t>Donnerstag 2</a:t>
-            </a:r>
-            <a:endParaRPr lang="de-DE" dirty="0"/>
-          </a:p>
-        </p:txBody>
-      </p:sp>
-      <p:sp>
-        <p:nvSpPr>
-          <p:cNvPr id="10" name="Inhaltsplatzhalter 9"/>
-          <p:cNvSpPr>
-            <a:spLocks noGrp="1"/>
-          </p:cNvSpPr>
-          <p:nvPr>
-            <p:ph sz="half" idx="1"/>
-          </p:nvPr>
-        </p:nvSpPr>
-        <p:spPr>
-          <a:xfrm>
-            <a:off x="457200" y="1484784"/>
-            <a:ext cx="4038600" cy="4641379"/>
-          </a:xfrm>
-        </p:spPr>
-        <p:txBody>
-          <a:bodyPr/>
-          <a:lstStyle/>
-          <a:p>
             <a:pPr>
-              <a:buNone/>
+              <a:lnSpc>
+                <a:spcPct val="150000"/>
+              </a:lnSpc>
             </a:pPr>
             <a:r>
-              <a:rPr lang="de-DE" u="sng" dirty="0" smtClean="0"/>
-              <a:t>Features</a:t>
-            </a:r>
-          </a:p>
-          <a:p>
-            <a:r>
-              <a:rPr lang="de-DE" dirty="0" smtClean="0"/>
-              <a:t>Editor Beta</a:t>
-            </a:r>
-          </a:p>
-          <a:p>
-            <a:pPr lvl="1"/>
-            <a:r>
-              <a:rPr lang="de-DE" dirty="0" smtClean="0"/>
-              <a:t>Inkl. Laden &amp; Speichern</a:t>
-            </a:r>
-          </a:p>
-          <a:p>
-            <a:r>
-              <a:rPr lang="de-DE" dirty="0" smtClean="0"/>
-              <a:t>Netzwerk </a:t>
-            </a:r>
-            <a:r>
-              <a:rPr lang="de-DE" dirty="0" err="1" smtClean="0"/>
-              <a:t>PreAlpha</a:t>
-            </a:r>
-            <a:endParaRPr lang="de-DE" dirty="0" smtClean="0"/>
-          </a:p>
-          <a:p>
-            <a:pPr lvl="1"/>
-            <a:r>
-              <a:rPr lang="de-DE" dirty="0" smtClean="0"/>
-              <a:t>Architektur ersonnen</a:t>
-            </a:r>
-          </a:p>
-          <a:p>
-            <a:endParaRPr lang="de-DE" dirty="0" smtClean="0"/>
-          </a:p>
-          <a:p>
-            <a:pPr lvl="1"/>
-            <a:endParaRPr lang="de-DE" dirty="0"/>
-          </a:p>
-        </p:txBody>
-      </p:sp>
-      <p:sp>
-        <p:nvSpPr>
-          <p:cNvPr id="11" name="Inhaltsplatzhalter 10"/>
-          <p:cNvSpPr>
-            <a:spLocks noGrp="1"/>
-          </p:cNvSpPr>
-          <p:nvPr>
-            <p:ph sz="half" idx="2"/>
-          </p:nvPr>
-        </p:nvSpPr>
-        <p:spPr>
-          <a:xfrm>
-            <a:off x="4648200" y="1484784"/>
-            <a:ext cx="4038600" cy="4641379"/>
-          </a:xfrm>
-        </p:spPr>
-        <p:txBody>
-          <a:bodyPr/>
-          <a:lstStyle/>
+              <a:rPr lang="de-DE" dirty="0" smtClean="0"/>
+              <a:t>Dr. Little ist klein</a:t>
+            </a:r>
+          </a:p>
           <a:p>
             <a:pPr>
-              <a:buNone/>
+              <a:lnSpc>
+                <a:spcPct val="150000"/>
+              </a:lnSpc>
             </a:pPr>
             <a:r>
-              <a:rPr lang="de-DE" u="sng" dirty="0" smtClean="0"/>
-              <a:t>Refactoring</a:t>
-            </a:r>
-          </a:p>
-          <a:p>
-            <a:r>
-              <a:rPr lang="de-DE" dirty="0" smtClean="0"/>
-              <a:t>nötig</a:t>
-            </a:r>
-            <a:endParaRPr lang="de-DE" dirty="0"/>
-          </a:p>
-        </p:txBody>
-      </p:sp>
-      <p:sp>
-        <p:nvSpPr>
-          <p:cNvPr id="13" name="Titel 8"/>
-          <p:cNvSpPr txBox="1">
-            <a:spLocks/>
-          </p:cNvSpPr>
-          <p:nvPr/>
-        </p:nvSpPr>
-        <p:spPr>
-          <a:xfrm>
-            <a:off x="4716016" y="273600"/>
-            <a:ext cx="4123184" cy="1143000"/>
-          </a:xfrm>
-          <a:prstGeom prst="rect">
-            <a:avLst/>
-          </a:prstGeom>
-        </p:spPr>
-        <p:txBody>
-          <a:bodyPr vert="horz" lIns="91440" tIns="45720" rIns="91440" bIns="45720" rtlCol="0" anchor="ctr">
-            <a:normAutofit/>
-          </a:bodyPr>
-          <a:lstStyle/>
-          <a:p>
-            <a:pPr marL="0" marR="0" lvl="0" indent="0" algn="r" defTabSz="914400" rtl="0" eaLnBrk="1" fontAlgn="auto" latinLnBrk="0" hangingPunct="1">
+              <a:rPr lang="de-DE" dirty="0" smtClean="0"/>
+              <a:t>Muss Gegengift finden</a:t>
+            </a:r>
+          </a:p>
+          <a:p>
+            <a:pPr>
               <a:lnSpc>
-                <a:spcPct val="100000"/>
+                <a:spcPct val="150000"/>
               </a:lnSpc>
-              <a:spcBef>
-                <a:spcPct val="0"/>
-              </a:spcBef>
-              <a:spcAft>
-                <a:spcPts val="0"/>
-              </a:spcAft>
-              <a:buClrTx/>
-              <a:buSzTx/>
-              <a:buFontTx/>
-              <a:buNone/>
-              <a:tabLst/>
-              <a:defRPr/>
             </a:pPr>
             <a:r>
-              <a:rPr kumimoji="0" lang="de-DE" sz="4400" b="0" i="0" u="none" strike="noStrike" kern="1200" cap="none" spc="0" normalizeH="0" baseline="0" noProof="0" dirty="0" smtClean="0">
-                <a:ln>
-                  <a:noFill/>
-                </a:ln>
-                <a:solidFill>
-                  <a:schemeClr val="tx1"/>
-                </a:solidFill>
-                <a:effectLst/>
-                <a:uLnTx/>
-                <a:uFillTx/>
-                <a:latin typeface="+mj-lt"/>
-                <a:ea typeface="+mj-ea"/>
-                <a:cs typeface="+mj-cs"/>
-              </a:rPr>
-              <a:t>[0ortmann]</a:t>
+              <a:rPr lang="de-DE" dirty="0" smtClean="0"/>
+              <a:t>Raumwechsel kostet Leben</a:t>
+            </a:r>
+          </a:p>
+          <a:p>
+            <a:pPr>
+              <a:lnSpc>
+                <a:spcPct val="150000"/>
+              </a:lnSpc>
+            </a:pPr>
+            <a:r>
+              <a:rPr lang="de-DE" dirty="0" smtClean="0"/>
+              <a:t>Krümel geben Leben</a:t>
+            </a:r>
+          </a:p>
+          <a:p>
+            <a:pPr>
+              <a:lnSpc>
+                <a:spcPct val="150000"/>
+              </a:lnSpc>
+            </a:pPr>
+            <a:r>
+              <a:rPr lang="de-DE" dirty="0" smtClean="0"/>
+              <a:t>Giftkrümel nicht</a:t>
+            </a:r>
+          </a:p>
+          <a:p>
+            <a:pPr>
+              <a:lnSpc>
+                <a:spcPct val="150000"/>
+              </a:lnSpc>
+            </a:pPr>
+            <a:r>
+              <a:rPr lang="de-DE" dirty="0" smtClean="0"/>
+              <a:t>Maus kann Weg weisen</a:t>
+            </a:r>
+          </a:p>
+          <a:p>
+            <a:pPr>
+              <a:lnSpc>
+                <a:spcPct val="150000"/>
+              </a:lnSpc>
+            </a:pPr>
+            <a:r>
+              <a:rPr lang="de-DE" dirty="0" smtClean="0"/>
+              <a:t>Katze ist aggressiv</a:t>
             </a:r>
           </a:p>
         </p:txBody>
@@ -4764,7 +5691,7 @@
             <a:pPr algn="l"/>
             <a:r>
               <a:rPr lang="de-DE" dirty="0" smtClean="0"/>
-              <a:t>Freitag 2</a:t>
+              <a:t>Donnerstag 1</a:t>
             </a:r>
             <a:endParaRPr lang="de-DE" dirty="0"/>
           </a:p>
@@ -4782,92 +5709,93 @@
         </p:nvSpPr>
         <p:spPr>
           <a:xfrm>
-            <a:off x="457200" y="1484784"/>
-            <a:ext cx="4038600" cy="4641379"/>
+            <a:off x="457200" y="2276872"/>
+            <a:ext cx="8363272" cy="3849291"/>
           </a:xfrm>
         </p:spPr>
         <p:txBody>
           <a:bodyPr/>
           <a:lstStyle/>
           <a:p>
-            <a:pPr>
-              <a:buNone/>
-            </a:pPr>
-            <a:r>
-              <a:rPr lang="de-DE" u="sng" dirty="0" smtClean="0"/>
-              <a:t>Features</a:t>
-            </a:r>
-          </a:p>
-          <a:p>
-            <a:r>
-              <a:rPr lang="de-DE" dirty="0" smtClean="0"/>
-              <a:t>Netzwerk Alpha</a:t>
+            <a:r>
+              <a:rPr lang="de-DE" dirty="0" err="1" smtClean="0"/>
+              <a:t>Eclipse</a:t>
+            </a:r>
+            <a:r>
+              <a:rPr lang="de-DE" dirty="0" smtClean="0"/>
+              <a:t> einrichten</a:t>
             </a:r>
           </a:p>
           <a:p>
             <a:pPr lvl="1"/>
             <a:r>
               <a:rPr lang="de-DE" dirty="0" smtClean="0"/>
-              <a:t>Verbindungen möglich</a:t>
-            </a:r>
-          </a:p>
-          <a:p>
-            <a:r>
-              <a:rPr lang="de-DE" dirty="0" smtClean="0"/>
-              <a:t>GUI skalierbar</a:t>
-            </a:r>
-          </a:p>
-          <a:p>
-            <a:r>
-              <a:rPr lang="de-DE" dirty="0" smtClean="0"/>
-              <a:t>Hübsche Bilder</a:t>
-            </a:r>
-          </a:p>
-          <a:p>
+              <a:t>Templates und </a:t>
+            </a:r>
+            <a:r>
+              <a:rPr lang="de-DE" dirty="0" err="1" smtClean="0"/>
+              <a:t>Codeformatter</a:t>
+            </a:r>
+            <a:r>
+              <a:rPr lang="de-DE" dirty="0" smtClean="0"/>
+              <a:t> leicht verändert aus SE2</a:t>
+            </a:r>
+          </a:p>
+          <a:p>
+            <a:r>
+              <a:rPr lang="de-DE" dirty="0" err="1" smtClean="0"/>
+              <a:t>Git</a:t>
+            </a:r>
+            <a:r>
+              <a:rPr lang="de-DE" dirty="0" smtClean="0"/>
+              <a:t> Repository </a:t>
+            </a:r>
+            <a:r>
+              <a:rPr lang="en-US" dirty="0" err="1" smtClean="0"/>
+              <a:t>einrichten</a:t>
+            </a:r>
             <a:endParaRPr lang="de-DE" dirty="0" smtClean="0"/>
           </a:p>
-        </p:txBody>
-      </p:sp>
-      <p:sp>
-        <p:nvSpPr>
-          <p:cNvPr id="11" name="Inhaltsplatzhalter 10"/>
-          <p:cNvSpPr>
-            <a:spLocks noGrp="1"/>
-          </p:cNvSpPr>
-          <p:nvPr>
-            <p:ph sz="half" idx="2"/>
-          </p:nvPr>
-        </p:nvSpPr>
-        <p:spPr>
-          <a:xfrm>
-            <a:off x="4648200" y="1484784"/>
-            <a:ext cx="4038600" cy="4641379"/>
-          </a:xfrm>
-        </p:spPr>
-        <p:txBody>
-          <a:bodyPr/>
-          <a:lstStyle/>
-          <a:p>
-            <a:pPr>
-              <a:buNone/>
-            </a:pPr>
-            <a:r>
-              <a:rPr lang="de-DE" u="sng" dirty="0" smtClean="0"/>
-              <a:t>Refactoring</a:t>
-            </a:r>
-          </a:p>
-          <a:p>
-            <a:r>
-              <a:rPr lang="de-DE" dirty="0" smtClean="0"/>
-              <a:t>Auf Netzwerk angepasst</a:t>
-            </a:r>
-          </a:p>
-          <a:p>
-            <a:r>
-              <a:rPr lang="de-DE" dirty="0" smtClean="0"/>
-              <a:t>Raumbilddarstellung</a:t>
-            </a:r>
-            <a:endParaRPr lang="de-DE" dirty="0"/>
+          <a:p>
+            <a:endParaRPr lang="de-DE" dirty="0" smtClean="0"/>
+          </a:p>
+        </p:txBody>
+      </p:sp>
+      <p:sp>
+        <p:nvSpPr>
+          <p:cNvPr id="12" name="Textfeld 11"/>
+          <p:cNvSpPr txBox="1"/>
+          <p:nvPr/>
+        </p:nvSpPr>
+        <p:spPr>
+          <a:xfrm>
+            <a:off x="457200" y="1628800"/>
+            <a:ext cx="8229600" cy="523220"/>
+          </a:xfrm>
+          <a:prstGeom prst="rect">
+            <a:avLst/>
+          </a:prstGeom>
+          <a:noFill/>
+        </p:spPr>
+        <p:txBody>
+          <a:bodyPr wrap="square" rtlCol="0">
+            <a:spAutoFit/>
+          </a:bodyPr>
+          <a:lstStyle/>
+          <a:p>
+            <a:r>
+              <a:rPr lang="de-DE" sz="2800" i="1" dirty="0" smtClean="0"/>
+              <a:t>Vortrag: </a:t>
+            </a:r>
+            <a:r>
+              <a:rPr lang="de-DE" sz="2800" i="1" dirty="0" err="1" smtClean="0"/>
+              <a:t>Git</a:t>
+            </a:r>
+            <a:r>
+              <a:rPr lang="de-DE" sz="2800" i="1" dirty="0" smtClean="0"/>
+              <a:t> [0graeff, 1wiedema]</a:t>
+            </a:r>
+            <a:endParaRPr lang="de-DE" sz="2800" i="1" dirty="0"/>
           </a:p>
         </p:txBody>
       </p:sp>
@@ -4890,7 +5818,7 @@
         </p:spPr>
         <p:txBody>
           <a:bodyPr vert="horz" lIns="91440" tIns="45720" rIns="91440" bIns="45720" rtlCol="0" anchor="ctr">
-            <a:normAutofit/>
+            <a:normAutofit fontScale="92500" lnSpcReduction="20000"/>
           </a:bodyPr>
           <a:lstStyle/>
           <a:p>
@@ -4926,7 +5854,58 @@
                 <a:ea typeface="+mj-ea"/>
                 <a:cs typeface="+mj-cs"/>
               </a:rPr>
-              <a:t>[0klein]</a:t>
+              <a:t>Gruppenleiter:</a:t>
+            </a:r>
+            <a:r>
+              <a:rPr kumimoji="0" lang="de-DE" sz="4400" b="0" i="0" u="none" strike="noStrike" kern="1200" cap="none" spc="0" normalizeH="0" noProof="0" dirty="0" smtClean="0">
+                <a:ln>
+                  <a:noFill/>
+                </a:ln>
+                <a:solidFill>
+                  <a:schemeClr val="tx1"/>
+                </a:solidFill>
+                <a:effectLst/>
+                <a:uLnTx/>
+                <a:uFillTx/>
+                <a:latin typeface="+mj-lt"/>
+                <a:ea typeface="+mj-ea"/>
+                <a:cs typeface="+mj-cs"/>
+              </a:rPr>
+              <a:t> </a:t>
+            </a:r>
+            <a:r>
+              <a:rPr kumimoji="0" lang="de-DE" sz="4400" b="0" i="0" u="none" strike="noStrike" kern="1200" cap="none" spc="0" normalizeH="0" baseline="0" noProof="0" dirty="0" smtClean="0">
+                <a:ln>
+                  <a:noFill/>
+                </a:ln>
+                <a:solidFill>
+                  <a:schemeClr val="tx1"/>
+                </a:solidFill>
+                <a:effectLst/>
+                <a:uLnTx/>
+                <a:uFillTx/>
+                <a:latin typeface="+mj-lt"/>
+                <a:ea typeface="+mj-ea"/>
+                <a:cs typeface="+mj-cs"/>
+              </a:rPr>
+              <a:t>[1jost</a:t>
+            </a:r>
+            <a:r>
+              <a:rPr kumimoji="0" lang="de-DE" sz="4400" b="0" i="0" u="none" strike="noStrike" kern="1200" cap="none" spc="0" normalizeH="0" baseline="0" noProof="0" dirty="0" smtClean="0">
+                <a:ln>
+                  <a:noFill/>
+                </a:ln>
+                <a:solidFill>
+                  <a:schemeClr val="tx1"/>
+                </a:solidFill>
+                <a:effectLst/>
+                <a:uLnTx/>
+                <a:uFillTx/>
+                <a:latin typeface="+mj-lt"/>
+                <a:ea typeface="+mj-ea"/>
+                <a:cs typeface="+mj-cs"/>
+              </a:rPr>
+              <a:t>]</a:t>
             </a:r>
           </a:p>
         </p:txBody>
@@ -4981,7 +5960,7 @@
             <a:pPr algn="l"/>
             <a:r>
               <a:rPr lang="de-DE" dirty="0" smtClean="0"/>
-              <a:t>Montag 2</a:t>
+              <a:t>Freitag 1</a:t>
             </a:r>
             <a:endParaRPr lang="de-DE" dirty="0"/>
           </a:p>
@@ -4999,12 +5978,14 @@
         </p:nvSpPr>
         <p:spPr>
           <a:xfrm>
-            <a:off x="457200" y="1484784"/>
-            <a:ext cx="4038600" cy="4641379"/>
-          </a:xfrm>
-        </p:spPr>
-        <p:txBody>
-          <a:bodyPr/>
+            <a:off x="457200" y="2276872"/>
+            <a:ext cx="4038600" cy="3849291"/>
+          </a:xfrm>
+        </p:spPr>
+        <p:txBody>
+          <a:bodyPr>
+            <a:normAutofit fontScale="92500" lnSpcReduction="10000"/>
+          </a:bodyPr>
           <a:lstStyle/>
           <a:p>
             <a:pPr>
@@ -5018,43 +5999,58 @@
           <a:p>
             <a:r>
               <a:rPr lang="de-DE" dirty="0" smtClean="0"/>
-              <a:t>Netzwerk Beta</a:t>
-            </a:r>
-          </a:p>
-          <a:p>
-            <a:r>
-              <a:rPr lang="de-DE" dirty="0" smtClean="0"/>
-              <a:t>Editor erweitert</a:t>
+              <a:t>GUI</a:t>
             </a:r>
           </a:p>
           <a:p>
             <a:pPr lvl="1"/>
             <a:r>
               <a:rPr lang="de-DE" dirty="0" smtClean="0"/>
-              <a:t>Räume verschieben</a:t>
-            </a:r>
-          </a:p>
-          <a:p>
-            <a:r>
-              <a:rPr lang="de-DE" dirty="0" smtClean="0"/>
-              <a:t>Neue Grafiken</a:t>
-            </a:r>
-          </a:p>
-          <a:p>
-            <a:r>
-              <a:rPr lang="de-DE" dirty="0" smtClean="0"/>
-              <a:t>Raumanzeige im MP</a:t>
-            </a:r>
-          </a:p>
-          <a:p>
-            <a:r>
-              <a:rPr lang="de-DE" dirty="0" err="1" smtClean="0"/>
-              <a:t>Bugfixes</a:t>
-            </a:r>
-            <a:r>
-              <a:rPr lang="de-DE" dirty="0" smtClean="0"/>
-              <a:t> ohne Ende</a:t>
-            </a:r>
+              <a:t>Konsole + Buttons</a:t>
+            </a:r>
+          </a:p>
+          <a:p>
+            <a:r>
+              <a:rPr lang="de-DE" dirty="0" smtClean="0"/>
+              <a:t>Items</a:t>
+            </a:r>
+            <a:endParaRPr lang="de-DE" dirty="0" smtClean="0"/>
+          </a:p>
+          <a:p>
+            <a:r>
+              <a:rPr lang="de-DE" dirty="0" smtClean="0"/>
+              <a:t>Lebensenergie</a:t>
+            </a:r>
+          </a:p>
+          <a:p>
+            <a:pPr lvl="1"/>
+            <a:r>
+              <a:rPr lang="de-DE" dirty="0" smtClean="0"/>
+              <a:t>Gewinnen &amp; Verlieren</a:t>
+            </a:r>
+          </a:p>
+          <a:p>
+            <a:r>
+              <a:rPr lang="de-DE" dirty="0" smtClean="0"/>
+              <a:t>Neues Level konstruiert</a:t>
+            </a:r>
+          </a:p>
+          <a:p>
+            <a:r>
+              <a:rPr lang="de-DE" dirty="0" smtClean="0"/>
+              <a:t>Deutsche </a:t>
+            </a:r>
+            <a:r>
+              <a:rPr lang="de-DE" dirty="0" smtClean="0"/>
+              <a:t>Inhalte</a:t>
+            </a:r>
+          </a:p>
+          <a:p>
+            <a:r>
+              <a:rPr lang="de-DE" dirty="0" smtClean="0"/>
+              <a:t>Eigene Story</a:t>
+            </a:r>
+            <a:endParaRPr lang="de-DE" dirty="0"/>
           </a:p>
         </p:txBody>
       </p:sp>
@@ -5070,12 +6066,14 @@
         </p:nvSpPr>
         <p:spPr>
           <a:xfrm>
-            <a:off x="4648200" y="1484784"/>
-            <a:ext cx="4038600" cy="4641379"/>
-          </a:xfrm>
-        </p:spPr>
-        <p:txBody>
-          <a:bodyPr/>
+            <a:off x="4648200" y="2276872"/>
+            <a:ext cx="4038600" cy="3849291"/>
+          </a:xfrm>
+        </p:spPr>
+        <p:txBody>
+          <a:bodyPr>
+            <a:normAutofit fontScale="92500" lnSpcReduction="10000"/>
+          </a:bodyPr>
           <a:lstStyle/>
           <a:p>
             <a:pPr>
@@ -5089,9 +6087,60 @@
           <a:p>
             <a:r>
               <a:rPr lang="de-DE" dirty="0" smtClean="0"/>
-              <a:t>Neue Befehlsstruktur</a:t>
-            </a:r>
+              <a:t>Polymorphe Befehlsstruktur</a:t>
+            </a:r>
+          </a:p>
+          <a:p>
+            <a:r>
+              <a:rPr lang="de-DE" dirty="0" smtClean="0"/>
+              <a:t>TextVerwalter</a:t>
+            </a:r>
+          </a:p>
+          <a:p>
+            <a:r>
+              <a:rPr lang="de-DE" dirty="0" smtClean="0"/>
+              <a:t>Konventionen</a:t>
+            </a:r>
+          </a:p>
+          <a:p>
+            <a:pPr lvl="1"/>
+            <a:r>
+              <a:rPr lang="de-DE" dirty="0" smtClean="0"/>
+              <a:t>Getter und Setter</a:t>
+            </a:r>
+          </a:p>
+          <a:p>
             <a:endParaRPr lang="de-DE" dirty="0"/>
+          </a:p>
+        </p:txBody>
+      </p:sp>
+      <p:sp>
+        <p:nvSpPr>
+          <p:cNvPr id="12" name="Textfeld 11"/>
+          <p:cNvSpPr txBox="1"/>
+          <p:nvPr/>
+        </p:nvSpPr>
+        <p:spPr>
+          <a:xfrm>
+            <a:off x="457200" y="1628800"/>
+            <a:ext cx="8229600" cy="523220"/>
+          </a:xfrm>
+          <a:prstGeom prst="rect">
+            <a:avLst/>
+          </a:prstGeom>
+          <a:noFill/>
+        </p:spPr>
+        <p:txBody>
+          <a:bodyPr wrap="square" rtlCol="0">
+            <a:spAutoFit/>
+          </a:bodyPr>
+          <a:lstStyle/>
+          <a:p>
+            <a:r>
+              <a:rPr lang="de-DE" sz="2800" i="1" dirty="0" smtClean="0"/>
+              <a:t>Vortrag: Swing [0gayh, 0schlund]</a:t>
+            </a:r>
+            <a:endParaRPr lang="de-DE" sz="2800" i="1" dirty="0"/>
           </a:p>
         </p:txBody>
       </p:sp>
@@ -5114,25 +6163,30 @@
         </p:spPr>
         <p:txBody>
           <a:bodyPr vert="horz" lIns="91440" tIns="45720" rIns="91440" bIns="45720" rtlCol="0" anchor="ctr">
-            <a:normAutofit/>
+            <a:normAutofit fontScale="92500" lnSpcReduction="20000"/>
           </a:bodyPr>
           <a:lstStyle/>
           <a:p>
-            <a:pPr marL="0" marR="0" lvl="0" indent="0" algn="r" defTabSz="914400" rtl="0" eaLnBrk="1" fontAlgn="auto" latinLnBrk="0" hangingPunct="1">
-              <a:lnSpc>
-                <a:spcPct val="100000"/>
-              </a:lnSpc>
+            <a:pPr lvl="0" algn="r">
               <a:spcBef>
                 <a:spcPct val="0"/>
               </a:spcBef>
-              <a:spcAft>
-                <a:spcPts val="0"/>
-              </a:spcAft>
-              <a:buClrTx/>
-              <a:buSzTx/>
-              <a:buFontTx/>
-              <a:buNone/>
-              <a:tabLst/>
+              <a:defRPr/>
+            </a:pPr>
+            <a:r>
+              <a:rPr lang="de-DE" sz="4400" dirty="0" smtClean="0"/>
+              <a:t>Gruppenleiter</a:t>
+            </a:r>
+            <a:r>
+              <a:rPr lang="de-DE" sz="4400" dirty="0" smtClean="0"/>
+              <a:t>:</a:t>
+            </a:r>
+          </a:p>
+          <a:p>
+            <a:pPr lvl="0" algn="r">
+              <a:spcBef>
+                <a:spcPct val="0"/>
+              </a:spcBef>
               <a:defRPr/>
             </a:pPr>
             <a:r>
@@ -5150,7 +6204,24 @@
                 <a:ea typeface="+mj-ea"/>
                 <a:cs typeface="+mj-cs"/>
               </a:rPr>
-              <a:t>[1wiedema]</a:t>
+              <a:t>[</a:t>
+            </a:r>
+            <a:r>
+              <a:rPr kumimoji="0" lang="de-DE" sz="4400" b="0" i="0" u="none" strike="noStrike" kern="1200" cap="none" spc="0" normalizeH="0" baseline="0" noProof="0" dirty="0" smtClean="0">
+                <a:ln>
+                  <a:noFill/>
+                </a:ln>
+                <a:solidFill>
+                  <a:schemeClr val="tx1"/>
+                </a:solidFill>
+                <a:effectLst/>
+                <a:uLnTx/>
+                <a:uFillTx/>
+                <a:latin typeface="+mj-lt"/>
+                <a:ea typeface="+mj-ea"/>
+                <a:cs typeface="+mj-cs"/>
+              </a:rPr>
+              <a:t>1jost]</a:t>
             </a:r>
           </a:p>
         </p:txBody>
@@ -5205,7 +6276,7 @@
             <a:pPr algn="l"/>
             <a:r>
               <a:rPr lang="de-DE" dirty="0" smtClean="0"/>
-              <a:t>Dienstag 2</a:t>
+              <a:t>Montag 1</a:t>
             </a:r>
             <a:endParaRPr lang="de-DE" dirty="0"/>
           </a:p>
@@ -5223,8 +6294,8 @@
         </p:nvSpPr>
         <p:spPr>
           <a:xfrm>
-            <a:off x="457200" y="1484784"/>
-            <a:ext cx="4038600" cy="4641379"/>
+            <a:off x="457200" y="2276872"/>
+            <a:ext cx="4038600" cy="3849291"/>
           </a:xfrm>
         </p:spPr>
         <p:txBody>
@@ -5244,52 +6315,55 @@
           <a:p>
             <a:r>
               <a:rPr lang="de-DE" dirty="0" smtClean="0"/>
-              <a:t>Editor</a:t>
+              <a:t>Neue Befehle</a:t>
             </a:r>
           </a:p>
           <a:p>
             <a:pPr lvl="1"/>
             <a:r>
               <a:rPr lang="de-DE" dirty="0" smtClean="0"/>
-              <a:t>Drag &amp; Drop</a:t>
-            </a:r>
-          </a:p>
-          <a:p>
-            <a:r>
-              <a:rPr lang="de-DE" dirty="0" smtClean="0"/>
-              <a:t>Netzwerk </a:t>
+              <a:t>Nehmen</a:t>
+            </a:r>
+          </a:p>
+          <a:p>
+            <a:pPr lvl="1"/>
+            <a:r>
+              <a:rPr lang="de-DE" dirty="0" smtClean="0"/>
+              <a:t>Essen</a:t>
+            </a:r>
+          </a:p>
+          <a:p>
+            <a:r>
+              <a:rPr lang="de-DE" dirty="0" smtClean="0"/>
+              <a:t>Giftkrümel</a:t>
+            </a:r>
+            <a:endParaRPr lang="de-DE" dirty="0" smtClean="0"/>
+          </a:p>
+          <a:p>
+            <a:r>
+              <a:rPr lang="de-DE" dirty="0" smtClean="0"/>
+              <a:t>Maus </a:t>
+            </a:r>
+            <a:r>
+              <a:rPr lang="de-DE" dirty="0" smtClean="0"/>
+              <a:t>in Räumen</a:t>
+            </a:r>
+          </a:p>
+          <a:p>
+            <a:r>
+              <a:rPr lang="de-DE" dirty="0" smtClean="0"/>
+              <a:t>Tests </a:t>
+            </a:r>
+            <a:r>
+              <a:rPr lang="de-DE" dirty="0" smtClean="0"/>
+              <a:t>mit </a:t>
             </a:r>
             <a:r>
               <a:rPr lang="de-DE" dirty="0" err="1" smtClean="0"/>
-              <a:t>PreRelease</a:t>
+              <a:t>EclEmma</a:t>
             </a:r>
             <a:endParaRPr lang="de-DE" dirty="0" smtClean="0"/>
           </a:p>
-          <a:p>
-            <a:r>
-              <a:rPr lang="de-DE" dirty="0" smtClean="0"/>
-              <a:t>Tastatursteuerung</a:t>
-            </a:r>
-          </a:p>
-          <a:p>
-            <a:r>
-              <a:rPr lang="de-DE" dirty="0" smtClean="0"/>
-              <a:t>Bilddarstellung erweitert</a:t>
-            </a:r>
-          </a:p>
-          <a:p>
-            <a:r>
-              <a:rPr lang="de-DE" dirty="0" smtClean="0"/>
-              <a:t>Beinstellen</a:t>
-            </a:r>
-          </a:p>
-          <a:p>
-            <a:r>
-              <a:rPr lang="de-DE" dirty="0" smtClean="0"/>
-              <a:t>BUGFIXES</a:t>
-            </a:r>
-            <a:endParaRPr lang="de-DE" dirty="0"/>
-          </a:p>
         </p:txBody>
       </p:sp>
       <p:sp>
@@ -5304,8 +6378,8 @@
         </p:nvSpPr>
         <p:spPr>
           <a:xfrm>
-            <a:off x="4648200" y="1484784"/>
-            <a:ext cx="4038600" cy="4641379"/>
+            <a:off x="4648200" y="2276872"/>
+            <a:ext cx="4038600" cy="3849291"/>
           </a:xfrm>
         </p:spPr>
         <p:txBody>
@@ -5324,12 +6398,77 @@
           </a:p>
           <a:p>
             <a:r>
-              <a:rPr lang="de-DE" dirty="0" smtClean="0"/>
-              <a:t>Testklassen</a:t>
+              <a:rPr lang="de-DE" dirty="0" err="1" smtClean="0"/>
+              <a:t>Packages</a:t>
+            </a:r>
+            <a:endParaRPr lang="de-DE" dirty="0" smtClean="0"/>
+          </a:p>
+          <a:p>
+            <a:r>
+              <a:rPr lang="de-DE" dirty="0" smtClean="0"/>
+              <a:t>Kuchen </a:t>
+            </a:r>
+            <a:r>
+              <a:rPr lang="de-DE" sz="2000" dirty="0" smtClean="0">
+                <a:sym typeface="Wingdings" pitchFamily="2" charset="2"/>
+              </a:rPr>
+              <a:t></a:t>
+            </a:r>
+            <a:r>
+              <a:rPr lang="de-DE" dirty="0" smtClean="0"/>
+              <a:t> Krümel</a:t>
+            </a:r>
+          </a:p>
+          <a:p>
+            <a:r>
+              <a:rPr lang="de-DE" dirty="0" smtClean="0"/>
+              <a:t>Trennen von UI &amp; Logik</a:t>
             </a:r>
           </a:p>
           <a:p>
             <a:endParaRPr lang="de-DE" dirty="0"/>
+          </a:p>
+        </p:txBody>
+      </p:sp>
+      <p:sp>
+        <p:nvSpPr>
+          <p:cNvPr id="12" name="Textfeld 11"/>
+          <p:cNvSpPr txBox="1"/>
+          <p:nvPr/>
+        </p:nvSpPr>
+        <p:spPr>
+          <a:xfrm>
+            <a:off x="457200" y="1628800"/>
+            <a:ext cx="8229600" cy="523220"/>
+          </a:xfrm>
+          <a:prstGeom prst="rect">
+            <a:avLst/>
+          </a:prstGeom>
+          <a:noFill/>
+        </p:spPr>
+        <p:txBody>
+          <a:bodyPr wrap="square" rtlCol="0">
+            <a:spAutoFit/>
+          </a:bodyPr>
+          <a:lstStyle/>
+          <a:p>
+            <a:r>
+              <a:rPr lang="de-DE" sz="2800" i="1" dirty="0" smtClean="0"/>
+              <a:t>Vortrag: </a:t>
+            </a:r>
+            <a:r>
+              <a:rPr lang="de-DE" sz="2800" i="1" dirty="0" err="1" smtClean="0"/>
+              <a:t>EclEmma</a:t>
+            </a:r>
+            <a:r>
+              <a:rPr lang="de-DE" sz="2800" i="1" dirty="0"/>
+              <a:t> </a:t>
+            </a:r>
+            <a:r>
+              <a:rPr lang="de-DE" sz="2800" i="1" dirty="0" smtClean="0"/>
+              <a:t>[1roebe, 1griese]</a:t>
+            </a:r>
+            <a:endParaRPr lang="de-DE" sz="2800" i="1" dirty="0"/>
           </a:p>
         </p:txBody>
       </p:sp>
@@ -5343,8 +6482,8 @@
         </p:nvSpPr>
         <p:spPr>
           <a:xfrm>
-            <a:off x="4355976" y="273600"/>
-            <a:ext cx="4483224" cy="1143000"/>
+            <a:off x="4716016" y="273600"/>
+            <a:ext cx="4123184" cy="1143000"/>
           </a:xfrm>
           <a:prstGeom prst="rect">
             <a:avLst/>
@@ -5352,25 +6491,30 @@
         </p:spPr>
         <p:txBody>
           <a:bodyPr vert="horz" lIns="91440" tIns="45720" rIns="91440" bIns="45720" rtlCol="0" anchor="ctr">
-            <a:normAutofit fontScale="92500"/>
+            <a:normAutofit fontScale="92500" lnSpcReduction="20000"/>
           </a:bodyPr>
           <a:lstStyle/>
           <a:p>
-            <a:pPr marL="0" marR="0" lvl="0" indent="0" algn="r" defTabSz="914400" rtl="0" eaLnBrk="1" fontAlgn="auto" latinLnBrk="0" hangingPunct="1">
-              <a:lnSpc>
-                <a:spcPct val="100000"/>
-              </a:lnSpc>
+            <a:pPr lvl="0" algn="r">
               <a:spcBef>
                 <a:spcPct val="0"/>
               </a:spcBef>
-              <a:spcAft>
-                <a:spcPts val="0"/>
-              </a:spcAft>
-              <a:buClrTx/>
-              <a:buSzTx/>
-              <a:buFontTx/>
-              <a:buNone/>
-              <a:tabLst/>
+              <a:defRPr/>
+            </a:pPr>
+            <a:r>
+              <a:rPr lang="de-DE" sz="4400" dirty="0" smtClean="0"/>
+              <a:t>Gruppenleiter</a:t>
+            </a:r>
+            <a:r>
+              <a:rPr lang="de-DE" sz="4400" dirty="0" smtClean="0"/>
+              <a:t>:</a:t>
+            </a:r>
+          </a:p>
+          <a:p>
+            <a:pPr lvl="0" algn="r">
+              <a:spcBef>
+                <a:spcPct val="0"/>
+              </a:spcBef>
               <a:defRPr/>
             </a:pPr>
             <a:r>
@@ -5388,7 +6532,24 @@
                 <a:ea typeface="+mj-ea"/>
                 <a:cs typeface="+mj-cs"/>
               </a:rPr>
-              <a:t>[1wiedema/1roebe]</a:t>
+              <a:t>[</a:t>
+            </a:r>
+            <a:r>
+              <a:rPr kumimoji="0" lang="de-DE" sz="4400" b="0" i="0" u="none" strike="noStrike" kern="1200" cap="none" spc="0" normalizeH="0" baseline="0" noProof="0" dirty="0" smtClean="0">
+                <a:ln>
+                  <a:noFill/>
+                </a:ln>
+                <a:solidFill>
+                  <a:schemeClr val="tx1"/>
+                </a:solidFill>
+                <a:effectLst/>
+                <a:uLnTx/>
+                <a:uFillTx/>
+                <a:latin typeface="+mj-lt"/>
+                <a:ea typeface="+mj-ea"/>
+                <a:cs typeface="+mj-cs"/>
+              </a:rPr>
+              <a:t>1fechner]</a:t>
             </a:r>
           </a:p>
         </p:txBody>

--- a/vortraege/Präsentation_01.pptx
+++ b/vortraege/Präsentation_01.pptx
@@ -3302,7 +3302,7 @@
           </a:p>
           <a:p>
             <a:r>
-              <a:rPr lang="de-DE" smtClean="0"/>
+              <a:rPr lang="de-DE" dirty="0" smtClean="0"/>
               <a:t>XML für Level</a:t>
             </a:r>
             <a:endParaRPr lang="de-DE" dirty="0" smtClean="0"/>
@@ -5268,73 +5268,32 @@
           </a:p>
         </p:txBody>
       </p:sp>
-      <p:sp>
-        <p:nvSpPr>
-          <p:cNvPr id="4" name="Inhaltsplatzhalter 3"/>
-          <p:cNvSpPr>
-            <a:spLocks noGrp="1"/>
-          </p:cNvSpPr>
-          <p:nvPr>
-            <p:ph sz="half" idx="2"/>
-          </p:nvPr>
-        </p:nvSpPr>
-        <p:spPr/>
-        <p:txBody>
-          <a:bodyPr/>
-          <a:lstStyle/>
-          <a:p>
-            <a:endParaRPr lang="de-DE"/>
-          </a:p>
-        </p:txBody>
-      </p:sp>
-      <p:sp>
-        <p:nvSpPr>
-          <p:cNvPr id="5" name="Ungleich 4"/>
-          <p:cNvSpPr/>
+      <p:pic>
+        <p:nvPicPr>
+          <p:cNvPr id="1026" name="Picture 2" descr="Z:\SEP\SEP12\stuff\Zuul-Diagramm.png"/>
+          <p:cNvPicPr>
+            <a:picLocks noChangeAspect="1" noChangeArrowheads="1"/>
+          </p:cNvPicPr>
           <p:nvPr/>
-        </p:nvSpPr>
-        <p:spPr>
-          <a:xfrm>
-            <a:off x="755576" y="1916832"/>
-            <a:ext cx="3456384" cy="2592288"/>
-          </a:xfrm>
-          <a:prstGeom prst="mathNotEqual">
-            <a:avLst>
-              <a:gd name="adj1" fmla="val 23520"/>
-              <a:gd name="adj2" fmla="val 6332024"/>
-              <a:gd name="adj3" fmla="val 15618"/>
-            </a:avLst>
+        </p:nvPicPr>
+        <p:blipFill>
+          <a:blip r:embed="rId2" cstate="print"/>
+          <a:srcRect/>
+          <a:stretch>
+            <a:fillRect/>
+          </a:stretch>
+        </p:blipFill>
+        <p:spPr bwMode="auto">
+          <a:xfrm>
+            <a:off x="477938" y="1628800"/>
+            <a:ext cx="8054502" cy="4464496"/>
+          </a:xfrm>
+          <a:prstGeom prst="rect">
+            <a:avLst/>
           </a:prstGeom>
-        </p:spPr>
-        <p:style>
-          <a:lnRef idx="2">
-            <a:schemeClr val="accent1">
-              <a:shade val="50000"/>
-            </a:schemeClr>
-          </a:lnRef>
-          <a:fillRef idx="1">
-            <a:schemeClr val="accent1"/>
-          </a:fillRef>
-          <a:effectRef idx="0">
-            <a:schemeClr val="accent1"/>
-          </a:effectRef>
-          <a:fontRef idx="minor">
-            <a:schemeClr val="lt1"/>
-          </a:fontRef>
-        </p:style>
-        <p:txBody>
-          <a:bodyPr rtlCol="0" anchor="ctr"/>
-          <a:lstStyle/>
-          <a:p>
-            <a:pPr algn="ctr"/>
-            <a:endParaRPr lang="de-DE">
-              <a:solidFill>
-                <a:schemeClr val="tx1"/>
-              </a:solidFill>
-            </a:endParaRPr>
-          </a:p>
-        </p:txBody>
-      </p:sp>
+          <a:noFill/>
+        </p:spPr>
+      </p:pic>
     </p:spTree>
   </p:cSld>
   <p:clrMapOvr>

--- a/vortraege/Präsentation_01.pptx
+++ b/vortraege/Präsentation_01.pptx
@@ -6,21 +6,25 @@
   </p:sldMasterIdLst>
   <p:sldIdLst>
     <p:sldId id="271" r:id="rId2"/>
-    <p:sldId id="273" r:id="rId3"/>
-    <p:sldId id="275" r:id="rId4"/>
-    <p:sldId id="276" r:id="rId5"/>
-    <p:sldId id="274" r:id="rId6"/>
-    <p:sldId id="272" r:id="rId7"/>
-    <p:sldId id="257" r:id="rId8"/>
-    <p:sldId id="261" r:id="rId9"/>
-    <p:sldId id="262" r:id="rId10"/>
-    <p:sldId id="263" r:id="rId11"/>
-    <p:sldId id="265" r:id="rId12"/>
-    <p:sldId id="264" r:id="rId13"/>
-    <p:sldId id="267" r:id="rId14"/>
-    <p:sldId id="268" r:id="rId15"/>
-    <p:sldId id="269" r:id="rId16"/>
-    <p:sldId id="270" r:id="rId17"/>
+    <p:sldId id="277" r:id="rId3"/>
+    <p:sldId id="273" r:id="rId4"/>
+    <p:sldId id="275" r:id="rId5"/>
+    <p:sldId id="276" r:id="rId6"/>
+    <p:sldId id="280" r:id="rId7"/>
+    <p:sldId id="274" r:id="rId8"/>
+    <p:sldId id="272" r:id="rId9"/>
+    <p:sldId id="257" r:id="rId10"/>
+    <p:sldId id="261" r:id="rId11"/>
+    <p:sldId id="262" r:id="rId12"/>
+    <p:sldId id="263" r:id="rId13"/>
+    <p:sldId id="265" r:id="rId14"/>
+    <p:sldId id="264" r:id="rId15"/>
+    <p:sldId id="267" r:id="rId16"/>
+    <p:sldId id="268" r:id="rId17"/>
+    <p:sldId id="269" r:id="rId18"/>
+    <p:sldId id="270" r:id="rId19"/>
+    <p:sldId id="278" r:id="rId20"/>
+    <p:sldId id="279" r:id="rId21"/>
   </p:sldIdLst>
   <p:sldSz cx="9144000" cy="6858000" type="screen4x3"/>
   <p:notesSz cx="6858000" cy="9144000"/>
@@ -304,7 +308,7 @@
             <a:fld id="{0E23E8DD-58EA-4E50-B3CC-91C405509316}" type="datetimeFigureOut">
               <a:rPr lang="de-DE" smtClean="0"/>
               <a:pPr/>
-              <a:t>26.09.2012</a:t>
+              <a:t>27.09.2012</a:t>
             </a:fld>
             <a:endParaRPr lang="de-DE"/>
           </a:p>
@@ -471,7 +475,7 @@
             <a:fld id="{0E23E8DD-58EA-4E50-B3CC-91C405509316}" type="datetimeFigureOut">
               <a:rPr lang="de-DE" smtClean="0"/>
               <a:pPr/>
-              <a:t>26.09.2012</a:t>
+              <a:t>27.09.2012</a:t>
             </a:fld>
             <a:endParaRPr lang="de-DE"/>
           </a:p>
@@ -648,7 +652,7 @@
             <a:fld id="{0E23E8DD-58EA-4E50-B3CC-91C405509316}" type="datetimeFigureOut">
               <a:rPr lang="de-DE" smtClean="0"/>
               <a:pPr/>
-              <a:t>26.09.2012</a:t>
+              <a:t>27.09.2012</a:t>
             </a:fld>
             <a:endParaRPr lang="de-DE"/>
           </a:p>
@@ -815,7 +819,7 @@
             <a:fld id="{0E23E8DD-58EA-4E50-B3CC-91C405509316}" type="datetimeFigureOut">
               <a:rPr lang="de-DE" smtClean="0"/>
               <a:pPr/>
-              <a:t>26.09.2012</a:t>
+              <a:t>27.09.2012</a:t>
             </a:fld>
             <a:endParaRPr lang="de-DE"/>
           </a:p>
@@ -1058,7 +1062,7 @@
             <a:fld id="{0E23E8DD-58EA-4E50-B3CC-91C405509316}" type="datetimeFigureOut">
               <a:rPr lang="de-DE" smtClean="0"/>
               <a:pPr/>
-              <a:t>26.09.2012</a:t>
+              <a:t>27.09.2012</a:t>
             </a:fld>
             <a:endParaRPr lang="de-DE"/>
           </a:p>
@@ -1343,7 +1347,7 @@
             <a:fld id="{0E23E8DD-58EA-4E50-B3CC-91C405509316}" type="datetimeFigureOut">
               <a:rPr lang="de-DE" smtClean="0"/>
               <a:pPr/>
-              <a:t>26.09.2012</a:t>
+              <a:t>27.09.2012</a:t>
             </a:fld>
             <a:endParaRPr lang="de-DE"/>
           </a:p>
@@ -1762,7 +1766,7 @@
             <a:fld id="{0E23E8DD-58EA-4E50-B3CC-91C405509316}" type="datetimeFigureOut">
               <a:rPr lang="de-DE" smtClean="0"/>
               <a:pPr/>
-              <a:t>26.09.2012</a:t>
+              <a:t>27.09.2012</a:t>
             </a:fld>
             <a:endParaRPr lang="de-DE"/>
           </a:p>
@@ -1877,7 +1881,7 @@
             <a:fld id="{0E23E8DD-58EA-4E50-B3CC-91C405509316}" type="datetimeFigureOut">
               <a:rPr lang="de-DE" smtClean="0"/>
               <a:pPr/>
-              <a:t>26.09.2012</a:t>
+              <a:t>27.09.2012</a:t>
             </a:fld>
             <a:endParaRPr lang="de-DE"/>
           </a:p>
@@ -1969,7 +1973,7 @@
             <a:fld id="{0E23E8DD-58EA-4E50-B3CC-91C405509316}" type="datetimeFigureOut">
               <a:rPr lang="de-DE" smtClean="0"/>
               <a:pPr/>
-              <a:t>26.09.2012</a:t>
+              <a:t>27.09.2012</a:t>
             </a:fld>
             <a:endParaRPr lang="de-DE"/>
           </a:p>
@@ -2243,7 +2247,7 @@
             <a:fld id="{0E23E8DD-58EA-4E50-B3CC-91C405509316}" type="datetimeFigureOut">
               <a:rPr lang="de-DE" smtClean="0"/>
               <a:pPr/>
-              <a:t>26.09.2012</a:t>
+              <a:t>27.09.2012</a:t>
             </a:fld>
             <a:endParaRPr lang="de-DE"/>
           </a:p>
@@ -2493,7 +2497,7 @@
             <a:fld id="{0E23E8DD-58EA-4E50-B3CC-91C405509316}" type="datetimeFigureOut">
               <a:rPr lang="de-DE" smtClean="0"/>
               <a:pPr/>
-              <a:t>26.09.2012</a:t>
+              <a:t>27.09.2012</a:t>
             </a:fld>
             <a:endParaRPr lang="de-DE"/>
           </a:p>
@@ -2703,7 +2707,7 @@
             <a:fld id="{0E23E8DD-58EA-4E50-B3CC-91C405509316}" type="datetimeFigureOut">
               <a:rPr lang="de-DE" smtClean="0"/>
               <a:pPr/>
-              <a:t>26.09.2012</a:t>
+              <a:t>27.09.2012</a:t>
             </a:fld>
             <a:endParaRPr lang="de-DE"/>
           </a:p>
@@ -3103,18 +3107,6 @@
             <a:br>
               <a:rPr lang="de-DE" sz="5400" dirty="0" smtClean="0"/>
             </a:br>
-            <a:r>
-              <a:rPr lang="de-DE" sz="5400" dirty="0" smtClean="0"/>
-              <a:t>(die wo </a:t>
-            </a:r>
-            <a:r>
-              <a:rPr lang="de-DE" sz="5400" dirty="0" err="1" smtClean="0"/>
-              <a:t>Git</a:t>
-            </a:r>
-            <a:r>
-              <a:rPr lang="de-DE" sz="5400" dirty="0" smtClean="0"/>
-              <a:t>)</a:t>
-            </a:r>
             <a:endParaRPr lang="de-DE" sz="5400" dirty="0"/>
           </a:p>
         </p:txBody>
@@ -3124,6 +3116,13 @@
   <p:clrMapOvr>
     <a:masterClrMapping/>
   </p:clrMapOvr>
+  <p:timing>
+    <p:tnLst>
+      <p:par>
+        <p:cTn id="1" dur="indefinite" restart="never" nodeType="tmRoot"/>
+      </p:par>
+    </p:tnLst>
+  </p:timing>
 </p:sld>
 </file>
 
@@ -3169,7 +3168,7 @@
             <a:pPr algn="l"/>
             <a:r>
               <a:rPr lang="de-DE" dirty="0" smtClean="0"/>
-              <a:t>Dienstag 1</a:t>
+              <a:t>Freitag 1</a:t>
             </a:r>
             <a:endParaRPr lang="de-DE" dirty="0"/>
           </a:p>
@@ -3193,7 +3192,7 @@
         </p:spPr>
         <p:txBody>
           <a:bodyPr>
-            <a:normAutofit lnSpcReduction="10000"/>
+            <a:normAutofit fontScale="92500" lnSpcReduction="10000"/>
           </a:bodyPr>
           <a:lstStyle/>
           <a:p>
@@ -3207,56 +3206,54 @@
           </a:p>
           <a:p>
             <a:r>
-              <a:rPr lang="de-DE" dirty="0" err="1" smtClean="0"/>
-              <a:t>Leveleditor</a:t>
-            </a:r>
-            <a:r>
-              <a:rPr lang="de-DE" dirty="0" smtClean="0"/>
-              <a:t> </a:t>
-            </a:r>
-            <a:r>
-              <a:rPr lang="de-DE" dirty="0" smtClean="0"/>
-              <a:t>Alpha</a:t>
-            </a:r>
-            <a:endParaRPr lang="de-DE" dirty="0" smtClean="0"/>
-          </a:p>
-          <a:p>
-            <a:r>
-              <a:rPr lang="de-DE" dirty="0" smtClean="0"/>
-              <a:t>Level laden und speichern</a:t>
-            </a:r>
-            <a:endParaRPr lang="de-DE" dirty="0" smtClean="0"/>
-          </a:p>
-          <a:p>
-            <a:r>
-              <a:rPr lang="de-DE" dirty="0" smtClean="0"/>
-              <a:t>Zufällige Maus-Position</a:t>
+              <a:rPr lang="de-DE" dirty="0" smtClean="0"/>
+              <a:t>GUI</a:t>
             </a:r>
           </a:p>
           <a:p>
             <a:pPr lvl="1"/>
             <a:r>
               <a:rPr lang="de-DE" dirty="0" smtClean="0"/>
-              <a:t>Path </a:t>
-            </a:r>
-            <a:r>
-              <a:rPr lang="de-DE" dirty="0" err="1" smtClean="0"/>
-              <a:t>Finding</a:t>
-            </a:r>
-            <a:endParaRPr lang="de-DE" dirty="0" smtClean="0"/>
-          </a:p>
-          <a:p>
-            <a:r>
-              <a:rPr lang="de-DE" dirty="0" smtClean="0"/>
-              <a:t>Raumanzeige</a:t>
-            </a:r>
-          </a:p>
-          <a:p>
-            <a:r>
-              <a:rPr lang="de-DE" dirty="0" smtClean="0"/>
-              <a:t>Labor</a:t>
-            </a:r>
-            <a:endParaRPr lang="de-DE" dirty="0" smtClean="0"/>
+              <a:t>Konsole + Buttons</a:t>
+            </a:r>
+          </a:p>
+          <a:p>
+            <a:r>
+              <a:rPr lang="de-DE" dirty="0" smtClean="0"/>
+              <a:t>Items</a:t>
+            </a:r>
+          </a:p>
+          <a:p>
+            <a:r>
+              <a:rPr lang="de-DE" dirty="0" smtClean="0"/>
+              <a:t>Lebensenergie</a:t>
+            </a:r>
+          </a:p>
+          <a:p>
+            <a:pPr lvl="1"/>
+            <a:r>
+              <a:rPr lang="de-DE" dirty="0" smtClean="0"/>
+              <a:t>Gewinnen &amp; Verlieren</a:t>
+            </a:r>
+          </a:p>
+          <a:p>
+            <a:r>
+              <a:rPr lang="de-DE" dirty="0" smtClean="0"/>
+              <a:t>Neues Level konstruiert</a:t>
+            </a:r>
+          </a:p>
+          <a:p>
+            <a:r>
+              <a:rPr lang="de-DE" dirty="0" smtClean="0"/>
+              <a:t>Deutsche Inhalte</a:t>
+            </a:r>
+          </a:p>
+          <a:p>
+            <a:r>
+              <a:rPr lang="de-DE" dirty="0" smtClean="0"/>
+              <a:t>Eigene Story</a:t>
+            </a:r>
+            <a:endParaRPr lang="de-DE" dirty="0"/>
           </a:p>
         </p:txBody>
       </p:sp>
@@ -3278,7 +3275,7 @@
         </p:spPr>
         <p:txBody>
           <a:bodyPr>
-            <a:normAutofit lnSpcReduction="10000"/>
+            <a:normAutofit fontScale="92500" lnSpcReduction="10000"/>
           </a:bodyPr>
           <a:lstStyle/>
           <a:p>
@@ -3293,19 +3290,27 @@
           <a:p>
             <a:r>
               <a:rPr lang="de-DE" dirty="0" smtClean="0"/>
-              <a:t>Dies und </a:t>
-            </a:r>
-            <a:r>
-              <a:rPr lang="de-DE" dirty="0" smtClean="0"/>
-              <a:t>das</a:t>
-            </a:r>
-          </a:p>
-          <a:p>
-            <a:r>
-              <a:rPr lang="de-DE" dirty="0" smtClean="0"/>
-              <a:t>XML für Level</a:t>
-            </a:r>
-            <a:endParaRPr lang="de-DE" dirty="0" smtClean="0"/>
+              <a:t>Polymorphe Befehlsstruktur</a:t>
+            </a:r>
+          </a:p>
+          <a:p>
+            <a:r>
+              <a:rPr lang="de-DE" dirty="0" smtClean="0"/>
+              <a:t>TextVerwalter</a:t>
+            </a:r>
+          </a:p>
+          <a:p>
+            <a:r>
+              <a:rPr lang="de-DE" dirty="0" smtClean="0"/>
+              <a:t>Konventionen</a:t>
+            </a:r>
+          </a:p>
+          <a:p>
+            <a:pPr lvl="1"/>
+            <a:r>
+              <a:rPr lang="de-DE" dirty="0" smtClean="0"/>
+              <a:t>Getter und Setter</a:t>
+            </a:r>
           </a:p>
           <a:p>
             <a:endParaRPr lang="de-DE" dirty="0"/>
@@ -3336,7 +3341,7 @@
           <a:p>
             <a:r>
               <a:rPr lang="de-DE" sz="2800" i="1" dirty="0" smtClean="0"/>
-              <a:t>Vortrag: File-IO und XML [1fechner, 1jost] </a:t>
+              <a:t>Vortrag: Swing [0gayh, 0schlund]</a:t>
             </a:r>
             <a:endParaRPr lang="de-DE" sz="2800" i="1" dirty="0"/>
           </a:p>
@@ -3373,11 +3378,7 @@
             </a:pPr>
             <a:r>
               <a:rPr lang="de-DE" sz="4400" dirty="0" smtClean="0"/>
-              <a:t>Gruppenleiter</a:t>
-            </a:r>
-            <a:r>
-              <a:rPr lang="de-DE" sz="4400" dirty="0" smtClean="0"/>
-              <a:t>:</a:t>
+              <a:t>Gruppenleiter:</a:t>
             </a:r>
           </a:p>
           <a:p>
@@ -3402,24 +3403,7 @@
                 <a:ea typeface="+mj-ea"/>
                 <a:cs typeface="+mj-cs"/>
               </a:rPr>
-              <a:t>[</a:t>
-            </a:r>
-            <a:r>
-              <a:rPr kumimoji="0" lang="de-DE" sz="4400" b="0" i="0" u="none" strike="noStrike" kern="1200" cap="none" spc="0" normalizeH="0" baseline="0" noProof="0" dirty="0" smtClean="0">
-                <a:ln>
-                  <a:noFill/>
-                </a:ln>
-                <a:solidFill>
-                  <a:schemeClr val="tx1"/>
-                </a:solidFill>
-                <a:effectLst/>
-                <a:uLnTx/>
-                <a:uFillTx/>
-                <a:latin typeface="+mj-lt"/>
-                <a:ea typeface="+mj-ea"/>
-                <a:cs typeface="+mj-cs"/>
-              </a:rPr>
-              <a:t>1griese]</a:t>
+              <a:t>[1jost]</a:t>
             </a:r>
           </a:p>
         </p:txBody>
@@ -3429,6 +3413,13 @@
   <p:clrMapOvr>
     <a:masterClrMapping/>
   </p:clrMapOvr>
+  <p:timing>
+    <p:tnLst>
+      <p:par>
+        <p:cTn id="1" dur="indefinite" restart="never" nodeType="tmRoot"/>
+      </p:par>
+    </p:tnLst>
+  </p:timing>
 </p:sld>
 </file>
 
@@ -3474,7 +3465,7 @@
             <a:pPr algn="l"/>
             <a:r>
               <a:rPr lang="de-DE" dirty="0" smtClean="0"/>
-              <a:t>Mittwoch 1</a:t>
+              <a:t>Montag 1</a:t>
             </a:r>
             <a:endParaRPr lang="de-DE" dirty="0"/>
           </a:p>
@@ -3497,7 +3488,9 @@
           </a:xfrm>
         </p:spPr>
         <p:txBody>
-          <a:bodyPr/>
+          <a:bodyPr>
+            <a:normAutofit/>
+          </a:bodyPr>
           <a:lstStyle/>
           <a:p>
             <a:pPr>
@@ -3511,40 +3504,45 @@
           <a:p>
             <a:r>
               <a:rPr lang="de-DE" dirty="0" smtClean="0"/>
-              <a:t>GUI überarbeitet</a:t>
+              <a:t>Neue Befehle</a:t>
             </a:r>
           </a:p>
           <a:p>
             <a:pPr lvl="1"/>
             <a:r>
               <a:rPr lang="de-DE" dirty="0" smtClean="0"/>
-              <a:t>Raumansicht</a:t>
-            </a:r>
-          </a:p>
-          <a:p>
+              <a:t>Nehmen</a:t>
+            </a:r>
+          </a:p>
+          <a:p>
+            <a:pPr lvl="1"/>
+            <a:r>
+              <a:rPr lang="de-DE" dirty="0" smtClean="0"/>
+              <a:t>Essen</a:t>
+            </a:r>
+          </a:p>
+          <a:p>
+            <a:r>
+              <a:rPr lang="de-DE" dirty="0" smtClean="0"/>
+              <a:t>Giftkrümel</a:t>
+            </a:r>
+          </a:p>
+          <a:p>
+            <a:r>
+              <a:rPr lang="de-DE" dirty="0" smtClean="0"/>
+              <a:t>Maus in Räumen</a:t>
+            </a:r>
+          </a:p>
+          <a:p>
+            <a:r>
+              <a:rPr lang="de-DE" dirty="0" smtClean="0"/>
+              <a:t>Tests mit </a:t>
+            </a:r>
             <a:r>
               <a:rPr lang="de-DE" dirty="0" err="1" smtClean="0"/>
-              <a:t>FileChooser</a:t>
+              <a:t>EclEmma</a:t>
             </a:r>
             <a:endParaRPr lang="de-DE" dirty="0" smtClean="0"/>
-          </a:p>
-          <a:p>
-            <a:r>
-              <a:rPr lang="de-DE" dirty="0" smtClean="0"/>
-              <a:t>Mehrere Mäuse</a:t>
-            </a:r>
-          </a:p>
-          <a:p>
-            <a:r>
-              <a:rPr lang="de-DE" dirty="0" smtClean="0"/>
-              <a:t>Katze</a:t>
-            </a:r>
-          </a:p>
-          <a:p>
-            <a:r>
-              <a:rPr lang="de-DE" dirty="0" smtClean="0"/>
-              <a:t>Hilfe verbessert</a:t>
-            </a:r>
           </a:p>
         </p:txBody>
       </p:sp>
@@ -3565,7 +3563,9 @@
           </a:xfrm>
         </p:spPr>
         <p:txBody>
-          <a:bodyPr/>
+          <a:bodyPr>
+            <a:normAutofit/>
+          </a:bodyPr>
           <a:lstStyle/>
           <a:p>
             <a:pPr>
@@ -3578,9 +3578,34 @@
           </a:p>
           <a:p>
             <a:r>
-              <a:rPr lang="de-DE" dirty="0" smtClean="0"/>
-              <a:t>SpielKontext aufgeteilt</a:t>
-            </a:r>
+              <a:rPr lang="de-DE" dirty="0" err="1" smtClean="0"/>
+              <a:t>Packages</a:t>
+            </a:r>
+            <a:endParaRPr lang="de-DE" dirty="0" smtClean="0"/>
+          </a:p>
+          <a:p>
+            <a:r>
+              <a:rPr lang="de-DE" dirty="0" smtClean="0"/>
+              <a:t>Kuchen </a:t>
+            </a:r>
+            <a:r>
+              <a:rPr lang="de-DE" sz="2000" dirty="0" smtClean="0">
+                <a:sym typeface="Wingdings" pitchFamily="2" charset="2"/>
+              </a:rPr>
+              <a:t></a:t>
+            </a:r>
+            <a:r>
+              <a:rPr lang="de-DE" dirty="0" smtClean="0"/>
+              <a:t> Krümel</a:t>
+            </a:r>
+          </a:p>
+          <a:p>
+            <a:r>
+              <a:rPr lang="de-DE" dirty="0" smtClean="0"/>
+              <a:t>Trennen von UI &amp; Logik</a:t>
+            </a:r>
+          </a:p>
+          <a:p>
             <a:endParaRPr lang="de-DE" dirty="0"/>
           </a:p>
         </p:txBody>
@@ -3609,7 +3634,19 @@
           <a:p>
             <a:r>
               <a:rPr lang="de-DE" sz="2800" i="1" dirty="0" smtClean="0"/>
-              <a:t>Vortrag: RMI [0ortmann, 0klein] </a:t>
+              <a:t>Vortrag: </a:t>
+            </a:r>
+            <a:r>
+              <a:rPr lang="de-DE" sz="2800" i="1" dirty="0" err="1" smtClean="0"/>
+              <a:t>EclEmma</a:t>
+            </a:r>
+            <a:r>
+              <a:rPr lang="de-DE" sz="2800" i="1" dirty="0"/>
+              <a:t> </a:t>
+            </a:r>
+            <a:r>
+              <a:rPr lang="de-DE" sz="2800" i="1" dirty="0" smtClean="0"/>
+              <a:t>[1roebe, 1griese]</a:t>
             </a:r>
             <a:endParaRPr lang="de-DE" sz="2800" i="1" dirty="0"/>
           </a:p>
@@ -3646,11 +3683,7 @@
             </a:pPr>
             <a:r>
               <a:rPr lang="de-DE" sz="4400" dirty="0" smtClean="0"/>
-              <a:t>Gruppenleiter</a:t>
-            </a:r>
-            <a:r>
-              <a:rPr lang="de-DE" sz="4400" dirty="0" smtClean="0"/>
-              <a:t>:</a:t>
+              <a:t>Gruppenleiter:</a:t>
             </a:r>
           </a:p>
           <a:p>
@@ -3675,24 +3708,7 @@
                 <a:ea typeface="+mj-ea"/>
                 <a:cs typeface="+mj-cs"/>
               </a:rPr>
-              <a:t>[</a:t>
-            </a:r>
-            <a:r>
-              <a:rPr kumimoji="0" lang="de-DE" sz="4400" b="0" i="0" u="none" strike="noStrike" kern="1200" cap="none" spc="0" normalizeH="0" baseline="0" noProof="0" dirty="0" smtClean="0">
-                <a:ln>
-                  <a:noFill/>
-                </a:ln>
-                <a:solidFill>
-                  <a:schemeClr val="tx1"/>
-                </a:solidFill>
-                <a:effectLst/>
-                <a:uLnTx/>
-                <a:uFillTx/>
-                <a:latin typeface="+mj-lt"/>
-                <a:ea typeface="+mj-ea"/>
-                <a:cs typeface="+mj-cs"/>
-              </a:rPr>
-              <a:t>0schlund]</a:t>
+              <a:t>[1fechner]</a:t>
             </a:r>
           </a:p>
         </p:txBody>
@@ -3702,6 +3718,13 @@
   <p:clrMapOvr>
     <a:masterClrMapping/>
   </p:clrMapOvr>
+  <p:timing>
+    <p:tnLst>
+      <p:par>
+        <p:cTn id="1" dur="indefinite" restart="never" nodeType="tmRoot"/>
+      </p:par>
+    </p:tnLst>
+  </p:timing>
 </p:sld>
 </file>
 
@@ -3747,7 +3770,7 @@
             <a:pPr algn="l"/>
             <a:r>
               <a:rPr lang="de-DE" dirty="0" smtClean="0"/>
-              <a:t>Donnerstag 2</a:t>
+              <a:t>Dienstag 1</a:t>
             </a:r>
             <a:endParaRPr lang="de-DE" dirty="0"/>
           </a:p>
@@ -3765,12 +3788,14 @@
         </p:nvSpPr>
         <p:spPr>
           <a:xfrm>
-            <a:off x="457200" y="1484784"/>
-            <a:ext cx="4038600" cy="4641379"/>
-          </a:xfrm>
-        </p:spPr>
-        <p:txBody>
-          <a:bodyPr/>
+            <a:off x="457200" y="2276872"/>
+            <a:ext cx="4038600" cy="3849291"/>
+          </a:xfrm>
+        </p:spPr>
+        <p:txBody>
+          <a:bodyPr>
+            <a:normAutofit lnSpcReduction="10000"/>
+          </a:bodyPr>
           <a:lstStyle/>
           <a:p>
             <a:pPr>
@@ -3783,59 +3808,126 @@
           </a:p>
           <a:p>
             <a:r>
-              <a:rPr lang="de-DE" dirty="0" smtClean="0"/>
-              <a:t>Editor Beta</a:t>
+              <a:rPr lang="de-DE" dirty="0" err="1" smtClean="0"/>
+              <a:t>Leveleditor</a:t>
+            </a:r>
+            <a:r>
+              <a:rPr lang="de-DE" dirty="0" smtClean="0"/>
+              <a:t> Alpha</a:t>
+            </a:r>
+          </a:p>
+          <a:p>
+            <a:r>
+              <a:rPr lang="de-DE" dirty="0" smtClean="0"/>
+              <a:t>Level laden und speichern</a:t>
+            </a:r>
+          </a:p>
+          <a:p>
+            <a:r>
+              <a:rPr lang="de-DE" dirty="0" smtClean="0"/>
+              <a:t>Zufällige Maus-Position</a:t>
             </a:r>
           </a:p>
           <a:p>
             <a:pPr lvl="1"/>
             <a:r>
               <a:rPr lang="de-DE" dirty="0" smtClean="0"/>
-              <a:t>Inkl. Laden &amp; Speichern</a:t>
-            </a:r>
-          </a:p>
-          <a:p>
-            <a:r>
-              <a:rPr lang="de-DE" dirty="0" smtClean="0"/>
-              <a:t>Netzwerk </a:t>
+              <a:t>Path </a:t>
             </a:r>
             <a:r>
               <a:rPr lang="de-DE" dirty="0" err="1" smtClean="0"/>
-              <a:t>PreAlpha</a:t>
+              <a:t>Finding</a:t>
             </a:r>
             <a:endParaRPr lang="de-DE" dirty="0" smtClean="0"/>
           </a:p>
           <a:p>
-            <a:pPr lvl="1"/>
-            <a:r>
-              <a:rPr lang="de-DE" dirty="0" smtClean="0"/>
-              <a:t>Architektur </a:t>
-            </a:r>
-            <a:r>
-              <a:rPr lang="de-DE" dirty="0" smtClean="0"/>
-              <a:t>ersonnen</a:t>
-            </a:r>
-          </a:p>
-          <a:p>
-            <a:r>
-              <a:rPr lang="de-DE" dirty="0" err="1" smtClean="0"/>
-              <a:t>Redesign</a:t>
-            </a:r>
-            <a:endParaRPr lang="de-DE" dirty="0" smtClean="0"/>
-          </a:p>
-          <a:p>
-            <a:r>
-              <a:rPr lang="de-DE" dirty="0" smtClean="0"/>
-              <a:t>Schauen-Befehl</a:t>
-            </a:r>
-            <a:endParaRPr lang="de-DE" dirty="0" smtClean="0"/>
-          </a:p>
-          <a:p>
-            <a:endParaRPr lang="de-DE" dirty="0" smtClean="0"/>
-          </a:p>
-          <a:p>
-            <a:pPr lvl="1"/>
+            <a:r>
+              <a:rPr lang="de-DE" dirty="0" smtClean="0"/>
+              <a:t>Raumanzeige</a:t>
+            </a:r>
+          </a:p>
+          <a:p>
+            <a:r>
+              <a:rPr lang="de-DE" dirty="0" smtClean="0"/>
+              <a:t>Labor</a:t>
+            </a:r>
+          </a:p>
+        </p:txBody>
+      </p:sp>
+      <p:sp>
+        <p:nvSpPr>
+          <p:cNvPr id="11" name="Inhaltsplatzhalter 10"/>
+          <p:cNvSpPr>
+            <a:spLocks noGrp="1"/>
+          </p:cNvSpPr>
+          <p:nvPr>
+            <p:ph sz="half" idx="2"/>
+          </p:nvPr>
+        </p:nvSpPr>
+        <p:spPr>
+          <a:xfrm>
+            <a:off x="4648200" y="2276872"/>
+            <a:ext cx="4038600" cy="3849291"/>
+          </a:xfrm>
+        </p:spPr>
+        <p:txBody>
+          <a:bodyPr>
+            <a:normAutofit lnSpcReduction="10000"/>
+          </a:bodyPr>
+          <a:lstStyle/>
+          <a:p>
+            <a:pPr>
+              <a:buNone/>
+            </a:pPr>
+            <a:r>
+              <a:rPr lang="de-DE" u="sng" dirty="0" smtClean="0"/>
+              <a:t>Refactoring</a:t>
+            </a:r>
+          </a:p>
+          <a:p>
+            <a:r>
+              <a:rPr lang="de-DE" dirty="0" smtClean="0"/>
+              <a:t>Dies und das</a:t>
+            </a:r>
+          </a:p>
+          <a:p>
+            <a:r>
+              <a:rPr lang="de-DE" dirty="0" smtClean="0"/>
+              <a:t>XML für Level</a:t>
+            </a:r>
+          </a:p>
+          <a:p>
             <a:endParaRPr lang="de-DE" dirty="0"/>
+          </a:p>
+        </p:txBody>
+      </p:sp>
+      <p:sp>
+        <p:nvSpPr>
+          <p:cNvPr id="12" name="Textfeld 11"/>
+          <p:cNvSpPr txBox="1"/>
+          <p:nvPr/>
+        </p:nvSpPr>
+        <p:spPr>
+          <a:xfrm>
+            <a:off x="457200" y="1628800"/>
+            <a:ext cx="8229600" cy="523220"/>
+          </a:xfrm>
+          <a:prstGeom prst="rect">
+            <a:avLst/>
+          </a:prstGeom>
+          <a:noFill/>
+        </p:spPr>
+        <p:txBody>
+          <a:bodyPr wrap="square" rtlCol="0">
+            <a:spAutoFit/>
+          </a:bodyPr>
+          <a:lstStyle/>
+          <a:p>
+            <a:r>
+              <a:rPr lang="de-DE" sz="2800" i="1" dirty="0" smtClean="0"/>
+              <a:t>Vortrag: File-IO und XML [1fechner, 1jost] </a:t>
+            </a:r>
+            <a:endParaRPr lang="de-DE" sz="2800" i="1" dirty="0"/>
           </a:p>
         </p:txBody>
       </p:sp>
@@ -3870,11 +3962,7 @@
             </a:pPr>
             <a:r>
               <a:rPr lang="de-DE" sz="4400" dirty="0" smtClean="0"/>
-              <a:t>Gruppenleiter</a:t>
-            </a:r>
-            <a:r>
-              <a:rPr lang="de-DE" sz="4400" dirty="0" smtClean="0"/>
-              <a:t>:</a:t>
+              <a:t>Gruppenleiter:</a:t>
             </a:r>
           </a:p>
           <a:p>
@@ -3899,44 +3987,8 @@
                 <a:ea typeface="+mj-ea"/>
                 <a:cs typeface="+mj-cs"/>
               </a:rPr>
-              <a:t>[</a:t>
-            </a:r>
-            <a:r>
-              <a:rPr kumimoji="0" lang="de-DE" sz="4400" b="0" i="0" u="none" strike="noStrike" kern="1200" cap="none" spc="0" normalizeH="0" baseline="0" noProof="0" dirty="0" smtClean="0">
-                <a:ln>
-                  <a:noFill/>
-                </a:ln>
-                <a:solidFill>
-                  <a:schemeClr val="tx1"/>
-                </a:solidFill>
-                <a:effectLst/>
-                <a:uLnTx/>
-                <a:uFillTx/>
-                <a:latin typeface="+mj-lt"/>
-                <a:ea typeface="+mj-ea"/>
-                <a:cs typeface="+mj-cs"/>
-              </a:rPr>
-              <a:t>0ortmann]</a:t>
-            </a:r>
-          </a:p>
-        </p:txBody>
-      </p:sp>
-      <p:sp>
-        <p:nvSpPr>
-          <p:cNvPr id="6" name="Inhaltsplatzhalter 5"/>
-          <p:cNvSpPr>
-            <a:spLocks noGrp="1"/>
-          </p:cNvSpPr>
-          <p:nvPr>
-            <p:ph sz="half" idx="2"/>
-          </p:nvPr>
-        </p:nvSpPr>
-        <p:spPr/>
-        <p:txBody>
-          <a:bodyPr/>
-          <a:lstStyle/>
-          <a:p>
-            <a:endParaRPr lang="de-DE"/>
+              <a:t>[1griese]</a:t>
+            </a:r>
           </a:p>
         </p:txBody>
       </p:sp>
@@ -3945,6 +3997,13 @@
   <p:clrMapOvr>
     <a:masterClrMapping/>
   </p:clrMapOvr>
+  <p:timing>
+    <p:tnLst>
+      <p:par>
+        <p:cTn id="1" dur="indefinite" restart="never" nodeType="tmRoot"/>
+      </p:par>
+    </p:tnLst>
+  </p:timing>
 </p:sld>
 </file>
 
@@ -3990,7 +4049,7 @@
             <a:pPr algn="l"/>
             <a:r>
               <a:rPr lang="de-DE" dirty="0" smtClean="0"/>
-              <a:t>Freitag 2</a:t>
+              <a:t>Mittwoch 1</a:t>
             </a:r>
             <a:endParaRPr lang="de-DE" dirty="0"/>
           </a:p>
@@ -4008,8 +4067,8 @@
         </p:nvSpPr>
         <p:spPr>
           <a:xfrm>
-            <a:off x="457200" y="1484784"/>
-            <a:ext cx="4038600" cy="4641379"/>
+            <a:off x="457200" y="2276872"/>
+            <a:ext cx="4038600" cy="3849291"/>
           </a:xfrm>
         </p:spPr>
         <p:txBody>
@@ -4027,30 +4086,40 @@
           <a:p>
             <a:r>
               <a:rPr lang="de-DE" dirty="0" smtClean="0"/>
-              <a:t>Netzwerk Alpha</a:t>
+              <a:t>GUI überarbeitet</a:t>
             </a:r>
           </a:p>
           <a:p>
             <a:pPr lvl="1"/>
             <a:r>
               <a:rPr lang="de-DE" dirty="0" smtClean="0"/>
-              <a:t>Verbindungen möglich</a:t>
-            </a:r>
-          </a:p>
-          <a:p>
-            <a:r>
-              <a:rPr lang="de-DE" dirty="0" smtClean="0"/>
-              <a:t>GUI skalierbar</a:t>
-            </a:r>
-          </a:p>
-          <a:p>
-            <a:r>
-              <a:rPr lang="de-DE" dirty="0" smtClean="0"/>
-              <a:t>Hübsche Bilder</a:t>
-            </a:r>
-          </a:p>
-          <a:p>
+              <a:t>Raumansicht</a:t>
+            </a:r>
+          </a:p>
+          <a:p>
+            <a:r>
+              <a:rPr lang="de-DE" dirty="0" err="1" smtClean="0"/>
+              <a:t>FileChooser</a:t>
+            </a:r>
             <a:endParaRPr lang="de-DE" dirty="0" smtClean="0"/>
+          </a:p>
+          <a:p>
+            <a:r>
+              <a:rPr lang="de-DE" dirty="0" smtClean="0"/>
+              <a:t>Mehrere Mäuse</a:t>
+            </a:r>
+          </a:p>
+          <a:p>
+            <a:r>
+              <a:rPr lang="de-DE" dirty="0" smtClean="0"/>
+              <a:t>Katze</a:t>
+            </a:r>
+          </a:p>
+          <a:p>
+            <a:r>
+              <a:rPr lang="de-DE" dirty="0" smtClean="0"/>
+              <a:t>Hilfe verbessert</a:t>
+            </a:r>
           </a:p>
         </p:txBody>
       </p:sp>
@@ -4066,8 +4135,8 @@
         </p:nvSpPr>
         <p:spPr>
           <a:xfrm>
-            <a:off x="4648200" y="1484784"/>
-            <a:ext cx="4038600" cy="4641379"/>
+            <a:off x="4648200" y="2276872"/>
+            <a:ext cx="4038600" cy="3849291"/>
           </a:xfrm>
         </p:spPr>
         <p:txBody>
@@ -4085,15 +4154,39 @@
           <a:p>
             <a:r>
               <a:rPr lang="de-DE" dirty="0" smtClean="0"/>
-              <a:t>Auf Netzwerk angepasst</a:t>
-            </a:r>
-          </a:p>
-          <a:p>
-            <a:r>
-              <a:rPr lang="de-DE" dirty="0" smtClean="0"/>
-              <a:t>Raumbilddarstellung</a:t>
+              <a:t>SpielKontext aufgeteilt</a:t>
             </a:r>
             <a:endParaRPr lang="de-DE" dirty="0"/>
+          </a:p>
+        </p:txBody>
+      </p:sp>
+      <p:sp>
+        <p:nvSpPr>
+          <p:cNvPr id="12" name="Textfeld 11"/>
+          <p:cNvSpPr txBox="1"/>
+          <p:nvPr/>
+        </p:nvSpPr>
+        <p:spPr>
+          <a:xfrm>
+            <a:off x="457200" y="1628800"/>
+            <a:ext cx="8229600" cy="523220"/>
+          </a:xfrm>
+          <a:prstGeom prst="rect">
+            <a:avLst/>
+          </a:prstGeom>
+          <a:noFill/>
+        </p:spPr>
+        <p:txBody>
+          <a:bodyPr wrap="square" rtlCol="0">
+            <a:spAutoFit/>
+          </a:bodyPr>
+          <a:lstStyle/>
+          <a:p>
+            <a:r>
+              <a:rPr lang="de-DE" sz="2800" i="1" dirty="0" smtClean="0"/>
+              <a:t>Vortrag: RMI [0ortmann, 0klein] </a:t>
+            </a:r>
+            <a:endParaRPr lang="de-DE" sz="2800" i="1" dirty="0"/>
           </a:p>
         </p:txBody>
       </p:sp>
@@ -4128,11 +4221,7 @@
             </a:pPr>
             <a:r>
               <a:rPr lang="de-DE" sz="4400" dirty="0" smtClean="0"/>
-              <a:t>Gruppenleiter</a:t>
-            </a:r>
-            <a:r>
-              <a:rPr lang="de-DE" sz="4400" dirty="0" smtClean="0"/>
-              <a:t>:</a:t>
+              <a:t>Gruppenleiter:</a:t>
             </a:r>
           </a:p>
           <a:p>
@@ -4157,24 +4246,7 @@
                 <a:ea typeface="+mj-ea"/>
                 <a:cs typeface="+mj-cs"/>
               </a:rPr>
-              <a:t>[</a:t>
-            </a:r>
-            <a:r>
-              <a:rPr kumimoji="0" lang="de-DE" sz="4400" b="0" i="0" u="none" strike="noStrike" kern="1200" cap="none" spc="0" normalizeH="0" baseline="0" noProof="0" dirty="0" smtClean="0">
-                <a:ln>
-                  <a:noFill/>
-                </a:ln>
-                <a:solidFill>
-                  <a:schemeClr val="tx1"/>
-                </a:solidFill>
-                <a:effectLst/>
-                <a:uLnTx/>
-                <a:uFillTx/>
-                <a:latin typeface="+mj-lt"/>
-                <a:ea typeface="+mj-ea"/>
-                <a:cs typeface="+mj-cs"/>
-              </a:rPr>
-              <a:t>0klein]</a:t>
+              <a:t>[0schlund]</a:t>
             </a:r>
           </a:p>
         </p:txBody>
@@ -4184,6 +4256,13 @@
   <p:clrMapOvr>
     <a:masterClrMapping/>
   </p:clrMapOvr>
+  <p:timing>
+    <p:tnLst>
+      <p:par>
+        <p:cTn id="1" dur="indefinite" restart="never" nodeType="tmRoot"/>
+      </p:par>
+    </p:tnLst>
+  </p:timing>
 </p:sld>
 </file>
 
@@ -4229,7 +4308,7 @@
             <a:pPr algn="l"/>
             <a:r>
               <a:rPr lang="de-DE" dirty="0" smtClean="0"/>
-              <a:t>Montag 2</a:t>
+              <a:t>Donnerstag 2</a:t>
             </a:r>
             <a:endParaRPr lang="de-DE" dirty="0"/>
           </a:p>
@@ -4266,79 +4345,52 @@
           <a:p>
             <a:r>
               <a:rPr lang="de-DE" dirty="0" smtClean="0"/>
-              <a:t>Netzwerk Beta</a:t>
-            </a:r>
-          </a:p>
-          <a:p>
-            <a:r>
-              <a:rPr lang="de-DE" dirty="0" smtClean="0"/>
-              <a:t>Editor erweitert</a:t>
+              <a:t>Editor Beta</a:t>
             </a:r>
           </a:p>
           <a:p>
             <a:pPr lvl="1"/>
             <a:r>
               <a:rPr lang="de-DE" dirty="0" smtClean="0"/>
-              <a:t>Räume verschieben</a:t>
-            </a:r>
-          </a:p>
-          <a:p>
-            <a:r>
-              <a:rPr lang="de-DE" dirty="0" smtClean="0"/>
-              <a:t>Neue Grafiken</a:t>
-            </a:r>
-          </a:p>
-          <a:p>
-            <a:r>
-              <a:rPr lang="de-DE" dirty="0" smtClean="0"/>
-              <a:t>Raumanzeige im MP</a:t>
-            </a:r>
-          </a:p>
-          <a:p>
+              <a:t>Inkl. Laden &amp; Speichern</a:t>
+            </a:r>
+          </a:p>
+          <a:p>
+            <a:r>
+              <a:rPr lang="de-DE" dirty="0" smtClean="0"/>
+              <a:t>Netzwerk </a:t>
+            </a:r>
             <a:r>
               <a:rPr lang="de-DE" dirty="0" err="1" smtClean="0"/>
-              <a:t>Bugfixes</a:t>
-            </a:r>
-            <a:r>
-              <a:rPr lang="de-DE" dirty="0" smtClean="0"/>
-              <a:t> ohne Ende</a:t>
-            </a:r>
-          </a:p>
-        </p:txBody>
-      </p:sp>
-      <p:sp>
-        <p:nvSpPr>
-          <p:cNvPr id="11" name="Inhaltsplatzhalter 10"/>
-          <p:cNvSpPr>
-            <a:spLocks noGrp="1"/>
-          </p:cNvSpPr>
-          <p:nvPr>
-            <p:ph sz="half" idx="2"/>
-          </p:nvPr>
-        </p:nvSpPr>
-        <p:spPr>
-          <a:xfrm>
-            <a:off x="4648200" y="1484784"/>
-            <a:ext cx="4038600" cy="4641379"/>
-          </a:xfrm>
-        </p:spPr>
-        <p:txBody>
-          <a:bodyPr/>
-          <a:lstStyle/>
-          <a:p>
-            <a:pPr>
-              <a:buNone/>
-            </a:pPr>
-            <a:r>
-              <a:rPr lang="de-DE" u="sng" dirty="0" smtClean="0"/>
-              <a:t>Refactoring</a:t>
-            </a:r>
-          </a:p>
-          <a:p>
-            <a:r>
-              <a:rPr lang="de-DE" dirty="0" smtClean="0"/>
-              <a:t>Neue Befehlsstruktur</a:t>
-            </a:r>
+              <a:t>PreAlpha</a:t>
+            </a:r>
+            <a:endParaRPr lang="de-DE" dirty="0" smtClean="0"/>
+          </a:p>
+          <a:p>
+            <a:pPr lvl="1"/>
+            <a:r>
+              <a:rPr lang="de-DE" dirty="0" smtClean="0"/>
+              <a:t>Architektur ersonnen</a:t>
+            </a:r>
+          </a:p>
+          <a:p>
+            <a:r>
+              <a:rPr lang="de-DE" dirty="0" err="1" smtClean="0"/>
+              <a:t>Redesign</a:t>
+            </a:r>
+            <a:endParaRPr lang="de-DE" dirty="0" smtClean="0"/>
+          </a:p>
+          <a:p>
+            <a:r>
+              <a:rPr lang="de-DE" dirty="0" smtClean="0"/>
+              <a:t>Schauen-Befehl</a:t>
+            </a:r>
+          </a:p>
+          <a:p>
+            <a:endParaRPr lang="de-DE" dirty="0" smtClean="0"/>
+          </a:p>
+          <a:p>
+            <a:pPr lvl="1"/>
             <a:endParaRPr lang="de-DE" dirty="0"/>
           </a:p>
         </p:txBody>
@@ -4374,11 +4426,7 @@
             </a:pPr>
             <a:r>
               <a:rPr lang="de-DE" sz="4400" dirty="0" smtClean="0"/>
-              <a:t>Gruppenleiter</a:t>
-            </a:r>
-            <a:r>
-              <a:rPr lang="de-DE" sz="4400" dirty="0" smtClean="0"/>
-              <a:t>:</a:t>
+              <a:t>Gruppenleiter:</a:t>
             </a:r>
           </a:p>
           <a:p>
@@ -4403,25 +4451,27 @@
                 <a:ea typeface="+mj-ea"/>
                 <a:cs typeface="+mj-cs"/>
               </a:rPr>
-              <a:t>[</a:t>
-            </a:r>
-            <a:r>
-              <a:rPr kumimoji="0" lang="de-DE" sz="4400" b="0" i="0" u="none" strike="noStrike" kern="1200" cap="none" spc="0" normalizeH="0" baseline="0" noProof="0" dirty="0" smtClean="0">
-                <a:ln>
-                  <a:noFill/>
-                </a:ln>
-                <a:solidFill>
-                  <a:schemeClr val="tx1"/>
-                </a:solidFill>
-                <a:effectLst/>
-                <a:uLnTx/>
-                <a:uFillTx/>
-                <a:latin typeface="+mj-lt"/>
-                <a:ea typeface="+mj-ea"/>
-                <a:cs typeface="+mj-cs"/>
-              </a:rPr>
-              <a:t>1wiedema]</a:t>
-            </a:r>
+              <a:t>[0ortmann]</a:t>
+            </a:r>
+          </a:p>
+        </p:txBody>
+      </p:sp>
+      <p:sp>
+        <p:nvSpPr>
+          <p:cNvPr id="6" name="Inhaltsplatzhalter 5"/>
+          <p:cNvSpPr>
+            <a:spLocks noGrp="1"/>
+          </p:cNvSpPr>
+          <p:nvPr>
+            <p:ph sz="half" idx="2"/>
+          </p:nvPr>
+        </p:nvSpPr>
+        <p:spPr/>
+        <p:txBody>
+          <a:bodyPr/>
+          <a:lstStyle/>
+          <a:p>
+            <a:endParaRPr lang="de-DE"/>
           </a:p>
         </p:txBody>
       </p:sp>
@@ -4430,6 +4480,13 @@
   <p:clrMapOvr>
     <a:masterClrMapping/>
   </p:clrMapOvr>
+  <p:timing>
+    <p:tnLst>
+      <p:par>
+        <p:cTn id="1" dur="indefinite" restart="never" nodeType="tmRoot"/>
+      </p:par>
+    </p:tnLst>
+  </p:timing>
 </p:sld>
 </file>
 
@@ -4475,7 +4532,7 @@
             <a:pPr algn="l"/>
             <a:r>
               <a:rPr lang="de-DE" dirty="0" smtClean="0"/>
-              <a:t>Dienstag 2</a:t>
+              <a:t>Freitag 2</a:t>
             </a:r>
             <a:endParaRPr lang="de-DE" dirty="0"/>
           </a:p>
@@ -4498,9 +4555,7 @@
           </a:xfrm>
         </p:spPr>
         <p:txBody>
-          <a:bodyPr>
-            <a:normAutofit/>
-          </a:bodyPr>
+          <a:bodyPr/>
           <a:lstStyle/>
           <a:p>
             <a:pPr>
@@ -4514,58 +4569,30 @@
           <a:p>
             <a:r>
               <a:rPr lang="de-DE" dirty="0" smtClean="0"/>
-              <a:t>Netzwerk </a:t>
-            </a:r>
-            <a:r>
-              <a:rPr lang="de-DE" dirty="0" err="1" smtClean="0"/>
-              <a:t>PreRelease</a:t>
-            </a:r>
+              <a:t>Netzwerk Alpha</a:t>
+            </a:r>
+          </a:p>
+          <a:p>
+            <a:pPr lvl="1"/>
+            <a:r>
+              <a:rPr lang="de-DE" dirty="0" smtClean="0"/>
+              <a:t>Verbindungen möglich</a:t>
+            </a:r>
+          </a:p>
+          <a:p>
+            <a:r>
+              <a:rPr lang="de-DE" dirty="0" smtClean="0"/>
+              <a:t>GUI skalierbar</a:t>
+            </a:r>
+          </a:p>
+          <a:p>
+            <a:r>
+              <a:rPr lang="de-DE" dirty="0" smtClean="0"/>
+              <a:t>Hübsche Bilder</a:t>
+            </a:r>
+          </a:p>
+          <a:p>
             <a:endParaRPr lang="de-DE" dirty="0" smtClean="0"/>
-          </a:p>
-          <a:p>
-            <a:r>
-              <a:rPr lang="de-DE" dirty="0" smtClean="0"/>
-              <a:t>Editor</a:t>
-            </a:r>
-            <a:endParaRPr lang="de-DE" dirty="0" smtClean="0"/>
-          </a:p>
-          <a:p>
-            <a:pPr lvl="1"/>
-            <a:r>
-              <a:rPr lang="de-DE" dirty="0" smtClean="0"/>
-              <a:t>Drag &amp; Drop</a:t>
-            </a:r>
-          </a:p>
-          <a:p>
-            <a:r>
-              <a:rPr lang="de-DE" dirty="0" smtClean="0"/>
-              <a:t>Tastatursteuerung</a:t>
-            </a:r>
-            <a:endParaRPr lang="de-DE" dirty="0" smtClean="0"/>
-          </a:p>
-          <a:p>
-            <a:r>
-              <a:rPr lang="de-DE" dirty="0" smtClean="0"/>
-              <a:t>Bilddarstellung </a:t>
-            </a:r>
-            <a:r>
-              <a:rPr lang="de-DE" dirty="0" smtClean="0"/>
-              <a:t>um Items erweitert</a:t>
-            </a:r>
-            <a:endParaRPr lang="de-DE" dirty="0" smtClean="0"/>
-          </a:p>
-          <a:p>
-            <a:r>
-              <a:rPr lang="de-DE" dirty="0" smtClean="0"/>
-              <a:t>Beinstellen</a:t>
-            </a:r>
-          </a:p>
-          <a:p>
-            <a:r>
-              <a:rPr lang="de-DE" dirty="0" smtClean="0"/>
-              <a:t>BUGFIXES</a:t>
-            </a:r>
-            <a:endParaRPr lang="de-DE" dirty="0"/>
           </a:p>
         </p:txBody>
       </p:sp>
@@ -4586,9 +4613,7 @@
           </a:xfrm>
         </p:spPr>
         <p:txBody>
-          <a:bodyPr>
-            <a:normAutofit/>
-          </a:bodyPr>
+          <a:bodyPr/>
           <a:lstStyle/>
           <a:p>
             <a:pPr>
@@ -4602,10 +4627,14 @@
           <a:p>
             <a:r>
               <a:rPr lang="de-DE" dirty="0" smtClean="0"/>
-              <a:t>Testklassen</a:t>
-            </a:r>
-          </a:p>
-          <a:p>
+              <a:t>Auf Netzwerk angepasst</a:t>
+            </a:r>
+          </a:p>
+          <a:p>
+            <a:r>
+              <a:rPr lang="de-DE" dirty="0" smtClean="0"/>
+              <a:t>Raumbilddarstellung</a:t>
+            </a:r>
             <a:endParaRPr lang="de-DE" dirty="0"/>
           </a:p>
         </p:txBody>
@@ -4620,8 +4649,8 @@
         </p:nvSpPr>
         <p:spPr>
           <a:xfrm>
-            <a:off x="4355976" y="273600"/>
-            <a:ext cx="4483224" cy="1143000"/>
+            <a:off x="4716016" y="273600"/>
+            <a:ext cx="4123184" cy="1143000"/>
           </a:xfrm>
           <a:prstGeom prst="rect">
             <a:avLst/>
@@ -4666,24 +4695,7 @@
                 <a:ea typeface="+mj-ea"/>
                 <a:cs typeface="+mj-cs"/>
               </a:rPr>
-              <a:t>[</a:t>
-            </a:r>
-            <a:r>
-              <a:rPr kumimoji="0" lang="de-DE" sz="4400" b="0" i="0" u="none" strike="noStrike" kern="1200" cap="none" spc="0" normalizeH="0" baseline="0" noProof="0" dirty="0" smtClean="0">
-                <a:ln>
-                  <a:noFill/>
-                </a:ln>
-                <a:solidFill>
-                  <a:schemeClr val="tx1"/>
-                </a:solidFill>
-                <a:effectLst/>
-                <a:uLnTx/>
-                <a:uFillTx/>
-                <a:latin typeface="+mj-lt"/>
-                <a:ea typeface="+mj-ea"/>
-                <a:cs typeface="+mj-cs"/>
-              </a:rPr>
-              <a:t>1wiedema/1roebe]</a:t>
+              <a:t>[0klein]</a:t>
             </a:r>
           </a:p>
         </p:txBody>
@@ -4693,6 +4705,13 @@
   <p:clrMapOvr>
     <a:masterClrMapping/>
   </p:clrMapOvr>
+  <p:timing>
+    <p:tnLst>
+      <p:par>
+        <p:cTn id="1" dur="indefinite" restart="never" nodeType="tmRoot"/>
+      </p:par>
+    </p:tnLst>
+  </p:timing>
 </p:sld>
 </file>
 
@@ -4738,7 +4757,115 @@
             <a:pPr algn="l"/>
             <a:r>
               <a:rPr lang="de-DE" dirty="0" smtClean="0"/>
-              <a:t>Mittwoch 2</a:t>
+              <a:t>Montag 2</a:t>
+            </a:r>
+            <a:endParaRPr lang="de-DE" dirty="0"/>
+          </a:p>
+        </p:txBody>
+      </p:sp>
+      <p:sp>
+        <p:nvSpPr>
+          <p:cNvPr id="10" name="Inhaltsplatzhalter 9"/>
+          <p:cNvSpPr>
+            <a:spLocks noGrp="1"/>
+          </p:cNvSpPr>
+          <p:nvPr>
+            <p:ph sz="half" idx="1"/>
+          </p:nvPr>
+        </p:nvSpPr>
+        <p:spPr>
+          <a:xfrm>
+            <a:off x="457200" y="1484784"/>
+            <a:ext cx="4038600" cy="4641379"/>
+          </a:xfrm>
+        </p:spPr>
+        <p:txBody>
+          <a:bodyPr/>
+          <a:lstStyle/>
+          <a:p>
+            <a:pPr>
+              <a:buNone/>
+            </a:pPr>
+            <a:r>
+              <a:rPr lang="de-DE" u="sng" dirty="0" smtClean="0"/>
+              <a:t>Features</a:t>
+            </a:r>
+          </a:p>
+          <a:p>
+            <a:r>
+              <a:rPr lang="de-DE" dirty="0" smtClean="0"/>
+              <a:t>Netzwerk Beta</a:t>
+            </a:r>
+          </a:p>
+          <a:p>
+            <a:r>
+              <a:rPr lang="de-DE" dirty="0" smtClean="0"/>
+              <a:t>Editor erweitert</a:t>
+            </a:r>
+          </a:p>
+          <a:p>
+            <a:pPr lvl="1"/>
+            <a:r>
+              <a:rPr lang="de-DE" dirty="0" smtClean="0"/>
+              <a:t>Räume verschieben</a:t>
+            </a:r>
+          </a:p>
+          <a:p>
+            <a:r>
+              <a:rPr lang="de-DE" dirty="0" smtClean="0"/>
+              <a:t>Neue Grafiken</a:t>
+            </a:r>
+          </a:p>
+          <a:p>
+            <a:r>
+              <a:rPr lang="de-DE" dirty="0" smtClean="0"/>
+              <a:t>Raumanzeige im MP</a:t>
+            </a:r>
+          </a:p>
+          <a:p>
+            <a:r>
+              <a:rPr lang="de-DE" dirty="0" err="1" smtClean="0"/>
+              <a:t>Bugfixes</a:t>
+            </a:r>
+            <a:r>
+              <a:rPr lang="de-DE" dirty="0" smtClean="0"/>
+              <a:t> ohne Ende</a:t>
+            </a:r>
+          </a:p>
+        </p:txBody>
+      </p:sp>
+      <p:sp>
+        <p:nvSpPr>
+          <p:cNvPr id="11" name="Inhaltsplatzhalter 10"/>
+          <p:cNvSpPr>
+            <a:spLocks noGrp="1"/>
+          </p:cNvSpPr>
+          <p:nvPr>
+            <p:ph sz="half" idx="2"/>
+          </p:nvPr>
+        </p:nvSpPr>
+        <p:spPr>
+          <a:xfrm>
+            <a:off x="4648200" y="1484784"/>
+            <a:ext cx="4038600" cy="4641379"/>
+          </a:xfrm>
+        </p:spPr>
+        <p:txBody>
+          <a:bodyPr/>
+          <a:lstStyle/>
+          <a:p>
+            <a:pPr>
+              <a:buNone/>
+            </a:pPr>
+            <a:r>
+              <a:rPr lang="de-DE" u="sng" dirty="0" smtClean="0"/>
+              <a:t>Refactoring</a:t>
+            </a:r>
+          </a:p>
+          <a:p>
+            <a:r>
+              <a:rPr lang="de-DE" dirty="0" smtClean="0"/>
+              <a:t>Neue Befehlsstruktur</a:t>
             </a:r>
             <a:endParaRPr lang="de-DE" dirty="0"/>
           </a:p>
@@ -4775,11 +4902,7 @@
             </a:pPr>
             <a:r>
               <a:rPr lang="de-DE" sz="4400" dirty="0" smtClean="0"/>
-              <a:t>Gruppenleiter</a:t>
-            </a:r>
-            <a:r>
-              <a:rPr lang="de-DE" sz="4400" dirty="0" smtClean="0"/>
-              <a:t>:</a:t>
+              <a:t>Gruppenleiter:</a:t>
             </a:r>
           </a:p>
           <a:p>
@@ -4804,8 +4927,237 @@
                 <a:ea typeface="+mj-ea"/>
                 <a:cs typeface="+mj-cs"/>
               </a:rPr>
-              <a:t>[0graeff</a:t>
-            </a:r>
+              <a:t>[1wiedema]</a:t>
+            </a:r>
+          </a:p>
+        </p:txBody>
+      </p:sp>
+    </p:spTree>
+  </p:cSld>
+  <p:clrMapOvr>
+    <a:masterClrMapping/>
+  </p:clrMapOvr>
+  <p:timing>
+    <p:tnLst>
+      <p:par>
+        <p:cTn id="1" dur="indefinite" restart="never" nodeType="tmRoot"/>
+      </p:par>
+    </p:tnLst>
+  </p:timing>
+</p:sld>
+</file>
+
+<file path=ppt/slides/slide17.xml><?xml version="1.0" encoding="utf-8"?>
+<p:sld xmlns:a="http://schemas.openxmlformats.org/drawingml/2006/main" xmlns:r="http://schemas.openxmlformats.org/officeDocument/2006/relationships" xmlns:p="http://schemas.openxmlformats.org/presentationml/2006/main">
+  <p:cSld>
+    <p:spTree>
+      <p:nvGrpSpPr>
+        <p:cNvPr id="1" name=""/>
+        <p:cNvGrpSpPr/>
+        <p:nvPr/>
+      </p:nvGrpSpPr>
+      <p:grpSpPr>
+        <a:xfrm>
+          <a:off x="0" y="0"/>
+          <a:ext cx="0" cy="0"/>
+          <a:chOff x="0" y="0"/>
+          <a:chExt cx="0" cy="0"/>
+        </a:xfrm>
+      </p:grpSpPr>
+      <p:sp>
+        <p:nvSpPr>
+          <p:cNvPr id="9" name="Titel 8"/>
+          <p:cNvSpPr>
+            <a:spLocks noGrp="1"/>
+          </p:cNvSpPr>
+          <p:nvPr>
+            <p:ph type="title"/>
+          </p:nvPr>
+        </p:nvSpPr>
+        <p:spPr>
+          <a:xfrm>
+            <a:off x="457200" y="274638"/>
+            <a:ext cx="4114800" cy="1143000"/>
+          </a:xfrm>
+        </p:spPr>
+        <p:txBody>
+          <a:bodyPr>
+            <a:normAutofit/>
+          </a:bodyPr>
+          <a:lstStyle/>
+          <a:p>
+            <a:pPr algn="l"/>
+            <a:r>
+              <a:rPr lang="de-DE" dirty="0" smtClean="0"/>
+              <a:t>Dienstag 2</a:t>
+            </a:r>
+            <a:endParaRPr lang="de-DE" dirty="0"/>
+          </a:p>
+        </p:txBody>
+      </p:sp>
+      <p:sp>
+        <p:nvSpPr>
+          <p:cNvPr id="10" name="Inhaltsplatzhalter 9"/>
+          <p:cNvSpPr>
+            <a:spLocks noGrp="1"/>
+          </p:cNvSpPr>
+          <p:nvPr>
+            <p:ph sz="half" idx="1"/>
+          </p:nvPr>
+        </p:nvSpPr>
+        <p:spPr>
+          <a:xfrm>
+            <a:off x="457200" y="1484784"/>
+            <a:ext cx="4038600" cy="4641379"/>
+          </a:xfrm>
+        </p:spPr>
+        <p:txBody>
+          <a:bodyPr>
+            <a:normAutofit/>
+          </a:bodyPr>
+          <a:lstStyle/>
+          <a:p>
+            <a:pPr>
+              <a:buNone/>
+            </a:pPr>
+            <a:r>
+              <a:rPr lang="de-DE" u="sng" dirty="0" smtClean="0"/>
+              <a:t>Features</a:t>
+            </a:r>
+          </a:p>
+          <a:p>
+            <a:r>
+              <a:rPr lang="de-DE" dirty="0" smtClean="0"/>
+              <a:t>Netzwerk </a:t>
+            </a:r>
+            <a:r>
+              <a:rPr lang="de-DE" dirty="0" err="1" smtClean="0"/>
+              <a:t>PreRelease</a:t>
+            </a:r>
+            <a:endParaRPr lang="de-DE" dirty="0" smtClean="0"/>
+          </a:p>
+          <a:p>
+            <a:r>
+              <a:rPr lang="de-DE" dirty="0" smtClean="0"/>
+              <a:t>Editor</a:t>
+            </a:r>
+          </a:p>
+          <a:p>
+            <a:pPr lvl="1"/>
+            <a:r>
+              <a:rPr lang="de-DE" dirty="0" smtClean="0"/>
+              <a:t>Drag &amp; Drop</a:t>
+            </a:r>
+          </a:p>
+          <a:p>
+            <a:r>
+              <a:rPr lang="de-DE" dirty="0" smtClean="0"/>
+              <a:t>Tastatursteuerung</a:t>
+            </a:r>
+          </a:p>
+          <a:p>
+            <a:r>
+              <a:rPr lang="de-DE" dirty="0" smtClean="0"/>
+              <a:t>Bilddarstellung um Items erweitert</a:t>
+            </a:r>
+          </a:p>
+          <a:p>
+            <a:r>
+              <a:rPr lang="de-DE" dirty="0" smtClean="0"/>
+              <a:t>Beinstellen</a:t>
+            </a:r>
+          </a:p>
+          <a:p>
+            <a:r>
+              <a:rPr lang="de-DE" dirty="0" smtClean="0"/>
+              <a:t>BUGFIXES</a:t>
+            </a:r>
+            <a:endParaRPr lang="de-DE" dirty="0"/>
+          </a:p>
+        </p:txBody>
+      </p:sp>
+      <p:sp>
+        <p:nvSpPr>
+          <p:cNvPr id="11" name="Inhaltsplatzhalter 10"/>
+          <p:cNvSpPr>
+            <a:spLocks noGrp="1"/>
+          </p:cNvSpPr>
+          <p:nvPr>
+            <p:ph sz="half" idx="2"/>
+          </p:nvPr>
+        </p:nvSpPr>
+        <p:spPr>
+          <a:xfrm>
+            <a:off x="4648200" y="1484784"/>
+            <a:ext cx="4038600" cy="4641379"/>
+          </a:xfrm>
+        </p:spPr>
+        <p:txBody>
+          <a:bodyPr>
+            <a:normAutofit/>
+          </a:bodyPr>
+          <a:lstStyle/>
+          <a:p>
+            <a:pPr>
+              <a:buNone/>
+            </a:pPr>
+            <a:r>
+              <a:rPr lang="de-DE" u="sng" dirty="0" smtClean="0"/>
+              <a:t>Refactoring</a:t>
+            </a:r>
+          </a:p>
+          <a:p>
+            <a:r>
+              <a:rPr lang="de-DE" dirty="0" smtClean="0"/>
+              <a:t>Testklassen</a:t>
+            </a:r>
+          </a:p>
+          <a:p>
+            <a:endParaRPr lang="de-DE" dirty="0"/>
+          </a:p>
+        </p:txBody>
+      </p:sp>
+      <p:sp>
+        <p:nvSpPr>
+          <p:cNvPr id="13" name="Titel 8"/>
+          <p:cNvSpPr txBox="1">
+            <a:spLocks/>
+          </p:cNvSpPr>
+          <p:nvPr/>
+        </p:nvSpPr>
+        <p:spPr>
+          <a:xfrm>
+            <a:off x="4355976" y="273600"/>
+            <a:ext cx="4483224" cy="1143000"/>
+          </a:xfrm>
+          <a:prstGeom prst="rect">
+            <a:avLst/>
+          </a:prstGeom>
+        </p:spPr>
+        <p:txBody>
+          <a:bodyPr vert="horz" lIns="91440" tIns="45720" rIns="91440" bIns="45720" rtlCol="0" anchor="ctr">
+            <a:normAutofit fontScale="92500" lnSpcReduction="20000"/>
+          </a:bodyPr>
+          <a:lstStyle/>
+          <a:p>
+            <a:pPr lvl="0" algn="r">
+              <a:spcBef>
+                <a:spcPct val="0"/>
+              </a:spcBef>
+              <a:defRPr/>
+            </a:pPr>
+            <a:r>
+              <a:rPr lang="de-DE" sz="4400" dirty="0" smtClean="0"/>
+              <a:t>Gruppenleiter:</a:t>
+            </a:r>
+          </a:p>
+          <a:p>
+            <a:pPr lvl="0" algn="r">
+              <a:spcBef>
+                <a:spcPct val="0"/>
+              </a:spcBef>
+              <a:defRPr/>
+            </a:pPr>
             <a:r>
               <a:rPr kumimoji="0" lang="de-DE" sz="4400" b="0" i="0" u="none" strike="noStrike" kern="1200" cap="none" spc="0" normalizeH="0" baseline="0" noProof="0" dirty="0" smtClean="0">
                 <a:ln>
@@ -4821,7 +5173,131 @@
                 <a:ea typeface="+mj-ea"/>
                 <a:cs typeface="+mj-cs"/>
               </a:rPr>
-              <a:t>]</a:t>
+              <a:t>[1wiedema/1roebe]</a:t>
+            </a:r>
+          </a:p>
+        </p:txBody>
+      </p:sp>
+    </p:spTree>
+  </p:cSld>
+  <p:clrMapOvr>
+    <a:masterClrMapping/>
+  </p:clrMapOvr>
+  <p:timing>
+    <p:tnLst>
+      <p:par>
+        <p:cTn id="1" dur="indefinite" restart="never" nodeType="tmRoot"/>
+      </p:par>
+    </p:tnLst>
+  </p:timing>
+</p:sld>
+</file>
+
+<file path=ppt/slides/slide18.xml><?xml version="1.0" encoding="utf-8"?>
+<p:sld xmlns:a="http://schemas.openxmlformats.org/drawingml/2006/main" xmlns:r="http://schemas.openxmlformats.org/officeDocument/2006/relationships" xmlns:p="http://schemas.openxmlformats.org/presentationml/2006/main">
+  <p:cSld>
+    <p:spTree>
+      <p:nvGrpSpPr>
+        <p:cNvPr id="1" name=""/>
+        <p:cNvGrpSpPr/>
+        <p:nvPr/>
+      </p:nvGrpSpPr>
+      <p:grpSpPr>
+        <a:xfrm>
+          <a:off x="0" y="0"/>
+          <a:ext cx="0" cy="0"/>
+          <a:chOff x="0" y="0"/>
+          <a:chExt cx="0" cy="0"/>
+        </a:xfrm>
+      </p:grpSpPr>
+      <p:sp>
+        <p:nvSpPr>
+          <p:cNvPr id="9" name="Titel 8"/>
+          <p:cNvSpPr>
+            <a:spLocks noGrp="1"/>
+          </p:cNvSpPr>
+          <p:nvPr>
+            <p:ph type="title"/>
+          </p:nvPr>
+        </p:nvSpPr>
+        <p:spPr>
+          <a:xfrm>
+            <a:off x="457200" y="274638"/>
+            <a:ext cx="4114800" cy="1143000"/>
+          </a:xfrm>
+        </p:spPr>
+        <p:txBody>
+          <a:bodyPr>
+            <a:normAutofit/>
+          </a:bodyPr>
+          <a:lstStyle/>
+          <a:p>
+            <a:pPr algn="l"/>
+            <a:r>
+              <a:rPr lang="de-DE" dirty="0" smtClean="0"/>
+              <a:t>Mittwoch 2</a:t>
+            </a:r>
+            <a:endParaRPr lang="de-DE" dirty="0"/>
+          </a:p>
+        </p:txBody>
+      </p:sp>
+      <p:sp>
+        <p:nvSpPr>
+          <p:cNvPr id="13" name="Titel 8"/>
+          <p:cNvSpPr txBox="1">
+            <a:spLocks/>
+          </p:cNvSpPr>
+          <p:nvPr/>
+        </p:nvSpPr>
+        <p:spPr>
+          <a:xfrm>
+            <a:off x="4716016" y="273600"/>
+            <a:ext cx="4123184" cy="1143000"/>
+          </a:xfrm>
+          <a:prstGeom prst="rect">
+            <a:avLst/>
+          </a:prstGeom>
+        </p:spPr>
+        <p:txBody>
+          <a:bodyPr vert="horz" lIns="91440" tIns="45720" rIns="91440" bIns="45720" rtlCol="0" anchor="ctr">
+            <a:normAutofit fontScale="92500" lnSpcReduction="20000"/>
+          </a:bodyPr>
+          <a:lstStyle/>
+          <a:p>
+            <a:pPr lvl="0" algn="r">
+              <a:spcBef>
+                <a:spcPct val="0"/>
+              </a:spcBef>
+              <a:defRPr/>
+            </a:pPr>
+            <a:r>
+              <a:rPr lang="de-DE" sz="4400" dirty="0" smtClean="0"/>
+              <a:t>Gruppenleiter:</a:t>
+            </a:r>
+          </a:p>
+          <a:p>
+            <a:pPr lvl="0" algn="r">
+              <a:spcBef>
+                <a:spcPct val="0"/>
+              </a:spcBef>
+              <a:defRPr/>
+            </a:pPr>
+            <a:r>
+              <a:rPr kumimoji="0" lang="de-DE" sz="4400" b="0" i="0" u="none" strike="noStrike" kern="1200" cap="none" spc="0" normalizeH="0" baseline="0" noProof="0" dirty="0" smtClean="0">
+                <a:ln>
+                  <a:noFill/>
+                </a:ln>
+                <a:solidFill>
+                  <a:schemeClr val="tx1"/>
+                </a:solidFill>
+                <a:effectLst/>
+                <a:uLnTx/>
+                <a:uFillTx/>
+                <a:latin typeface="+mj-lt"/>
+                <a:ea typeface="+mj-ea"/>
+                <a:cs typeface="+mj-cs"/>
+              </a:rPr>
+              <a:t>[0graeff]</a:t>
             </a:r>
           </a:p>
         </p:txBody>
@@ -4851,24 +5327,109 @@
             <a:pPr algn="ctr"/>
             <a:r>
               <a:rPr lang="de-DE" sz="4400" dirty="0" smtClean="0"/>
-              <a:t>BUGFIXES, Testklassen </a:t>
-            </a:r>
+              <a:t>BUGFIXES, Testklassen und </a:t>
+            </a:r>
+          </a:p>
+          <a:p>
+            <a:pPr algn="ctr"/>
             <a:r>
               <a:rPr lang="de-DE" sz="4400" dirty="0" smtClean="0"/>
-              <a:t>und </a:t>
-            </a:r>
-          </a:p>
-          <a:p>
-            <a:pPr algn="ctr"/>
-            <a:r>
-              <a:rPr lang="de-DE" sz="4400" dirty="0" smtClean="0"/>
-              <a:t>Vorbereitung der </a:t>
-            </a:r>
-            <a:r>
-              <a:rPr lang="de-DE" sz="4400" dirty="0" smtClean="0"/>
-              <a:t>Präsentation</a:t>
+              <a:t>Vorbereitung der Präsentation</a:t>
             </a:r>
             <a:endParaRPr lang="de-DE" sz="4400" dirty="0"/>
+          </a:p>
+        </p:txBody>
+      </p:sp>
+    </p:spTree>
+  </p:cSld>
+  <p:clrMapOvr>
+    <a:masterClrMapping/>
+  </p:clrMapOvr>
+  <p:timing>
+    <p:tnLst>
+      <p:par>
+        <p:cTn id="1" dur="indefinite" restart="never" nodeType="tmRoot"/>
+      </p:par>
+    </p:tnLst>
+  </p:timing>
+</p:sld>
+</file>
+
+<file path=ppt/slides/slide19.xml><?xml version="1.0" encoding="utf-8"?>
+<p:sld xmlns:a="http://schemas.openxmlformats.org/drawingml/2006/main" xmlns:r="http://schemas.openxmlformats.org/officeDocument/2006/relationships" xmlns:p="http://schemas.openxmlformats.org/presentationml/2006/main">
+  <p:cSld>
+    <p:spTree>
+      <p:nvGrpSpPr>
+        <p:cNvPr id="1" name=""/>
+        <p:cNvGrpSpPr/>
+        <p:nvPr/>
+      </p:nvGrpSpPr>
+      <p:grpSpPr>
+        <a:xfrm>
+          <a:off x="0" y="0"/>
+          <a:ext cx="0" cy="0"/>
+          <a:chOff x="0" y="0"/>
+          <a:chExt cx="0" cy="0"/>
+        </a:xfrm>
+      </p:grpSpPr>
+      <p:sp>
+        <p:nvSpPr>
+          <p:cNvPr id="2" name="Titel 1"/>
+          <p:cNvSpPr>
+            <a:spLocks noGrp="1"/>
+          </p:cNvSpPr>
+          <p:nvPr>
+            <p:ph type="title"/>
+          </p:nvPr>
+        </p:nvSpPr>
+        <p:spPr/>
+        <p:txBody>
+          <a:bodyPr/>
+          <a:lstStyle/>
+          <a:p>
+            <a:r>
+              <a:rPr lang="de-DE" dirty="0" smtClean="0"/>
+              <a:t>LIVE!</a:t>
+            </a:r>
+            <a:endParaRPr lang="de-DE" dirty="0"/>
+          </a:p>
+        </p:txBody>
+      </p:sp>
+      <p:sp>
+        <p:nvSpPr>
+          <p:cNvPr id="3" name="Inhaltsplatzhalter 2"/>
+          <p:cNvSpPr>
+            <a:spLocks noGrp="1"/>
+          </p:cNvSpPr>
+          <p:nvPr>
+            <p:ph sz="half" idx="1"/>
+          </p:nvPr>
+        </p:nvSpPr>
+        <p:spPr/>
+        <p:txBody>
+          <a:bodyPr/>
+          <a:lstStyle/>
+          <a:p>
+            <a:endParaRPr lang="de-DE"/>
+          </a:p>
+        </p:txBody>
+      </p:sp>
+      <p:sp>
+        <p:nvSpPr>
+          <p:cNvPr id="4" name="Inhaltsplatzhalter 3"/>
+          <p:cNvSpPr>
+            <a:spLocks noGrp="1"/>
+          </p:cNvSpPr>
+          <p:nvPr>
+            <p:ph sz="half" idx="2"/>
+          </p:nvPr>
+        </p:nvSpPr>
+        <p:spPr/>
+        <p:txBody>
+          <a:bodyPr/>
+          <a:lstStyle/>
+          <a:p>
+            <a:endParaRPr lang="de-DE"/>
           </a:p>
         </p:txBody>
       </p:sp>
@@ -4914,14 +5475,130 @@
           <a:p>
             <a:r>
               <a:rPr lang="de-DE" dirty="0" smtClean="0"/>
+              <a:t>Inhalt</a:t>
+            </a:r>
+            <a:endParaRPr lang="de-DE" dirty="0"/>
+          </a:p>
+        </p:txBody>
+      </p:sp>
+      <p:sp>
+        <p:nvSpPr>
+          <p:cNvPr id="3" name="Inhaltsplatzhalter 2"/>
+          <p:cNvSpPr>
+            <a:spLocks noGrp="1"/>
+          </p:cNvSpPr>
+          <p:nvPr>
+            <p:ph sz="half" idx="1"/>
+          </p:nvPr>
+        </p:nvSpPr>
+        <p:spPr/>
+        <p:txBody>
+          <a:bodyPr/>
+          <a:lstStyle/>
+          <a:p>
+            <a:r>
+              <a:rPr lang="de-DE" dirty="0" smtClean="0"/>
               <a:t>Benutzte Technik</a:t>
             </a:r>
+          </a:p>
+          <a:p>
+            <a:r>
+              <a:rPr lang="de-DE" dirty="0" smtClean="0"/>
+              <a:t>Unsere Architektur</a:t>
+            </a:r>
+          </a:p>
+          <a:p>
+            <a:r>
+              <a:rPr lang="de-DE" dirty="0" smtClean="0"/>
+              <a:t>Tagesplan</a:t>
+            </a:r>
+          </a:p>
+          <a:p>
+            <a:r>
+              <a:rPr lang="de-DE" dirty="0" smtClean="0"/>
+              <a:t>Unser Spiel</a:t>
+            </a:r>
+          </a:p>
+          <a:p>
+            <a:r>
+              <a:rPr lang="de-DE" dirty="0" smtClean="0"/>
+              <a:t>Historie</a:t>
+            </a:r>
+          </a:p>
+          <a:p>
             <a:endParaRPr lang="de-DE" dirty="0"/>
           </a:p>
         </p:txBody>
       </p:sp>
       <p:sp>
         <p:nvSpPr>
+          <p:cNvPr id="4" name="Inhaltsplatzhalter 3"/>
+          <p:cNvSpPr>
+            <a:spLocks noGrp="1"/>
+          </p:cNvSpPr>
+          <p:nvPr>
+            <p:ph sz="half" idx="2"/>
+          </p:nvPr>
+        </p:nvSpPr>
+        <p:spPr/>
+        <p:txBody>
+          <a:bodyPr/>
+          <a:lstStyle/>
+          <a:p>
+            <a:endParaRPr lang="de-DE"/>
+          </a:p>
+        </p:txBody>
+      </p:sp>
+    </p:spTree>
+  </p:cSld>
+  <p:clrMapOvr>
+    <a:masterClrMapping/>
+  </p:clrMapOvr>
+</p:sld>
+</file>
+
+<file path=ppt/slides/slide20.xml><?xml version="1.0" encoding="utf-8"?>
+<p:sld xmlns:a="http://schemas.openxmlformats.org/drawingml/2006/main" xmlns:r="http://schemas.openxmlformats.org/officeDocument/2006/relationships" xmlns:p="http://schemas.openxmlformats.org/presentationml/2006/main">
+  <p:cSld>
+    <p:spTree>
+      <p:nvGrpSpPr>
+        <p:cNvPr id="1" name=""/>
+        <p:cNvGrpSpPr/>
+        <p:nvPr/>
+      </p:nvGrpSpPr>
+      <p:grpSpPr>
+        <a:xfrm>
+          <a:off x="0" y="0"/>
+          <a:ext cx="0" cy="0"/>
+          <a:chOff x="0" y="0"/>
+          <a:chExt cx="0" cy="0"/>
+        </a:xfrm>
+      </p:grpSpPr>
+      <p:sp>
+        <p:nvSpPr>
+          <p:cNvPr id="2" name="Titel 1"/>
+          <p:cNvSpPr>
+            <a:spLocks noGrp="1"/>
+          </p:cNvSpPr>
+          <p:nvPr>
+            <p:ph type="title"/>
+          </p:nvPr>
+        </p:nvSpPr>
+        <p:spPr/>
+        <p:txBody>
+          <a:bodyPr/>
+          <a:lstStyle/>
+          <a:p>
+            <a:r>
+              <a:rPr lang="de-DE" dirty="0" smtClean="0"/>
+              <a:t>Ergebnis</a:t>
+            </a:r>
+            <a:endParaRPr lang="de-DE" dirty="0"/>
+          </a:p>
+        </p:txBody>
+      </p:sp>
+      <p:sp>
+        <p:nvSpPr>
           <p:cNvPr id="3" name="Inhaltsplatzhalter 2"/>
           <p:cNvSpPr>
             <a:spLocks noGrp="1"/>
@@ -4930,117 +5607,18 @@
             <p:ph sz="half" idx="1"/>
           </p:nvPr>
         </p:nvSpPr>
-        <p:spPr>
-          <a:xfrm>
-            <a:off x="457200" y="1268760"/>
-            <a:ext cx="4038600" cy="4857403"/>
-          </a:xfrm>
-        </p:spPr>
-        <p:txBody>
-          <a:bodyPr>
-            <a:normAutofit fontScale="92500" lnSpcReduction="10000"/>
-          </a:bodyPr>
-          <a:lstStyle/>
-          <a:p>
-            <a:r>
-              <a:rPr lang="de-DE" dirty="0" smtClean="0"/>
-              <a:t>Java 7</a:t>
-            </a:r>
-          </a:p>
-          <a:p>
-            <a:pPr lvl="1"/>
-            <a:r>
-              <a:rPr lang="de-DE" dirty="0" smtClean="0"/>
-              <a:t>RMI</a:t>
-            </a:r>
-          </a:p>
-          <a:p>
-            <a:pPr lvl="1"/>
-            <a:r>
-              <a:rPr lang="de-DE" dirty="0" err="1" smtClean="0"/>
-              <a:t>JUnit</a:t>
-            </a:r>
-            <a:endParaRPr lang="de-DE" dirty="0" smtClean="0"/>
-          </a:p>
-          <a:p>
-            <a:pPr lvl="1"/>
-            <a:r>
-              <a:rPr lang="de-DE" dirty="0" smtClean="0"/>
-              <a:t>JAXB</a:t>
-            </a:r>
-          </a:p>
-          <a:p>
-            <a:pPr lvl="1"/>
-            <a:r>
-              <a:rPr lang="de-DE" dirty="0" err="1" smtClean="0"/>
-              <a:t>Mockito</a:t>
-            </a:r>
-            <a:endParaRPr lang="de-DE" dirty="0" smtClean="0"/>
-          </a:p>
-          <a:p>
-            <a:r>
-              <a:rPr lang="de-DE" dirty="0" err="1" smtClean="0"/>
-              <a:t>Git</a:t>
-            </a:r>
-            <a:endParaRPr lang="de-DE" dirty="0" smtClean="0"/>
-          </a:p>
-          <a:p>
-            <a:pPr lvl="1"/>
-            <a:r>
-              <a:rPr lang="de-DE" dirty="0" err="1" smtClean="0"/>
-              <a:t>GitHub</a:t>
-            </a:r>
-            <a:endParaRPr lang="de-DE" dirty="0" smtClean="0"/>
-          </a:p>
-          <a:p>
-            <a:pPr lvl="1"/>
-            <a:r>
-              <a:rPr lang="de-DE" dirty="0" err="1" smtClean="0"/>
-              <a:t>Git</a:t>
-            </a:r>
-            <a:r>
-              <a:rPr lang="de-DE" dirty="0" smtClean="0"/>
-              <a:t> </a:t>
-            </a:r>
-            <a:r>
-              <a:rPr lang="de-DE" dirty="0" err="1" smtClean="0"/>
-              <a:t>Bash</a:t>
-            </a:r>
-            <a:endParaRPr lang="de-DE" dirty="0" smtClean="0"/>
-          </a:p>
-          <a:p>
-            <a:r>
-              <a:rPr lang="de-DE" dirty="0" err="1" smtClean="0"/>
-              <a:t>Eclipse</a:t>
-            </a:r>
-            <a:r>
-              <a:rPr lang="de-DE" dirty="0" smtClean="0"/>
-              <a:t> (Indigo / Juno)</a:t>
-            </a:r>
-          </a:p>
-          <a:p>
-            <a:pPr lvl="1"/>
-            <a:r>
-              <a:rPr lang="de-DE" dirty="0" err="1" smtClean="0"/>
-              <a:t>EclEmma</a:t>
-            </a:r>
-            <a:endParaRPr lang="de-DE" dirty="0" smtClean="0"/>
-          </a:p>
-          <a:p>
-            <a:pPr lvl="1"/>
-            <a:r>
-              <a:rPr lang="de-DE" dirty="0" err="1" smtClean="0"/>
-              <a:t>eGit</a:t>
-            </a:r>
-            <a:endParaRPr lang="de-DE" dirty="0" smtClean="0"/>
-          </a:p>
-          <a:p>
-            <a:pPr lvl="1"/>
-            <a:r>
-              <a:rPr lang="de-DE" dirty="0" err="1" smtClean="0"/>
-              <a:t>FindBugs</a:t>
-            </a:r>
-            <a:endParaRPr lang="de-DE" dirty="0" smtClean="0"/>
+        <p:spPr/>
+        <p:txBody>
+          <a:bodyPr/>
+          <a:lstStyle/>
+          <a:p>
+            <a:r>
+              <a:rPr lang="de-DE" dirty="0" smtClean="0"/>
+              <a:t>Gruppenkuscheln</a:t>
+            </a:r>
+          </a:p>
+          <a:p>
+            <a:endParaRPr lang="de-DE" dirty="0"/>
           </a:p>
         </p:txBody>
       </p:sp>
@@ -5054,55 +5632,12 @@
             <p:ph sz="half" idx="2"/>
           </p:nvPr>
         </p:nvSpPr>
-        <p:spPr>
-          <a:xfrm>
-            <a:off x="4648200" y="1628800"/>
-            <a:ext cx="4038600" cy="4497363"/>
-          </a:xfrm>
-        </p:spPr>
-        <p:txBody>
-          <a:bodyPr>
-            <a:normAutofit fontScale="92500" lnSpcReduction="10000"/>
-          </a:bodyPr>
-          <a:lstStyle/>
-          <a:p>
-            <a:r>
-              <a:rPr lang="de-DE" dirty="0" err="1" smtClean="0"/>
-              <a:t>Gimp</a:t>
-            </a:r>
-            <a:r>
-              <a:rPr lang="de-DE" dirty="0" smtClean="0"/>
-              <a:t>, MS Paint</a:t>
-            </a:r>
-          </a:p>
-          <a:p>
-            <a:r>
-              <a:rPr lang="de-DE" dirty="0" err="1" smtClean="0"/>
-              <a:t>Violet</a:t>
-            </a:r>
-            <a:endParaRPr lang="de-DE" dirty="0" smtClean="0"/>
-          </a:p>
-          <a:p>
-            <a:r>
-              <a:rPr lang="de-DE" dirty="0" err="1" smtClean="0"/>
-              <a:t>KanbanBoard</a:t>
-            </a:r>
-            <a:endParaRPr lang="de-DE" dirty="0" smtClean="0"/>
-          </a:p>
-          <a:p>
-            <a:pPr lvl="1"/>
-            <a:r>
-              <a:rPr lang="de-DE" dirty="0" err="1" smtClean="0"/>
-              <a:t>Storykarten</a:t>
-            </a:r>
-            <a:endParaRPr lang="de-DE" dirty="0" smtClean="0"/>
-          </a:p>
-          <a:p>
-            <a:pPr lvl="1"/>
-            <a:r>
-              <a:rPr lang="de-DE" dirty="0" smtClean="0"/>
-              <a:t>Taskkarten</a:t>
-            </a:r>
+        <p:spPr/>
+        <p:txBody>
+          <a:bodyPr/>
+          <a:lstStyle/>
+          <a:p>
+            <a:endParaRPr lang="de-DE"/>
           </a:p>
         </p:txBody>
       </p:sp>
@@ -5148,7 +5683,7 @@
           <a:p>
             <a:r>
               <a:rPr lang="de-DE" dirty="0" smtClean="0"/>
-              <a:t>Unsere Architektur</a:t>
+              <a:t>Benutzte Technik</a:t>
             </a:r>
             <a:endParaRPr lang="de-DE" dirty="0"/>
           </a:p>
@@ -5166,57 +5701,177 @@
         </p:nvSpPr>
         <p:spPr>
           <a:xfrm>
-            <a:off x="457200" y="1600200"/>
-            <a:ext cx="8219256" cy="4525963"/>
-          </a:xfrm>
-        </p:spPr>
-        <p:txBody>
-          <a:bodyPr/>
-          <a:lstStyle/>
-          <a:p>
-            <a:pPr>
-              <a:lnSpc>
-                <a:spcPct val="150000"/>
-              </a:lnSpc>
-            </a:pPr>
-            <a:r>
-              <a:rPr lang="de-DE" dirty="0" smtClean="0"/>
-              <a:t>Client-Server</a:t>
-            </a:r>
-          </a:p>
-          <a:p>
-            <a:pPr>
-              <a:lnSpc>
-                <a:spcPct val="150000"/>
-              </a:lnSpc>
-            </a:pPr>
-            <a:r>
-              <a:rPr lang="de-DE" dirty="0" smtClean="0"/>
-              <a:t>Werkzeug und Werkzeug-UI</a:t>
-            </a:r>
-          </a:p>
-          <a:p>
-            <a:pPr>
-              <a:lnSpc>
-                <a:spcPct val="150000"/>
-              </a:lnSpc>
-            </a:pPr>
+            <a:off x="457200" y="1268760"/>
+            <a:ext cx="4038600" cy="4857403"/>
+          </a:xfrm>
+        </p:spPr>
+        <p:txBody>
+          <a:bodyPr>
+            <a:normAutofit fontScale="92500" lnSpcReduction="10000"/>
+          </a:bodyPr>
+          <a:lstStyle/>
+          <a:p>
+            <a:r>
+              <a:rPr lang="de-DE" dirty="0" smtClean="0"/>
+              <a:t>Java 7</a:t>
+            </a:r>
+          </a:p>
+          <a:p>
+            <a:pPr lvl="1"/>
+            <a:r>
+              <a:rPr lang="de-DE" dirty="0" smtClean="0"/>
+              <a:t>RMI</a:t>
+            </a:r>
+          </a:p>
+          <a:p>
+            <a:pPr lvl="1"/>
             <a:r>
               <a:rPr lang="de-DE" dirty="0" err="1" smtClean="0"/>
-              <a:t>Package</a:t>
-            </a:r>
-            <a:r>
-              <a:rPr lang="de-DE" dirty="0" smtClean="0"/>
-              <a:t>-Struktur: </a:t>
-            </a:r>
+              <a:t>JUnit</a:t>
+            </a:r>
+            <a:endParaRPr lang="de-DE" dirty="0" smtClean="0"/>
+          </a:p>
+          <a:p>
+            <a:pPr lvl="1"/>
+            <a:r>
+              <a:rPr lang="de-DE" dirty="0" smtClean="0"/>
+              <a:t>JAXB</a:t>
+            </a:r>
+          </a:p>
+          <a:p>
+            <a:pPr lvl="1"/>
             <a:r>
               <a:rPr lang="de-DE" dirty="0" err="1" smtClean="0"/>
-              <a:t>Plugin</a:t>
+              <a:t>Mockito</a:t>
             </a:r>
             <a:endParaRPr lang="de-DE" dirty="0" smtClean="0"/>
           </a:p>
           <a:p>
-            <a:endParaRPr lang="de-DE" dirty="0"/>
+            <a:r>
+              <a:rPr lang="de-DE" dirty="0" err="1" smtClean="0"/>
+              <a:t>Git</a:t>
+            </a:r>
+            <a:endParaRPr lang="de-DE" dirty="0" smtClean="0"/>
+          </a:p>
+          <a:p>
+            <a:pPr lvl="1"/>
+            <a:r>
+              <a:rPr lang="de-DE" dirty="0" err="1" smtClean="0"/>
+              <a:t>GitHub</a:t>
+            </a:r>
+            <a:endParaRPr lang="de-DE" dirty="0" smtClean="0"/>
+          </a:p>
+          <a:p>
+            <a:pPr lvl="1"/>
+            <a:r>
+              <a:rPr lang="de-DE" dirty="0" err="1" smtClean="0"/>
+              <a:t>Git</a:t>
+            </a:r>
+            <a:r>
+              <a:rPr lang="de-DE" dirty="0" smtClean="0"/>
+              <a:t> </a:t>
+            </a:r>
+            <a:r>
+              <a:rPr lang="de-DE" dirty="0" err="1" smtClean="0"/>
+              <a:t>Bash</a:t>
+            </a:r>
+            <a:endParaRPr lang="de-DE" dirty="0" smtClean="0"/>
+          </a:p>
+          <a:p>
+            <a:r>
+              <a:rPr lang="de-DE" dirty="0" err="1" smtClean="0"/>
+              <a:t>Eclipse</a:t>
+            </a:r>
+            <a:r>
+              <a:rPr lang="de-DE" dirty="0" smtClean="0"/>
+              <a:t> (Indigo / Juno)</a:t>
+            </a:r>
+          </a:p>
+          <a:p>
+            <a:pPr lvl="1"/>
+            <a:r>
+              <a:rPr lang="de-DE" dirty="0" err="1" smtClean="0"/>
+              <a:t>EclEmma</a:t>
+            </a:r>
+            <a:endParaRPr lang="de-DE" dirty="0" smtClean="0"/>
+          </a:p>
+          <a:p>
+            <a:pPr lvl="1"/>
+            <a:r>
+              <a:rPr lang="de-DE" dirty="0" err="1" smtClean="0"/>
+              <a:t>eGit</a:t>
+            </a:r>
+            <a:endParaRPr lang="de-DE" dirty="0" smtClean="0"/>
+          </a:p>
+          <a:p>
+            <a:pPr lvl="1"/>
+            <a:r>
+              <a:rPr lang="de-DE" dirty="0" err="1" smtClean="0"/>
+              <a:t>FindBugs</a:t>
+            </a:r>
+            <a:endParaRPr lang="de-DE" dirty="0" smtClean="0"/>
+          </a:p>
+        </p:txBody>
+      </p:sp>
+      <p:sp>
+        <p:nvSpPr>
+          <p:cNvPr id="4" name="Inhaltsplatzhalter 3"/>
+          <p:cNvSpPr>
+            <a:spLocks noGrp="1"/>
+          </p:cNvSpPr>
+          <p:nvPr>
+            <p:ph sz="half" idx="2"/>
+          </p:nvPr>
+        </p:nvSpPr>
+        <p:spPr>
+          <a:xfrm>
+            <a:off x="4648200" y="1628800"/>
+            <a:ext cx="4038600" cy="4497363"/>
+          </a:xfrm>
+        </p:spPr>
+        <p:txBody>
+          <a:bodyPr>
+            <a:normAutofit fontScale="92500" lnSpcReduction="10000"/>
+          </a:bodyPr>
+          <a:lstStyle/>
+          <a:p>
+            <a:r>
+              <a:rPr lang="de-DE" dirty="0" err="1" smtClean="0"/>
+              <a:t>Gimp</a:t>
+            </a:r>
+            <a:r>
+              <a:rPr lang="de-DE" dirty="0" smtClean="0"/>
+              <a:t>, MS Paint</a:t>
+            </a:r>
+          </a:p>
+          <a:p>
+            <a:r>
+              <a:rPr lang="de-DE" dirty="0" err="1" smtClean="0"/>
+              <a:t>Violet</a:t>
+            </a:r>
+            <a:endParaRPr lang="de-DE" dirty="0" smtClean="0"/>
+          </a:p>
+          <a:p>
+            <a:r>
+              <a:rPr lang="de-DE" dirty="0" err="1" smtClean="0"/>
+              <a:t>KanbanBoard</a:t>
+            </a:r>
+            <a:endParaRPr lang="de-DE" dirty="0" smtClean="0"/>
+          </a:p>
+          <a:p>
+            <a:pPr lvl="1"/>
+            <a:r>
+              <a:rPr lang="de-DE" dirty="0" err="1" smtClean="0"/>
+              <a:t>Storykarten</a:t>
+            </a:r>
+            <a:endParaRPr lang="de-DE" dirty="0" smtClean="0"/>
+          </a:p>
+          <a:p>
+            <a:pPr lvl="1"/>
+            <a:r>
+              <a:rPr lang="de-DE" dirty="0" smtClean="0"/>
+              <a:t>Taskkarten</a:t>
+            </a:r>
           </a:p>
         </p:txBody>
       </p:sp>
@@ -5225,6 +5880,13 @@
   <p:clrMapOvr>
     <a:masterClrMapping/>
   </p:clrMapOvr>
+  <p:timing>
+    <p:tnLst>
+      <p:par>
+        <p:cTn id="1" dur="indefinite" restart="never" nodeType="tmRoot"/>
+      </p:par>
+    </p:tnLst>
+  </p:timing>
 </p:sld>
 </file>
 
@@ -5262,43 +5924,90 @@
           <a:p>
             <a:r>
               <a:rPr lang="de-DE" dirty="0" smtClean="0"/>
-              <a:t>Überblick über das System</a:t>
+              <a:t>Unsere Architektur</a:t>
             </a:r>
             <a:endParaRPr lang="de-DE" dirty="0"/>
           </a:p>
         </p:txBody>
       </p:sp>
-      <p:pic>
-        <p:nvPicPr>
-          <p:cNvPr id="1026" name="Picture 2" descr="Z:\SEP\SEP12\stuff\Zuul-Diagramm.png"/>
-          <p:cNvPicPr>
-            <a:picLocks noChangeAspect="1" noChangeArrowheads="1"/>
-          </p:cNvPicPr>
-          <p:nvPr/>
-        </p:nvPicPr>
-        <p:blipFill>
-          <a:blip r:embed="rId2" cstate="print"/>
-          <a:srcRect/>
-          <a:stretch>
-            <a:fillRect/>
-          </a:stretch>
-        </p:blipFill>
-        <p:spPr bwMode="auto">
+      <p:sp>
+        <p:nvSpPr>
+          <p:cNvPr id="3" name="Inhaltsplatzhalter 2"/>
+          <p:cNvSpPr>
+            <a:spLocks noGrp="1"/>
+          </p:cNvSpPr>
+          <p:nvPr>
+            <p:ph sz="half" idx="1"/>
+          </p:nvPr>
+        </p:nvSpPr>
+        <p:spPr>
           <a:xfrm>
-            <a:off x="477938" y="1628800"/>
-            <a:ext cx="8054502" cy="4464496"/>
-          </a:xfrm>
-          <a:prstGeom prst="rect">
-            <a:avLst/>
-          </a:prstGeom>
-          <a:noFill/>
-        </p:spPr>
-      </p:pic>
+            <a:off x="457200" y="1600200"/>
+            <a:ext cx="8219256" cy="4525963"/>
+          </a:xfrm>
+        </p:spPr>
+        <p:txBody>
+          <a:bodyPr/>
+          <a:lstStyle/>
+          <a:p>
+            <a:pPr>
+              <a:lnSpc>
+                <a:spcPct val="150000"/>
+              </a:lnSpc>
+            </a:pPr>
+            <a:r>
+              <a:rPr lang="de-DE" dirty="0" smtClean="0"/>
+              <a:t>Client-Server</a:t>
+            </a:r>
+          </a:p>
+          <a:p>
+            <a:pPr>
+              <a:lnSpc>
+                <a:spcPct val="150000"/>
+              </a:lnSpc>
+            </a:pPr>
+            <a:r>
+              <a:rPr lang="de-DE" dirty="0" smtClean="0"/>
+              <a:t>Werkzeug und Werkzeug-UI</a:t>
+            </a:r>
+          </a:p>
+          <a:p>
+            <a:pPr>
+              <a:lnSpc>
+                <a:spcPct val="150000"/>
+              </a:lnSpc>
+            </a:pPr>
+            <a:r>
+              <a:rPr lang="de-DE" dirty="0" err="1" smtClean="0"/>
+              <a:t>Package</a:t>
+            </a:r>
+            <a:r>
+              <a:rPr lang="de-DE" dirty="0" smtClean="0"/>
+              <a:t>-Struktur: </a:t>
+            </a:r>
+            <a:r>
+              <a:rPr lang="de-DE" dirty="0" err="1" smtClean="0"/>
+              <a:t>Plugin</a:t>
+            </a:r>
+            <a:endParaRPr lang="de-DE" dirty="0" smtClean="0"/>
+          </a:p>
+          <a:p>
+            <a:endParaRPr lang="de-DE" dirty="0"/>
+          </a:p>
+        </p:txBody>
+      </p:sp>
     </p:spTree>
   </p:cSld>
   <p:clrMapOvr>
     <a:masterClrMapping/>
   </p:clrMapOvr>
+  <p:timing>
+    <p:tnLst>
+      <p:par>
+        <p:cTn id="1" dur="indefinite" restart="never" nodeType="tmRoot"/>
+      </p:par>
+    </p:tnLst>
+  </p:timing>
 </p:sld>
 </file>
 
@@ -5336,127 +6045,50 @@
           <a:p>
             <a:r>
               <a:rPr lang="de-DE" dirty="0" smtClean="0"/>
-              <a:t>Tagesplan</a:t>
+              <a:t>Überblick über das System</a:t>
             </a:r>
             <a:endParaRPr lang="de-DE" dirty="0"/>
           </a:p>
         </p:txBody>
       </p:sp>
-      <p:sp>
-        <p:nvSpPr>
-          <p:cNvPr id="3" name="Inhaltsplatzhalter 2"/>
-          <p:cNvSpPr>
-            <a:spLocks noGrp="1"/>
-          </p:cNvSpPr>
-          <p:nvPr>
-            <p:ph sz="half" idx="1"/>
-          </p:nvPr>
-        </p:nvSpPr>
-        <p:spPr>
+      <p:pic>
+        <p:nvPicPr>
+          <p:cNvPr id="1026" name="Picture 2" descr="Z:\SEP\SEP12\stuff\Zuul-Diagramm.png"/>
+          <p:cNvPicPr>
+            <a:picLocks noChangeAspect="1" noChangeArrowheads="1"/>
+          </p:cNvPicPr>
+          <p:nvPr/>
+        </p:nvPicPr>
+        <p:blipFill>
+          <a:blip r:embed="rId2" cstate="print"/>
+          <a:srcRect/>
+          <a:stretch>
+            <a:fillRect/>
+          </a:stretch>
+        </p:blipFill>
+        <p:spPr bwMode="auto">
           <a:xfrm>
-            <a:off x="467544" y="1484784"/>
-            <a:ext cx="6059016" cy="4525963"/>
-          </a:xfrm>
-        </p:spPr>
-        <p:txBody>
-          <a:bodyPr>
-            <a:normAutofit fontScale="92500" lnSpcReduction="10000"/>
-          </a:bodyPr>
-          <a:lstStyle/>
-          <a:p>
-            <a:pPr>
-              <a:lnSpc>
-                <a:spcPct val="150000"/>
-              </a:lnSpc>
-            </a:pPr>
-            <a:r>
-              <a:rPr lang="de-DE" dirty="0" smtClean="0"/>
-              <a:t>[Vortrag]</a:t>
-            </a:r>
-          </a:p>
-          <a:p>
-            <a:pPr>
-              <a:lnSpc>
-                <a:spcPct val="150000"/>
-              </a:lnSpc>
-            </a:pPr>
-            <a:r>
-              <a:rPr lang="de-DE" dirty="0" err="1" smtClean="0"/>
-              <a:t>Standup</a:t>
-            </a:r>
-            <a:r>
-              <a:rPr lang="de-DE" dirty="0" smtClean="0"/>
-              <a:t>-Meeting (10-30 min)</a:t>
-            </a:r>
-          </a:p>
-          <a:p>
-            <a:pPr>
-              <a:lnSpc>
-                <a:spcPct val="150000"/>
-              </a:lnSpc>
-            </a:pPr>
-            <a:r>
-              <a:rPr lang="de-DE" dirty="0" smtClean="0"/>
-              <a:t>Arbeiten</a:t>
-            </a:r>
-          </a:p>
-          <a:p>
-            <a:pPr>
-              <a:lnSpc>
-                <a:spcPct val="150000"/>
-              </a:lnSpc>
-            </a:pPr>
-            <a:r>
-              <a:rPr lang="de-DE" dirty="0" smtClean="0"/>
-              <a:t>Mittag</a:t>
-            </a:r>
-          </a:p>
-          <a:p>
-            <a:pPr>
-              <a:lnSpc>
-                <a:spcPct val="150000"/>
-              </a:lnSpc>
-            </a:pPr>
-            <a:r>
-              <a:rPr lang="de-DE" dirty="0" smtClean="0"/>
-              <a:t>Mehr arbeiten</a:t>
-            </a:r>
-          </a:p>
-          <a:p>
-            <a:pPr>
-              <a:lnSpc>
-                <a:spcPct val="150000"/>
-              </a:lnSpc>
-            </a:pPr>
-            <a:r>
-              <a:rPr lang="de-DE" dirty="0" smtClean="0"/>
-              <a:t>[Code Review]</a:t>
-            </a:r>
-          </a:p>
-          <a:p>
-            <a:pPr>
-              <a:lnSpc>
-                <a:spcPct val="150000"/>
-              </a:lnSpc>
-            </a:pPr>
-            <a:r>
-              <a:rPr lang="de-DE" dirty="0" smtClean="0"/>
-              <a:t>Kundenpräsentation</a:t>
-            </a:r>
-          </a:p>
-          <a:p>
-            <a:endParaRPr lang="de-DE" dirty="0" smtClean="0"/>
-          </a:p>
-          <a:p>
-            <a:endParaRPr lang="de-DE" dirty="0"/>
-          </a:p>
-        </p:txBody>
-      </p:sp>
+            <a:off x="477938" y="1628800"/>
+            <a:ext cx="8054502" cy="4464496"/>
+          </a:xfrm>
+          <a:prstGeom prst="rect">
+            <a:avLst/>
+          </a:prstGeom>
+          <a:noFill/>
+        </p:spPr>
+      </p:pic>
     </p:spTree>
   </p:cSld>
   <p:clrMapOvr>
     <a:masterClrMapping/>
   </p:clrMapOvr>
+  <p:timing>
+    <p:tnLst>
+      <p:par>
+        <p:cTn id="1" dur="indefinite" restart="never" nodeType="tmRoot"/>
+      </p:par>
+    </p:tnLst>
+  </p:timing>
 </p:sld>
 </file>
 
@@ -5493,10 +6125,10 @@
           <a:lstStyle/>
           <a:p>
             <a:r>
-              <a:rPr lang="de-DE" dirty="0" smtClean="0"/>
-              <a:t>Unser Spiel</a:t>
-            </a:r>
-            <a:endParaRPr lang="de-DE" dirty="0"/>
+              <a:rPr lang="de-DE" strike="sngStrike" dirty="0" smtClean="0"/>
+              <a:t>Trucks</a:t>
+            </a:r>
+            <a:endParaRPr lang="de-DE" strike="sngStrike" dirty="0"/>
           </a:p>
         </p:txBody>
       </p:sp>
@@ -5512,91 +6144,112 @@
         </p:nvSpPr>
         <p:spPr>
           <a:xfrm>
-            <a:off x="457200" y="1340768"/>
-            <a:ext cx="8219256" cy="4785395"/>
+            <a:off x="457200" y="1600200"/>
+            <a:ext cx="6995120" cy="4525963"/>
           </a:xfrm>
         </p:spPr>
         <p:txBody>
           <a:bodyPr>
-            <a:normAutofit lnSpcReduction="10000"/>
+            <a:normAutofit fontScale="92500" lnSpcReduction="10000"/>
           </a:bodyPr>
           <a:lstStyle/>
           <a:p>
-            <a:pPr>
-              <a:lnSpc>
-                <a:spcPct val="150000"/>
-              </a:lnSpc>
-            </a:pPr>
-            <a:r>
-              <a:rPr lang="de-DE" dirty="0" smtClean="0"/>
-              <a:t>Dr. Little ist klein</a:t>
-            </a:r>
-          </a:p>
-          <a:p>
-            <a:pPr>
-              <a:lnSpc>
-                <a:spcPct val="150000"/>
-              </a:lnSpc>
-            </a:pPr>
-            <a:r>
-              <a:rPr lang="de-DE" dirty="0" smtClean="0"/>
-              <a:t>Muss Gegengift finden</a:t>
-            </a:r>
-          </a:p>
-          <a:p>
-            <a:pPr>
-              <a:lnSpc>
-                <a:spcPct val="150000"/>
-              </a:lnSpc>
-            </a:pPr>
-            <a:r>
-              <a:rPr lang="de-DE" dirty="0" smtClean="0"/>
-              <a:t>Raumwechsel kostet Leben</a:t>
-            </a:r>
-          </a:p>
-          <a:p>
-            <a:pPr>
-              <a:lnSpc>
-                <a:spcPct val="150000"/>
-              </a:lnSpc>
-            </a:pPr>
-            <a:r>
-              <a:rPr lang="de-DE" dirty="0" smtClean="0"/>
-              <a:t>Krümel geben Leben</a:t>
-            </a:r>
-          </a:p>
-          <a:p>
-            <a:pPr>
-              <a:lnSpc>
-                <a:spcPct val="150000"/>
-              </a:lnSpc>
-            </a:pPr>
-            <a:r>
-              <a:rPr lang="de-DE" dirty="0" smtClean="0"/>
-              <a:t>Giftkrümel nicht</a:t>
-            </a:r>
-          </a:p>
-          <a:p>
-            <a:pPr>
-              <a:lnSpc>
-                <a:spcPct val="150000"/>
-              </a:lnSpc>
-            </a:pPr>
-            <a:r>
-              <a:rPr lang="de-DE" dirty="0" smtClean="0"/>
-              <a:t>Maus kann Weg weisen</a:t>
-            </a:r>
-          </a:p>
-          <a:p>
-            <a:pPr>
-              <a:lnSpc>
-                <a:spcPct val="150000"/>
-              </a:lnSpc>
-            </a:pPr>
-            <a:r>
-              <a:rPr lang="de-DE" dirty="0" smtClean="0"/>
-              <a:t>Katze ist aggressiv</a:t>
-            </a:r>
+            <a:r>
+              <a:rPr lang="de-DE" dirty="0" smtClean="0"/>
+              <a:t>0gayh: Mädchen für alles</a:t>
+            </a:r>
+          </a:p>
+          <a:p>
+            <a:r>
+              <a:rPr lang="de-DE" dirty="0" smtClean="0"/>
+              <a:t>0graeff</a:t>
+            </a:r>
+            <a:r>
+              <a:rPr lang="de-DE" dirty="0" smtClean="0"/>
+              <a:t>: Editor</a:t>
+            </a:r>
+          </a:p>
+          <a:p>
+            <a:r>
+              <a:rPr lang="de-DE" dirty="0" smtClean="0"/>
+              <a:t>0klein</a:t>
+            </a:r>
+            <a:r>
+              <a:rPr lang="de-DE" dirty="0" smtClean="0"/>
+              <a:t>: </a:t>
+            </a:r>
+            <a:r>
+              <a:rPr lang="de-DE" dirty="0" err="1" smtClean="0"/>
+              <a:t>Testabdeckung+Raumstruktur</a:t>
+            </a:r>
+            <a:endParaRPr lang="de-DE" dirty="0" smtClean="0"/>
+          </a:p>
+          <a:p>
+            <a:r>
+              <a:rPr lang="de-DE" dirty="0" smtClean="0"/>
+              <a:t>0ortmann</a:t>
+            </a:r>
+            <a:r>
+              <a:rPr lang="de-DE" dirty="0" smtClean="0"/>
+              <a:t>: RMI</a:t>
+            </a:r>
+          </a:p>
+          <a:p>
+            <a:r>
+              <a:rPr lang="de-DE" dirty="0" smtClean="0"/>
+              <a:t>0schlund</a:t>
+            </a:r>
+            <a:r>
+              <a:rPr lang="de-DE" dirty="0" smtClean="0"/>
+              <a:t>: Testabdeckung</a:t>
+            </a:r>
+          </a:p>
+          <a:p>
+            <a:r>
+              <a:rPr lang="de-DE" dirty="0" smtClean="0"/>
+              <a:t>1fechner</a:t>
+            </a:r>
+            <a:r>
+              <a:rPr lang="de-DE" dirty="0" smtClean="0"/>
+              <a:t>: Grafiken</a:t>
+            </a:r>
+          </a:p>
+          <a:p>
+            <a:r>
+              <a:rPr lang="de-DE" dirty="0" smtClean="0"/>
+              <a:t>1griese: RMI + XML</a:t>
+            </a:r>
+          </a:p>
+          <a:p>
+            <a:r>
+              <a:rPr lang="de-DE" dirty="0" smtClean="0"/>
+              <a:t>1jost</a:t>
+            </a:r>
+            <a:r>
+              <a:rPr lang="de-DE" dirty="0" smtClean="0"/>
+              <a:t>: XML + GUI</a:t>
+            </a:r>
+          </a:p>
+          <a:p>
+            <a:r>
+              <a:rPr lang="de-DE" dirty="0" smtClean="0"/>
+              <a:t>1roebe</a:t>
+            </a:r>
+            <a:r>
+              <a:rPr lang="de-DE" dirty="0" smtClean="0"/>
+              <a:t>: GUI + Grafiken</a:t>
+            </a:r>
+          </a:p>
+          <a:p>
+            <a:r>
+              <a:rPr lang="de-DE" dirty="0" smtClean="0"/>
+              <a:t>1wiedema: </a:t>
+            </a:r>
+            <a:r>
+              <a:rPr lang="de-DE" dirty="0" err="1" smtClean="0"/>
+              <a:t>Git</a:t>
+            </a:r>
+            <a:endParaRPr lang="de-DE" dirty="0" smtClean="0"/>
           </a:p>
         </p:txBody>
       </p:sp>
@@ -5627,245 +6280,134 @@
       </p:grpSpPr>
       <p:sp>
         <p:nvSpPr>
-          <p:cNvPr id="9" name="Titel 8"/>
+          <p:cNvPr id="2" name="Titel 1"/>
           <p:cNvSpPr>
             <a:spLocks noGrp="1"/>
           </p:cNvSpPr>
           <p:nvPr>
             <p:ph type="title"/>
+          </p:nvPr>
+        </p:nvSpPr>
+        <p:spPr/>
+        <p:txBody>
+          <a:bodyPr/>
+          <a:lstStyle/>
+          <a:p>
+            <a:r>
+              <a:rPr lang="de-DE" dirty="0" smtClean="0"/>
+              <a:t>Tagesplan</a:t>
+            </a:r>
+            <a:endParaRPr lang="de-DE" dirty="0"/>
+          </a:p>
+        </p:txBody>
+      </p:sp>
+      <p:sp>
+        <p:nvSpPr>
+          <p:cNvPr id="3" name="Inhaltsplatzhalter 2"/>
+          <p:cNvSpPr>
+            <a:spLocks noGrp="1"/>
+          </p:cNvSpPr>
+          <p:nvPr>
+            <p:ph sz="half" idx="1"/>
           </p:nvPr>
         </p:nvSpPr>
         <p:spPr>
           <a:xfrm>
-            <a:off x="457200" y="274638"/>
-            <a:ext cx="4114800" cy="1143000"/>
+            <a:off x="467544" y="1484784"/>
+            <a:ext cx="6059016" cy="4525963"/>
           </a:xfrm>
         </p:spPr>
         <p:txBody>
           <a:bodyPr>
-            <a:normAutofit/>
+            <a:normAutofit fontScale="92500" lnSpcReduction="10000"/>
           </a:bodyPr>
           <a:lstStyle/>
           <a:p>
-            <a:pPr algn="l"/>
-            <a:r>
-              <a:rPr lang="de-DE" dirty="0" smtClean="0"/>
-              <a:t>Donnerstag 1</a:t>
-            </a:r>
+            <a:pPr>
+              <a:lnSpc>
+                <a:spcPct val="150000"/>
+              </a:lnSpc>
+            </a:pPr>
+            <a:r>
+              <a:rPr lang="de-DE" dirty="0" smtClean="0"/>
+              <a:t>[Vortrag]</a:t>
+            </a:r>
+          </a:p>
+          <a:p>
+            <a:pPr>
+              <a:lnSpc>
+                <a:spcPct val="150000"/>
+              </a:lnSpc>
+            </a:pPr>
+            <a:r>
+              <a:rPr lang="de-DE" dirty="0" err="1" smtClean="0"/>
+              <a:t>Standup</a:t>
+            </a:r>
+            <a:r>
+              <a:rPr lang="de-DE" dirty="0" smtClean="0"/>
+              <a:t>-Meeting (10-30 min)</a:t>
+            </a:r>
+          </a:p>
+          <a:p>
+            <a:pPr>
+              <a:lnSpc>
+                <a:spcPct val="150000"/>
+              </a:lnSpc>
+            </a:pPr>
+            <a:r>
+              <a:rPr lang="de-DE" dirty="0" smtClean="0"/>
+              <a:t>Arbeiten</a:t>
+            </a:r>
+          </a:p>
+          <a:p>
+            <a:pPr>
+              <a:lnSpc>
+                <a:spcPct val="150000"/>
+              </a:lnSpc>
+            </a:pPr>
+            <a:r>
+              <a:rPr lang="de-DE" dirty="0" smtClean="0"/>
+              <a:t>Mittag</a:t>
+            </a:r>
+          </a:p>
+          <a:p>
+            <a:pPr>
+              <a:lnSpc>
+                <a:spcPct val="150000"/>
+              </a:lnSpc>
+            </a:pPr>
+            <a:r>
+              <a:rPr lang="de-DE" dirty="0" smtClean="0"/>
+              <a:t>Mehr arbeiten</a:t>
+            </a:r>
+          </a:p>
+          <a:p>
+            <a:pPr>
+              <a:lnSpc>
+                <a:spcPct val="150000"/>
+              </a:lnSpc>
+            </a:pPr>
+            <a:r>
+              <a:rPr lang="de-DE" dirty="0" smtClean="0"/>
+              <a:t>[Code Review]</a:t>
+            </a:r>
+          </a:p>
+          <a:p>
+            <a:pPr>
+              <a:lnSpc>
+                <a:spcPct val="150000"/>
+              </a:lnSpc>
+            </a:pPr>
+            <a:r>
+              <a:rPr lang="de-DE" dirty="0" smtClean="0"/>
+              <a:t>Kundenpräsentation</a:t>
+            </a:r>
+          </a:p>
+          <a:p>
+            <a:endParaRPr lang="de-DE" dirty="0" smtClean="0"/>
+          </a:p>
+          <a:p>
             <a:endParaRPr lang="de-DE" dirty="0"/>
-          </a:p>
-        </p:txBody>
-      </p:sp>
-      <p:sp>
-        <p:nvSpPr>
-          <p:cNvPr id="10" name="Inhaltsplatzhalter 9"/>
-          <p:cNvSpPr>
-            <a:spLocks noGrp="1"/>
-          </p:cNvSpPr>
-          <p:nvPr>
-            <p:ph sz="half" idx="1"/>
-          </p:nvPr>
-        </p:nvSpPr>
-        <p:spPr>
-          <a:xfrm>
-            <a:off x="457200" y="2276872"/>
-            <a:ext cx="8363272" cy="3849291"/>
-          </a:xfrm>
-        </p:spPr>
-        <p:txBody>
-          <a:bodyPr/>
-          <a:lstStyle/>
-          <a:p>
-            <a:r>
-              <a:rPr lang="de-DE" dirty="0" err="1" smtClean="0"/>
-              <a:t>Eclipse</a:t>
-            </a:r>
-            <a:r>
-              <a:rPr lang="de-DE" dirty="0" smtClean="0"/>
-              <a:t> einrichten</a:t>
-            </a:r>
-          </a:p>
-          <a:p>
-            <a:pPr lvl="1"/>
-            <a:r>
-              <a:rPr lang="de-DE" dirty="0" smtClean="0"/>
-              <a:t>Templates und </a:t>
-            </a:r>
-            <a:r>
-              <a:rPr lang="de-DE" dirty="0" err="1" smtClean="0"/>
-              <a:t>Codeformatter</a:t>
-            </a:r>
-            <a:r>
-              <a:rPr lang="de-DE" dirty="0" smtClean="0"/>
-              <a:t> leicht verändert aus SE2</a:t>
-            </a:r>
-          </a:p>
-          <a:p>
-            <a:r>
-              <a:rPr lang="de-DE" dirty="0" err="1" smtClean="0"/>
-              <a:t>Git</a:t>
-            </a:r>
-            <a:r>
-              <a:rPr lang="de-DE" dirty="0" smtClean="0"/>
-              <a:t> Repository </a:t>
-            </a:r>
-            <a:r>
-              <a:rPr lang="en-US" dirty="0" err="1" smtClean="0"/>
-              <a:t>einrichten</a:t>
-            </a:r>
-            <a:endParaRPr lang="de-DE" dirty="0" smtClean="0"/>
-          </a:p>
-          <a:p>
-            <a:endParaRPr lang="de-DE" dirty="0" smtClean="0"/>
-          </a:p>
-        </p:txBody>
-      </p:sp>
-      <p:sp>
-        <p:nvSpPr>
-          <p:cNvPr id="12" name="Textfeld 11"/>
-          <p:cNvSpPr txBox="1"/>
-          <p:nvPr/>
-        </p:nvSpPr>
-        <p:spPr>
-          <a:xfrm>
-            <a:off x="457200" y="1628800"/>
-            <a:ext cx="8229600" cy="523220"/>
-          </a:xfrm>
-          <a:prstGeom prst="rect">
-            <a:avLst/>
-          </a:prstGeom>
-          <a:noFill/>
-        </p:spPr>
-        <p:txBody>
-          <a:bodyPr wrap="square" rtlCol="0">
-            <a:spAutoFit/>
-          </a:bodyPr>
-          <a:lstStyle/>
-          <a:p>
-            <a:r>
-              <a:rPr lang="de-DE" sz="2800" i="1" dirty="0" smtClean="0"/>
-              <a:t>Vortrag: </a:t>
-            </a:r>
-            <a:r>
-              <a:rPr lang="de-DE" sz="2800" i="1" dirty="0" err="1" smtClean="0"/>
-              <a:t>Git</a:t>
-            </a:r>
-            <a:r>
-              <a:rPr lang="de-DE" sz="2800" i="1" dirty="0" smtClean="0"/>
-              <a:t> [0graeff, 1wiedema]</a:t>
-            </a:r>
-            <a:endParaRPr lang="de-DE" sz="2800" i="1" dirty="0"/>
-          </a:p>
-        </p:txBody>
-      </p:sp>
-      <p:sp>
-        <p:nvSpPr>
-          <p:cNvPr id="13" name="Titel 8"/>
-          <p:cNvSpPr txBox="1">
-            <a:spLocks/>
-          </p:cNvSpPr>
-          <p:nvPr/>
-        </p:nvSpPr>
-        <p:spPr>
-          <a:xfrm>
-            <a:off x="4716016" y="273600"/>
-            <a:ext cx="4123184" cy="1143000"/>
-          </a:xfrm>
-          <a:prstGeom prst="rect">
-            <a:avLst/>
-          </a:prstGeom>
-        </p:spPr>
-        <p:txBody>
-          <a:bodyPr vert="horz" lIns="91440" tIns="45720" rIns="91440" bIns="45720" rtlCol="0" anchor="ctr">
-            <a:normAutofit fontScale="92500" lnSpcReduction="20000"/>
-          </a:bodyPr>
-          <a:lstStyle/>
-          <a:p>
-            <a:pPr marL="0" marR="0" lvl="0" indent="0" algn="r" defTabSz="914400" rtl="0" eaLnBrk="1" fontAlgn="auto" latinLnBrk="0" hangingPunct="1">
-              <a:lnSpc>
-                <a:spcPct val="100000"/>
-              </a:lnSpc>
-              <a:spcBef>
-                <a:spcPct val="0"/>
-              </a:spcBef>
-              <a:spcAft>
-                <a:spcPts val="0"/>
-              </a:spcAft>
-              <a:buClrTx/>
-              <a:buSzTx/>
-              <a:buFontTx/>
-              <a:buNone/>
-              <a:tabLst/>
-              <a:defRPr/>
-            </a:pPr>
-            <a:r>
-              <a:rPr kumimoji="0" lang="de-DE" sz="4400" b="0" i="0" u="none" strike="noStrike" kern="1200" cap="none" spc="0" normalizeH="0" baseline="0" noProof="0" dirty="0" smtClean="0">
-                <a:ln>
-                  <a:noFill/>
-                </a:ln>
-                <a:solidFill>
-                  <a:schemeClr val="tx1"/>
-                </a:solidFill>
-                <a:effectLst/>
-                <a:uLnTx/>
-                <a:uFillTx/>
-                <a:latin typeface="+mj-lt"/>
-                <a:ea typeface="+mj-ea"/>
-                <a:cs typeface="+mj-cs"/>
-              </a:rPr>
-              <a:t>Gruppenleiter:</a:t>
-            </a:r>
-            <a:r>
-              <a:rPr kumimoji="0" lang="de-DE" sz="4400" b="0" i="0" u="none" strike="noStrike" kern="1200" cap="none" spc="0" normalizeH="0" noProof="0" dirty="0" smtClean="0">
-                <a:ln>
-                  <a:noFill/>
-                </a:ln>
-                <a:solidFill>
-                  <a:schemeClr val="tx1"/>
-                </a:solidFill>
-                <a:effectLst/>
-                <a:uLnTx/>
-                <a:uFillTx/>
-                <a:latin typeface="+mj-lt"/>
-                <a:ea typeface="+mj-ea"/>
-                <a:cs typeface="+mj-cs"/>
-              </a:rPr>
-              <a:t> </a:t>
-            </a:r>
-            <a:r>
-              <a:rPr kumimoji="0" lang="de-DE" sz="4400" b="0" i="0" u="none" strike="noStrike" kern="1200" cap="none" spc="0" normalizeH="0" baseline="0" noProof="0" dirty="0" smtClean="0">
-                <a:ln>
-                  <a:noFill/>
-                </a:ln>
-                <a:solidFill>
-                  <a:schemeClr val="tx1"/>
-                </a:solidFill>
-                <a:effectLst/>
-                <a:uLnTx/>
-                <a:uFillTx/>
-                <a:latin typeface="+mj-lt"/>
-                <a:ea typeface="+mj-ea"/>
-                <a:cs typeface="+mj-cs"/>
-              </a:rPr>
-              <a:t>[1jost</a:t>
-            </a:r>
-            <a:r>
-              <a:rPr kumimoji="0" lang="de-DE" sz="4400" b="0" i="0" u="none" strike="noStrike" kern="1200" cap="none" spc="0" normalizeH="0" baseline="0" noProof="0" dirty="0" smtClean="0">
-                <a:ln>
-                  <a:noFill/>
-                </a:ln>
-                <a:solidFill>
-                  <a:schemeClr val="tx1"/>
-                </a:solidFill>
-                <a:effectLst/>
-                <a:uLnTx/>
-                <a:uFillTx/>
-                <a:latin typeface="+mj-lt"/>
-                <a:ea typeface="+mj-ea"/>
-                <a:cs typeface="+mj-cs"/>
-              </a:rPr>
-              <a:t>]</a:t>
-            </a:r>
           </a:p>
         </p:txBody>
       </p:sp>
@@ -5874,6 +6416,13 @@
   <p:clrMapOvr>
     <a:masterClrMapping/>
   </p:clrMapOvr>
+  <p:timing>
+    <p:tnLst>
+      <p:par>
+        <p:cTn id="1" dur="indefinite" restart="never" nodeType="tmRoot"/>
+      </p:par>
+    </p:tnLst>
+  </p:timing>
 </p:sld>
 </file>
 
@@ -5896,291 +6445,123 @@
       </p:grpSpPr>
       <p:sp>
         <p:nvSpPr>
-          <p:cNvPr id="9" name="Titel 8"/>
+          <p:cNvPr id="2" name="Titel 1"/>
           <p:cNvSpPr>
             <a:spLocks noGrp="1"/>
           </p:cNvSpPr>
           <p:nvPr>
             <p:ph type="title"/>
+          </p:nvPr>
+        </p:nvSpPr>
+        <p:spPr/>
+        <p:txBody>
+          <a:bodyPr/>
+          <a:lstStyle/>
+          <a:p>
+            <a:r>
+              <a:rPr lang="de-DE" dirty="0" smtClean="0"/>
+              <a:t>Unser Spiel</a:t>
+            </a:r>
+            <a:endParaRPr lang="de-DE" dirty="0"/>
+          </a:p>
+        </p:txBody>
+      </p:sp>
+      <p:sp>
+        <p:nvSpPr>
+          <p:cNvPr id="3" name="Inhaltsplatzhalter 2"/>
+          <p:cNvSpPr>
+            <a:spLocks noGrp="1"/>
+          </p:cNvSpPr>
+          <p:nvPr>
+            <p:ph sz="half" idx="1"/>
           </p:nvPr>
         </p:nvSpPr>
         <p:spPr>
           <a:xfrm>
-            <a:off x="457200" y="274638"/>
-            <a:ext cx="4114800" cy="1143000"/>
+            <a:off x="457200" y="1340768"/>
+            <a:ext cx="8219256" cy="4785395"/>
           </a:xfrm>
         </p:spPr>
         <p:txBody>
           <a:bodyPr>
-            <a:normAutofit/>
+            <a:normAutofit lnSpcReduction="10000"/>
           </a:bodyPr>
           <a:lstStyle/>
           <a:p>
-            <a:pPr algn="l"/>
-            <a:r>
-              <a:rPr lang="de-DE" dirty="0" smtClean="0"/>
-              <a:t>Freitag 1</a:t>
-            </a:r>
-            <a:endParaRPr lang="de-DE" dirty="0"/>
-          </a:p>
-        </p:txBody>
-      </p:sp>
-      <p:sp>
-        <p:nvSpPr>
-          <p:cNvPr id="10" name="Inhaltsplatzhalter 9"/>
-          <p:cNvSpPr>
-            <a:spLocks noGrp="1"/>
-          </p:cNvSpPr>
-          <p:nvPr>
-            <p:ph sz="half" idx="1"/>
-          </p:nvPr>
-        </p:nvSpPr>
-        <p:spPr>
-          <a:xfrm>
-            <a:off x="457200" y="2276872"/>
-            <a:ext cx="4038600" cy="3849291"/>
-          </a:xfrm>
-        </p:spPr>
-        <p:txBody>
-          <a:bodyPr>
-            <a:normAutofit fontScale="92500" lnSpcReduction="10000"/>
-          </a:bodyPr>
-          <a:lstStyle/>
-          <a:p>
             <a:pPr>
-              <a:buNone/>
+              <a:lnSpc>
+                <a:spcPct val="150000"/>
+              </a:lnSpc>
             </a:pPr>
             <a:r>
-              <a:rPr lang="de-DE" u="sng" dirty="0" smtClean="0"/>
-              <a:t>Features</a:t>
-            </a:r>
-          </a:p>
-          <a:p>
-            <a:r>
-              <a:rPr lang="de-DE" dirty="0" smtClean="0"/>
-              <a:t>GUI</a:t>
-            </a:r>
-          </a:p>
-          <a:p>
-            <a:pPr lvl="1"/>
-            <a:r>
-              <a:rPr lang="de-DE" dirty="0" smtClean="0"/>
-              <a:t>Konsole + Buttons</a:t>
-            </a:r>
-          </a:p>
-          <a:p>
-            <a:r>
-              <a:rPr lang="de-DE" dirty="0" smtClean="0"/>
-              <a:t>Items</a:t>
-            </a:r>
-            <a:endParaRPr lang="de-DE" dirty="0" smtClean="0"/>
-          </a:p>
-          <a:p>
-            <a:r>
-              <a:rPr lang="de-DE" dirty="0" smtClean="0"/>
-              <a:t>Lebensenergie</a:t>
-            </a:r>
-          </a:p>
-          <a:p>
-            <a:pPr lvl="1"/>
-            <a:r>
-              <a:rPr lang="de-DE" dirty="0" smtClean="0"/>
-              <a:t>Gewinnen &amp; Verlieren</a:t>
-            </a:r>
-          </a:p>
-          <a:p>
-            <a:r>
-              <a:rPr lang="de-DE" dirty="0" smtClean="0"/>
-              <a:t>Neues Level konstruiert</a:t>
-            </a:r>
-          </a:p>
-          <a:p>
-            <a:r>
-              <a:rPr lang="de-DE" dirty="0" smtClean="0"/>
-              <a:t>Deutsche </a:t>
-            </a:r>
-            <a:r>
-              <a:rPr lang="de-DE" dirty="0" smtClean="0"/>
-              <a:t>Inhalte</a:t>
-            </a:r>
-          </a:p>
-          <a:p>
-            <a:r>
-              <a:rPr lang="de-DE" dirty="0" smtClean="0"/>
-              <a:t>Eigene Story</a:t>
-            </a:r>
-            <a:endParaRPr lang="de-DE" dirty="0"/>
-          </a:p>
-        </p:txBody>
-      </p:sp>
-      <p:sp>
-        <p:nvSpPr>
-          <p:cNvPr id="11" name="Inhaltsplatzhalter 10"/>
-          <p:cNvSpPr>
-            <a:spLocks noGrp="1"/>
-          </p:cNvSpPr>
-          <p:nvPr>
-            <p:ph sz="half" idx="2"/>
-          </p:nvPr>
-        </p:nvSpPr>
-        <p:spPr>
-          <a:xfrm>
-            <a:off x="4648200" y="2276872"/>
-            <a:ext cx="4038600" cy="3849291"/>
-          </a:xfrm>
-        </p:spPr>
-        <p:txBody>
-          <a:bodyPr>
-            <a:normAutofit fontScale="92500" lnSpcReduction="10000"/>
-          </a:bodyPr>
-          <a:lstStyle/>
+              <a:rPr lang="de-DE" dirty="0" smtClean="0"/>
+              <a:t>Dr. Little ist klein</a:t>
+            </a:r>
+          </a:p>
           <a:p>
             <a:pPr>
-              <a:buNone/>
+              <a:lnSpc>
+                <a:spcPct val="150000"/>
+              </a:lnSpc>
             </a:pPr>
             <a:r>
-              <a:rPr lang="de-DE" u="sng" dirty="0" smtClean="0"/>
-              <a:t>Refactoring</a:t>
-            </a:r>
-          </a:p>
-          <a:p>
-            <a:r>
-              <a:rPr lang="de-DE" dirty="0" smtClean="0"/>
-              <a:t>Polymorphe Befehlsstruktur</a:t>
-            </a:r>
-          </a:p>
-          <a:p>
-            <a:r>
-              <a:rPr lang="de-DE" dirty="0" smtClean="0"/>
-              <a:t>TextVerwalter</a:t>
-            </a:r>
-          </a:p>
-          <a:p>
-            <a:r>
-              <a:rPr lang="de-DE" dirty="0" smtClean="0"/>
-              <a:t>Konventionen</a:t>
-            </a:r>
-          </a:p>
-          <a:p>
-            <a:pPr lvl="1"/>
-            <a:r>
-              <a:rPr lang="de-DE" dirty="0" smtClean="0"/>
-              <a:t>Getter und Setter</a:t>
-            </a:r>
-          </a:p>
-          <a:p>
-            <a:endParaRPr lang="de-DE" dirty="0"/>
-          </a:p>
-        </p:txBody>
-      </p:sp>
-      <p:sp>
-        <p:nvSpPr>
-          <p:cNvPr id="12" name="Textfeld 11"/>
-          <p:cNvSpPr txBox="1"/>
-          <p:nvPr/>
-        </p:nvSpPr>
-        <p:spPr>
-          <a:xfrm>
-            <a:off x="457200" y="1628800"/>
-            <a:ext cx="8229600" cy="523220"/>
-          </a:xfrm>
-          <a:prstGeom prst="rect">
-            <a:avLst/>
-          </a:prstGeom>
-          <a:noFill/>
-        </p:spPr>
-        <p:txBody>
-          <a:bodyPr wrap="square" rtlCol="0">
-            <a:spAutoFit/>
-          </a:bodyPr>
-          <a:lstStyle/>
-          <a:p>
-            <a:r>
-              <a:rPr lang="de-DE" sz="2800" i="1" dirty="0" smtClean="0"/>
-              <a:t>Vortrag: Swing [0gayh, 0schlund]</a:t>
-            </a:r>
-            <a:endParaRPr lang="de-DE" sz="2800" i="1" dirty="0"/>
-          </a:p>
-        </p:txBody>
-      </p:sp>
-      <p:sp>
-        <p:nvSpPr>
-          <p:cNvPr id="13" name="Titel 8"/>
-          <p:cNvSpPr txBox="1">
-            <a:spLocks/>
-          </p:cNvSpPr>
-          <p:nvPr/>
-        </p:nvSpPr>
-        <p:spPr>
-          <a:xfrm>
-            <a:off x="4716016" y="273600"/>
-            <a:ext cx="4123184" cy="1143000"/>
-          </a:xfrm>
-          <a:prstGeom prst="rect">
-            <a:avLst/>
-          </a:prstGeom>
-        </p:spPr>
-        <p:txBody>
-          <a:bodyPr vert="horz" lIns="91440" tIns="45720" rIns="91440" bIns="45720" rtlCol="0" anchor="ctr">
-            <a:normAutofit fontScale="92500" lnSpcReduction="20000"/>
-          </a:bodyPr>
-          <a:lstStyle/>
-          <a:p>
-            <a:pPr lvl="0" algn="r">
-              <a:spcBef>
-                <a:spcPct val="0"/>
-              </a:spcBef>
-              <a:defRPr/>
+              <a:rPr lang="de-DE" dirty="0" smtClean="0"/>
+              <a:t>Muss Gegengift finden</a:t>
+            </a:r>
+          </a:p>
+          <a:p>
+            <a:pPr>
+              <a:lnSpc>
+                <a:spcPct val="150000"/>
+              </a:lnSpc>
             </a:pPr>
             <a:r>
-              <a:rPr lang="de-DE" sz="4400" dirty="0" smtClean="0"/>
-              <a:t>Gruppenleiter</a:t>
-            </a:r>
-            <a:r>
-              <a:rPr lang="de-DE" sz="4400" dirty="0" smtClean="0"/>
-              <a:t>:</a:t>
-            </a:r>
-          </a:p>
-          <a:p>
-            <a:pPr lvl="0" algn="r">
-              <a:spcBef>
-                <a:spcPct val="0"/>
-              </a:spcBef>
-              <a:defRPr/>
+              <a:rPr lang="de-DE" dirty="0" smtClean="0"/>
+              <a:t>Raumwechsel kostet Leben</a:t>
+            </a:r>
+          </a:p>
+          <a:p>
+            <a:pPr>
+              <a:lnSpc>
+                <a:spcPct val="150000"/>
+              </a:lnSpc>
             </a:pPr>
             <a:r>
-              <a:rPr kumimoji="0" lang="de-DE" sz="4400" b="0" i="0" u="none" strike="noStrike" kern="1200" cap="none" spc="0" normalizeH="0" baseline="0" noProof="0" dirty="0" smtClean="0">
-                <a:ln>
-                  <a:noFill/>
-                </a:ln>
-                <a:solidFill>
-                  <a:schemeClr val="tx1"/>
-                </a:solidFill>
-                <a:effectLst/>
-                <a:uLnTx/>
-                <a:uFillTx/>
-                <a:latin typeface="+mj-lt"/>
-                <a:ea typeface="+mj-ea"/>
-                <a:cs typeface="+mj-cs"/>
-              </a:rPr>
-              <a:t>[</a:t>
-            </a:r>
-            <a:r>
-              <a:rPr kumimoji="0" lang="de-DE" sz="4400" b="0" i="0" u="none" strike="noStrike" kern="1200" cap="none" spc="0" normalizeH="0" baseline="0" noProof="0" dirty="0" smtClean="0">
-                <a:ln>
-                  <a:noFill/>
-                </a:ln>
-                <a:solidFill>
-                  <a:schemeClr val="tx1"/>
-                </a:solidFill>
-                <a:effectLst/>
-                <a:uLnTx/>
-                <a:uFillTx/>
-                <a:latin typeface="+mj-lt"/>
-                <a:ea typeface="+mj-ea"/>
-                <a:cs typeface="+mj-cs"/>
-              </a:rPr>
-              <a:t>1jost]</a:t>
+              <a:rPr lang="de-DE" dirty="0" smtClean="0"/>
+              <a:t>Krümel geben Leben</a:t>
+            </a:r>
+          </a:p>
+          <a:p>
+            <a:pPr>
+              <a:lnSpc>
+                <a:spcPct val="150000"/>
+              </a:lnSpc>
+            </a:pPr>
+            <a:r>
+              <a:rPr lang="de-DE" dirty="0" smtClean="0"/>
+              <a:t>Giftkrümel nicht</a:t>
+            </a:r>
+          </a:p>
+          <a:p>
+            <a:pPr>
+              <a:lnSpc>
+                <a:spcPct val="150000"/>
+              </a:lnSpc>
+            </a:pPr>
+            <a:r>
+              <a:rPr lang="de-DE" dirty="0" smtClean="0"/>
+              <a:t>Maus kann Weg weisen</a:t>
+            </a:r>
+          </a:p>
+          <a:p>
+            <a:pPr>
+              <a:lnSpc>
+                <a:spcPct val="150000"/>
+              </a:lnSpc>
+            </a:pPr>
+            <a:r>
+              <a:rPr lang="de-DE" dirty="0" smtClean="0"/>
+              <a:t>Katze ist aggressiv</a:t>
             </a:r>
           </a:p>
         </p:txBody>
@@ -6190,6 +6571,13 @@
   <p:clrMapOvr>
     <a:masterClrMapping/>
   </p:clrMapOvr>
+  <p:timing>
+    <p:tnLst>
+      <p:par>
+        <p:cTn id="1" dur="indefinite" restart="never" nodeType="tmRoot"/>
+      </p:par>
+    </p:tnLst>
+  </p:timing>
 </p:sld>
 </file>
 
@@ -6235,7 +6623,7 @@
             <a:pPr algn="l"/>
             <a:r>
               <a:rPr lang="de-DE" dirty="0" smtClean="0"/>
-              <a:t>Montag 1</a:t>
+              <a:t>Donnerstag 1</a:t>
             </a:r>
             <a:endParaRPr lang="de-DE" dirty="0"/>
           </a:p>
@@ -6254,138 +6642,54 @@
         <p:spPr>
           <a:xfrm>
             <a:off x="457200" y="2276872"/>
-            <a:ext cx="4038600" cy="3849291"/>
-          </a:xfrm>
-        </p:spPr>
-        <p:txBody>
-          <a:bodyPr>
-            <a:normAutofit/>
-          </a:bodyPr>
-          <a:lstStyle/>
-          <a:p>
-            <a:pPr>
-              <a:buNone/>
-            </a:pPr>
-            <a:r>
-              <a:rPr lang="de-DE" u="sng" dirty="0" smtClean="0"/>
-              <a:t>Features</a:t>
-            </a:r>
-          </a:p>
-          <a:p>
-            <a:r>
-              <a:rPr lang="de-DE" dirty="0" smtClean="0"/>
-              <a:t>Neue Befehle</a:t>
+            <a:ext cx="8363272" cy="3849291"/>
+          </a:xfrm>
+        </p:spPr>
+        <p:txBody>
+          <a:bodyPr/>
+          <a:lstStyle/>
+          <a:p>
+            <a:r>
+              <a:rPr lang="de-DE" dirty="0" err="1" smtClean="0"/>
+              <a:t>Eclipse</a:t>
+            </a:r>
+            <a:r>
+              <a:rPr lang="de-DE" dirty="0" smtClean="0"/>
+              <a:t> einrichten</a:t>
             </a:r>
           </a:p>
           <a:p>
             <a:pPr lvl="1"/>
             <a:r>
               <a:rPr lang="de-DE" dirty="0" smtClean="0"/>
-              <a:t>Nehmen</a:t>
-            </a:r>
-          </a:p>
-          <a:p>
-            <a:pPr lvl="1"/>
-            <a:r>
-              <a:rPr lang="de-DE" dirty="0" smtClean="0"/>
-              <a:t>Essen</a:t>
-            </a:r>
-          </a:p>
-          <a:p>
-            <a:r>
-              <a:rPr lang="de-DE" dirty="0" smtClean="0"/>
-              <a:t>Giftkrümel</a:t>
+              <a:t>Templates und </a:t>
+            </a:r>
+            <a:r>
+              <a:rPr lang="de-DE" dirty="0" err="1" smtClean="0"/>
+              <a:t>Codeformatter</a:t>
+            </a:r>
+            <a:r>
+              <a:rPr lang="de-DE" dirty="0" smtClean="0"/>
+              <a:t> leicht verändert aus SE2</a:t>
+            </a:r>
+          </a:p>
+          <a:p>
+            <a:r>
+              <a:rPr lang="de-DE" dirty="0" err="1" smtClean="0"/>
+              <a:t>Git</a:t>
+            </a:r>
+            <a:r>
+              <a:rPr lang="de-DE" dirty="0" smtClean="0"/>
+              <a:t> Repository </a:t>
+            </a:r>
+            <a:r>
+              <a:rPr lang="en-US" dirty="0" err="1" smtClean="0"/>
+              <a:t>einrichten</a:t>
             </a:r>
             <a:endParaRPr lang="de-DE" dirty="0" smtClean="0"/>
           </a:p>
           <a:p>
-            <a:r>
-              <a:rPr lang="de-DE" dirty="0" smtClean="0"/>
-              <a:t>Maus </a:t>
-            </a:r>
-            <a:r>
-              <a:rPr lang="de-DE" dirty="0" smtClean="0"/>
-              <a:t>in Räumen</a:t>
-            </a:r>
-          </a:p>
-          <a:p>
-            <a:r>
-              <a:rPr lang="de-DE" dirty="0" smtClean="0"/>
-              <a:t>Tests </a:t>
-            </a:r>
-            <a:r>
-              <a:rPr lang="de-DE" dirty="0" smtClean="0"/>
-              <a:t>mit </a:t>
-            </a:r>
-            <a:r>
-              <a:rPr lang="de-DE" dirty="0" err="1" smtClean="0"/>
-              <a:t>EclEmma</a:t>
-            </a:r>
             <a:endParaRPr lang="de-DE" dirty="0" smtClean="0"/>
-          </a:p>
-        </p:txBody>
-      </p:sp>
-      <p:sp>
-        <p:nvSpPr>
-          <p:cNvPr id="11" name="Inhaltsplatzhalter 10"/>
-          <p:cNvSpPr>
-            <a:spLocks noGrp="1"/>
-          </p:cNvSpPr>
-          <p:nvPr>
-            <p:ph sz="half" idx="2"/>
-          </p:nvPr>
-        </p:nvSpPr>
-        <p:spPr>
-          <a:xfrm>
-            <a:off x="4648200" y="2276872"/>
-            <a:ext cx="4038600" cy="3849291"/>
-          </a:xfrm>
-        </p:spPr>
-        <p:txBody>
-          <a:bodyPr>
-            <a:normAutofit/>
-          </a:bodyPr>
-          <a:lstStyle/>
-          <a:p>
-            <a:pPr>
-              <a:buNone/>
-            </a:pPr>
-            <a:r>
-              <a:rPr lang="de-DE" u="sng" dirty="0" smtClean="0"/>
-              <a:t>Refactoring</a:t>
-            </a:r>
-          </a:p>
-          <a:p>
-            <a:r>
-              <a:rPr lang="de-DE" dirty="0" err="1" smtClean="0"/>
-              <a:t>Packages</a:t>
-            </a:r>
-            <a:endParaRPr lang="de-DE" dirty="0" smtClean="0"/>
-          </a:p>
-          <a:p>
-            <a:r>
-              <a:rPr lang="de-DE" dirty="0" smtClean="0"/>
-              <a:t>Kuchen </a:t>
-            </a:r>
-            <a:r>
-              <a:rPr lang="de-DE" sz="2000" dirty="0" smtClean="0">
-                <a:sym typeface="Wingdings" pitchFamily="2" charset="2"/>
-              </a:rPr>
-              <a:t></a:t>
-            </a:r>
-            <a:r>
-              <a:rPr lang="de-DE" dirty="0" smtClean="0"/>
-              <a:t> Krümel</a:t>
-            </a:r>
-          </a:p>
-          <a:p>
-            <a:r>
-              <a:rPr lang="de-DE" dirty="0" smtClean="0"/>
-              <a:t>Trennen von UI &amp; Logik</a:t>
-            </a:r>
-          </a:p>
-          <a:p>
-            <a:endParaRPr lang="de-DE" dirty="0"/>
           </a:p>
         </p:txBody>
       </p:sp>
@@ -6417,15 +6721,11 @@
             </a:r>
             <a:r>
               <a:rPr lang="de-DE" sz="2800" i="1" dirty="0" err="1" smtClean="0"/>
-              <a:t>EclEmma</a:t>
-            </a:r>
-            <a:r>
-              <a:rPr lang="de-DE" sz="2800" i="1" dirty="0"/>
-              <a:t> </a:t>
+              <a:t>Git</a:t>
             </a:r>
             <a:r>
               <a:rPr lang="de-DE" sz="2800" i="1" dirty="0" smtClean="0"/>
-              <a:t>[1roebe, 1griese]</a:t>
+              <a:t> [0graeff, 1wiedema]</a:t>
             </a:r>
             <a:endParaRPr lang="de-DE" sz="2800" i="1" dirty="0"/>
           </a:p>
@@ -6454,26 +6754,21 @@
           </a:bodyPr>
           <a:lstStyle/>
           <a:p>
-            <a:pPr lvl="0" algn="r">
+            <a:pPr marL="0" marR="0" lvl="0" indent="0" algn="r" defTabSz="914400" rtl="0" eaLnBrk="1" fontAlgn="auto" latinLnBrk="0" hangingPunct="1">
+              <a:lnSpc>
+                <a:spcPct val="100000"/>
+              </a:lnSpc>
               <a:spcBef>
                 <a:spcPct val="0"/>
               </a:spcBef>
-              <a:defRPr/>
-            </a:pPr>
-            <a:r>
-              <a:rPr lang="de-DE" sz="4400" dirty="0" smtClean="0"/>
-              <a:t>Gruppenleiter</a:t>
-            </a:r>
-            <a:r>
-              <a:rPr lang="de-DE" sz="4400" dirty="0" smtClean="0"/>
-              <a:t>:</a:t>
-            </a:r>
-          </a:p>
-          <a:p>
-            <a:pPr lvl="0" algn="r">
-              <a:spcBef>
-                <a:spcPct val="0"/>
-              </a:spcBef>
+              <a:spcAft>
+                <a:spcPts val="0"/>
+              </a:spcAft>
+              <a:buClrTx/>
+              <a:buSzTx/>
+              <a:buFontTx/>
+              <a:buNone/>
+              <a:tabLst/>
               <a:defRPr/>
             </a:pPr>
             <a:r>
@@ -6491,7 +6786,24 @@
                 <a:ea typeface="+mj-ea"/>
                 <a:cs typeface="+mj-cs"/>
               </a:rPr>
-              <a:t>[</a:t>
+              <a:t>Gruppenleiter:</a:t>
+            </a:r>
+            <a:r>
+              <a:rPr kumimoji="0" lang="de-DE" sz="4400" b="0" i="0" u="none" strike="noStrike" kern="1200" cap="none" spc="0" normalizeH="0" noProof="0" dirty="0" smtClean="0">
+                <a:ln>
+                  <a:noFill/>
+                </a:ln>
+                <a:solidFill>
+                  <a:schemeClr val="tx1"/>
+                </a:solidFill>
+                <a:effectLst/>
+                <a:uLnTx/>
+                <a:uFillTx/>
+                <a:latin typeface="+mj-lt"/>
+                <a:ea typeface="+mj-ea"/>
+                <a:cs typeface="+mj-cs"/>
+              </a:rPr>
+              <a:t> </a:t>
             </a:r>
             <a:r>
               <a:rPr kumimoji="0" lang="de-DE" sz="4400" b="0" i="0" u="none" strike="noStrike" kern="1200" cap="none" spc="0" normalizeH="0" baseline="0" noProof="0" dirty="0" smtClean="0">
@@ -6508,7 +6820,7 @@
                 <a:ea typeface="+mj-ea"/>
                 <a:cs typeface="+mj-cs"/>
               </a:rPr>
-              <a:t>1fechner]</a:t>
+              <a:t>[1jost]</a:t>
             </a:r>
           </a:p>
         </p:txBody>
@@ -6518,6 +6830,13 @@
   <p:clrMapOvr>
     <a:masterClrMapping/>
   </p:clrMapOvr>
+  <p:timing>
+    <p:tnLst>
+      <p:par>
+        <p:cTn id="1" dur="indefinite" restart="never" nodeType="tmRoot"/>
+      </p:par>
+    </p:tnLst>
+  </p:timing>
 </p:sld>
 </file>
 

--- a/vortraege/Präsentation_01.pptx
+++ b/vortraege/Präsentation_01.pptx
@@ -5554,6 +5554,13 @@
   <p:clrMapOvr>
     <a:masterClrMapping/>
   </p:clrMapOvr>
+  <p:timing>
+    <p:tnLst>
+      <p:par>
+        <p:cTn id="1" dur="indefinite" restart="never" nodeType="tmRoot"/>
+      </p:par>
+    </p:tnLst>
+  </p:timing>
 </p:sld>
 </file>
 
@@ -6258,6 +6265,13 @@
   <p:clrMapOvr>
     <a:masterClrMapping/>
   </p:clrMapOvr>
+  <p:timing>
+    <p:tnLst>
+      <p:par>
+        <p:cTn id="1" dur="indefinite" restart="never" nodeType="tmRoot"/>
+      </p:par>
+    </p:tnLst>
+  </p:timing>
 </p:sld>
 </file>
 

--- a/vortraege/Präsentation_01.pptx
+++ b/vortraege/Präsentation_01.pptx
@@ -7,24 +7,27 @@
   <p:sldIdLst>
     <p:sldId id="271" r:id="rId2"/>
     <p:sldId id="277" r:id="rId3"/>
-    <p:sldId id="273" r:id="rId4"/>
-    <p:sldId id="275" r:id="rId5"/>
-    <p:sldId id="276" r:id="rId6"/>
-    <p:sldId id="280" r:id="rId7"/>
-    <p:sldId id="274" r:id="rId8"/>
-    <p:sldId id="272" r:id="rId9"/>
-    <p:sldId id="257" r:id="rId10"/>
-    <p:sldId id="261" r:id="rId11"/>
-    <p:sldId id="262" r:id="rId12"/>
-    <p:sldId id="263" r:id="rId13"/>
-    <p:sldId id="265" r:id="rId14"/>
-    <p:sldId id="264" r:id="rId15"/>
-    <p:sldId id="267" r:id="rId16"/>
-    <p:sldId id="268" r:id="rId17"/>
-    <p:sldId id="269" r:id="rId18"/>
-    <p:sldId id="270" r:id="rId19"/>
-    <p:sldId id="278" r:id="rId20"/>
-    <p:sldId id="279" r:id="rId21"/>
+    <p:sldId id="272" r:id="rId4"/>
+    <p:sldId id="273" r:id="rId5"/>
+    <p:sldId id="275" r:id="rId6"/>
+    <p:sldId id="276" r:id="rId7"/>
+    <p:sldId id="281" r:id="rId8"/>
+    <p:sldId id="282" r:id="rId9"/>
+    <p:sldId id="280" r:id="rId10"/>
+    <p:sldId id="274" r:id="rId11"/>
+    <p:sldId id="257" r:id="rId12"/>
+    <p:sldId id="261" r:id="rId13"/>
+    <p:sldId id="262" r:id="rId14"/>
+    <p:sldId id="263" r:id="rId15"/>
+    <p:sldId id="265" r:id="rId16"/>
+    <p:sldId id="264" r:id="rId17"/>
+    <p:sldId id="267" r:id="rId18"/>
+    <p:sldId id="268" r:id="rId19"/>
+    <p:sldId id="269" r:id="rId20"/>
+    <p:sldId id="270" r:id="rId21"/>
+    <p:sldId id="278" r:id="rId22"/>
+    <p:sldId id="283" r:id="rId23"/>
+    <p:sldId id="279" r:id="rId24"/>
   </p:sldIdLst>
   <p:sldSz cx="9144000" cy="6858000" type="screen4x3"/>
   <p:notesSz cx="6858000" cy="9144000"/>
@@ -3145,49 +3148,41 @@
       </p:grpSpPr>
       <p:sp>
         <p:nvSpPr>
-          <p:cNvPr id="9" name="Titel 8"/>
+          <p:cNvPr id="2" name="Titel 1"/>
           <p:cNvSpPr>
             <a:spLocks noGrp="1"/>
           </p:cNvSpPr>
           <p:nvPr>
             <p:ph type="title"/>
+          </p:nvPr>
+        </p:nvSpPr>
+        <p:spPr/>
+        <p:txBody>
+          <a:bodyPr/>
+          <a:lstStyle/>
+          <a:p>
+            <a:r>
+              <a:rPr lang="de-DE" dirty="0" smtClean="0"/>
+              <a:t>Tagesplan</a:t>
+            </a:r>
+            <a:endParaRPr lang="de-DE" dirty="0"/>
+          </a:p>
+        </p:txBody>
+      </p:sp>
+      <p:sp>
+        <p:nvSpPr>
+          <p:cNvPr id="3" name="Inhaltsplatzhalter 2"/>
+          <p:cNvSpPr>
+            <a:spLocks noGrp="1"/>
+          </p:cNvSpPr>
+          <p:nvPr>
+            <p:ph sz="half" idx="1"/>
           </p:nvPr>
         </p:nvSpPr>
         <p:spPr>
           <a:xfrm>
-            <a:off x="457200" y="274638"/>
-            <a:ext cx="4114800" cy="1143000"/>
-          </a:xfrm>
-        </p:spPr>
-        <p:txBody>
-          <a:bodyPr>
-            <a:normAutofit/>
-          </a:bodyPr>
-          <a:lstStyle/>
-          <a:p>
-            <a:pPr algn="l"/>
-            <a:r>
-              <a:rPr lang="de-DE" dirty="0" smtClean="0"/>
-              <a:t>Freitag 1</a:t>
-            </a:r>
-            <a:endParaRPr lang="de-DE" dirty="0"/>
-          </a:p>
-        </p:txBody>
-      </p:sp>
-      <p:sp>
-        <p:nvSpPr>
-          <p:cNvPr id="10" name="Inhaltsplatzhalter 9"/>
-          <p:cNvSpPr>
-            <a:spLocks noGrp="1"/>
-          </p:cNvSpPr>
-          <p:nvPr>
-            <p:ph sz="half" idx="1"/>
-          </p:nvPr>
-        </p:nvSpPr>
-        <p:spPr>
-          <a:xfrm>
-            <a:off x="457200" y="2276872"/>
-            <a:ext cx="4038600" cy="3849291"/>
+            <a:off x="467544" y="1484784"/>
+            <a:ext cx="6059016" cy="4525963"/>
           </a:xfrm>
         </p:spPr>
         <p:txBody>
@@ -3197,214 +3192,96 @@
           <a:lstStyle/>
           <a:p>
             <a:pPr>
-              <a:buNone/>
+              <a:lnSpc>
+                <a:spcPct val="150000"/>
+              </a:lnSpc>
             </a:pPr>
             <a:r>
-              <a:rPr lang="de-DE" u="sng" dirty="0" smtClean="0"/>
-              <a:t>Features</a:t>
-            </a:r>
-          </a:p>
-          <a:p>
-            <a:r>
-              <a:rPr lang="de-DE" dirty="0" smtClean="0"/>
-              <a:t>GUI</a:t>
-            </a:r>
-          </a:p>
-          <a:p>
-            <a:pPr lvl="1"/>
-            <a:r>
-              <a:rPr lang="de-DE" dirty="0" smtClean="0"/>
-              <a:t>Konsole + Buttons</a:t>
-            </a:r>
-          </a:p>
-          <a:p>
-            <a:r>
-              <a:rPr lang="de-DE" dirty="0" smtClean="0"/>
-              <a:t>Items</a:t>
-            </a:r>
-          </a:p>
-          <a:p>
-            <a:r>
-              <a:rPr lang="de-DE" dirty="0" smtClean="0"/>
-              <a:t>Lebensenergie</a:t>
-            </a:r>
-          </a:p>
-          <a:p>
-            <a:pPr lvl="1"/>
-            <a:r>
-              <a:rPr lang="de-DE" dirty="0" smtClean="0"/>
-              <a:t>Gewinnen &amp; Verlieren</a:t>
-            </a:r>
-          </a:p>
-          <a:p>
-            <a:r>
-              <a:rPr lang="de-DE" dirty="0" smtClean="0"/>
-              <a:t>Neues Level konstruiert</a:t>
-            </a:r>
-          </a:p>
-          <a:p>
-            <a:r>
-              <a:rPr lang="de-DE" dirty="0" smtClean="0"/>
-              <a:t>Deutsche Inhalte</a:t>
-            </a:r>
-          </a:p>
-          <a:p>
-            <a:r>
-              <a:rPr lang="de-DE" dirty="0" smtClean="0"/>
-              <a:t>Eigene Story</a:t>
-            </a:r>
+              <a:rPr lang="de-DE" dirty="0" smtClean="0"/>
+              <a:t>[Vortrag]</a:t>
+            </a:r>
+          </a:p>
+          <a:p>
+            <a:pPr>
+              <a:lnSpc>
+                <a:spcPct val="150000"/>
+              </a:lnSpc>
+            </a:pPr>
+            <a:r>
+              <a:rPr lang="de-DE" dirty="0" err="1" smtClean="0"/>
+              <a:t>StandUp</a:t>
+            </a:r>
+            <a:r>
+              <a:rPr lang="de-DE" dirty="0" smtClean="0"/>
+              <a:t>-Meeting </a:t>
+            </a:r>
+            <a:r>
+              <a:rPr lang="de-DE" dirty="0" smtClean="0"/>
+              <a:t>(10-30 min)</a:t>
+            </a:r>
+          </a:p>
+          <a:p>
+            <a:pPr>
+              <a:lnSpc>
+                <a:spcPct val="150000"/>
+              </a:lnSpc>
+            </a:pPr>
+            <a:r>
+              <a:rPr lang="de-DE" dirty="0" smtClean="0"/>
+              <a:t>Arbeitsphase I</a:t>
+            </a:r>
+            <a:endParaRPr lang="de-DE" dirty="0" smtClean="0"/>
+          </a:p>
+          <a:p>
+            <a:pPr>
+              <a:lnSpc>
+                <a:spcPct val="150000"/>
+              </a:lnSpc>
+            </a:pPr>
+            <a:r>
+              <a:rPr lang="de-DE" dirty="0" smtClean="0"/>
+              <a:t>Mittag</a:t>
+            </a:r>
+          </a:p>
+          <a:p>
+            <a:pPr>
+              <a:lnSpc>
+                <a:spcPct val="150000"/>
+              </a:lnSpc>
+            </a:pPr>
+            <a:r>
+              <a:rPr lang="de-DE" dirty="0" smtClean="0"/>
+              <a:t>Arbeitsphase II</a:t>
+            </a:r>
+            <a:endParaRPr lang="de-DE" dirty="0" smtClean="0"/>
+          </a:p>
+          <a:p>
+            <a:pPr>
+              <a:lnSpc>
+                <a:spcPct val="150000"/>
+              </a:lnSpc>
+            </a:pPr>
+            <a:r>
+              <a:rPr lang="de-DE" dirty="0" smtClean="0"/>
+              <a:t>[Code Review]</a:t>
+            </a:r>
+          </a:p>
+          <a:p>
+            <a:pPr>
+              <a:lnSpc>
+                <a:spcPct val="150000"/>
+              </a:lnSpc>
+            </a:pPr>
+            <a:r>
+              <a:rPr lang="de-DE" dirty="0" smtClean="0"/>
+              <a:t>Kundenpräsentation</a:t>
+            </a:r>
+          </a:p>
+          <a:p>
+            <a:endParaRPr lang="de-DE" dirty="0" smtClean="0"/>
+          </a:p>
+          <a:p>
             <a:endParaRPr lang="de-DE" dirty="0"/>
-          </a:p>
-        </p:txBody>
-      </p:sp>
-      <p:sp>
-        <p:nvSpPr>
-          <p:cNvPr id="11" name="Inhaltsplatzhalter 10"/>
-          <p:cNvSpPr>
-            <a:spLocks noGrp="1"/>
-          </p:cNvSpPr>
-          <p:nvPr>
-            <p:ph sz="half" idx="2"/>
-          </p:nvPr>
-        </p:nvSpPr>
-        <p:spPr>
-          <a:xfrm>
-            <a:off x="4648200" y="2276872"/>
-            <a:ext cx="4038600" cy="3849291"/>
-          </a:xfrm>
-        </p:spPr>
-        <p:txBody>
-          <a:bodyPr>
-            <a:normAutofit fontScale="92500" lnSpcReduction="10000"/>
-          </a:bodyPr>
-          <a:lstStyle/>
-          <a:p>
-            <a:pPr>
-              <a:buNone/>
-            </a:pPr>
-            <a:r>
-              <a:rPr lang="de-DE" u="sng" dirty="0" smtClean="0"/>
-              <a:t>Refactoring</a:t>
-            </a:r>
-          </a:p>
-          <a:p>
-            <a:r>
-              <a:rPr lang="de-DE" dirty="0" smtClean="0"/>
-              <a:t>Polymorphe Befehlsstruktur</a:t>
-            </a:r>
-          </a:p>
-          <a:p>
-            <a:r>
-              <a:rPr lang="de-DE" dirty="0" smtClean="0"/>
-              <a:t>TextVerwalter</a:t>
-            </a:r>
-          </a:p>
-          <a:p>
-            <a:r>
-              <a:rPr lang="de-DE" dirty="0" smtClean="0"/>
-              <a:t>Konventionen</a:t>
-            </a:r>
-          </a:p>
-          <a:p>
-            <a:pPr lvl="1"/>
-            <a:r>
-              <a:rPr lang="de-DE" dirty="0" smtClean="0"/>
-              <a:t>Getter und Setter</a:t>
-            </a:r>
-          </a:p>
-          <a:p>
-            <a:endParaRPr lang="de-DE" dirty="0"/>
-          </a:p>
-        </p:txBody>
-      </p:sp>
-      <p:sp>
-        <p:nvSpPr>
-          <p:cNvPr id="12" name="Textfeld 11"/>
-          <p:cNvSpPr txBox="1"/>
-          <p:nvPr/>
-        </p:nvSpPr>
-        <p:spPr>
-          <a:xfrm>
-            <a:off x="457200" y="1628800"/>
-            <a:ext cx="8229600" cy="523220"/>
-          </a:xfrm>
-          <a:prstGeom prst="rect">
-            <a:avLst/>
-          </a:prstGeom>
-          <a:noFill/>
-        </p:spPr>
-        <p:txBody>
-          <a:bodyPr wrap="square" rtlCol="0">
-            <a:spAutoFit/>
-          </a:bodyPr>
-          <a:lstStyle/>
-          <a:p>
-            <a:r>
-              <a:rPr lang="de-DE" sz="2800" i="1" dirty="0" smtClean="0"/>
-              <a:t>Vortrag: Swing [0gayh, 0schlund]</a:t>
-            </a:r>
-            <a:endParaRPr lang="de-DE" sz="2800" i="1" dirty="0"/>
-          </a:p>
-        </p:txBody>
-      </p:sp>
-      <p:sp>
-        <p:nvSpPr>
-          <p:cNvPr id="13" name="Titel 8"/>
-          <p:cNvSpPr txBox="1">
-            <a:spLocks/>
-          </p:cNvSpPr>
-          <p:nvPr/>
-        </p:nvSpPr>
-        <p:spPr>
-          <a:xfrm>
-            <a:off x="4716016" y="273600"/>
-            <a:ext cx="4123184" cy="1143000"/>
-          </a:xfrm>
-          <a:prstGeom prst="rect">
-            <a:avLst/>
-          </a:prstGeom>
-        </p:spPr>
-        <p:txBody>
-          <a:bodyPr vert="horz" lIns="91440" tIns="45720" rIns="91440" bIns="45720" rtlCol="0" anchor="ctr">
-            <a:normAutofit fontScale="92500" lnSpcReduction="20000"/>
-          </a:bodyPr>
-          <a:lstStyle/>
-          <a:p>
-            <a:pPr lvl="0" algn="r">
-              <a:spcBef>
-                <a:spcPct val="0"/>
-              </a:spcBef>
-              <a:defRPr/>
-            </a:pPr>
-            <a:r>
-              <a:rPr lang="de-DE" sz="4400" dirty="0" smtClean="0"/>
-              <a:t>Gruppenleiter:</a:t>
-            </a:r>
-          </a:p>
-          <a:p>
-            <a:pPr lvl="0" algn="r">
-              <a:spcBef>
-                <a:spcPct val="0"/>
-              </a:spcBef>
-              <a:defRPr/>
-            </a:pPr>
-            <a:r>
-              <a:rPr kumimoji="0" lang="de-DE" sz="4400" b="0" i="0" u="none" strike="noStrike" kern="1200" cap="none" spc="0" normalizeH="0" baseline="0" noProof="0" dirty="0" smtClean="0">
-                <a:ln>
-                  <a:noFill/>
-                </a:ln>
-                <a:solidFill>
-                  <a:schemeClr val="tx1"/>
-                </a:solidFill>
-                <a:effectLst/>
-                <a:uLnTx/>
-                <a:uFillTx/>
-                <a:latin typeface="+mj-lt"/>
-                <a:ea typeface="+mj-ea"/>
-                <a:cs typeface="+mj-cs"/>
-              </a:rPr>
-              <a:t>[1jost]</a:t>
-            </a:r>
           </a:p>
         </p:txBody>
       </p:sp>
@@ -3465,7 +3342,7 @@
             <a:pPr algn="l"/>
             <a:r>
               <a:rPr lang="de-DE" dirty="0" smtClean="0"/>
-              <a:t>Montag 1</a:t>
+              <a:t>Donnerstag 1</a:t>
             </a:r>
             <a:endParaRPr lang="de-DE" dirty="0"/>
           </a:p>
@@ -3484,129 +3361,54 @@
         <p:spPr>
           <a:xfrm>
             <a:off x="457200" y="2276872"/>
-            <a:ext cx="4038600" cy="3849291"/>
+            <a:ext cx="8363272" cy="3849291"/>
           </a:xfrm>
         </p:spPr>
         <p:txBody>
-          <a:bodyPr>
-            <a:normAutofit/>
-          </a:bodyPr>
-          <a:lstStyle/>
-          <a:p>
-            <a:pPr>
-              <a:buNone/>
-            </a:pPr>
-            <a:r>
-              <a:rPr lang="de-DE" u="sng" dirty="0" smtClean="0"/>
-              <a:t>Features</a:t>
-            </a:r>
-          </a:p>
-          <a:p>
-            <a:r>
-              <a:rPr lang="de-DE" dirty="0" smtClean="0"/>
-              <a:t>Neue Befehle</a:t>
+          <a:bodyPr/>
+          <a:lstStyle/>
+          <a:p>
+            <a:r>
+              <a:rPr lang="de-DE" dirty="0" err="1" smtClean="0"/>
+              <a:t>Eclipse</a:t>
+            </a:r>
+            <a:r>
+              <a:rPr lang="de-DE" dirty="0" smtClean="0"/>
+              <a:t> einrichten</a:t>
             </a:r>
           </a:p>
           <a:p>
             <a:pPr lvl="1"/>
             <a:r>
               <a:rPr lang="de-DE" dirty="0" smtClean="0"/>
-              <a:t>Nehmen</a:t>
-            </a:r>
-          </a:p>
-          <a:p>
-            <a:pPr lvl="1"/>
-            <a:r>
-              <a:rPr lang="de-DE" dirty="0" smtClean="0"/>
-              <a:t>Essen</a:t>
-            </a:r>
-          </a:p>
-          <a:p>
-            <a:r>
-              <a:rPr lang="de-DE" dirty="0" smtClean="0"/>
-              <a:t>Giftkrümel</a:t>
-            </a:r>
-          </a:p>
-          <a:p>
-            <a:r>
-              <a:rPr lang="de-DE" dirty="0" smtClean="0"/>
-              <a:t>Maus in Räumen</a:t>
-            </a:r>
-          </a:p>
-          <a:p>
-            <a:r>
-              <a:rPr lang="de-DE" dirty="0" smtClean="0"/>
-              <a:t>Tests mit </a:t>
+              <a:t>Templates und </a:t>
             </a:r>
             <a:r>
               <a:rPr lang="de-DE" dirty="0" err="1" smtClean="0"/>
-              <a:t>EclEmma</a:t>
+              <a:t>Codeformatter</a:t>
+            </a:r>
+            <a:r>
+              <a:rPr lang="de-DE" dirty="0" smtClean="0"/>
+              <a:t> leicht verändert aus SE2</a:t>
+            </a:r>
+          </a:p>
+          <a:p>
+            <a:r>
+              <a:rPr lang="de-DE" dirty="0" err="1" smtClean="0"/>
+              <a:t>Git</a:t>
+            </a:r>
+            <a:r>
+              <a:rPr lang="de-DE" dirty="0" smtClean="0"/>
+              <a:t> Repository </a:t>
+            </a:r>
+            <a:r>
+              <a:rPr lang="en-US" dirty="0" err="1" smtClean="0"/>
+              <a:t>einrichten</a:t>
             </a:r>
             <a:endParaRPr lang="de-DE" dirty="0" smtClean="0"/>
           </a:p>
-        </p:txBody>
-      </p:sp>
-      <p:sp>
-        <p:nvSpPr>
-          <p:cNvPr id="11" name="Inhaltsplatzhalter 10"/>
-          <p:cNvSpPr>
-            <a:spLocks noGrp="1"/>
-          </p:cNvSpPr>
-          <p:nvPr>
-            <p:ph sz="half" idx="2"/>
-          </p:nvPr>
-        </p:nvSpPr>
-        <p:spPr>
-          <a:xfrm>
-            <a:off x="4648200" y="2276872"/>
-            <a:ext cx="4038600" cy="3849291"/>
-          </a:xfrm>
-        </p:spPr>
-        <p:txBody>
-          <a:bodyPr>
-            <a:normAutofit/>
-          </a:bodyPr>
-          <a:lstStyle/>
-          <a:p>
-            <a:pPr>
-              <a:buNone/>
-            </a:pPr>
-            <a:r>
-              <a:rPr lang="de-DE" u="sng" dirty="0" smtClean="0"/>
-              <a:t>Refactoring</a:t>
-            </a:r>
-          </a:p>
-          <a:p>
-            <a:r>
-              <a:rPr lang="de-DE" dirty="0" err="1" smtClean="0"/>
-              <a:t>Packages</a:t>
-            </a:r>
+          <a:p>
             <a:endParaRPr lang="de-DE" dirty="0" smtClean="0"/>
-          </a:p>
-          <a:p>
-            <a:r>
-              <a:rPr lang="de-DE" dirty="0" smtClean="0"/>
-              <a:t>Kuchen </a:t>
-            </a:r>
-            <a:r>
-              <a:rPr lang="de-DE" sz="2000" dirty="0" smtClean="0">
-                <a:sym typeface="Wingdings" pitchFamily="2" charset="2"/>
-              </a:rPr>
-              <a:t></a:t>
-            </a:r>
-            <a:r>
-              <a:rPr lang="de-DE" dirty="0" smtClean="0"/>
-              <a:t> Krümel</a:t>
-            </a:r>
-          </a:p>
-          <a:p>
-            <a:r>
-              <a:rPr lang="de-DE" dirty="0" smtClean="0"/>
-              <a:t>Trennen von UI &amp; Logik</a:t>
-            </a:r>
-          </a:p>
-          <a:p>
-            <a:endParaRPr lang="de-DE" dirty="0"/>
           </a:p>
         </p:txBody>
       </p:sp>
@@ -3638,15 +3440,11 @@
             </a:r>
             <a:r>
               <a:rPr lang="de-DE" sz="2800" i="1" dirty="0" err="1" smtClean="0"/>
-              <a:t>EclEmma</a:t>
-            </a:r>
-            <a:r>
-              <a:rPr lang="de-DE" sz="2800" i="1" dirty="0"/>
-              <a:t> </a:t>
+              <a:t>Git</a:t>
             </a:r>
             <a:r>
               <a:rPr lang="de-DE" sz="2800" i="1" dirty="0" smtClean="0"/>
-              <a:t>[1roebe, 1griese]</a:t>
+              <a:t> [0graeff, 1wiedema]</a:t>
             </a:r>
             <a:endParaRPr lang="de-DE" sz="2800" i="1" dirty="0"/>
           </a:p>
@@ -3675,22 +3473,21 @@
           </a:bodyPr>
           <a:lstStyle/>
           <a:p>
-            <a:pPr lvl="0" algn="r">
+            <a:pPr marL="0" marR="0" lvl="0" indent="0" algn="r" defTabSz="914400" rtl="0" eaLnBrk="1" fontAlgn="auto" latinLnBrk="0" hangingPunct="1">
+              <a:lnSpc>
+                <a:spcPct val="100000"/>
+              </a:lnSpc>
               <a:spcBef>
                 <a:spcPct val="0"/>
               </a:spcBef>
-              <a:defRPr/>
-            </a:pPr>
-            <a:r>
-              <a:rPr lang="de-DE" sz="4400" dirty="0" smtClean="0"/>
-              <a:t>Gruppenleiter:</a:t>
-            </a:r>
-          </a:p>
-          <a:p>
-            <a:pPr lvl="0" algn="r">
-              <a:spcBef>
-                <a:spcPct val="0"/>
-              </a:spcBef>
+              <a:spcAft>
+                <a:spcPts val="0"/>
+              </a:spcAft>
+              <a:buClrTx/>
+              <a:buSzTx/>
+              <a:buFontTx/>
+              <a:buNone/>
+              <a:tabLst/>
               <a:defRPr/>
             </a:pPr>
             <a:r>
@@ -3708,7 +3505,41 @@
                 <a:ea typeface="+mj-ea"/>
                 <a:cs typeface="+mj-cs"/>
               </a:rPr>
-              <a:t>[1fechner]</a:t>
+              <a:t>Gruppenleiter:</a:t>
+            </a:r>
+            <a:r>
+              <a:rPr kumimoji="0" lang="de-DE" sz="4400" b="0" i="0" u="none" strike="noStrike" kern="1200" cap="none" spc="0" normalizeH="0" noProof="0" dirty="0" smtClean="0">
+                <a:ln>
+                  <a:noFill/>
+                </a:ln>
+                <a:solidFill>
+                  <a:schemeClr val="tx1"/>
+                </a:solidFill>
+                <a:effectLst/>
+                <a:uLnTx/>
+                <a:uFillTx/>
+                <a:latin typeface="+mj-lt"/>
+                <a:ea typeface="+mj-ea"/>
+                <a:cs typeface="+mj-cs"/>
+              </a:rPr>
+              <a:t> </a:t>
+            </a:r>
+            <a:r>
+              <a:rPr kumimoji="0" lang="de-DE" sz="4400" b="0" i="0" u="none" strike="noStrike" kern="1200" cap="none" spc="0" normalizeH="0" baseline="0" noProof="0" dirty="0" smtClean="0">
+                <a:ln>
+                  <a:noFill/>
+                </a:ln>
+                <a:solidFill>
+                  <a:schemeClr val="tx1"/>
+                </a:solidFill>
+                <a:effectLst/>
+                <a:uLnTx/>
+                <a:uFillTx/>
+                <a:latin typeface="+mj-lt"/>
+                <a:ea typeface="+mj-ea"/>
+                <a:cs typeface="+mj-cs"/>
+              </a:rPr>
+              <a:t>[1jost]</a:t>
             </a:r>
           </a:p>
         </p:txBody>
@@ -3770,7 +3601,7 @@
             <a:pPr algn="l"/>
             <a:r>
               <a:rPr lang="de-DE" dirty="0" smtClean="0"/>
-              <a:t>Dienstag 1</a:t>
+              <a:t>Freitag 1</a:t>
             </a:r>
             <a:endParaRPr lang="de-DE" dirty="0"/>
           </a:p>
@@ -3794,7 +3625,7 @@
         </p:spPr>
         <p:txBody>
           <a:bodyPr>
-            <a:normAutofit lnSpcReduction="10000"/>
+            <a:normAutofit fontScale="92500" lnSpcReduction="10000"/>
           </a:bodyPr>
           <a:lstStyle/>
           <a:p>
@@ -3808,49 +3639,58 @@
           </a:p>
           <a:p>
             <a:r>
-              <a:rPr lang="de-DE" dirty="0" err="1" smtClean="0"/>
-              <a:t>Leveleditor</a:t>
-            </a:r>
-            <a:r>
-              <a:rPr lang="de-DE" dirty="0" smtClean="0"/>
-              <a:t> Alpha</a:t>
-            </a:r>
-          </a:p>
-          <a:p>
-            <a:r>
-              <a:rPr lang="de-DE" dirty="0" smtClean="0"/>
-              <a:t>Level laden und speichern</a:t>
-            </a:r>
-          </a:p>
-          <a:p>
-            <a:r>
-              <a:rPr lang="de-DE" dirty="0" smtClean="0"/>
-              <a:t>Zufällige Maus-Position</a:t>
+              <a:rPr lang="de-DE" dirty="0" smtClean="0"/>
+              <a:t>GUI</a:t>
             </a:r>
           </a:p>
           <a:p>
             <a:pPr lvl="1"/>
             <a:r>
               <a:rPr lang="de-DE" dirty="0" smtClean="0"/>
-              <a:t>Path </a:t>
-            </a:r>
-            <a:r>
-              <a:rPr lang="de-DE" dirty="0" err="1" smtClean="0"/>
-              <a:t>Finding</a:t>
-            </a:r>
-            <a:endParaRPr lang="de-DE" dirty="0" smtClean="0"/>
-          </a:p>
-          <a:p>
-            <a:r>
-              <a:rPr lang="de-DE" dirty="0" smtClean="0"/>
-              <a:t>Raumanzeige</a:t>
-            </a:r>
-          </a:p>
-          <a:p>
-            <a:r>
-              <a:rPr lang="de-DE" dirty="0" smtClean="0"/>
-              <a:t>Labor</a:t>
-            </a:r>
+              <a:t>Konsole, </a:t>
+            </a:r>
+            <a:r>
+              <a:rPr lang="de-DE" dirty="0" smtClean="0"/>
+              <a:t>Buttons</a:t>
+            </a:r>
+          </a:p>
+          <a:p>
+            <a:r>
+              <a:rPr lang="de-DE" dirty="0" smtClean="0"/>
+              <a:t>Items</a:t>
+            </a:r>
+          </a:p>
+          <a:p>
+            <a:r>
+              <a:rPr lang="de-DE" dirty="0" smtClean="0"/>
+              <a:t>Lebensenergie</a:t>
+            </a:r>
+          </a:p>
+          <a:p>
+            <a:pPr lvl="1"/>
+            <a:r>
+              <a:rPr lang="de-DE" dirty="0" smtClean="0"/>
+              <a:t>Gewinnen &amp; Verlieren</a:t>
+            </a:r>
+          </a:p>
+          <a:p>
+            <a:r>
+              <a:rPr lang="de-DE" dirty="0" smtClean="0"/>
+              <a:t>Neues Level konstruiert</a:t>
+            </a:r>
+          </a:p>
+          <a:p>
+            <a:r>
+              <a:rPr lang="de-DE" dirty="0" smtClean="0"/>
+              <a:t>Deutsche Inhalte</a:t>
+            </a:r>
+          </a:p>
+          <a:p>
+            <a:r>
+              <a:rPr lang="de-DE" dirty="0" smtClean="0"/>
+              <a:t>Eigene Story</a:t>
+            </a:r>
+            <a:endParaRPr lang="de-DE" dirty="0"/>
           </a:p>
         </p:txBody>
       </p:sp>
@@ -3872,7 +3712,7 @@
         </p:spPr>
         <p:txBody>
           <a:bodyPr>
-            <a:normAutofit lnSpcReduction="10000"/>
+            <a:normAutofit fontScale="92500" lnSpcReduction="10000"/>
           </a:bodyPr>
           <a:lstStyle/>
           <a:p>
@@ -3887,13 +3727,26 @@
           <a:p>
             <a:r>
               <a:rPr lang="de-DE" dirty="0" smtClean="0"/>
-              <a:t>Dies und das</a:t>
-            </a:r>
-          </a:p>
-          <a:p>
-            <a:r>
-              <a:rPr lang="de-DE" dirty="0" smtClean="0"/>
-              <a:t>XML für Level</a:t>
+              <a:t>Polymorphe Befehlsstruktur</a:t>
+            </a:r>
+          </a:p>
+          <a:p>
+            <a:r>
+              <a:rPr lang="de-DE" dirty="0" smtClean="0"/>
+              <a:t>TextVerwalter</a:t>
+            </a:r>
+          </a:p>
+          <a:p>
+            <a:r>
+              <a:rPr lang="de-DE" dirty="0" smtClean="0"/>
+              <a:t>Konventionen</a:t>
+            </a:r>
+          </a:p>
+          <a:p>
+            <a:pPr lvl="1"/>
+            <a:r>
+              <a:rPr lang="de-DE" dirty="0" smtClean="0"/>
+              <a:t>Getter und Setter</a:t>
             </a:r>
           </a:p>
           <a:p>
@@ -3925,7 +3778,7 @@
           <a:p>
             <a:r>
               <a:rPr lang="de-DE" sz="2800" i="1" dirty="0" smtClean="0"/>
-              <a:t>Vortrag: File-IO und XML [1fechner, 1jost] </a:t>
+              <a:t>Vortrag: Swing [0gayh, 0schlund]</a:t>
             </a:r>
             <a:endParaRPr lang="de-DE" sz="2800" i="1" dirty="0"/>
           </a:p>
@@ -3987,7 +3840,7 @@
                 <a:ea typeface="+mj-ea"/>
                 <a:cs typeface="+mj-cs"/>
               </a:rPr>
-              <a:t>[1griese]</a:t>
+              <a:t>[1jost]</a:t>
             </a:r>
           </a:p>
         </p:txBody>
@@ -4049,7 +3902,7 @@
             <a:pPr algn="l"/>
             <a:r>
               <a:rPr lang="de-DE" dirty="0" smtClean="0"/>
-              <a:t>Mittwoch 1</a:t>
+              <a:t>Montag 1</a:t>
             </a:r>
             <a:endParaRPr lang="de-DE" dirty="0"/>
           </a:p>
@@ -4072,7 +3925,9 @@
           </a:xfrm>
         </p:spPr>
         <p:txBody>
-          <a:bodyPr/>
+          <a:bodyPr>
+            <a:normAutofit/>
+          </a:bodyPr>
           <a:lstStyle/>
           <a:p>
             <a:pPr>
@@ -4086,40 +3941,55 @@
           <a:p>
             <a:r>
               <a:rPr lang="de-DE" dirty="0" smtClean="0"/>
-              <a:t>GUI überarbeitet</a:t>
+              <a:t>Tests </a:t>
+            </a:r>
+            <a:r>
+              <a:rPr lang="de-DE" dirty="0" smtClean="0"/>
+              <a:t>mit </a:t>
+            </a:r>
+            <a:r>
+              <a:rPr lang="de-DE" dirty="0" err="1" smtClean="0"/>
+              <a:t>EclEmma</a:t>
+            </a:r>
+            <a:endParaRPr lang="de-DE" dirty="0" smtClean="0"/>
+          </a:p>
+          <a:p>
+            <a:r>
+              <a:rPr lang="de-DE" dirty="0" smtClean="0"/>
+              <a:t>Giftkrümel</a:t>
+            </a:r>
+          </a:p>
+          <a:p>
+            <a:r>
+              <a:rPr lang="de-DE" dirty="0" smtClean="0"/>
+              <a:t>Maus in </a:t>
+            </a:r>
+            <a:r>
+              <a:rPr lang="de-DE" dirty="0" smtClean="0"/>
+              <a:t>Räumen</a:t>
+            </a:r>
+          </a:p>
+          <a:p>
+            <a:r>
+              <a:rPr lang="de-DE" dirty="0" smtClean="0"/>
+              <a:t>Neue Befehle</a:t>
             </a:r>
           </a:p>
           <a:p>
             <a:pPr lvl="1"/>
             <a:r>
               <a:rPr lang="de-DE" dirty="0" smtClean="0"/>
-              <a:t>Raumansicht</a:t>
-            </a:r>
-          </a:p>
-          <a:p>
-            <a:r>
-              <a:rPr lang="de-DE" dirty="0" err="1" smtClean="0"/>
-              <a:t>FileChooser</a:t>
+              <a:t>Nehmen</a:t>
             </a:r>
             <a:endParaRPr lang="de-DE" dirty="0" smtClean="0"/>
           </a:p>
           <a:p>
-            <a:r>
-              <a:rPr lang="de-DE" dirty="0" smtClean="0"/>
-              <a:t>Mehrere Mäuse</a:t>
-            </a:r>
-          </a:p>
-          <a:p>
-            <a:r>
-              <a:rPr lang="de-DE" dirty="0" smtClean="0"/>
-              <a:t>Katze</a:t>
-            </a:r>
-          </a:p>
-          <a:p>
-            <a:r>
-              <a:rPr lang="de-DE" dirty="0" smtClean="0"/>
-              <a:t>Hilfe verbessert</a:t>
-            </a:r>
+            <a:pPr lvl="1"/>
+            <a:r>
+              <a:rPr lang="de-DE" dirty="0" smtClean="0"/>
+              <a:t>Essen</a:t>
+            </a:r>
+            <a:endParaRPr lang="de-DE" dirty="0" smtClean="0"/>
           </a:p>
         </p:txBody>
       </p:sp>
@@ -4140,7 +4010,9 @@
           </a:xfrm>
         </p:spPr>
         <p:txBody>
-          <a:bodyPr/>
+          <a:bodyPr>
+            <a:normAutofit/>
+          </a:bodyPr>
           <a:lstStyle/>
           <a:p>
             <a:pPr>
@@ -4153,9 +4025,34 @@
           </a:p>
           <a:p>
             <a:r>
-              <a:rPr lang="de-DE" dirty="0" smtClean="0"/>
-              <a:t>SpielKontext aufgeteilt</a:t>
-            </a:r>
+              <a:rPr lang="de-DE" dirty="0" err="1" smtClean="0"/>
+              <a:t>Packages</a:t>
+            </a:r>
+            <a:endParaRPr lang="de-DE" dirty="0" smtClean="0"/>
+          </a:p>
+          <a:p>
+            <a:r>
+              <a:rPr lang="de-DE" dirty="0" smtClean="0"/>
+              <a:t>Kuchen </a:t>
+            </a:r>
+            <a:r>
+              <a:rPr lang="de-DE" sz="2000" dirty="0" smtClean="0">
+                <a:sym typeface="Wingdings" pitchFamily="2" charset="2"/>
+              </a:rPr>
+              <a:t></a:t>
+            </a:r>
+            <a:r>
+              <a:rPr lang="de-DE" dirty="0" smtClean="0"/>
+              <a:t> Krümel</a:t>
+            </a:r>
+          </a:p>
+          <a:p>
+            <a:r>
+              <a:rPr lang="de-DE" dirty="0" smtClean="0"/>
+              <a:t>Trennen von UI &amp; Logik</a:t>
+            </a:r>
+          </a:p>
+          <a:p>
             <a:endParaRPr lang="de-DE" dirty="0"/>
           </a:p>
         </p:txBody>
@@ -4184,7 +4081,19 @@
           <a:p>
             <a:r>
               <a:rPr lang="de-DE" sz="2800" i="1" dirty="0" smtClean="0"/>
-              <a:t>Vortrag: RMI [0ortmann, 0klein] </a:t>
+              <a:t>Vortrag: </a:t>
+            </a:r>
+            <a:r>
+              <a:rPr lang="de-DE" sz="2800" i="1" dirty="0" err="1" smtClean="0"/>
+              <a:t>EclEmma</a:t>
+            </a:r>
+            <a:r>
+              <a:rPr lang="de-DE" sz="2800" i="1" dirty="0"/>
+              <a:t> </a:t>
+            </a:r>
+            <a:r>
+              <a:rPr lang="de-DE" sz="2800" i="1" dirty="0" smtClean="0"/>
+              <a:t>[1roebe, 1griese]</a:t>
             </a:r>
             <a:endParaRPr lang="de-DE" sz="2800" i="1" dirty="0"/>
           </a:p>
@@ -4246,7 +4155,7 @@
                 <a:ea typeface="+mj-ea"/>
                 <a:cs typeface="+mj-cs"/>
               </a:rPr>
-              <a:t>[0schlund]</a:t>
+              <a:t>[1fechner]</a:t>
             </a:r>
           </a:p>
         </p:txBody>
@@ -4308,7 +4217,7 @@
             <a:pPr algn="l"/>
             <a:r>
               <a:rPr lang="de-DE" dirty="0" smtClean="0"/>
-              <a:t>Donnerstag 2</a:t>
+              <a:t>Dienstag 1</a:t>
             </a:r>
             <a:endParaRPr lang="de-DE" dirty="0"/>
           </a:p>
@@ -4326,12 +4235,14 @@
         </p:nvSpPr>
         <p:spPr>
           <a:xfrm>
-            <a:off x="457200" y="1484784"/>
-            <a:ext cx="4038600" cy="4641379"/>
+            <a:off x="457200" y="2276872"/>
+            <a:ext cx="4038600" cy="3849291"/>
           </a:xfrm>
         </p:spPr>
         <p:txBody>
-          <a:bodyPr/>
+          <a:bodyPr>
+            <a:normAutofit lnSpcReduction="10000"/>
+          </a:bodyPr>
           <a:lstStyle/>
           <a:p>
             <a:pPr>
@@ -4344,54 +4255,126 @@
           </a:p>
           <a:p>
             <a:r>
-              <a:rPr lang="de-DE" dirty="0" smtClean="0"/>
-              <a:t>Editor Beta</a:t>
+              <a:rPr lang="de-DE" dirty="0" err="1" smtClean="0"/>
+              <a:t>Leveleditor</a:t>
+            </a:r>
+            <a:r>
+              <a:rPr lang="de-DE" dirty="0" smtClean="0"/>
+              <a:t> Alpha</a:t>
+            </a:r>
+          </a:p>
+          <a:p>
+            <a:r>
+              <a:rPr lang="de-DE" dirty="0" smtClean="0"/>
+              <a:t>Level laden und speichern</a:t>
+            </a:r>
+          </a:p>
+          <a:p>
+            <a:r>
+              <a:rPr lang="de-DE" dirty="0" smtClean="0"/>
+              <a:t>Zufällige Maus-Position</a:t>
             </a:r>
           </a:p>
           <a:p>
             <a:pPr lvl="1"/>
             <a:r>
               <a:rPr lang="de-DE" dirty="0" smtClean="0"/>
-              <a:t>Inkl. Laden &amp; Speichern</a:t>
-            </a:r>
-          </a:p>
-          <a:p>
-            <a:r>
-              <a:rPr lang="de-DE" dirty="0" smtClean="0"/>
-              <a:t>Netzwerk </a:t>
+              <a:t>Path </a:t>
             </a:r>
             <a:r>
               <a:rPr lang="de-DE" dirty="0" err="1" smtClean="0"/>
-              <a:t>PreAlpha</a:t>
+              <a:t>Finding</a:t>
             </a:r>
             <a:endParaRPr lang="de-DE" dirty="0" smtClean="0"/>
           </a:p>
           <a:p>
-            <a:pPr lvl="1"/>
-            <a:r>
-              <a:rPr lang="de-DE" dirty="0" smtClean="0"/>
-              <a:t>Architektur ersonnen</a:t>
-            </a:r>
-          </a:p>
-          <a:p>
-            <a:r>
-              <a:rPr lang="de-DE" dirty="0" err="1" smtClean="0"/>
-              <a:t>Redesign</a:t>
-            </a:r>
-            <a:endParaRPr lang="de-DE" dirty="0" smtClean="0"/>
-          </a:p>
-          <a:p>
-            <a:r>
-              <a:rPr lang="de-DE" dirty="0" smtClean="0"/>
-              <a:t>Schauen-Befehl</a:t>
-            </a:r>
-          </a:p>
-          <a:p>
-            <a:endParaRPr lang="de-DE" dirty="0" smtClean="0"/>
-          </a:p>
-          <a:p>
-            <a:pPr lvl="1"/>
+            <a:r>
+              <a:rPr lang="de-DE" dirty="0" smtClean="0"/>
+              <a:t>Raumanzeige</a:t>
+            </a:r>
+          </a:p>
+          <a:p>
+            <a:r>
+              <a:rPr lang="de-DE" dirty="0" smtClean="0"/>
+              <a:t>Labor</a:t>
+            </a:r>
+          </a:p>
+        </p:txBody>
+      </p:sp>
+      <p:sp>
+        <p:nvSpPr>
+          <p:cNvPr id="11" name="Inhaltsplatzhalter 10"/>
+          <p:cNvSpPr>
+            <a:spLocks noGrp="1"/>
+          </p:cNvSpPr>
+          <p:nvPr>
+            <p:ph sz="half" idx="2"/>
+          </p:nvPr>
+        </p:nvSpPr>
+        <p:spPr>
+          <a:xfrm>
+            <a:off x="4648200" y="2276872"/>
+            <a:ext cx="4038600" cy="3849291"/>
+          </a:xfrm>
+        </p:spPr>
+        <p:txBody>
+          <a:bodyPr>
+            <a:normAutofit lnSpcReduction="10000"/>
+          </a:bodyPr>
+          <a:lstStyle/>
+          <a:p>
+            <a:pPr>
+              <a:buNone/>
+            </a:pPr>
+            <a:r>
+              <a:rPr lang="de-DE" u="sng" dirty="0" smtClean="0"/>
+              <a:t>Refactoring</a:t>
+            </a:r>
+          </a:p>
+          <a:p>
+            <a:r>
+              <a:rPr lang="de-DE" dirty="0" smtClean="0"/>
+              <a:t>Dies und das</a:t>
+            </a:r>
+          </a:p>
+          <a:p>
+            <a:r>
+              <a:rPr lang="de-DE" dirty="0" smtClean="0"/>
+              <a:t>XML für Level</a:t>
+            </a:r>
+          </a:p>
+          <a:p>
             <a:endParaRPr lang="de-DE" dirty="0"/>
+          </a:p>
+        </p:txBody>
+      </p:sp>
+      <p:sp>
+        <p:nvSpPr>
+          <p:cNvPr id="12" name="Textfeld 11"/>
+          <p:cNvSpPr txBox="1"/>
+          <p:nvPr/>
+        </p:nvSpPr>
+        <p:spPr>
+          <a:xfrm>
+            <a:off x="457200" y="1628800"/>
+            <a:ext cx="8229600" cy="523220"/>
+          </a:xfrm>
+          <a:prstGeom prst="rect">
+            <a:avLst/>
+          </a:prstGeom>
+          <a:noFill/>
+        </p:spPr>
+        <p:txBody>
+          <a:bodyPr wrap="square" rtlCol="0">
+            <a:spAutoFit/>
+          </a:bodyPr>
+          <a:lstStyle/>
+          <a:p>
+            <a:r>
+              <a:rPr lang="de-DE" sz="2800" i="1" dirty="0" smtClean="0"/>
+              <a:t>Vortrag: File-IO und XML [1fechner, 1jost] </a:t>
+            </a:r>
+            <a:endParaRPr lang="de-DE" sz="2800" i="1" dirty="0"/>
           </a:p>
         </p:txBody>
       </p:sp>
@@ -4451,27 +4434,8 @@
                 <a:ea typeface="+mj-ea"/>
                 <a:cs typeface="+mj-cs"/>
               </a:rPr>
-              <a:t>[0ortmann]</a:t>
-            </a:r>
-          </a:p>
-        </p:txBody>
-      </p:sp>
-      <p:sp>
-        <p:nvSpPr>
-          <p:cNvPr id="6" name="Inhaltsplatzhalter 5"/>
-          <p:cNvSpPr>
-            <a:spLocks noGrp="1"/>
-          </p:cNvSpPr>
-          <p:nvPr>
-            <p:ph sz="half" idx="2"/>
-          </p:nvPr>
-        </p:nvSpPr>
-        <p:spPr/>
-        <p:txBody>
-          <a:bodyPr/>
-          <a:lstStyle/>
-          <a:p>
-            <a:endParaRPr lang="de-DE"/>
+              <a:t>[1griese]</a:t>
+            </a:r>
           </a:p>
         </p:txBody>
       </p:sp>
@@ -4532,7 +4496,7 @@
             <a:pPr algn="l"/>
             <a:r>
               <a:rPr lang="de-DE" dirty="0" smtClean="0"/>
-              <a:t>Freitag 2</a:t>
+              <a:t>Mittwoch 1</a:t>
             </a:r>
             <a:endParaRPr lang="de-DE" dirty="0"/>
           </a:p>
@@ -4550,8 +4514,8 @@
         </p:nvSpPr>
         <p:spPr>
           <a:xfrm>
-            <a:off x="457200" y="1484784"/>
-            <a:ext cx="4038600" cy="4641379"/>
+            <a:off x="457200" y="2276872"/>
+            <a:ext cx="4038600" cy="3849291"/>
           </a:xfrm>
         </p:spPr>
         <p:txBody>
@@ -4569,30 +4533,40 @@
           <a:p>
             <a:r>
               <a:rPr lang="de-DE" dirty="0" smtClean="0"/>
-              <a:t>Netzwerk Alpha</a:t>
+              <a:t>GUI überarbeitet</a:t>
             </a:r>
           </a:p>
           <a:p>
             <a:pPr lvl="1"/>
             <a:r>
               <a:rPr lang="de-DE" dirty="0" smtClean="0"/>
-              <a:t>Verbindungen möglich</a:t>
-            </a:r>
-          </a:p>
-          <a:p>
-            <a:r>
-              <a:rPr lang="de-DE" dirty="0" smtClean="0"/>
-              <a:t>GUI skalierbar</a:t>
-            </a:r>
-          </a:p>
-          <a:p>
-            <a:r>
-              <a:rPr lang="de-DE" dirty="0" smtClean="0"/>
-              <a:t>Hübsche Bilder</a:t>
-            </a:r>
-          </a:p>
-          <a:p>
+              <a:t>Raumansicht</a:t>
+            </a:r>
+          </a:p>
+          <a:p>
+            <a:r>
+              <a:rPr lang="de-DE" dirty="0" err="1" smtClean="0"/>
+              <a:t>FileChooser</a:t>
+            </a:r>
             <a:endParaRPr lang="de-DE" dirty="0" smtClean="0"/>
+          </a:p>
+          <a:p>
+            <a:r>
+              <a:rPr lang="de-DE" dirty="0" smtClean="0"/>
+              <a:t>Mehrere Mäuse</a:t>
+            </a:r>
+          </a:p>
+          <a:p>
+            <a:r>
+              <a:rPr lang="de-DE" dirty="0" smtClean="0"/>
+              <a:t>Katze</a:t>
+            </a:r>
+          </a:p>
+          <a:p>
+            <a:r>
+              <a:rPr lang="de-DE" dirty="0" smtClean="0"/>
+              <a:t>Hilfe verbessert</a:t>
+            </a:r>
           </a:p>
         </p:txBody>
       </p:sp>
@@ -4608,8 +4582,8 @@
         </p:nvSpPr>
         <p:spPr>
           <a:xfrm>
-            <a:off x="4648200" y="1484784"/>
-            <a:ext cx="4038600" cy="4641379"/>
+            <a:off x="4648200" y="2276872"/>
+            <a:ext cx="4038600" cy="3849291"/>
           </a:xfrm>
         </p:spPr>
         <p:txBody>
@@ -4627,15 +4601,39 @@
           <a:p>
             <a:r>
               <a:rPr lang="de-DE" dirty="0" smtClean="0"/>
-              <a:t>Auf Netzwerk angepasst</a:t>
-            </a:r>
-          </a:p>
-          <a:p>
-            <a:r>
-              <a:rPr lang="de-DE" dirty="0" smtClean="0"/>
-              <a:t>Raumbilddarstellung</a:t>
+              <a:t>SpielKontext aufgeteilt</a:t>
             </a:r>
             <a:endParaRPr lang="de-DE" dirty="0"/>
+          </a:p>
+        </p:txBody>
+      </p:sp>
+      <p:sp>
+        <p:nvSpPr>
+          <p:cNvPr id="12" name="Textfeld 11"/>
+          <p:cNvSpPr txBox="1"/>
+          <p:nvPr/>
+        </p:nvSpPr>
+        <p:spPr>
+          <a:xfrm>
+            <a:off x="457200" y="1628800"/>
+            <a:ext cx="8229600" cy="523220"/>
+          </a:xfrm>
+          <a:prstGeom prst="rect">
+            <a:avLst/>
+          </a:prstGeom>
+          <a:noFill/>
+        </p:spPr>
+        <p:txBody>
+          <a:bodyPr wrap="square" rtlCol="0">
+            <a:spAutoFit/>
+          </a:bodyPr>
+          <a:lstStyle/>
+          <a:p>
+            <a:r>
+              <a:rPr lang="de-DE" sz="2800" i="1" dirty="0" smtClean="0"/>
+              <a:t>Vortrag: RMI [0ortmann, 0klein] </a:t>
+            </a:r>
+            <a:endParaRPr lang="de-DE" sz="2800" i="1" dirty="0"/>
           </a:p>
         </p:txBody>
       </p:sp>
@@ -4695,7 +4693,7 @@
                 <a:ea typeface="+mj-ea"/>
                 <a:cs typeface="+mj-cs"/>
               </a:rPr>
-              <a:t>[0klein]</a:t>
+              <a:t>[0schlund]</a:t>
             </a:r>
           </a:p>
         </p:txBody>
@@ -4757,7 +4755,7 @@
             <a:pPr algn="l"/>
             <a:r>
               <a:rPr lang="de-DE" dirty="0" smtClean="0"/>
-              <a:t>Montag 2</a:t>
+              <a:t>Donnerstag 2</a:t>
             </a:r>
             <a:endParaRPr lang="de-DE" dirty="0"/>
           </a:p>
@@ -4794,79 +4792,52 @@
           <a:p>
             <a:r>
               <a:rPr lang="de-DE" dirty="0" smtClean="0"/>
-              <a:t>Netzwerk Beta</a:t>
-            </a:r>
-          </a:p>
-          <a:p>
-            <a:r>
-              <a:rPr lang="de-DE" dirty="0" smtClean="0"/>
-              <a:t>Editor erweitert</a:t>
+              <a:t>Editor Beta</a:t>
             </a:r>
           </a:p>
           <a:p>
             <a:pPr lvl="1"/>
             <a:r>
               <a:rPr lang="de-DE" dirty="0" smtClean="0"/>
-              <a:t>Räume verschieben</a:t>
-            </a:r>
-          </a:p>
-          <a:p>
-            <a:r>
-              <a:rPr lang="de-DE" dirty="0" smtClean="0"/>
-              <a:t>Neue Grafiken</a:t>
-            </a:r>
-          </a:p>
-          <a:p>
-            <a:r>
-              <a:rPr lang="de-DE" dirty="0" smtClean="0"/>
-              <a:t>Raumanzeige im MP</a:t>
-            </a:r>
-          </a:p>
-          <a:p>
+              <a:t>Inkl. Laden &amp; Speichern</a:t>
+            </a:r>
+          </a:p>
+          <a:p>
+            <a:r>
+              <a:rPr lang="de-DE" dirty="0" smtClean="0"/>
+              <a:t>Netzwerk </a:t>
+            </a:r>
             <a:r>
               <a:rPr lang="de-DE" dirty="0" err="1" smtClean="0"/>
-              <a:t>Bugfixes</a:t>
-            </a:r>
-            <a:r>
-              <a:rPr lang="de-DE" dirty="0" smtClean="0"/>
-              <a:t> ohne Ende</a:t>
-            </a:r>
-          </a:p>
-        </p:txBody>
-      </p:sp>
-      <p:sp>
-        <p:nvSpPr>
-          <p:cNvPr id="11" name="Inhaltsplatzhalter 10"/>
-          <p:cNvSpPr>
-            <a:spLocks noGrp="1"/>
-          </p:cNvSpPr>
-          <p:nvPr>
-            <p:ph sz="half" idx="2"/>
-          </p:nvPr>
-        </p:nvSpPr>
-        <p:spPr>
-          <a:xfrm>
-            <a:off x="4648200" y="1484784"/>
-            <a:ext cx="4038600" cy="4641379"/>
-          </a:xfrm>
-        </p:spPr>
-        <p:txBody>
-          <a:bodyPr/>
-          <a:lstStyle/>
-          <a:p>
-            <a:pPr>
-              <a:buNone/>
-            </a:pPr>
-            <a:r>
-              <a:rPr lang="de-DE" u="sng" dirty="0" smtClean="0"/>
-              <a:t>Refactoring</a:t>
-            </a:r>
-          </a:p>
-          <a:p>
-            <a:r>
-              <a:rPr lang="de-DE" dirty="0" smtClean="0"/>
-              <a:t>Neue Befehlsstruktur</a:t>
-            </a:r>
+              <a:t>PreAlpha</a:t>
+            </a:r>
+            <a:endParaRPr lang="de-DE" dirty="0" smtClean="0"/>
+          </a:p>
+          <a:p>
+            <a:pPr lvl="1"/>
+            <a:r>
+              <a:rPr lang="de-DE" dirty="0" smtClean="0"/>
+              <a:t>Architektur ersonnen</a:t>
+            </a:r>
+          </a:p>
+          <a:p>
+            <a:r>
+              <a:rPr lang="de-DE" dirty="0" err="1" smtClean="0"/>
+              <a:t>Redesign</a:t>
+            </a:r>
+            <a:endParaRPr lang="de-DE" dirty="0" smtClean="0"/>
+          </a:p>
+          <a:p>
+            <a:r>
+              <a:rPr lang="de-DE" dirty="0" smtClean="0"/>
+              <a:t>Schauen-Befehl</a:t>
+            </a:r>
+          </a:p>
+          <a:p>
+            <a:endParaRPr lang="de-DE" dirty="0" smtClean="0"/>
+          </a:p>
+          <a:p>
+            <a:pPr lvl="1"/>
             <a:endParaRPr lang="de-DE" dirty="0"/>
           </a:p>
         </p:txBody>
@@ -4927,8 +4898,27 @@
                 <a:ea typeface="+mj-ea"/>
                 <a:cs typeface="+mj-cs"/>
               </a:rPr>
-              <a:t>[1wiedema]</a:t>
-            </a:r>
+              <a:t>[0ortmann]</a:t>
+            </a:r>
+          </a:p>
+        </p:txBody>
+      </p:sp>
+      <p:sp>
+        <p:nvSpPr>
+          <p:cNvPr id="6" name="Inhaltsplatzhalter 5"/>
+          <p:cNvSpPr>
+            <a:spLocks noGrp="1"/>
+          </p:cNvSpPr>
+          <p:nvPr>
+            <p:ph sz="half" idx="2"/>
+          </p:nvPr>
+        </p:nvSpPr>
+        <p:spPr/>
+        <p:txBody>
+          <a:bodyPr/>
+          <a:lstStyle/>
+          <a:p>
+            <a:endParaRPr lang="de-DE"/>
           </a:p>
         </p:txBody>
       </p:sp>
@@ -4989,7 +4979,7 @@
             <a:pPr algn="l"/>
             <a:r>
               <a:rPr lang="de-DE" dirty="0" smtClean="0"/>
-              <a:t>Dienstag 2</a:t>
+              <a:t>Freitag 2</a:t>
             </a:r>
             <a:endParaRPr lang="de-DE" dirty="0"/>
           </a:p>
@@ -5012,9 +5002,7 @@
           </a:xfrm>
         </p:spPr>
         <p:txBody>
-          <a:bodyPr>
-            <a:normAutofit/>
-          </a:bodyPr>
+          <a:bodyPr/>
           <a:lstStyle/>
           <a:p>
             <a:pPr>
@@ -5028,51 +5016,30 @@
           <a:p>
             <a:r>
               <a:rPr lang="de-DE" dirty="0" smtClean="0"/>
-              <a:t>Netzwerk </a:t>
-            </a:r>
-            <a:r>
-              <a:rPr lang="de-DE" dirty="0" err="1" smtClean="0"/>
-              <a:t>PreRelease</a:t>
-            </a:r>
+              <a:t>Netzwerk Alpha</a:t>
+            </a:r>
+          </a:p>
+          <a:p>
+            <a:pPr lvl="1"/>
+            <a:r>
+              <a:rPr lang="de-DE" dirty="0" smtClean="0"/>
+              <a:t>Verbindungen möglich</a:t>
+            </a:r>
+          </a:p>
+          <a:p>
+            <a:r>
+              <a:rPr lang="de-DE" dirty="0" smtClean="0"/>
+              <a:t>GUI skalierbar</a:t>
+            </a:r>
+          </a:p>
+          <a:p>
+            <a:r>
+              <a:rPr lang="de-DE" dirty="0" smtClean="0"/>
+              <a:t>Hübsche Bilder</a:t>
+            </a:r>
+          </a:p>
+          <a:p>
             <a:endParaRPr lang="de-DE" dirty="0" smtClean="0"/>
-          </a:p>
-          <a:p>
-            <a:r>
-              <a:rPr lang="de-DE" dirty="0" smtClean="0"/>
-              <a:t>Editor</a:t>
-            </a:r>
-          </a:p>
-          <a:p>
-            <a:pPr lvl="1"/>
-            <a:r>
-              <a:rPr lang="de-DE" dirty="0" smtClean="0"/>
-              <a:t>Drag &amp; Drop</a:t>
-            </a:r>
-          </a:p>
-          <a:p>
-            <a:r>
-              <a:rPr lang="de-DE" dirty="0" smtClean="0"/>
-              <a:t>Tastatursteuerung</a:t>
-            </a:r>
-          </a:p>
-          <a:p>
-            <a:r>
-              <a:rPr lang="de-DE" dirty="0" smtClean="0"/>
-              <a:t>Bilddarstellung um Items erweitert</a:t>
-            </a:r>
-          </a:p>
-          <a:p>
-            <a:r>
-              <a:rPr lang="de-DE" dirty="0" smtClean="0"/>
-              <a:t>Beinstellen</a:t>
-            </a:r>
-          </a:p>
-          <a:p>
-            <a:r>
-              <a:rPr lang="de-DE" dirty="0" smtClean="0"/>
-              <a:t>BUGFIXES</a:t>
-            </a:r>
-            <a:endParaRPr lang="de-DE" dirty="0"/>
           </a:p>
         </p:txBody>
       </p:sp>
@@ -5093,9 +5060,7 @@
           </a:xfrm>
         </p:spPr>
         <p:txBody>
-          <a:bodyPr>
-            <a:normAutofit/>
-          </a:bodyPr>
+          <a:bodyPr/>
           <a:lstStyle/>
           <a:p>
             <a:pPr>
@@ -5109,10 +5074,14 @@
           <a:p>
             <a:r>
               <a:rPr lang="de-DE" dirty="0" smtClean="0"/>
-              <a:t>Testklassen</a:t>
-            </a:r>
-          </a:p>
-          <a:p>
+              <a:t>Auf Netzwerk angepasst</a:t>
+            </a:r>
+          </a:p>
+          <a:p>
+            <a:r>
+              <a:rPr lang="de-DE" dirty="0" smtClean="0"/>
+              <a:t>Raumbilddarstellung</a:t>
+            </a:r>
             <a:endParaRPr lang="de-DE" dirty="0"/>
           </a:p>
         </p:txBody>
@@ -5127,8 +5096,8 @@
         </p:nvSpPr>
         <p:spPr>
           <a:xfrm>
-            <a:off x="4355976" y="273600"/>
-            <a:ext cx="4483224" cy="1143000"/>
+            <a:off x="4716016" y="273600"/>
+            <a:ext cx="4123184" cy="1143000"/>
           </a:xfrm>
           <a:prstGeom prst="rect">
             <a:avLst/>
@@ -5173,7 +5142,7 @@
                 <a:ea typeface="+mj-ea"/>
                 <a:cs typeface="+mj-cs"/>
               </a:rPr>
-              <a:t>[1wiedema/1roebe]</a:t>
+              <a:t>[0klein]</a:t>
             </a:r>
           </a:p>
         </p:txBody>
@@ -5235,7 +5204,115 @@
             <a:pPr algn="l"/>
             <a:r>
               <a:rPr lang="de-DE" dirty="0" smtClean="0"/>
-              <a:t>Mittwoch 2</a:t>
+              <a:t>Montag 2</a:t>
+            </a:r>
+            <a:endParaRPr lang="de-DE" dirty="0"/>
+          </a:p>
+        </p:txBody>
+      </p:sp>
+      <p:sp>
+        <p:nvSpPr>
+          <p:cNvPr id="10" name="Inhaltsplatzhalter 9"/>
+          <p:cNvSpPr>
+            <a:spLocks noGrp="1"/>
+          </p:cNvSpPr>
+          <p:nvPr>
+            <p:ph sz="half" idx="1"/>
+          </p:nvPr>
+        </p:nvSpPr>
+        <p:spPr>
+          <a:xfrm>
+            <a:off x="457200" y="1484784"/>
+            <a:ext cx="4038600" cy="4641379"/>
+          </a:xfrm>
+        </p:spPr>
+        <p:txBody>
+          <a:bodyPr/>
+          <a:lstStyle/>
+          <a:p>
+            <a:pPr>
+              <a:buNone/>
+            </a:pPr>
+            <a:r>
+              <a:rPr lang="de-DE" u="sng" dirty="0" smtClean="0"/>
+              <a:t>Features</a:t>
+            </a:r>
+          </a:p>
+          <a:p>
+            <a:r>
+              <a:rPr lang="de-DE" dirty="0" smtClean="0"/>
+              <a:t>Netzwerk Beta</a:t>
+            </a:r>
+          </a:p>
+          <a:p>
+            <a:r>
+              <a:rPr lang="de-DE" dirty="0" smtClean="0"/>
+              <a:t>Editor erweitert</a:t>
+            </a:r>
+          </a:p>
+          <a:p>
+            <a:pPr lvl="1"/>
+            <a:r>
+              <a:rPr lang="de-DE" dirty="0" smtClean="0"/>
+              <a:t>Räume verschieben</a:t>
+            </a:r>
+          </a:p>
+          <a:p>
+            <a:r>
+              <a:rPr lang="de-DE" dirty="0" smtClean="0"/>
+              <a:t>Neue Grafiken</a:t>
+            </a:r>
+          </a:p>
+          <a:p>
+            <a:r>
+              <a:rPr lang="de-DE" dirty="0" smtClean="0"/>
+              <a:t>Raumanzeige im MP</a:t>
+            </a:r>
+          </a:p>
+          <a:p>
+            <a:r>
+              <a:rPr lang="de-DE" dirty="0" err="1" smtClean="0"/>
+              <a:t>Bugfixes</a:t>
+            </a:r>
+            <a:r>
+              <a:rPr lang="de-DE" dirty="0" smtClean="0"/>
+              <a:t> ohne Ende</a:t>
+            </a:r>
+          </a:p>
+        </p:txBody>
+      </p:sp>
+      <p:sp>
+        <p:nvSpPr>
+          <p:cNvPr id="11" name="Inhaltsplatzhalter 10"/>
+          <p:cNvSpPr>
+            <a:spLocks noGrp="1"/>
+          </p:cNvSpPr>
+          <p:nvPr>
+            <p:ph sz="half" idx="2"/>
+          </p:nvPr>
+        </p:nvSpPr>
+        <p:spPr>
+          <a:xfrm>
+            <a:off x="4648200" y="1484784"/>
+            <a:ext cx="4038600" cy="4641379"/>
+          </a:xfrm>
+        </p:spPr>
+        <p:txBody>
+          <a:bodyPr/>
+          <a:lstStyle/>
+          <a:p>
+            <a:pPr>
+              <a:buNone/>
+            </a:pPr>
+            <a:r>
+              <a:rPr lang="de-DE" u="sng" dirty="0" smtClean="0"/>
+              <a:t>Refactoring</a:t>
+            </a:r>
+          </a:p>
+          <a:p>
+            <a:r>
+              <a:rPr lang="de-DE" dirty="0" smtClean="0"/>
+              <a:t>Neue Befehlsstruktur</a:t>
             </a:r>
             <a:endParaRPr lang="de-DE" dirty="0"/>
           </a:p>
@@ -5297,46 +5374,8 @@
                 <a:ea typeface="+mj-ea"/>
                 <a:cs typeface="+mj-cs"/>
               </a:rPr>
-              <a:t>[0graeff]</a:t>
-            </a:r>
-          </a:p>
-        </p:txBody>
-      </p:sp>
-      <p:sp>
-        <p:nvSpPr>
-          <p:cNvPr id="8" name="Textfeld 7"/>
-          <p:cNvSpPr txBox="1"/>
-          <p:nvPr/>
-        </p:nvSpPr>
-        <p:spPr>
-          <a:xfrm rot="21418250">
-            <a:off x="2368093" y="2363186"/>
-            <a:ext cx="4035529" cy="2800767"/>
-          </a:xfrm>
-          <a:prstGeom prst="rect">
-            <a:avLst/>
-          </a:prstGeom>
-          <a:noFill/>
-        </p:spPr>
-        <p:txBody>
-          <a:bodyPr wrap="square" rtlCol="0">
-            <a:spAutoFit/>
-          </a:bodyPr>
-          <a:lstStyle/>
-          <a:p>
-            <a:pPr algn="ctr"/>
-            <a:r>
-              <a:rPr lang="de-DE" sz="4400" dirty="0" smtClean="0"/>
-              <a:t>BUGFIXES, Testklassen und </a:t>
-            </a:r>
-          </a:p>
-          <a:p>
-            <a:pPr algn="ctr"/>
-            <a:r>
-              <a:rPr lang="de-DE" sz="4400" dirty="0" smtClean="0"/>
-              <a:t>Vorbereitung der Präsentation</a:t>
-            </a:r>
-            <a:endParaRPr lang="de-DE" sz="4400" dirty="0"/>
+              <a:t>[1wiedema]</a:t>
+            </a:r>
           </a:p>
         </p:txBody>
       </p:sp>
@@ -5374,7 +5413,7 @@
       </p:grpSpPr>
       <p:sp>
         <p:nvSpPr>
-          <p:cNvPr id="2" name="Titel 1"/>
+          <p:cNvPr id="9" name="Titel 8"/>
           <p:cNvSpPr>
             <a:spLocks noGrp="1"/>
           </p:cNvSpPr>
@@ -5382,14 +5421,22 @@
             <p:ph type="title"/>
           </p:nvPr>
         </p:nvSpPr>
-        <p:spPr/>
-        <p:txBody>
-          <a:bodyPr/>
-          <a:lstStyle/>
-          <a:p>
-            <a:r>
-              <a:rPr lang="de-DE" dirty="0" smtClean="0"/>
-              <a:t>LIVE!</a:t>
+        <p:spPr>
+          <a:xfrm>
+            <a:off x="457200" y="274638"/>
+            <a:ext cx="4114800" cy="1143000"/>
+          </a:xfrm>
+        </p:spPr>
+        <p:txBody>
+          <a:bodyPr>
+            <a:normAutofit/>
+          </a:bodyPr>
+          <a:lstStyle/>
+          <a:p>
+            <a:pPr algn="l"/>
+            <a:r>
+              <a:rPr lang="de-DE" dirty="0" smtClean="0"/>
+              <a:t>Dienstag 2</a:t>
             </a:r>
             <a:endParaRPr lang="de-DE" dirty="0"/>
           </a:p>
@@ -5397,7 +5444,7 @@
       </p:sp>
       <p:sp>
         <p:nvSpPr>
-          <p:cNvPr id="3" name="Inhaltsplatzhalter 2"/>
+          <p:cNvPr id="10" name="Inhaltsplatzhalter 9"/>
           <p:cNvSpPr>
             <a:spLocks noGrp="1"/>
           </p:cNvSpPr>
@@ -5405,18 +5452,80 @@
             <p:ph sz="half" idx="1"/>
           </p:nvPr>
         </p:nvSpPr>
-        <p:spPr/>
-        <p:txBody>
-          <a:bodyPr/>
-          <a:lstStyle/>
-          <a:p>
-            <a:endParaRPr lang="de-DE"/>
-          </a:p>
-        </p:txBody>
-      </p:sp>
-      <p:sp>
-        <p:nvSpPr>
-          <p:cNvPr id="4" name="Inhaltsplatzhalter 3"/>
+        <p:spPr>
+          <a:xfrm>
+            <a:off x="457200" y="1484784"/>
+            <a:ext cx="4038600" cy="4641379"/>
+          </a:xfrm>
+        </p:spPr>
+        <p:txBody>
+          <a:bodyPr>
+            <a:normAutofit/>
+          </a:bodyPr>
+          <a:lstStyle/>
+          <a:p>
+            <a:pPr>
+              <a:buNone/>
+            </a:pPr>
+            <a:r>
+              <a:rPr lang="de-DE" u="sng" dirty="0" smtClean="0"/>
+              <a:t>Features</a:t>
+            </a:r>
+          </a:p>
+          <a:p>
+            <a:r>
+              <a:rPr lang="de-DE" dirty="0" smtClean="0"/>
+              <a:t>Netzwerk </a:t>
+            </a:r>
+            <a:r>
+              <a:rPr lang="de-DE" dirty="0" err="1" smtClean="0"/>
+              <a:t>PreRelease</a:t>
+            </a:r>
+            <a:endParaRPr lang="de-DE" dirty="0" smtClean="0"/>
+          </a:p>
+          <a:p>
+            <a:r>
+              <a:rPr lang="de-DE" dirty="0" smtClean="0"/>
+              <a:t>Editor</a:t>
+            </a:r>
+          </a:p>
+          <a:p>
+            <a:pPr lvl="1"/>
+            <a:r>
+              <a:rPr lang="de-DE" dirty="0" smtClean="0"/>
+              <a:t>Drag &amp; Drop</a:t>
+            </a:r>
+          </a:p>
+          <a:p>
+            <a:r>
+              <a:rPr lang="de-DE" dirty="0" smtClean="0"/>
+              <a:t>Tastatursteuerung</a:t>
+            </a:r>
+          </a:p>
+          <a:p>
+            <a:r>
+              <a:rPr lang="de-DE" dirty="0" smtClean="0"/>
+              <a:t>Bilddarstellung um Items erweitert</a:t>
+            </a:r>
+          </a:p>
+          <a:p>
+            <a:r>
+              <a:rPr lang="de-DE" dirty="0" smtClean="0"/>
+              <a:t>Beinstellen</a:t>
+            </a:r>
+          </a:p>
+          <a:p>
+            <a:r>
+              <a:rPr lang="de-DE" dirty="0" smtClean="0"/>
+              <a:t>BUGFIXES</a:t>
+            </a:r>
+            <a:endParaRPr lang="de-DE" dirty="0"/>
+          </a:p>
+        </p:txBody>
+      </p:sp>
+      <p:sp>
+        <p:nvSpPr>
+          <p:cNvPr id="11" name="Inhaltsplatzhalter 10"/>
           <p:cNvSpPr>
             <a:spLocks noGrp="1"/>
           </p:cNvSpPr>
@@ -5424,12 +5533,95 @@
             <p:ph sz="half" idx="2"/>
           </p:nvPr>
         </p:nvSpPr>
-        <p:spPr/>
-        <p:txBody>
-          <a:bodyPr/>
-          <a:lstStyle/>
-          <a:p>
-            <a:endParaRPr lang="de-DE"/>
+        <p:spPr>
+          <a:xfrm>
+            <a:off x="4648200" y="1484784"/>
+            <a:ext cx="4038600" cy="4641379"/>
+          </a:xfrm>
+        </p:spPr>
+        <p:txBody>
+          <a:bodyPr>
+            <a:normAutofit/>
+          </a:bodyPr>
+          <a:lstStyle/>
+          <a:p>
+            <a:pPr>
+              <a:buNone/>
+            </a:pPr>
+            <a:r>
+              <a:rPr lang="de-DE" u="sng" dirty="0" smtClean="0"/>
+              <a:t>Refactoring</a:t>
+            </a:r>
+          </a:p>
+          <a:p>
+            <a:r>
+              <a:rPr lang="de-DE" dirty="0" smtClean="0"/>
+              <a:t>Testklassen</a:t>
+            </a:r>
+          </a:p>
+          <a:p>
+            <a:endParaRPr lang="de-DE" dirty="0"/>
+          </a:p>
+        </p:txBody>
+      </p:sp>
+      <p:sp>
+        <p:nvSpPr>
+          <p:cNvPr id="13" name="Titel 8"/>
+          <p:cNvSpPr txBox="1">
+            <a:spLocks/>
+          </p:cNvSpPr>
+          <p:nvPr/>
+        </p:nvSpPr>
+        <p:spPr>
+          <a:xfrm>
+            <a:off x="4355976" y="273600"/>
+            <a:ext cx="4483224" cy="1143000"/>
+          </a:xfrm>
+          <a:prstGeom prst="rect">
+            <a:avLst/>
+          </a:prstGeom>
+        </p:spPr>
+        <p:txBody>
+          <a:bodyPr vert="horz" lIns="91440" tIns="45720" rIns="91440" bIns="45720" rtlCol="0" anchor="ctr">
+            <a:normAutofit fontScale="92500" lnSpcReduction="20000"/>
+          </a:bodyPr>
+          <a:lstStyle/>
+          <a:p>
+            <a:pPr lvl="0" algn="r">
+              <a:spcBef>
+                <a:spcPct val="0"/>
+              </a:spcBef>
+              <a:defRPr/>
+            </a:pPr>
+            <a:r>
+              <a:rPr lang="de-DE" sz="4400" dirty="0" smtClean="0"/>
+              <a:t>Gruppenleiter:</a:t>
+            </a:r>
+          </a:p>
+          <a:p>
+            <a:pPr lvl="0" algn="r">
+              <a:spcBef>
+                <a:spcPct val="0"/>
+              </a:spcBef>
+              <a:defRPr/>
+            </a:pPr>
+            <a:r>
+              <a:rPr kumimoji="0" lang="de-DE" sz="4400" b="0" i="0" u="none" strike="noStrike" kern="1200" cap="none" spc="0" normalizeH="0" baseline="0" noProof="0" dirty="0" smtClean="0">
+                <a:ln>
+                  <a:noFill/>
+                </a:ln>
+                <a:solidFill>
+                  <a:schemeClr val="tx1"/>
+                </a:solidFill>
+                <a:effectLst/>
+                <a:uLnTx/>
+                <a:uFillTx/>
+                <a:latin typeface="+mj-lt"/>
+                <a:ea typeface="+mj-ea"/>
+                <a:cs typeface="+mj-cs"/>
+              </a:rPr>
+              <a:t>[1wiedema/1roebe]</a:t>
+            </a:r>
           </a:p>
         </p:txBody>
       </p:sp>
@@ -5438,6 +5630,13 @@
   <p:clrMapOvr>
     <a:masterClrMapping/>
   </p:clrMapOvr>
+  <p:timing>
+    <p:tnLst>
+      <p:par>
+        <p:cTn id="1" dur="indefinite" restart="never" nodeType="tmRoot"/>
+      </p:par>
+    </p:tnLst>
+  </p:timing>
 </p:sld>
 </file>
 
@@ -5583,6 +5782,227 @@
       </p:grpSpPr>
       <p:sp>
         <p:nvSpPr>
+          <p:cNvPr id="9" name="Titel 8"/>
+          <p:cNvSpPr>
+            <a:spLocks noGrp="1"/>
+          </p:cNvSpPr>
+          <p:nvPr>
+            <p:ph type="title"/>
+          </p:nvPr>
+        </p:nvSpPr>
+        <p:spPr>
+          <a:xfrm>
+            <a:off x="457200" y="274638"/>
+            <a:ext cx="4114800" cy="1143000"/>
+          </a:xfrm>
+        </p:spPr>
+        <p:txBody>
+          <a:bodyPr>
+            <a:normAutofit fontScale="90000"/>
+          </a:bodyPr>
+          <a:lstStyle/>
+          <a:p>
+            <a:pPr algn="l"/>
+            <a:r>
+              <a:rPr lang="de-DE" dirty="0" smtClean="0"/>
+              <a:t>Mittwoch </a:t>
+            </a:r>
+            <a:r>
+              <a:rPr lang="de-DE" dirty="0" smtClean="0"/>
+              <a:t>2 &amp;</a:t>
+            </a:r>
+            <a:br>
+              <a:rPr lang="de-DE" dirty="0" smtClean="0"/>
+            </a:br>
+            <a:r>
+              <a:rPr lang="de-DE" dirty="0" smtClean="0"/>
+              <a:t>Donnerstag 3</a:t>
+            </a:r>
+            <a:endParaRPr lang="de-DE" dirty="0"/>
+          </a:p>
+        </p:txBody>
+      </p:sp>
+      <p:sp>
+        <p:nvSpPr>
+          <p:cNvPr id="13" name="Titel 8"/>
+          <p:cNvSpPr txBox="1">
+            <a:spLocks/>
+          </p:cNvSpPr>
+          <p:nvPr/>
+        </p:nvSpPr>
+        <p:spPr>
+          <a:xfrm>
+            <a:off x="4716016" y="273600"/>
+            <a:ext cx="4123184" cy="1143000"/>
+          </a:xfrm>
+          <a:prstGeom prst="rect">
+            <a:avLst/>
+          </a:prstGeom>
+        </p:spPr>
+        <p:txBody>
+          <a:bodyPr vert="horz" lIns="91440" tIns="45720" rIns="91440" bIns="45720" rtlCol="0" anchor="ctr">
+            <a:normAutofit fontScale="85000" lnSpcReduction="10000"/>
+          </a:bodyPr>
+          <a:lstStyle/>
+          <a:p>
+            <a:pPr lvl="0" algn="r">
+              <a:spcBef>
+                <a:spcPct val="0"/>
+              </a:spcBef>
+              <a:defRPr/>
+            </a:pPr>
+            <a:r>
+              <a:rPr lang="de-DE" sz="4400" dirty="0" smtClean="0"/>
+              <a:t>Gruppenleiter:</a:t>
+            </a:r>
+          </a:p>
+          <a:p>
+            <a:pPr lvl="0" algn="r">
+              <a:spcBef>
+                <a:spcPct val="0"/>
+              </a:spcBef>
+              <a:defRPr/>
+            </a:pPr>
+            <a:r>
+              <a:rPr kumimoji="0" lang="de-DE" sz="4400" b="0" i="0" u="none" strike="noStrike" kern="1200" cap="none" spc="0" normalizeH="0" baseline="0" noProof="0" dirty="0" smtClean="0">
+                <a:ln>
+                  <a:noFill/>
+                </a:ln>
+                <a:solidFill>
+                  <a:schemeClr val="tx1"/>
+                </a:solidFill>
+                <a:effectLst/>
+                <a:uLnTx/>
+                <a:uFillTx/>
+                <a:latin typeface="+mj-lt"/>
+                <a:ea typeface="+mj-ea"/>
+                <a:cs typeface="+mj-cs"/>
+              </a:rPr>
+              <a:t>[0graeff</a:t>
+            </a:r>
+            <a:r>
+              <a:rPr kumimoji="0" lang="de-DE" sz="4400" b="0" i="0" u="none" strike="noStrike" kern="1200" cap="none" spc="0" normalizeH="0" baseline="0" noProof="0" dirty="0" smtClean="0">
+                <a:ln>
+                  <a:noFill/>
+                </a:ln>
+                <a:solidFill>
+                  <a:schemeClr val="tx1"/>
+                </a:solidFill>
+                <a:effectLst/>
+                <a:uLnTx/>
+                <a:uFillTx/>
+                <a:latin typeface="+mj-lt"/>
+                <a:ea typeface="+mj-ea"/>
+                <a:cs typeface="+mj-cs"/>
+              </a:rPr>
+              <a:t>] &amp;</a:t>
+            </a:r>
+            <a:r>
+              <a:rPr kumimoji="0" lang="de-DE" sz="4400" b="0" i="0" u="none" strike="noStrike" kern="1200" cap="none" spc="0" normalizeH="0" noProof="0" dirty="0" smtClean="0">
+                <a:ln>
+                  <a:noFill/>
+                </a:ln>
+                <a:solidFill>
+                  <a:schemeClr val="tx1"/>
+                </a:solidFill>
+                <a:effectLst/>
+                <a:uLnTx/>
+                <a:uFillTx/>
+                <a:latin typeface="+mj-lt"/>
+                <a:ea typeface="+mj-ea"/>
+                <a:cs typeface="+mj-cs"/>
+              </a:rPr>
+              <a:t> [0gayh]</a:t>
+            </a:r>
+            <a:endParaRPr kumimoji="0" lang="de-DE" sz="4400" b="0" i="0" u="none" strike="noStrike" kern="1200" cap="none" spc="0" normalizeH="0" baseline="0" noProof="0" dirty="0" smtClean="0">
+              <a:ln>
+                <a:noFill/>
+              </a:ln>
+              <a:solidFill>
+                <a:schemeClr val="tx1"/>
+              </a:solidFill>
+              <a:effectLst/>
+              <a:uLnTx/>
+              <a:uFillTx/>
+              <a:latin typeface="+mj-lt"/>
+              <a:ea typeface="+mj-ea"/>
+              <a:cs typeface="+mj-cs"/>
+            </a:endParaRPr>
+          </a:p>
+        </p:txBody>
+      </p:sp>
+      <p:sp>
+        <p:nvSpPr>
+          <p:cNvPr id="8" name="Textfeld 7"/>
+          <p:cNvSpPr txBox="1"/>
+          <p:nvPr/>
+        </p:nvSpPr>
+        <p:spPr>
+          <a:xfrm>
+            <a:off x="2368093" y="2363186"/>
+            <a:ext cx="4035529" cy="2800767"/>
+          </a:xfrm>
+          <a:prstGeom prst="rect">
+            <a:avLst/>
+          </a:prstGeom>
+          <a:noFill/>
+        </p:spPr>
+        <p:txBody>
+          <a:bodyPr wrap="square" rtlCol="0">
+            <a:spAutoFit/>
+          </a:bodyPr>
+          <a:lstStyle/>
+          <a:p>
+            <a:pPr algn="ctr"/>
+            <a:r>
+              <a:rPr lang="de-DE" sz="4400" dirty="0" smtClean="0"/>
+              <a:t>BUGFIXES, Testklassen und </a:t>
+            </a:r>
+          </a:p>
+          <a:p>
+            <a:pPr algn="ctr"/>
+            <a:r>
+              <a:rPr lang="de-DE" sz="4400" dirty="0" smtClean="0"/>
+              <a:t>Vorbereitung der Präsentation</a:t>
+            </a:r>
+            <a:endParaRPr lang="de-DE" sz="4400" dirty="0"/>
+          </a:p>
+        </p:txBody>
+      </p:sp>
+    </p:spTree>
+  </p:cSld>
+  <p:clrMapOvr>
+    <a:masterClrMapping/>
+  </p:clrMapOvr>
+  <p:timing>
+    <p:tnLst>
+      <p:par>
+        <p:cTn id="1" dur="indefinite" restart="never" nodeType="tmRoot"/>
+      </p:par>
+    </p:tnLst>
+  </p:timing>
+</p:sld>
+</file>
+
+<file path=ppt/slides/slide21.xml><?xml version="1.0" encoding="utf-8"?>
+<p:sld xmlns:a="http://schemas.openxmlformats.org/drawingml/2006/main" xmlns:r="http://schemas.openxmlformats.org/officeDocument/2006/relationships" xmlns:p="http://schemas.openxmlformats.org/presentationml/2006/main">
+  <p:cSld>
+    <p:spTree>
+      <p:nvGrpSpPr>
+        <p:cNvPr id="1" name=""/>
+        <p:cNvGrpSpPr/>
+        <p:nvPr/>
+      </p:nvGrpSpPr>
+      <p:grpSpPr>
+        <a:xfrm>
+          <a:off x="0" y="0"/>
+          <a:ext cx="0" cy="0"/>
+          <a:chOff x="0" y="0"/>
+          <a:chExt cx="0" cy="0"/>
+        </a:xfrm>
+      </p:grpSpPr>
+      <p:sp>
+        <p:nvSpPr>
           <p:cNvPr id="2" name="Titel 1"/>
           <p:cNvSpPr>
             <a:spLocks noGrp="1"/>
@@ -5598,7 +6018,7 @@
           <a:p>
             <a:r>
               <a:rPr lang="de-DE" dirty="0" smtClean="0"/>
-              <a:t>Ergebnis</a:t>
+              <a:t>LIVE!</a:t>
             </a:r>
             <a:endParaRPr lang="de-DE" dirty="0"/>
           </a:p>
@@ -5619,12 +6039,6 @@
           <a:bodyPr/>
           <a:lstStyle/>
           <a:p>
-            <a:r>
-              <a:rPr lang="de-DE" dirty="0" smtClean="0"/>
-              <a:t>Gruppenkuscheln</a:t>
-            </a:r>
-          </a:p>
-          <a:p>
             <a:endParaRPr lang="de-DE" dirty="0"/>
           </a:p>
         </p:txBody>
@@ -5645,6 +6059,263 @@
           <a:lstStyle/>
           <a:p>
             <a:endParaRPr lang="de-DE"/>
+          </a:p>
+        </p:txBody>
+      </p:sp>
+    </p:spTree>
+  </p:cSld>
+  <p:clrMapOvr>
+    <a:masterClrMapping/>
+  </p:clrMapOvr>
+</p:sld>
+</file>
+
+<file path=ppt/slides/slide22.xml><?xml version="1.0" encoding="utf-8"?>
+<p:sld xmlns:a="http://schemas.openxmlformats.org/drawingml/2006/main" xmlns:r="http://schemas.openxmlformats.org/officeDocument/2006/relationships" xmlns:p="http://schemas.openxmlformats.org/presentationml/2006/main">
+  <p:cSld>
+    <p:spTree>
+      <p:nvGrpSpPr>
+        <p:cNvPr id="1" name=""/>
+        <p:cNvGrpSpPr/>
+        <p:nvPr/>
+      </p:nvGrpSpPr>
+      <p:grpSpPr>
+        <a:xfrm>
+          <a:off x="0" y="0"/>
+          <a:ext cx="0" cy="0"/>
+          <a:chOff x="0" y="0"/>
+          <a:chExt cx="0" cy="0"/>
+        </a:xfrm>
+      </p:grpSpPr>
+      <p:sp>
+        <p:nvSpPr>
+          <p:cNvPr id="2" name="Titel 1"/>
+          <p:cNvSpPr>
+            <a:spLocks noGrp="1"/>
+          </p:cNvSpPr>
+          <p:nvPr>
+            <p:ph type="title"/>
+          </p:nvPr>
+        </p:nvSpPr>
+        <p:spPr/>
+        <p:txBody>
+          <a:bodyPr/>
+          <a:lstStyle/>
+          <a:p>
+            <a:r>
+              <a:rPr lang="de-DE" dirty="0" err="1" smtClean="0"/>
+              <a:t>Stats</a:t>
+            </a:r>
+            <a:endParaRPr lang="de-DE" dirty="0"/>
+          </a:p>
+        </p:txBody>
+      </p:sp>
+      <p:pic>
+        <p:nvPicPr>
+          <p:cNvPr id="6" name="Inhaltsplatzhalter 5" descr="CodeCoverage.JPG"/>
+          <p:cNvPicPr>
+            <a:picLocks noGrp="1" noChangeAspect="1"/>
+          </p:cNvPicPr>
+          <p:nvPr>
+            <p:ph idx="1"/>
+          </p:nvPr>
+        </p:nvPicPr>
+        <p:blipFill>
+          <a:blip r:embed="rId2" cstate="print"/>
+          <a:stretch>
+            <a:fillRect/>
+          </a:stretch>
+        </p:blipFill>
+        <p:spPr>
+          <a:xfrm>
+            <a:off x="457200" y="1340768"/>
+            <a:ext cx="8229600" cy="648503"/>
+          </a:xfrm>
+        </p:spPr>
+      </p:pic>
+    </p:spTree>
+  </p:cSld>
+  <p:clrMapOvr>
+    <a:masterClrMapping/>
+  </p:clrMapOvr>
+</p:sld>
+</file>
+
+<file path=ppt/slides/slide23.xml><?xml version="1.0" encoding="utf-8"?>
+<p:sld xmlns:a="http://schemas.openxmlformats.org/drawingml/2006/main" xmlns:r="http://schemas.openxmlformats.org/officeDocument/2006/relationships" xmlns:p="http://schemas.openxmlformats.org/presentationml/2006/main">
+  <p:cSld>
+    <p:spTree>
+      <p:nvGrpSpPr>
+        <p:cNvPr id="1" name=""/>
+        <p:cNvGrpSpPr/>
+        <p:nvPr/>
+      </p:nvGrpSpPr>
+      <p:grpSpPr>
+        <a:xfrm>
+          <a:off x="0" y="0"/>
+          <a:ext cx="0" cy="0"/>
+          <a:chOff x="0" y="0"/>
+          <a:chExt cx="0" cy="0"/>
+        </a:xfrm>
+      </p:grpSpPr>
+      <p:sp>
+        <p:nvSpPr>
+          <p:cNvPr id="2" name="Titel 1"/>
+          <p:cNvSpPr>
+            <a:spLocks noGrp="1"/>
+          </p:cNvSpPr>
+          <p:nvPr>
+            <p:ph type="title"/>
+          </p:nvPr>
+        </p:nvSpPr>
+        <p:spPr/>
+        <p:txBody>
+          <a:bodyPr/>
+          <a:lstStyle/>
+          <a:p>
+            <a:r>
+              <a:rPr lang="de-DE" dirty="0" smtClean="0"/>
+              <a:t>Feedback</a:t>
+            </a:r>
+            <a:endParaRPr lang="de-DE" dirty="0"/>
+          </a:p>
+        </p:txBody>
+      </p:sp>
+      <p:sp>
+        <p:nvSpPr>
+          <p:cNvPr id="3" name="Inhaltsplatzhalter 2"/>
+          <p:cNvSpPr>
+            <a:spLocks noGrp="1"/>
+          </p:cNvSpPr>
+          <p:nvPr>
+            <p:ph sz="half" idx="1"/>
+          </p:nvPr>
+        </p:nvSpPr>
+        <p:spPr/>
+        <p:txBody>
+          <a:bodyPr/>
+          <a:lstStyle/>
+          <a:p>
+            <a:pPr>
+              <a:buNone/>
+            </a:pPr>
+            <a:r>
+              <a:rPr lang="de-DE" dirty="0" smtClean="0"/>
+              <a:t>Pro</a:t>
+            </a:r>
+          </a:p>
+          <a:p>
+            <a:r>
+              <a:rPr lang="de-DE" sz="2400" dirty="0" smtClean="0"/>
+              <a:t>Gruppendynamik</a:t>
+            </a:r>
+          </a:p>
+          <a:p>
+            <a:r>
+              <a:rPr lang="de-DE" sz="2400" dirty="0" smtClean="0"/>
+              <a:t>Erfahrungsaustausch</a:t>
+            </a:r>
+          </a:p>
+          <a:p>
+            <a:r>
+              <a:rPr lang="de-DE" sz="2400" dirty="0" smtClean="0"/>
+              <a:t>Pair-Programming</a:t>
+            </a:r>
+          </a:p>
+          <a:p>
+            <a:r>
+              <a:rPr lang="de-DE" sz="2400" dirty="0" smtClean="0"/>
+              <a:t>Neue Freunde</a:t>
+            </a:r>
+          </a:p>
+          <a:p>
+            <a:r>
+              <a:rPr lang="de-DE" sz="2400" dirty="0" smtClean="0"/>
+              <a:t>Ausblick auf den Job Softwareentwickler</a:t>
+            </a:r>
+            <a:endParaRPr lang="de-DE" sz="2000" dirty="0" smtClean="0"/>
+          </a:p>
+          <a:p>
+            <a:endParaRPr lang="de-DE" dirty="0" smtClean="0"/>
+          </a:p>
+          <a:p>
+            <a:endParaRPr lang="de-DE" dirty="0" smtClean="0"/>
+          </a:p>
+          <a:p>
+            <a:endParaRPr lang="de-DE" dirty="0"/>
+          </a:p>
+        </p:txBody>
+      </p:sp>
+      <p:sp>
+        <p:nvSpPr>
+          <p:cNvPr id="4" name="Inhaltsplatzhalter 3"/>
+          <p:cNvSpPr>
+            <a:spLocks noGrp="1"/>
+          </p:cNvSpPr>
+          <p:nvPr>
+            <p:ph sz="half" idx="2"/>
+          </p:nvPr>
+        </p:nvSpPr>
+        <p:spPr/>
+        <p:txBody>
+          <a:bodyPr/>
+          <a:lstStyle/>
+          <a:p>
+            <a:pPr>
+              <a:buNone/>
+            </a:pPr>
+            <a:r>
+              <a:rPr lang="de-DE" dirty="0" smtClean="0"/>
+              <a:t>Contra</a:t>
+            </a:r>
+          </a:p>
+          <a:p>
+            <a:r>
+              <a:rPr lang="de-DE" sz="2400" dirty="0" smtClean="0"/>
+              <a:t>Mehr Programmiersprachen</a:t>
+            </a:r>
+          </a:p>
+          <a:p>
+            <a:r>
+              <a:rPr lang="de-DE" sz="2400" dirty="0" smtClean="0"/>
+              <a:t>Längere Entwicklungszyklen</a:t>
+            </a:r>
+          </a:p>
+          <a:p>
+            <a:r>
+              <a:rPr lang="de-DE" sz="2400" dirty="0" smtClean="0"/>
+              <a:t>Fest Einplanung vom Code Review</a:t>
+            </a:r>
+          </a:p>
+          <a:p>
+            <a:r>
+              <a:rPr lang="de-DE" sz="2400" dirty="0" smtClean="0"/>
+              <a:t>Vorträge </a:t>
+            </a:r>
+            <a:r>
+              <a:rPr lang="de-DE" sz="2400" dirty="0" smtClean="0">
+                <a:sym typeface="Wingdings" pitchFamily="2" charset="2"/>
+              </a:rPr>
+              <a:t>Truck </a:t>
+            </a:r>
+            <a:r>
+              <a:rPr lang="de-DE" sz="2400" dirty="0" err="1" smtClean="0">
+                <a:sym typeface="Wingdings" pitchFamily="2" charset="2"/>
+              </a:rPr>
+              <a:t>Factor</a:t>
+            </a:r>
+            <a:endParaRPr lang="de-DE" sz="2400" dirty="0" smtClean="0">
+              <a:sym typeface="Wingdings" pitchFamily="2" charset="2"/>
+            </a:endParaRPr>
+          </a:p>
+          <a:p>
+            <a:r>
+              <a:rPr lang="de-DE" sz="2400" dirty="0" smtClean="0">
+                <a:sym typeface="Wingdings" pitchFamily="2" charset="2"/>
+              </a:rPr>
+              <a:t>RMI unberechenbar</a:t>
+            </a:r>
+            <a:endParaRPr lang="de-DE" sz="2400" dirty="0"/>
           </a:p>
         </p:txBody>
       </p:sp>
@@ -5690,7 +6361,7 @@
           <a:p>
             <a:r>
               <a:rPr lang="de-DE" dirty="0" smtClean="0"/>
-              <a:t>Benutzte Technik</a:t>
+              <a:t>Unser Spiel</a:t>
             </a:r>
             <a:endParaRPr lang="de-DE" dirty="0"/>
           </a:p>
@@ -5708,176 +6379,90 @@
         </p:nvSpPr>
         <p:spPr>
           <a:xfrm>
-            <a:off x="457200" y="1268760"/>
-            <a:ext cx="4038600" cy="4857403"/>
+            <a:off x="457200" y="1340768"/>
+            <a:ext cx="8219256" cy="4785395"/>
           </a:xfrm>
         </p:spPr>
         <p:txBody>
           <a:bodyPr>
-            <a:normAutofit fontScale="92500" lnSpcReduction="10000"/>
+            <a:normAutofit lnSpcReduction="10000"/>
           </a:bodyPr>
           <a:lstStyle/>
           <a:p>
-            <a:r>
-              <a:rPr lang="de-DE" dirty="0" smtClean="0"/>
-              <a:t>Java 7</a:t>
-            </a:r>
-          </a:p>
-          <a:p>
-            <a:pPr lvl="1"/>
-            <a:r>
-              <a:rPr lang="de-DE" dirty="0" smtClean="0"/>
-              <a:t>RMI</a:t>
-            </a:r>
-          </a:p>
-          <a:p>
-            <a:pPr lvl="1"/>
-            <a:r>
-              <a:rPr lang="de-DE" dirty="0" err="1" smtClean="0"/>
-              <a:t>JUnit</a:t>
-            </a:r>
-            <a:endParaRPr lang="de-DE" dirty="0" smtClean="0"/>
-          </a:p>
-          <a:p>
-            <a:pPr lvl="1"/>
-            <a:r>
-              <a:rPr lang="de-DE" dirty="0" smtClean="0"/>
-              <a:t>JAXB</a:t>
-            </a:r>
-          </a:p>
-          <a:p>
-            <a:pPr lvl="1"/>
-            <a:r>
-              <a:rPr lang="de-DE" dirty="0" err="1" smtClean="0"/>
-              <a:t>Mockito</a:t>
-            </a:r>
-            <a:endParaRPr lang="de-DE" dirty="0" smtClean="0"/>
-          </a:p>
-          <a:p>
-            <a:r>
-              <a:rPr lang="de-DE" dirty="0" err="1" smtClean="0"/>
-              <a:t>Git</a:t>
-            </a:r>
-            <a:endParaRPr lang="de-DE" dirty="0" smtClean="0"/>
-          </a:p>
-          <a:p>
-            <a:pPr lvl="1"/>
-            <a:r>
-              <a:rPr lang="de-DE" dirty="0" err="1" smtClean="0"/>
-              <a:t>GitHub</a:t>
-            </a:r>
-            <a:endParaRPr lang="de-DE" dirty="0" smtClean="0"/>
-          </a:p>
-          <a:p>
-            <a:pPr lvl="1"/>
-            <a:r>
-              <a:rPr lang="de-DE" dirty="0" err="1" smtClean="0"/>
-              <a:t>Git</a:t>
-            </a:r>
-            <a:r>
-              <a:rPr lang="de-DE" dirty="0" smtClean="0"/>
-              <a:t> </a:t>
-            </a:r>
-            <a:r>
-              <a:rPr lang="de-DE" dirty="0" err="1" smtClean="0"/>
-              <a:t>Bash</a:t>
-            </a:r>
-            <a:endParaRPr lang="de-DE" dirty="0" smtClean="0"/>
-          </a:p>
-          <a:p>
-            <a:r>
-              <a:rPr lang="de-DE" dirty="0" err="1" smtClean="0"/>
-              <a:t>Eclipse</a:t>
-            </a:r>
-            <a:r>
-              <a:rPr lang="de-DE" dirty="0" smtClean="0"/>
-              <a:t> (Indigo / Juno)</a:t>
-            </a:r>
-          </a:p>
-          <a:p>
-            <a:pPr lvl="1"/>
-            <a:r>
-              <a:rPr lang="de-DE" dirty="0" err="1" smtClean="0"/>
-              <a:t>EclEmma</a:t>
-            </a:r>
-            <a:endParaRPr lang="de-DE" dirty="0" smtClean="0"/>
-          </a:p>
-          <a:p>
-            <a:pPr lvl="1"/>
-            <a:r>
-              <a:rPr lang="de-DE" dirty="0" err="1" smtClean="0"/>
-              <a:t>eGit</a:t>
-            </a:r>
-            <a:endParaRPr lang="de-DE" dirty="0" smtClean="0"/>
-          </a:p>
-          <a:p>
-            <a:pPr lvl="1"/>
-            <a:r>
-              <a:rPr lang="de-DE" dirty="0" err="1" smtClean="0"/>
-              <a:t>FindBugs</a:t>
-            </a:r>
-            <a:endParaRPr lang="de-DE" dirty="0" smtClean="0"/>
-          </a:p>
-        </p:txBody>
-      </p:sp>
-      <p:sp>
-        <p:nvSpPr>
-          <p:cNvPr id="4" name="Inhaltsplatzhalter 3"/>
-          <p:cNvSpPr>
-            <a:spLocks noGrp="1"/>
-          </p:cNvSpPr>
-          <p:nvPr>
-            <p:ph sz="half" idx="2"/>
-          </p:nvPr>
-        </p:nvSpPr>
-        <p:spPr>
-          <a:xfrm>
-            <a:off x="4648200" y="1628800"/>
-            <a:ext cx="4038600" cy="4497363"/>
-          </a:xfrm>
-        </p:spPr>
-        <p:txBody>
-          <a:bodyPr>
-            <a:normAutofit fontScale="92500" lnSpcReduction="10000"/>
-          </a:bodyPr>
-          <a:lstStyle/>
-          <a:p>
-            <a:r>
-              <a:rPr lang="de-DE" dirty="0" err="1" smtClean="0"/>
-              <a:t>Gimp</a:t>
-            </a:r>
-            <a:r>
-              <a:rPr lang="de-DE" dirty="0" smtClean="0"/>
-              <a:t>, MS Paint</a:t>
-            </a:r>
-          </a:p>
-          <a:p>
-            <a:r>
-              <a:rPr lang="de-DE" dirty="0" err="1" smtClean="0"/>
-              <a:t>Violet</a:t>
-            </a:r>
-            <a:endParaRPr lang="de-DE" dirty="0" smtClean="0"/>
-          </a:p>
-          <a:p>
-            <a:r>
-              <a:rPr lang="de-DE" dirty="0" err="1" smtClean="0"/>
-              <a:t>KanbanBoard</a:t>
-            </a:r>
-            <a:endParaRPr lang="de-DE" dirty="0" smtClean="0"/>
-          </a:p>
-          <a:p>
-            <a:pPr lvl="1"/>
-            <a:r>
-              <a:rPr lang="de-DE" dirty="0" err="1" smtClean="0"/>
-              <a:t>Storykarten</a:t>
-            </a:r>
-            <a:endParaRPr lang="de-DE" dirty="0" smtClean="0"/>
-          </a:p>
-          <a:p>
-            <a:pPr lvl="1"/>
-            <a:r>
-              <a:rPr lang="de-DE" dirty="0" smtClean="0"/>
-              <a:t>Taskkarten</a:t>
+            <a:pPr>
+              <a:lnSpc>
+                <a:spcPct val="150000"/>
+              </a:lnSpc>
+            </a:pPr>
+            <a:r>
+              <a:rPr lang="de-DE" dirty="0" smtClean="0"/>
+              <a:t>Dr. Little ist klein</a:t>
+            </a:r>
+          </a:p>
+          <a:p>
+            <a:pPr>
+              <a:lnSpc>
+                <a:spcPct val="150000"/>
+              </a:lnSpc>
+            </a:pPr>
+            <a:r>
+              <a:rPr lang="de-DE" dirty="0" smtClean="0"/>
+              <a:t>Muss Gegengift finden</a:t>
+            </a:r>
+          </a:p>
+          <a:p>
+            <a:pPr>
+              <a:lnSpc>
+                <a:spcPct val="150000"/>
+              </a:lnSpc>
+            </a:pPr>
+            <a:r>
+              <a:rPr lang="de-DE" dirty="0" smtClean="0"/>
+              <a:t>Raumwechsel kostet Leben</a:t>
+            </a:r>
+          </a:p>
+          <a:p>
+            <a:pPr>
+              <a:lnSpc>
+                <a:spcPct val="150000"/>
+              </a:lnSpc>
+            </a:pPr>
+            <a:r>
+              <a:rPr lang="de-DE" dirty="0" smtClean="0"/>
+              <a:t>Krümel geben Leben</a:t>
+            </a:r>
+          </a:p>
+          <a:p>
+            <a:pPr>
+              <a:lnSpc>
+                <a:spcPct val="150000"/>
+              </a:lnSpc>
+            </a:pPr>
+            <a:r>
+              <a:rPr lang="de-DE" dirty="0" smtClean="0"/>
+              <a:t>Giftkrümel nicht</a:t>
+            </a:r>
+          </a:p>
+          <a:p>
+            <a:pPr>
+              <a:lnSpc>
+                <a:spcPct val="150000"/>
+              </a:lnSpc>
+            </a:pPr>
+            <a:r>
+              <a:rPr lang="de-DE" dirty="0" smtClean="0"/>
+              <a:t>Maus kann Weg weisen</a:t>
+            </a:r>
+          </a:p>
+          <a:p>
+            <a:pPr>
+              <a:lnSpc>
+                <a:spcPct val="150000"/>
+              </a:lnSpc>
+            </a:pPr>
+            <a:r>
+              <a:rPr lang="de-DE" dirty="0" smtClean="0"/>
+              <a:t>Katze ist aggressiv</a:t>
             </a:r>
           </a:p>
         </p:txBody>
@@ -5931,7 +6516,7 @@
           <a:p>
             <a:r>
               <a:rPr lang="de-DE" dirty="0" smtClean="0"/>
-              <a:t>Unsere Architektur</a:t>
+              <a:t>Benutzte Technik</a:t>
             </a:r>
             <a:endParaRPr lang="de-DE" dirty="0"/>
           </a:p>
@@ -5949,57 +6534,177 @@
         </p:nvSpPr>
         <p:spPr>
           <a:xfrm>
-            <a:off x="457200" y="1600200"/>
-            <a:ext cx="8219256" cy="4525963"/>
+            <a:off x="457200" y="1268760"/>
+            <a:ext cx="4038600" cy="4857403"/>
           </a:xfrm>
         </p:spPr>
         <p:txBody>
-          <a:bodyPr/>
-          <a:lstStyle/>
-          <a:p>
-            <a:pPr>
-              <a:lnSpc>
-                <a:spcPct val="150000"/>
-              </a:lnSpc>
-            </a:pPr>
-            <a:r>
-              <a:rPr lang="de-DE" dirty="0" smtClean="0"/>
-              <a:t>Client-Server</a:t>
-            </a:r>
-          </a:p>
-          <a:p>
-            <a:pPr>
-              <a:lnSpc>
-                <a:spcPct val="150000"/>
-              </a:lnSpc>
-            </a:pPr>
-            <a:r>
-              <a:rPr lang="de-DE" dirty="0" smtClean="0"/>
-              <a:t>Werkzeug und Werkzeug-UI</a:t>
-            </a:r>
-          </a:p>
-          <a:p>
-            <a:pPr>
-              <a:lnSpc>
-                <a:spcPct val="150000"/>
-              </a:lnSpc>
-            </a:pPr>
+          <a:bodyPr>
+            <a:normAutofit fontScale="92500" lnSpcReduction="10000"/>
+          </a:bodyPr>
+          <a:lstStyle/>
+          <a:p>
+            <a:r>
+              <a:rPr lang="de-DE" dirty="0" smtClean="0"/>
+              <a:t>Java 7</a:t>
+            </a:r>
+          </a:p>
+          <a:p>
+            <a:pPr lvl="1"/>
+            <a:r>
+              <a:rPr lang="de-DE" dirty="0" smtClean="0"/>
+              <a:t>RMI</a:t>
+            </a:r>
+          </a:p>
+          <a:p>
+            <a:pPr lvl="1"/>
             <a:r>
               <a:rPr lang="de-DE" dirty="0" err="1" smtClean="0"/>
-              <a:t>Package</a:t>
-            </a:r>
-            <a:r>
-              <a:rPr lang="de-DE" dirty="0" smtClean="0"/>
-              <a:t>-Struktur: </a:t>
-            </a:r>
+              <a:t>JUnit</a:t>
+            </a:r>
+            <a:endParaRPr lang="de-DE" dirty="0" smtClean="0"/>
+          </a:p>
+          <a:p>
+            <a:pPr lvl="1"/>
+            <a:r>
+              <a:rPr lang="de-DE" dirty="0" smtClean="0"/>
+              <a:t>JAXB</a:t>
+            </a:r>
+          </a:p>
+          <a:p>
+            <a:pPr lvl="1"/>
             <a:r>
               <a:rPr lang="de-DE" dirty="0" err="1" smtClean="0"/>
-              <a:t>Plugin</a:t>
+              <a:t>Mockito</a:t>
             </a:r>
             <a:endParaRPr lang="de-DE" dirty="0" smtClean="0"/>
           </a:p>
           <a:p>
-            <a:endParaRPr lang="de-DE" dirty="0"/>
+            <a:r>
+              <a:rPr lang="de-DE" dirty="0" err="1" smtClean="0"/>
+              <a:t>Git</a:t>
+            </a:r>
+            <a:endParaRPr lang="de-DE" dirty="0" smtClean="0"/>
+          </a:p>
+          <a:p>
+            <a:pPr lvl="1"/>
+            <a:r>
+              <a:rPr lang="de-DE" dirty="0" err="1" smtClean="0"/>
+              <a:t>GitHub</a:t>
+            </a:r>
+            <a:endParaRPr lang="de-DE" dirty="0" smtClean="0"/>
+          </a:p>
+          <a:p>
+            <a:pPr lvl="1"/>
+            <a:r>
+              <a:rPr lang="de-DE" dirty="0" err="1" smtClean="0"/>
+              <a:t>Git</a:t>
+            </a:r>
+            <a:r>
+              <a:rPr lang="de-DE" dirty="0" smtClean="0"/>
+              <a:t> </a:t>
+            </a:r>
+            <a:r>
+              <a:rPr lang="de-DE" dirty="0" err="1" smtClean="0"/>
+              <a:t>Bash</a:t>
+            </a:r>
+            <a:endParaRPr lang="de-DE" dirty="0" smtClean="0"/>
+          </a:p>
+          <a:p>
+            <a:r>
+              <a:rPr lang="de-DE" dirty="0" err="1" smtClean="0"/>
+              <a:t>Eclipse</a:t>
+            </a:r>
+            <a:r>
+              <a:rPr lang="de-DE" dirty="0" smtClean="0"/>
+              <a:t> (Indigo / Juno)</a:t>
+            </a:r>
+          </a:p>
+          <a:p>
+            <a:pPr lvl="1"/>
+            <a:r>
+              <a:rPr lang="de-DE" dirty="0" err="1" smtClean="0"/>
+              <a:t>EclEmma</a:t>
+            </a:r>
+            <a:endParaRPr lang="de-DE" dirty="0" smtClean="0"/>
+          </a:p>
+          <a:p>
+            <a:pPr lvl="1"/>
+            <a:r>
+              <a:rPr lang="de-DE" dirty="0" err="1" smtClean="0"/>
+              <a:t>eGit</a:t>
+            </a:r>
+            <a:endParaRPr lang="de-DE" dirty="0" smtClean="0"/>
+          </a:p>
+          <a:p>
+            <a:pPr lvl="1"/>
+            <a:r>
+              <a:rPr lang="de-DE" dirty="0" err="1" smtClean="0"/>
+              <a:t>FindBugs</a:t>
+            </a:r>
+            <a:endParaRPr lang="de-DE" dirty="0" smtClean="0"/>
+          </a:p>
+        </p:txBody>
+      </p:sp>
+      <p:sp>
+        <p:nvSpPr>
+          <p:cNvPr id="4" name="Inhaltsplatzhalter 3"/>
+          <p:cNvSpPr>
+            <a:spLocks noGrp="1"/>
+          </p:cNvSpPr>
+          <p:nvPr>
+            <p:ph sz="half" idx="2"/>
+          </p:nvPr>
+        </p:nvSpPr>
+        <p:spPr>
+          <a:xfrm>
+            <a:off x="4648200" y="1628800"/>
+            <a:ext cx="4038600" cy="4497363"/>
+          </a:xfrm>
+        </p:spPr>
+        <p:txBody>
+          <a:bodyPr>
+            <a:normAutofit fontScale="92500" lnSpcReduction="10000"/>
+          </a:bodyPr>
+          <a:lstStyle/>
+          <a:p>
+            <a:r>
+              <a:rPr lang="de-DE" dirty="0" err="1" smtClean="0"/>
+              <a:t>Gimp</a:t>
+            </a:r>
+            <a:r>
+              <a:rPr lang="de-DE" dirty="0" smtClean="0"/>
+              <a:t>, MS Paint</a:t>
+            </a:r>
+          </a:p>
+          <a:p>
+            <a:r>
+              <a:rPr lang="de-DE" dirty="0" err="1" smtClean="0"/>
+              <a:t>Violet</a:t>
+            </a:r>
+            <a:endParaRPr lang="de-DE" dirty="0" smtClean="0"/>
+          </a:p>
+          <a:p>
+            <a:r>
+              <a:rPr lang="de-DE" dirty="0" err="1" smtClean="0"/>
+              <a:t>KanbanBoard</a:t>
+            </a:r>
+            <a:endParaRPr lang="de-DE" dirty="0" smtClean="0"/>
+          </a:p>
+          <a:p>
+            <a:pPr lvl="1"/>
+            <a:r>
+              <a:rPr lang="de-DE" dirty="0" err="1" smtClean="0"/>
+              <a:t>Storykarten</a:t>
+            </a:r>
+            <a:endParaRPr lang="de-DE" dirty="0" smtClean="0"/>
+          </a:p>
+          <a:p>
+            <a:pPr lvl="1"/>
+            <a:r>
+              <a:rPr lang="de-DE" dirty="0" smtClean="0"/>
+              <a:t>Taskkarten</a:t>
+            </a:r>
           </a:p>
         </p:txBody>
       </p:sp>
@@ -6052,38 +6757,78 @@
           <a:p>
             <a:r>
               <a:rPr lang="de-DE" dirty="0" smtClean="0"/>
-              <a:t>Überblick über das System</a:t>
+              <a:t>Unsere Architektur</a:t>
             </a:r>
             <a:endParaRPr lang="de-DE" dirty="0"/>
           </a:p>
         </p:txBody>
       </p:sp>
-      <p:pic>
-        <p:nvPicPr>
-          <p:cNvPr id="1026" name="Picture 2" descr="Z:\SEP\SEP12\stuff\Zuul-Diagramm.png"/>
-          <p:cNvPicPr>
-            <a:picLocks noChangeAspect="1" noChangeArrowheads="1"/>
-          </p:cNvPicPr>
-          <p:nvPr/>
-        </p:nvPicPr>
-        <p:blipFill>
-          <a:blip r:embed="rId2" cstate="print"/>
-          <a:srcRect/>
-          <a:stretch>
-            <a:fillRect/>
-          </a:stretch>
-        </p:blipFill>
-        <p:spPr bwMode="auto">
+      <p:sp>
+        <p:nvSpPr>
+          <p:cNvPr id="3" name="Inhaltsplatzhalter 2"/>
+          <p:cNvSpPr>
+            <a:spLocks noGrp="1"/>
+          </p:cNvSpPr>
+          <p:nvPr>
+            <p:ph sz="half" idx="1"/>
+          </p:nvPr>
+        </p:nvSpPr>
+        <p:spPr>
           <a:xfrm>
-            <a:off x="477938" y="1628800"/>
-            <a:ext cx="8054502" cy="4464496"/>
+            <a:off x="457200" y="1600200"/>
+            <a:ext cx="8219256" cy="4525963"/>
           </a:xfrm>
-          <a:prstGeom prst="rect">
-            <a:avLst/>
-          </a:prstGeom>
-          <a:noFill/>
         </p:spPr>
-      </p:pic>
+        <p:txBody>
+          <a:bodyPr/>
+          <a:lstStyle/>
+          <a:p>
+            <a:pPr>
+              <a:lnSpc>
+                <a:spcPct val="150000"/>
+              </a:lnSpc>
+            </a:pPr>
+            <a:r>
+              <a:rPr lang="de-DE" dirty="0" smtClean="0"/>
+              <a:t>Client-Server</a:t>
+            </a:r>
+          </a:p>
+          <a:p>
+            <a:pPr>
+              <a:lnSpc>
+                <a:spcPct val="150000"/>
+              </a:lnSpc>
+            </a:pPr>
+            <a:r>
+              <a:rPr lang="de-DE" dirty="0" smtClean="0"/>
+              <a:t>Werkzeug und Werkzeug-UI</a:t>
+            </a:r>
+          </a:p>
+          <a:p>
+            <a:pPr>
+              <a:lnSpc>
+                <a:spcPct val="150000"/>
+              </a:lnSpc>
+            </a:pPr>
+            <a:r>
+              <a:rPr lang="de-DE" dirty="0" err="1" smtClean="0"/>
+              <a:t>Package</a:t>
+            </a:r>
+            <a:r>
+              <a:rPr lang="de-DE" dirty="0" smtClean="0"/>
+              <a:t>-Struktur: </a:t>
+            </a:r>
+            <a:r>
+              <a:rPr lang="de-DE" dirty="0" err="1" smtClean="0"/>
+              <a:t>Plugin</a:t>
+            </a:r>
+            <a:endParaRPr lang="de-DE" dirty="0" smtClean="0"/>
+          </a:p>
+          <a:p>
+            <a:endParaRPr lang="de-DE" dirty="0"/>
+          </a:p>
+        </p:txBody>
+      </p:sp>
     </p:spTree>
   </p:cSld>
   <p:clrMapOvr>
@@ -6132,134 +6877,39 @@
           <a:lstStyle/>
           <a:p>
             <a:r>
-              <a:rPr lang="de-DE" strike="sngStrike" dirty="0" smtClean="0"/>
-              <a:t>Trucks</a:t>
-            </a:r>
-            <a:endParaRPr lang="de-DE" strike="sngStrike" dirty="0"/>
-          </a:p>
-        </p:txBody>
-      </p:sp>
-      <p:sp>
-        <p:nvSpPr>
-          <p:cNvPr id="3" name="Inhaltsplatzhalter 2"/>
-          <p:cNvSpPr>
-            <a:spLocks noGrp="1"/>
-          </p:cNvSpPr>
-          <p:nvPr>
-            <p:ph sz="half" idx="1"/>
-          </p:nvPr>
-        </p:nvSpPr>
-        <p:spPr>
+              <a:rPr lang="de-DE" dirty="0" smtClean="0"/>
+              <a:t>Überblick über das System</a:t>
+            </a:r>
+            <a:endParaRPr lang="de-DE" dirty="0"/>
+          </a:p>
+        </p:txBody>
+      </p:sp>
+      <p:pic>
+        <p:nvPicPr>
+          <p:cNvPr id="3" name="Picture 2" descr="Z:\git\SEP12\stuff\Zuul-Diagramm.png"/>
+          <p:cNvPicPr>
+            <a:picLocks noChangeAspect="1" noChangeArrowheads="1"/>
+          </p:cNvPicPr>
+          <p:nvPr/>
+        </p:nvPicPr>
+        <p:blipFill>
+          <a:blip r:embed="rId2" cstate="print"/>
+          <a:srcRect/>
+          <a:stretch>
+            <a:fillRect/>
+          </a:stretch>
+        </p:blipFill>
+        <p:spPr bwMode="auto">
           <a:xfrm>
-            <a:off x="457200" y="1600200"/>
-            <a:ext cx="6995120" cy="4525963"/>
+            <a:off x="179512" y="1412776"/>
+            <a:ext cx="8853443" cy="4320480"/>
           </a:xfrm>
+          <a:prstGeom prst="rect">
+            <a:avLst/>
+          </a:prstGeom>
+          <a:noFill/>
         </p:spPr>
-        <p:txBody>
-          <a:bodyPr>
-            <a:normAutofit fontScale="92500" lnSpcReduction="10000"/>
-          </a:bodyPr>
-          <a:lstStyle/>
-          <a:p>
-            <a:r>
-              <a:rPr lang="de-DE" dirty="0" smtClean="0"/>
-              <a:t>0gayh: Mädchen für alles</a:t>
-            </a:r>
-          </a:p>
-          <a:p>
-            <a:r>
-              <a:rPr lang="de-DE" dirty="0" smtClean="0"/>
-              <a:t>0graeff</a:t>
-            </a:r>
-            <a:r>
-              <a:rPr lang="de-DE" dirty="0" smtClean="0"/>
-              <a:t>: Editor</a:t>
-            </a:r>
-          </a:p>
-          <a:p>
-            <a:r>
-              <a:rPr lang="de-DE" dirty="0" smtClean="0"/>
-              <a:t>0klein</a:t>
-            </a:r>
-            <a:r>
-              <a:rPr lang="de-DE" dirty="0" smtClean="0"/>
-              <a:t>: </a:t>
-            </a:r>
-            <a:r>
-              <a:rPr lang="de-DE" dirty="0" err="1" smtClean="0"/>
-              <a:t>Testabdeckung+Raumstruktur</a:t>
-            </a:r>
-            <a:endParaRPr lang="de-DE" dirty="0" smtClean="0"/>
-          </a:p>
-          <a:p>
-            <a:r>
-              <a:rPr lang="de-DE" dirty="0" smtClean="0"/>
-              <a:t>0ortmann</a:t>
-            </a:r>
-            <a:r>
-              <a:rPr lang="de-DE" dirty="0" smtClean="0"/>
-              <a:t>: RMI</a:t>
-            </a:r>
-          </a:p>
-          <a:p>
-            <a:r>
-              <a:rPr lang="de-DE" dirty="0" smtClean="0"/>
-              <a:t>0schlund</a:t>
-            </a:r>
-            <a:r>
-              <a:rPr lang="de-DE" dirty="0" smtClean="0"/>
-              <a:t>: Testabdeckung</a:t>
-            </a:r>
-          </a:p>
-          <a:p>
-            <a:r>
-              <a:rPr lang="de-DE" dirty="0" smtClean="0"/>
-              <a:t>1fechner</a:t>
-            </a:r>
-            <a:r>
-              <a:rPr lang="de-DE" dirty="0" smtClean="0"/>
-              <a:t>: Grafiken</a:t>
-            </a:r>
-          </a:p>
-          <a:p>
-            <a:r>
-              <a:rPr lang="de-DE" dirty="0" smtClean="0"/>
-              <a:t>1griese: RMI + XML</a:t>
-            </a:r>
-          </a:p>
-          <a:p>
-            <a:r>
-              <a:rPr lang="de-DE" dirty="0" smtClean="0"/>
-              <a:t>1jost</a:t>
-            </a:r>
-            <a:r>
-              <a:rPr lang="de-DE" dirty="0" smtClean="0"/>
-              <a:t>: XML + GUI</a:t>
-            </a:r>
-          </a:p>
-          <a:p>
-            <a:r>
-              <a:rPr lang="de-DE" dirty="0" smtClean="0"/>
-              <a:t>1roebe</a:t>
-            </a:r>
-            <a:r>
-              <a:rPr lang="de-DE" dirty="0" smtClean="0"/>
-              <a:t>: GUI + Grafiken</a:t>
-            </a:r>
-          </a:p>
-          <a:p>
-            <a:r>
-              <a:rPr lang="de-DE" dirty="0" smtClean="0"/>
-              <a:t>1wiedema: </a:t>
-            </a:r>
-            <a:r>
-              <a:rPr lang="de-DE" dirty="0" err="1" smtClean="0"/>
-              <a:t>Git</a:t>
-            </a:r>
-            <a:endParaRPr lang="de-DE" dirty="0" smtClean="0"/>
-          </a:p>
-        </p:txBody>
-      </p:sp>
+      </p:pic>
     </p:spTree>
   </p:cSld>
   <p:clrMapOvr>
@@ -6309,122 +6959,35 @@
           <a:p>
             <a:r>
               <a:rPr lang="de-DE" dirty="0" smtClean="0"/>
-              <a:t>Tagesplan</a:t>
+              <a:t>Client-Server-Interface</a:t>
             </a:r>
             <a:endParaRPr lang="de-DE" dirty="0"/>
           </a:p>
         </p:txBody>
       </p:sp>
-      <p:sp>
-        <p:nvSpPr>
-          <p:cNvPr id="3" name="Inhaltsplatzhalter 2"/>
-          <p:cNvSpPr>
-            <a:spLocks noGrp="1"/>
-          </p:cNvSpPr>
-          <p:nvPr>
-            <p:ph sz="half" idx="1"/>
-          </p:nvPr>
-        </p:nvSpPr>
+      <p:pic>
+        <p:nvPicPr>
+          <p:cNvPr id="5" name="Inhaltsplatzhalter 4" descr="RMI-Bild.png"/>
+          <p:cNvPicPr>
+            <a:picLocks noGrp="1" noChangeAspect="1"/>
+          </p:cNvPicPr>
+          <p:nvPr>
+            <p:ph idx="1"/>
+          </p:nvPr>
+        </p:nvPicPr>
+        <p:blipFill>
+          <a:blip r:embed="rId2" cstate="print"/>
+          <a:stretch>
+            <a:fillRect/>
+          </a:stretch>
+        </p:blipFill>
         <p:spPr>
           <a:xfrm>
-            <a:off x="467544" y="1484784"/>
-            <a:ext cx="6059016" cy="4525963"/>
+            <a:off x="247905" y="3068961"/>
+            <a:ext cx="8648190" cy="1588442"/>
           </a:xfrm>
         </p:spPr>
-        <p:txBody>
-          <a:bodyPr>
-            <a:normAutofit fontScale="92500" lnSpcReduction="10000"/>
-          </a:bodyPr>
-          <a:lstStyle/>
-          <a:p>
-            <a:pPr>
-              <a:lnSpc>
-                <a:spcPct val="150000"/>
-              </a:lnSpc>
-            </a:pPr>
-            <a:r>
-              <a:rPr lang="de-DE" dirty="0" smtClean="0"/>
-              <a:t>[Vortrag]</a:t>
-            </a:r>
-          </a:p>
-          <a:p>
-            <a:pPr>
-              <a:lnSpc>
-                <a:spcPct val="150000"/>
-              </a:lnSpc>
-            </a:pPr>
-            <a:r>
-              <a:rPr lang="de-DE" dirty="0" err="1" smtClean="0"/>
-              <a:t>Standup</a:t>
-            </a:r>
-            <a:r>
-              <a:rPr lang="de-DE" dirty="0" smtClean="0"/>
-              <a:t>-Meeting (10-30 min)</a:t>
-            </a:r>
-          </a:p>
-          <a:p>
-            <a:pPr>
-              <a:lnSpc>
-                <a:spcPct val="150000"/>
-              </a:lnSpc>
-            </a:pPr>
-            <a:r>
-              <a:rPr lang="de-DE" dirty="0" smtClean="0"/>
-              <a:t>Arbeiten</a:t>
-            </a:r>
-          </a:p>
-          <a:p>
-            <a:pPr>
-              <a:lnSpc>
-                <a:spcPct val="150000"/>
-              </a:lnSpc>
-            </a:pPr>
-            <a:r>
-              <a:rPr lang="de-DE" dirty="0" smtClean="0"/>
-              <a:t>Mittag</a:t>
-            </a:r>
-          </a:p>
-          <a:p>
-            <a:pPr>
-              <a:lnSpc>
-                <a:spcPct val="150000"/>
-              </a:lnSpc>
-            </a:pPr>
-            <a:r>
-              <a:rPr lang="de-DE" dirty="0" smtClean="0"/>
-              <a:t>Mehr arbeiten</a:t>
-            </a:r>
-          </a:p>
-          <a:p>
-            <a:pPr>
-              <a:lnSpc>
-                <a:spcPct val="150000"/>
-              </a:lnSpc>
-            </a:pPr>
-            <a:r>
-              <a:rPr lang="de-DE" dirty="0" smtClean="0"/>
-              <a:t>[Code Review]</a:t>
-            </a:r>
-          </a:p>
-          <a:p>
-            <a:pPr>
-              <a:lnSpc>
-                <a:spcPct val="150000"/>
-              </a:lnSpc>
-            </a:pPr>
-            <a:r>
-              <a:rPr lang="de-DE" dirty="0" smtClean="0"/>
-              <a:t>Kundenpräsentation</a:t>
-            </a:r>
-          </a:p>
-          <a:p>
-            <a:endParaRPr lang="de-DE" dirty="0" smtClean="0"/>
-          </a:p>
-          <a:p>
-            <a:endParaRPr lang="de-DE" dirty="0"/>
-          </a:p>
-        </p:txBody>
-      </p:sp>
+      </p:pic>
     </p:spTree>
   </p:cSld>
   <p:clrMapOvr>
@@ -6474,109 +7037,9 @@
           <a:p>
             <a:r>
               <a:rPr lang="de-DE" dirty="0" smtClean="0"/>
-              <a:t>Unser Spiel</a:t>
+              <a:t>Befehlsstruktur</a:t>
             </a:r>
             <a:endParaRPr lang="de-DE" dirty="0"/>
-          </a:p>
-        </p:txBody>
-      </p:sp>
-      <p:sp>
-        <p:nvSpPr>
-          <p:cNvPr id="3" name="Inhaltsplatzhalter 2"/>
-          <p:cNvSpPr>
-            <a:spLocks noGrp="1"/>
-          </p:cNvSpPr>
-          <p:nvPr>
-            <p:ph sz="half" idx="1"/>
-          </p:nvPr>
-        </p:nvSpPr>
-        <p:spPr>
-          <a:xfrm>
-            <a:off x="457200" y="1340768"/>
-            <a:ext cx="8219256" cy="4785395"/>
-          </a:xfrm>
-        </p:spPr>
-        <p:txBody>
-          <a:bodyPr>
-            <a:normAutofit lnSpcReduction="10000"/>
-          </a:bodyPr>
-          <a:lstStyle/>
-          <a:p>
-            <a:pPr>
-              <a:lnSpc>
-                <a:spcPct val="150000"/>
-              </a:lnSpc>
-            </a:pPr>
-            <a:r>
-              <a:rPr lang="de-DE" dirty="0" smtClean="0"/>
-              <a:t>Dr. Little ist klein</a:t>
-            </a:r>
-          </a:p>
-          <a:p>
-            <a:pPr>
-              <a:lnSpc>
-                <a:spcPct val="150000"/>
-              </a:lnSpc>
-            </a:pPr>
-            <a:r>
-              <a:rPr lang="de-DE" dirty="0" smtClean="0"/>
-              <a:t>Muss Gegengift finden</a:t>
-            </a:r>
-          </a:p>
-          <a:p>
-            <a:pPr>
-              <a:lnSpc>
-                <a:spcPct val="150000"/>
-              </a:lnSpc>
-            </a:pPr>
-            <a:r>
-              <a:rPr lang="de-DE" dirty="0" smtClean="0"/>
-              <a:t>Raumwechsel kostet Leben</a:t>
-            </a:r>
-          </a:p>
-          <a:p>
-            <a:pPr>
-              <a:lnSpc>
-                <a:spcPct val="150000"/>
-              </a:lnSpc>
-            </a:pPr>
-            <a:r>
-              <a:rPr lang="de-DE" dirty="0" smtClean="0"/>
-              <a:t>Krümel geben Leben</a:t>
-            </a:r>
-          </a:p>
-          <a:p>
-            <a:pPr>
-              <a:lnSpc>
-                <a:spcPct val="150000"/>
-              </a:lnSpc>
-            </a:pPr>
-            <a:r>
-              <a:rPr lang="de-DE" dirty="0" smtClean="0"/>
-              <a:t>Giftkrümel nicht</a:t>
-            </a:r>
-          </a:p>
-          <a:p>
-            <a:pPr>
-              <a:lnSpc>
-                <a:spcPct val="150000"/>
-              </a:lnSpc>
-            </a:pPr>
-            <a:r>
-              <a:rPr lang="de-DE" dirty="0" smtClean="0"/>
-              <a:t>Maus kann Weg weisen</a:t>
-            </a:r>
-          </a:p>
-          <a:p>
-            <a:pPr>
-              <a:lnSpc>
-                <a:spcPct val="150000"/>
-              </a:lnSpc>
-            </a:pPr>
-            <a:r>
-              <a:rPr lang="de-DE" dirty="0" smtClean="0"/>
-              <a:t>Katze ist aggressiv</a:t>
-            </a:r>
           </a:p>
         </p:txBody>
       </p:sp>
@@ -6614,227 +7077,142 @@
       </p:grpSpPr>
       <p:sp>
         <p:nvSpPr>
-          <p:cNvPr id="9" name="Titel 8"/>
+          <p:cNvPr id="2" name="Titel 1"/>
           <p:cNvSpPr>
             <a:spLocks noGrp="1"/>
           </p:cNvSpPr>
           <p:nvPr>
             <p:ph type="title"/>
+          </p:nvPr>
+        </p:nvSpPr>
+        <p:spPr/>
+        <p:txBody>
+          <a:bodyPr/>
+          <a:lstStyle/>
+          <a:p>
+            <a:r>
+              <a:rPr lang="de-DE" strike="sngStrike" dirty="0" smtClean="0"/>
+              <a:t>Trucks</a:t>
+            </a:r>
+            <a:endParaRPr lang="de-DE" strike="sngStrike" dirty="0"/>
+          </a:p>
+        </p:txBody>
+      </p:sp>
+      <p:sp>
+        <p:nvSpPr>
+          <p:cNvPr id="3" name="Inhaltsplatzhalter 2"/>
+          <p:cNvSpPr>
+            <a:spLocks noGrp="1"/>
+          </p:cNvSpPr>
+          <p:nvPr>
+            <p:ph sz="half" idx="1"/>
           </p:nvPr>
         </p:nvSpPr>
         <p:spPr>
           <a:xfrm>
-            <a:off x="457200" y="274638"/>
-            <a:ext cx="4114800" cy="1143000"/>
+            <a:off x="457200" y="1600200"/>
+            <a:ext cx="6995120" cy="4525963"/>
           </a:xfrm>
         </p:spPr>
         <p:txBody>
           <a:bodyPr>
-            <a:normAutofit/>
+            <a:normAutofit fontScale="92500" lnSpcReduction="10000"/>
           </a:bodyPr>
           <a:lstStyle/>
           <a:p>
-            <a:pPr algn="l"/>
-            <a:r>
-              <a:rPr lang="de-DE" dirty="0" smtClean="0"/>
-              <a:t>Donnerstag 1</a:t>
-            </a:r>
-            <a:endParaRPr lang="de-DE" dirty="0"/>
-          </a:p>
-        </p:txBody>
-      </p:sp>
-      <p:sp>
-        <p:nvSpPr>
-          <p:cNvPr id="10" name="Inhaltsplatzhalter 9"/>
-          <p:cNvSpPr>
-            <a:spLocks noGrp="1"/>
-          </p:cNvSpPr>
-          <p:nvPr>
-            <p:ph sz="half" idx="1"/>
-          </p:nvPr>
-        </p:nvSpPr>
-        <p:spPr>
-          <a:xfrm>
-            <a:off x="457200" y="2276872"/>
-            <a:ext cx="8363272" cy="3849291"/>
-          </a:xfrm>
-        </p:spPr>
-        <p:txBody>
-          <a:bodyPr/>
-          <a:lstStyle/>
-          <a:p>
-            <a:r>
-              <a:rPr lang="de-DE" dirty="0" err="1" smtClean="0"/>
-              <a:t>Eclipse</a:t>
-            </a:r>
-            <a:r>
-              <a:rPr lang="de-DE" dirty="0" smtClean="0"/>
-              <a:t> einrichten</a:t>
-            </a:r>
-          </a:p>
-          <a:p>
-            <a:pPr lvl="1"/>
-            <a:r>
-              <a:rPr lang="de-DE" dirty="0" smtClean="0"/>
-              <a:t>Templates und </a:t>
-            </a:r>
-            <a:r>
-              <a:rPr lang="de-DE" dirty="0" err="1" smtClean="0"/>
-              <a:t>Codeformatter</a:t>
-            </a:r>
-            <a:r>
-              <a:rPr lang="de-DE" dirty="0" smtClean="0"/>
-              <a:t> leicht verändert aus SE2</a:t>
-            </a:r>
-          </a:p>
-          <a:p>
+            <a:r>
+              <a:rPr lang="de-DE" dirty="0" smtClean="0"/>
+              <a:t>0gayh: GUI, Tests</a:t>
+            </a:r>
+          </a:p>
+          <a:p>
+            <a:r>
+              <a:rPr lang="de-DE" dirty="0" smtClean="0"/>
+              <a:t>0graeff</a:t>
+            </a:r>
+            <a:r>
+              <a:rPr lang="de-DE" dirty="0" smtClean="0"/>
+              <a:t>: Editor</a:t>
+            </a:r>
+          </a:p>
+          <a:p>
+            <a:r>
+              <a:rPr lang="de-DE" dirty="0" smtClean="0"/>
+              <a:t>0klein</a:t>
+            </a:r>
+            <a:r>
+              <a:rPr lang="de-DE" dirty="0" smtClean="0"/>
+              <a:t>: Tests, Raumstruktur</a:t>
+            </a:r>
+          </a:p>
+          <a:p>
+            <a:r>
+              <a:rPr lang="de-DE" dirty="0" smtClean="0"/>
+              <a:t>0ortmann</a:t>
+            </a:r>
+            <a:r>
+              <a:rPr lang="de-DE" dirty="0" smtClean="0"/>
+              <a:t>: RMI, Raumstruktur</a:t>
+            </a:r>
+          </a:p>
+          <a:p>
+            <a:r>
+              <a:rPr lang="de-DE" dirty="0" smtClean="0"/>
+              <a:t>0schlund</a:t>
+            </a:r>
+            <a:r>
+              <a:rPr lang="de-DE" dirty="0" smtClean="0"/>
+              <a:t>: Tests, RMI</a:t>
+            </a:r>
+          </a:p>
+          <a:p>
+            <a:r>
+              <a:rPr lang="de-DE" dirty="0" smtClean="0"/>
+              <a:t>1fechner</a:t>
+            </a:r>
+            <a:r>
+              <a:rPr lang="de-DE" dirty="0" smtClean="0"/>
+              <a:t>: Grafiken, Inventar</a:t>
+            </a:r>
+          </a:p>
+          <a:p>
+            <a:r>
+              <a:rPr lang="de-DE" dirty="0" smtClean="0"/>
+              <a:t>1griese: RMI, XML</a:t>
+            </a:r>
+          </a:p>
+          <a:p>
+            <a:r>
+              <a:rPr lang="de-DE" dirty="0" smtClean="0"/>
+              <a:t>1jost</a:t>
+            </a:r>
+            <a:r>
+              <a:rPr lang="de-DE" dirty="0" smtClean="0"/>
+              <a:t>: XML, GUI</a:t>
+            </a:r>
+          </a:p>
+          <a:p>
+            <a:r>
+              <a:rPr lang="de-DE" dirty="0" smtClean="0"/>
+              <a:t>1roebe</a:t>
+            </a:r>
+            <a:r>
+              <a:rPr lang="de-DE" dirty="0" smtClean="0"/>
+              <a:t>: GUI, Grafiken</a:t>
+            </a:r>
+          </a:p>
+          <a:p>
+            <a:r>
+              <a:rPr lang="de-DE" dirty="0" smtClean="0"/>
+              <a:t>1wiedema: </a:t>
+            </a:r>
             <a:r>
               <a:rPr lang="de-DE" dirty="0" err="1" smtClean="0"/>
               <a:t>Git</a:t>
             </a:r>
             <a:r>
               <a:rPr lang="de-DE" dirty="0" smtClean="0"/>
-              <a:t> Repository </a:t>
-            </a:r>
-            <a:r>
-              <a:rPr lang="en-US" dirty="0" err="1" smtClean="0"/>
-              <a:t>einrichten</a:t>
-            </a:r>
-            <a:endParaRPr lang="de-DE" dirty="0" smtClean="0"/>
-          </a:p>
-          <a:p>
-            <a:endParaRPr lang="de-DE" dirty="0" smtClean="0"/>
-          </a:p>
-        </p:txBody>
-      </p:sp>
-      <p:sp>
-        <p:nvSpPr>
-          <p:cNvPr id="12" name="Textfeld 11"/>
-          <p:cNvSpPr txBox="1"/>
-          <p:nvPr/>
-        </p:nvSpPr>
-        <p:spPr>
-          <a:xfrm>
-            <a:off x="457200" y="1628800"/>
-            <a:ext cx="8229600" cy="523220"/>
-          </a:xfrm>
-          <a:prstGeom prst="rect">
-            <a:avLst/>
-          </a:prstGeom>
-          <a:noFill/>
-        </p:spPr>
-        <p:txBody>
-          <a:bodyPr wrap="square" rtlCol="0">
-            <a:spAutoFit/>
-          </a:bodyPr>
-          <a:lstStyle/>
-          <a:p>
-            <a:r>
-              <a:rPr lang="de-DE" sz="2800" i="1" dirty="0" smtClean="0"/>
-              <a:t>Vortrag: </a:t>
-            </a:r>
-            <a:r>
-              <a:rPr lang="de-DE" sz="2800" i="1" dirty="0" err="1" smtClean="0"/>
-              <a:t>Git</a:t>
-            </a:r>
-            <a:r>
-              <a:rPr lang="de-DE" sz="2800" i="1" dirty="0" smtClean="0"/>
-              <a:t> [0graeff, 1wiedema]</a:t>
-            </a:r>
-            <a:endParaRPr lang="de-DE" sz="2800" i="1" dirty="0"/>
-          </a:p>
-        </p:txBody>
-      </p:sp>
-      <p:sp>
-        <p:nvSpPr>
-          <p:cNvPr id="13" name="Titel 8"/>
-          <p:cNvSpPr txBox="1">
-            <a:spLocks/>
-          </p:cNvSpPr>
-          <p:nvPr/>
-        </p:nvSpPr>
-        <p:spPr>
-          <a:xfrm>
-            <a:off x="4716016" y="273600"/>
-            <a:ext cx="4123184" cy="1143000"/>
-          </a:xfrm>
-          <a:prstGeom prst="rect">
-            <a:avLst/>
-          </a:prstGeom>
-        </p:spPr>
-        <p:txBody>
-          <a:bodyPr vert="horz" lIns="91440" tIns="45720" rIns="91440" bIns="45720" rtlCol="0" anchor="ctr">
-            <a:normAutofit fontScale="92500" lnSpcReduction="20000"/>
-          </a:bodyPr>
-          <a:lstStyle/>
-          <a:p>
-            <a:pPr marL="0" marR="0" lvl="0" indent="0" algn="r" defTabSz="914400" rtl="0" eaLnBrk="1" fontAlgn="auto" latinLnBrk="0" hangingPunct="1">
-              <a:lnSpc>
-                <a:spcPct val="100000"/>
-              </a:lnSpc>
-              <a:spcBef>
-                <a:spcPct val="0"/>
-              </a:spcBef>
-              <a:spcAft>
-                <a:spcPts val="0"/>
-              </a:spcAft>
-              <a:buClrTx/>
-              <a:buSzTx/>
-              <a:buFontTx/>
-              <a:buNone/>
-              <a:tabLst/>
-              <a:defRPr/>
-            </a:pPr>
-            <a:r>
-              <a:rPr kumimoji="0" lang="de-DE" sz="4400" b="0" i="0" u="none" strike="noStrike" kern="1200" cap="none" spc="0" normalizeH="0" baseline="0" noProof="0" dirty="0" smtClean="0">
-                <a:ln>
-                  <a:noFill/>
-                </a:ln>
-                <a:solidFill>
-                  <a:schemeClr val="tx1"/>
-                </a:solidFill>
-                <a:effectLst/>
-                <a:uLnTx/>
-                <a:uFillTx/>
-                <a:latin typeface="+mj-lt"/>
-                <a:ea typeface="+mj-ea"/>
-                <a:cs typeface="+mj-cs"/>
-              </a:rPr>
-              <a:t>Gruppenleiter:</a:t>
-            </a:r>
-            <a:r>
-              <a:rPr kumimoji="0" lang="de-DE" sz="4400" b="0" i="0" u="none" strike="noStrike" kern="1200" cap="none" spc="0" normalizeH="0" noProof="0" dirty="0" smtClean="0">
-                <a:ln>
-                  <a:noFill/>
-                </a:ln>
-                <a:solidFill>
-                  <a:schemeClr val="tx1"/>
-                </a:solidFill>
-                <a:effectLst/>
-                <a:uLnTx/>
-                <a:uFillTx/>
-                <a:latin typeface="+mj-lt"/>
-                <a:ea typeface="+mj-ea"/>
-                <a:cs typeface="+mj-cs"/>
-              </a:rPr>
-              <a:t> </a:t>
-            </a:r>
-            <a:r>
-              <a:rPr kumimoji="0" lang="de-DE" sz="4400" b="0" i="0" u="none" strike="noStrike" kern="1200" cap="none" spc="0" normalizeH="0" baseline="0" noProof="0" dirty="0" smtClean="0">
-                <a:ln>
-                  <a:noFill/>
-                </a:ln>
-                <a:solidFill>
-                  <a:schemeClr val="tx1"/>
-                </a:solidFill>
-                <a:effectLst/>
-                <a:uLnTx/>
-                <a:uFillTx/>
-                <a:latin typeface="+mj-lt"/>
-                <a:ea typeface="+mj-ea"/>
-                <a:cs typeface="+mj-cs"/>
-              </a:rPr>
-              <a:t>[1jost]</a:t>
+              <a:t>, Befehle</a:t>
             </a:r>
           </a:p>
         </p:txBody>
